--- a/My Files/UI design.pptx
+++ b/My Files/UI design.pptx
@@ -5,15 +5,14 @@
     <p:sldMasterId id="2147483648" r:id="rId1"/>
   </p:sldMasterIdLst>
   <p:notesMasterIdLst>
-    <p:notesMasterId r:id="rId8"/>
+    <p:notesMasterId r:id="rId7"/>
   </p:notesMasterIdLst>
   <p:sldIdLst>
     <p:sldId id="256" r:id="rId2"/>
     <p:sldId id="257" r:id="rId3"/>
     <p:sldId id="259" r:id="rId4"/>
     <p:sldId id="260" r:id="rId5"/>
-    <p:sldId id="261" r:id="rId6"/>
-    <p:sldId id="258" r:id="rId7"/>
+    <p:sldId id="258" r:id="rId6"/>
   </p:sldIdLst>
   <p:sldSz cx="12192000" cy="6858000"/>
   <p:notesSz cx="6858000" cy="9144000"/>
@@ -7198,6 +7197,42 @@
           </a:p>
         </p:txBody>
       </p:sp>
+      <p:pic>
+        <p:nvPicPr>
+          <p:cNvPr id="7" name="Picture 6" descr="A logo with blue and white stripes&#10;&#10;Description automatically generated">
+            <a:extLst>
+              <a:ext uri="{FF2B5EF4-FFF2-40B4-BE49-F238E27FC236}">
+                <a16:creationId xmlns:a16="http://schemas.microsoft.com/office/drawing/2014/main" id="{AF4E1801-F70B-8F6B-E5E9-731378C7E20F}"/>
+              </a:ext>
+            </a:extLst>
+          </p:cNvPr>
+          <p:cNvPicPr>
+            <a:picLocks noChangeAspect="1"/>
+          </p:cNvPicPr>
+          <p:nvPr/>
+        </p:nvPicPr>
+        <p:blipFill>
+          <a:blip r:embed="rId2">
+            <a:extLst>
+              <a:ext uri="{28A0092B-C50C-407E-A947-70E740481C1C}">
+                <a14:useLocalDpi xmlns:a14="http://schemas.microsoft.com/office/drawing/2010/main" val="0"/>
+              </a:ext>
+            </a:extLst>
+          </a:blip>
+          <a:stretch>
+            <a:fillRect/>
+          </a:stretch>
+        </p:blipFill>
+        <p:spPr>
+          <a:xfrm>
+            <a:off x="3124822" y="3366867"/>
+            <a:ext cx="2088527" cy="2082227"/>
+          </a:xfrm>
+          <a:prstGeom prst="rect">
+            <a:avLst/>
+          </a:prstGeom>
+        </p:spPr>
+      </p:pic>
     </p:spTree>
     <p:extLst>
       <p:ext uri="{BB962C8B-B14F-4D97-AF65-F5344CB8AC3E}">
@@ -10044,6 +10079,256 @@
           </p:txBody>
         </p:sp>
       </p:grpSp>
+      <p:grpSp>
+        <p:nvGrpSpPr>
+          <p:cNvPr id="31" name="Group 30">
+            <a:extLst>
+              <a:ext uri="{FF2B5EF4-FFF2-40B4-BE49-F238E27FC236}">
+                <a16:creationId xmlns:a16="http://schemas.microsoft.com/office/drawing/2014/main" id="{1BA3E53C-0F15-683F-DF8A-97AF85BABDD3}"/>
+              </a:ext>
+            </a:extLst>
+          </p:cNvPr>
+          <p:cNvGrpSpPr/>
+          <p:nvPr/>
+        </p:nvGrpSpPr>
+        <p:grpSpPr>
+          <a:xfrm>
+            <a:off x="2242140" y="2937185"/>
+            <a:ext cx="484750" cy="484750"/>
+            <a:chOff x="1134763" y="3022310"/>
+            <a:chExt cx="484750" cy="484750"/>
+          </a:xfrm>
+        </p:grpSpPr>
+        <p:sp>
+          <p:nvSpPr>
+            <p:cNvPr id="32" name="Oval 31">
+              <a:extLst>
+                <a:ext uri="{FF2B5EF4-FFF2-40B4-BE49-F238E27FC236}">
+                  <a16:creationId xmlns:a16="http://schemas.microsoft.com/office/drawing/2014/main" id="{7CC556CF-61BF-F391-C88F-A738DBF8608E}"/>
+                </a:ext>
+              </a:extLst>
+            </p:cNvPr>
+            <p:cNvSpPr/>
+            <p:nvPr/>
+          </p:nvSpPr>
+          <p:spPr>
+            <a:xfrm>
+              <a:off x="1134763" y="3022310"/>
+              <a:ext cx="484750" cy="484750"/>
+            </a:xfrm>
+            <a:prstGeom prst="ellipse">
+              <a:avLst/>
+            </a:prstGeom>
+          </p:spPr>
+          <p:style>
+            <a:lnRef idx="2">
+              <a:schemeClr val="accent1">
+                <a:shade val="15000"/>
+              </a:schemeClr>
+            </a:lnRef>
+            <a:fillRef idx="1">
+              <a:schemeClr val="accent1"/>
+            </a:fillRef>
+            <a:effectRef idx="0">
+              <a:schemeClr val="accent1"/>
+            </a:effectRef>
+            <a:fontRef idx="minor">
+              <a:schemeClr val="lt1"/>
+            </a:fontRef>
+          </p:style>
+          <p:txBody>
+            <a:bodyPr rtlCol="0" anchor="ctr"/>
+            <a:lstStyle/>
+            <a:p>
+              <a:pPr algn="ctr"/>
+              <a:endParaRPr lang="LID4096" dirty="0"/>
+            </a:p>
+          </p:txBody>
+        </p:sp>
+        <p:pic>
+          <p:nvPicPr>
+            <p:cNvPr id="35" name="Picture 34" descr="A logo with blue and white stripes&#10;&#10;Description automatically generated">
+              <a:extLst>
+                <a:ext uri="{FF2B5EF4-FFF2-40B4-BE49-F238E27FC236}">
+                  <a16:creationId xmlns:a16="http://schemas.microsoft.com/office/drawing/2014/main" id="{357BF465-6951-4F01-29F3-51F823411F95}"/>
+                </a:ext>
+              </a:extLst>
+            </p:cNvPr>
+            <p:cNvPicPr>
+              <a:picLocks noChangeAspect="1"/>
+            </p:cNvPicPr>
+            <p:nvPr/>
+          </p:nvPicPr>
+          <p:blipFill>
+            <a:blip r:embed="rId3">
+              <a:extLst>
+                <a:ext uri="{BEBA8EAE-BF5A-486C-A8C5-ECC9F3942E4B}">
+                  <a14:imgProps xmlns:a14="http://schemas.microsoft.com/office/drawing/2010/main">
+                    <a14:imgLayer r:embed="rId4">
+                      <a14:imgEffect>
+                        <a14:backgroundRemoval t="10000" b="90000" l="10000" r="90000">
+                          <a14:backgroundMark x1="23002" y1="48033" x2="47587" y2="83359"/>
+                          <a14:backgroundMark x1="47587" y1="83359" x2="55732" y2="81165"/>
+                          <a14:backgroundMark x1="55732" y1="81165" x2="79713" y2="47352"/>
+                          <a14:backgroundMark x1="79713" y1="47352" x2="79713" y2="47352"/>
+                          <a14:backgroundMark x1="78658" y1="41150" x2="78658" y2="41150"/>
+                          <a14:backgroundMark x1="78205" y1="40696" x2="78205" y2="40696"/>
+                          <a14:backgroundMark x1="78130" y1="38200" x2="78130" y2="43116"/>
+                          <a14:backgroundMark x1="78582" y1="33964" x2="78281" y2="29123"/>
+                          <a14:backgroundMark x1="53017" y1="28139" x2="53243" y2="27912"/>
+                          <a14:backgroundMark x1="77979" y1="39713" x2="78281" y2="42890"/>
+                          <a14:backgroundMark x1="78130" y1="40696" x2="78205" y2="43192"/>
+                          <a14:backgroundMark x1="77903" y1="40847" x2="78205" y2="42814"/>
+                          <a14:backgroundMark x1="69683" y1="56505" x2="71719" y2="53707"/>
+                        </a14:backgroundRemoval>
+                      </a14:imgEffect>
+                    </a14:imgLayer>
+                  </a14:imgProps>
+                </a:ext>
+                <a:ext uri="{28A0092B-C50C-407E-A947-70E740481C1C}">
+                  <a14:useLocalDpi xmlns:a14="http://schemas.microsoft.com/office/drawing/2010/main" val="0"/>
+                </a:ext>
+              </a:extLst>
+            </a:blip>
+            <a:srcRect l="20932" t="21634" r="21535" b="19823"/>
+            <a:stretch/>
+          </p:blipFill>
+          <p:spPr>
+            <a:xfrm>
+              <a:off x="1197403" y="3111992"/>
+              <a:ext cx="359469" cy="364686"/>
+            </a:xfrm>
+            <a:prstGeom prst="rect">
+              <a:avLst/>
+            </a:prstGeom>
+          </p:spPr>
+        </p:pic>
+      </p:grpSp>
+      <p:grpSp>
+        <p:nvGrpSpPr>
+          <p:cNvPr id="37" name="Group 36">
+            <a:extLst>
+              <a:ext uri="{FF2B5EF4-FFF2-40B4-BE49-F238E27FC236}">
+                <a16:creationId xmlns:a16="http://schemas.microsoft.com/office/drawing/2014/main" id="{55B8A5E5-0B9D-73A9-CE1A-BE0D06058ECE}"/>
+              </a:ext>
+            </a:extLst>
+          </p:cNvPr>
+          <p:cNvGrpSpPr/>
+          <p:nvPr/>
+        </p:nvGrpSpPr>
+        <p:grpSpPr>
+          <a:xfrm>
+            <a:off x="2240175" y="-23223"/>
+            <a:ext cx="484750" cy="484750"/>
+            <a:chOff x="1134763" y="3022310"/>
+            <a:chExt cx="484750" cy="484750"/>
+          </a:xfrm>
+        </p:grpSpPr>
+        <p:sp>
+          <p:nvSpPr>
+            <p:cNvPr id="38" name="Oval 37">
+              <a:extLst>
+                <a:ext uri="{FF2B5EF4-FFF2-40B4-BE49-F238E27FC236}">
+                  <a16:creationId xmlns:a16="http://schemas.microsoft.com/office/drawing/2014/main" id="{2C6E3423-BCAE-078E-FC39-4DB0549401DB}"/>
+                </a:ext>
+              </a:extLst>
+            </p:cNvPr>
+            <p:cNvSpPr/>
+            <p:nvPr/>
+          </p:nvSpPr>
+          <p:spPr>
+            <a:xfrm>
+              <a:off x="1134763" y="3022310"/>
+              <a:ext cx="484750" cy="484750"/>
+            </a:xfrm>
+            <a:prstGeom prst="ellipse">
+              <a:avLst/>
+            </a:prstGeom>
+          </p:spPr>
+          <p:style>
+            <a:lnRef idx="2">
+              <a:schemeClr val="accent1">
+                <a:shade val="15000"/>
+              </a:schemeClr>
+            </a:lnRef>
+            <a:fillRef idx="1">
+              <a:schemeClr val="accent1"/>
+            </a:fillRef>
+            <a:effectRef idx="0">
+              <a:schemeClr val="accent1"/>
+            </a:effectRef>
+            <a:fontRef idx="minor">
+              <a:schemeClr val="lt1"/>
+            </a:fontRef>
+          </p:style>
+          <p:txBody>
+            <a:bodyPr rtlCol="0" anchor="ctr"/>
+            <a:lstStyle/>
+            <a:p>
+              <a:pPr algn="ctr"/>
+              <a:endParaRPr lang="LID4096" dirty="0"/>
+            </a:p>
+          </p:txBody>
+        </p:sp>
+        <p:pic>
+          <p:nvPicPr>
+            <p:cNvPr id="68" name="Picture 67" descr="A logo with blue and white stripes&#10;&#10;Description automatically generated">
+              <a:extLst>
+                <a:ext uri="{FF2B5EF4-FFF2-40B4-BE49-F238E27FC236}">
+                  <a16:creationId xmlns:a16="http://schemas.microsoft.com/office/drawing/2014/main" id="{36F0E2E4-58AD-29AC-CF7C-8C8383FE9E87}"/>
+                </a:ext>
+              </a:extLst>
+            </p:cNvPr>
+            <p:cNvPicPr>
+              <a:picLocks noChangeAspect="1"/>
+            </p:cNvPicPr>
+            <p:nvPr/>
+          </p:nvPicPr>
+          <p:blipFill>
+            <a:blip r:embed="rId3">
+              <a:extLst>
+                <a:ext uri="{BEBA8EAE-BF5A-486C-A8C5-ECC9F3942E4B}">
+                  <a14:imgProps xmlns:a14="http://schemas.microsoft.com/office/drawing/2010/main">
+                    <a14:imgLayer r:embed="rId4">
+                      <a14:imgEffect>
+                        <a14:backgroundRemoval t="10000" b="90000" l="10000" r="90000">
+                          <a14:backgroundMark x1="23002" y1="48033" x2="47587" y2="83359"/>
+                          <a14:backgroundMark x1="47587" y1="83359" x2="55732" y2="81165"/>
+                          <a14:backgroundMark x1="55732" y1="81165" x2="79713" y2="47352"/>
+                          <a14:backgroundMark x1="79713" y1="47352" x2="79713" y2="47352"/>
+                          <a14:backgroundMark x1="78658" y1="41150" x2="78658" y2="41150"/>
+                          <a14:backgroundMark x1="78205" y1="40696" x2="78205" y2="40696"/>
+                          <a14:backgroundMark x1="78130" y1="38200" x2="78130" y2="43116"/>
+                          <a14:backgroundMark x1="78582" y1="33964" x2="78281" y2="29123"/>
+                          <a14:backgroundMark x1="53017" y1="28139" x2="53243" y2="27912"/>
+                          <a14:backgroundMark x1="77979" y1="39713" x2="78281" y2="42890"/>
+                          <a14:backgroundMark x1="78130" y1="40696" x2="78205" y2="43192"/>
+                          <a14:backgroundMark x1="77903" y1="40847" x2="78205" y2="42814"/>
+                          <a14:backgroundMark x1="69683" y1="56505" x2="71719" y2="53707"/>
+                        </a14:backgroundRemoval>
+                      </a14:imgEffect>
+                    </a14:imgLayer>
+                  </a14:imgProps>
+                </a:ext>
+                <a:ext uri="{28A0092B-C50C-407E-A947-70E740481C1C}">
+                  <a14:useLocalDpi xmlns:a14="http://schemas.microsoft.com/office/drawing/2010/main" val="0"/>
+                </a:ext>
+              </a:extLst>
+            </a:blip>
+            <a:srcRect l="20932" t="21634" r="21535" b="19823"/>
+            <a:stretch/>
+          </p:blipFill>
+          <p:spPr>
+            <a:xfrm>
+              <a:off x="1197403" y="3111992"/>
+              <a:ext cx="359469" cy="364686"/>
+            </a:xfrm>
+            <a:prstGeom prst="rect">
+              <a:avLst/>
+            </a:prstGeom>
+          </p:spPr>
+        </p:pic>
+      </p:grpSp>
     </p:spTree>
     <p:extLst>
       <p:ext uri="{BB962C8B-B14F-4D97-AF65-F5344CB8AC3E}">
@@ -10076,10 +10361,10 @@
       </p:grpSpPr>
       <p:grpSp>
         <p:nvGrpSpPr>
-          <p:cNvPr id="34" name="Group 33">
+          <p:cNvPr id="36" name="Group 35">
             <a:extLst>
               <a:ext uri="{FF2B5EF4-FFF2-40B4-BE49-F238E27FC236}">
-                <a16:creationId xmlns:a16="http://schemas.microsoft.com/office/drawing/2014/main" id="{C9D448E7-7C38-C93F-956B-0677F77F6957}"/>
+                <a16:creationId xmlns:a16="http://schemas.microsoft.com/office/drawing/2014/main" id="{0251AE30-A76C-AD92-8194-46192BCF5544}"/>
               </a:ext>
             </a:extLst>
           </p:cNvPr>
@@ -10094,653 +10379,12 @@
             <a:chExt cx="2965880" cy="6145587"/>
           </a:xfrm>
         </p:grpSpPr>
-        <p:sp>
-          <p:nvSpPr>
-            <p:cNvPr id="33" name="Rectangle 32">
+        <p:grpSp>
+          <p:nvGrpSpPr>
+            <p:cNvPr id="34" name="Group 33">
               <a:extLst>
                 <a:ext uri="{FF2B5EF4-FFF2-40B4-BE49-F238E27FC236}">
-                  <a16:creationId xmlns:a16="http://schemas.microsoft.com/office/drawing/2014/main" id="{2FF8CDB0-23D4-090F-7723-A0DB4F70AE2C}"/>
-                </a:ext>
-              </a:extLst>
-            </p:cNvPr>
-            <p:cNvSpPr/>
-            <p:nvPr/>
-          </p:nvSpPr>
-          <p:spPr>
-            <a:xfrm>
-              <a:off x="3704385" y="724987"/>
-              <a:ext cx="2755681" cy="5137651"/>
-            </a:xfrm>
-            <a:prstGeom prst="rect">
-              <a:avLst/>
-            </a:prstGeom>
-            <a:solidFill>
-              <a:schemeClr val="bg1"/>
-            </a:solidFill>
-            <a:ln>
-              <a:noFill/>
-            </a:ln>
-          </p:spPr>
-          <p:style>
-            <a:lnRef idx="2">
-              <a:schemeClr val="accent1">
-                <a:shade val="15000"/>
-              </a:schemeClr>
-            </a:lnRef>
-            <a:fillRef idx="1">
-              <a:schemeClr val="accent1"/>
-            </a:fillRef>
-            <a:effectRef idx="0">
-              <a:schemeClr val="accent1"/>
-            </a:effectRef>
-            <a:fontRef idx="minor">
-              <a:schemeClr val="lt1"/>
-            </a:fontRef>
-          </p:style>
-          <p:txBody>
-            <a:bodyPr rtlCol="0" anchor="ctr"/>
-            <a:lstStyle/>
-            <a:p>
-              <a:pPr algn="ctr"/>
-              <a:endParaRPr lang="LID4096"/>
-            </a:p>
-          </p:txBody>
-        </p:sp>
-        <p:sp>
-          <p:nvSpPr>
-            <p:cNvPr id="2" name="Google Shape;2144;p66">
-              <a:extLst>
-                <a:ext uri="{FF2B5EF4-FFF2-40B4-BE49-F238E27FC236}">
-                  <a16:creationId xmlns:a16="http://schemas.microsoft.com/office/drawing/2014/main" id="{C2190F8B-4D19-7413-A85D-AD41B03404AD}"/>
-                </a:ext>
-              </a:extLst>
-            </p:cNvPr>
-            <p:cNvSpPr/>
-            <p:nvPr/>
-          </p:nvSpPr>
-          <p:spPr>
-            <a:xfrm>
-              <a:off x="3598549" y="235962"/>
-              <a:ext cx="2965880" cy="6145587"/>
-            </a:xfrm>
-            <a:custGeom>
-              <a:avLst/>
-              <a:gdLst/>
-              <a:ahLst/>
-              <a:cxnLst/>
-              <a:rect l="l" t="t" r="r" b="b"/>
-              <a:pathLst>
-                <a:path w="43370" h="85981" extrusionOk="0">
-                  <a:moveTo>
-                    <a:pt x="25827" y="3794"/>
-                  </a:moveTo>
-                  <a:lnTo>
-                    <a:pt x="25827" y="4045"/>
-                  </a:lnTo>
-                  <a:lnTo>
-                    <a:pt x="25845" y="4047"/>
-                  </a:lnTo>
-                  <a:cubicBezTo>
-                    <a:pt x="25856" y="4066"/>
-                    <a:pt x="25857" y="4090"/>
-                    <a:pt x="25850" y="4111"/>
-                  </a:cubicBezTo>
-                  <a:lnTo>
-                    <a:pt x="17205" y="4129"/>
-                  </a:lnTo>
-                  <a:lnTo>
-                    <a:pt x="17193" y="4382"/>
-                  </a:lnTo>
-                  <a:lnTo>
-                    <a:pt x="17156" y="4111"/>
-                  </a:lnTo>
-                  <a:cubicBezTo>
-                    <a:pt x="17147" y="4092"/>
-                    <a:pt x="17148" y="4068"/>
-                    <a:pt x="17159" y="4048"/>
-                  </a:cubicBezTo>
-                  <a:lnTo>
-                    <a:pt x="17226" y="4048"/>
-                  </a:lnTo>
-                  <a:lnTo>
-                    <a:pt x="25807" y="4047"/>
-                  </a:lnTo>
-                  <a:lnTo>
-                    <a:pt x="25827" y="3794"/>
-                  </a:lnTo>
-                  <a:close/>
-                  <a:moveTo>
-                    <a:pt x="17178" y="3543"/>
-                  </a:moveTo>
-                  <a:cubicBezTo>
-                    <a:pt x="16876" y="3543"/>
-                    <a:pt x="16647" y="3775"/>
-                    <a:pt x="16647" y="4083"/>
-                  </a:cubicBezTo>
-                  <a:cubicBezTo>
-                    <a:pt x="16647" y="4395"/>
-                    <a:pt x="16881" y="4631"/>
-                    <a:pt x="17223" y="4631"/>
-                  </a:cubicBezTo>
-                  <a:lnTo>
-                    <a:pt x="17227" y="4631"/>
-                  </a:lnTo>
-                  <a:lnTo>
-                    <a:pt x="25757" y="4630"/>
-                  </a:lnTo>
-                  <a:cubicBezTo>
-                    <a:pt x="25765" y="4631"/>
-                    <a:pt x="25805" y="4633"/>
-                    <a:pt x="25812" y="4633"/>
-                  </a:cubicBezTo>
-                  <a:cubicBezTo>
-                    <a:pt x="26122" y="4633"/>
-                    <a:pt x="26357" y="4397"/>
-                    <a:pt x="26357" y="4083"/>
-                  </a:cubicBezTo>
-                  <a:cubicBezTo>
-                    <a:pt x="26357" y="3775"/>
-                    <a:pt x="26129" y="3543"/>
-                    <a:pt x="25827" y="3543"/>
-                  </a:cubicBezTo>
-                  <a:lnTo>
-                    <a:pt x="17256" y="3549"/>
-                  </a:lnTo>
-                  <a:cubicBezTo>
-                    <a:pt x="17245" y="3547"/>
-                    <a:pt x="17187" y="3543"/>
-                    <a:pt x="17178" y="3543"/>
-                  </a:cubicBezTo>
-                  <a:close/>
-                  <a:moveTo>
-                    <a:pt x="41722" y="7196"/>
-                  </a:moveTo>
-                  <a:lnTo>
-                    <a:pt x="41722" y="78527"/>
-                  </a:lnTo>
-                  <a:lnTo>
-                    <a:pt x="1739" y="78527"/>
-                  </a:lnTo>
-                  <a:lnTo>
-                    <a:pt x="1739" y="7196"/>
-                  </a:lnTo>
-                  <a:close/>
-                  <a:moveTo>
-                    <a:pt x="1488" y="6694"/>
-                  </a:moveTo>
-                  <a:cubicBezTo>
-                    <a:pt x="1349" y="6694"/>
-                    <a:pt x="1237" y="6806"/>
-                    <a:pt x="1237" y="6945"/>
-                  </a:cubicBezTo>
-                  <a:lnTo>
-                    <a:pt x="1237" y="78778"/>
-                  </a:lnTo>
-                  <a:cubicBezTo>
-                    <a:pt x="1237" y="78917"/>
-                    <a:pt x="1349" y="79029"/>
-                    <a:pt x="1488" y="79029"/>
-                  </a:cubicBezTo>
-                  <a:lnTo>
-                    <a:pt x="41972" y="79029"/>
-                  </a:lnTo>
-                  <a:cubicBezTo>
-                    <a:pt x="42111" y="79029"/>
-                    <a:pt x="42223" y="78917"/>
-                    <a:pt x="42223" y="78778"/>
-                  </a:cubicBezTo>
-                  <a:lnTo>
-                    <a:pt x="42223" y="6945"/>
-                  </a:lnTo>
-                  <a:cubicBezTo>
-                    <a:pt x="42223" y="6806"/>
-                    <a:pt x="42111" y="6694"/>
-                    <a:pt x="41972" y="6694"/>
-                  </a:cubicBezTo>
-                  <a:close/>
-                  <a:moveTo>
-                    <a:pt x="7894" y="81457"/>
-                  </a:moveTo>
-                  <a:cubicBezTo>
-                    <a:pt x="7754" y="81457"/>
-                    <a:pt x="7642" y="81569"/>
-                    <a:pt x="7642" y="81708"/>
-                  </a:cubicBezTo>
-                  <a:lnTo>
-                    <a:pt x="7642" y="81926"/>
-                  </a:lnTo>
-                  <a:cubicBezTo>
-                    <a:pt x="7642" y="82065"/>
-                    <a:pt x="7754" y="82177"/>
-                    <a:pt x="7894" y="82177"/>
-                  </a:cubicBezTo>
-                  <a:lnTo>
-                    <a:pt x="9495" y="82177"/>
-                  </a:lnTo>
-                  <a:cubicBezTo>
-                    <a:pt x="9625" y="82177"/>
-                    <a:pt x="9734" y="82077"/>
-                    <a:pt x="9744" y="81947"/>
-                  </a:cubicBezTo>
-                  <a:lnTo>
-                    <a:pt x="9764" y="81729"/>
-                  </a:lnTo>
-                  <a:cubicBezTo>
-                    <a:pt x="9776" y="81582"/>
-                    <a:pt x="9660" y="81457"/>
-                    <a:pt x="9512" y="81457"/>
-                  </a:cubicBezTo>
-                  <a:close/>
-                  <a:moveTo>
-                    <a:pt x="22144" y="81995"/>
-                  </a:moveTo>
-                  <a:lnTo>
-                    <a:pt x="22144" y="82911"/>
-                  </a:lnTo>
-                  <a:lnTo>
-                    <a:pt x="21208" y="82911"/>
-                  </a:lnTo>
-                  <a:lnTo>
-                    <a:pt x="21208" y="81995"/>
-                  </a:lnTo>
-                  <a:close/>
-                  <a:moveTo>
-                    <a:pt x="33797" y="83129"/>
-                  </a:moveTo>
-                  <a:cubicBezTo>
-                    <a:pt x="33798" y="83130"/>
-                    <a:pt x="33798" y="83130"/>
-                    <a:pt x="33798" y="83131"/>
-                  </a:cubicBezTo>
-                  <a:lnTo>
-                    <a:pt x="33797" y="83129"/>
-                  </a:lnTo>
-                  <a:close/>
-                  <a:moveTo>
-                    <a:pt x="21046" y="81493"/>
-                  </a:moveTo>
-                  <a:cubicBezTo>
-                    <a:pt x="20857" y="81493"/>
-                    <a:pt x="20705" y="81646"/>
-                    <a:pt x="20706" y="81835"/>
-                  </a:cubicBezTo>
-                  <a:lnTo>
-                    <a:pt x="20706" y="83091"/>
-                  </a:lnTo>
-                  <a:cubicBezTo>
-                    <a:pt x="20706" y="83268"/>
-                    <a:pt x="20860" y="83413"/>
-                    <a:pt x="21048" y="83413"/>
-                  </a:cubicBezTo>
-                  <a:lnTo>
-                    <a:pt x="22304" y="83413"/>
-                  </a:lnTo>
-                  <a:lnTo>
-                    <a:pt x="22304" y="83415"/>
-                  </a:lnTo>
-                  <a:cubicBezTo>
-                    <a:pt x="22492" y="83415"/>
-                    <a:pt x="22645" y="83268"/>
-                    <a:pt x="22646" y="83091"/>
-                  </a:cubicBezTo>
-                  <a:lnTo>
-                    <a:pt x="22646" y="81835"/>
-                  </a:lnTo>
-                  <a:cubicBezTo>
-                    <a:pt x="22646" y="81647"/>
-                    <a:pt x="22500" y="81493"/>
-                    <a:pt x="22322" y="81493"/>
-                  </a:cubicBezTo>
-                  <a:lnTo>
-                    <a:pt x="21048" y="81493"/>
-                  </a:lnTo>
-                  <a:cubicBezTo>
-                    <a:pt x="21047" y="81493"/>
-                    <a:pt x="21047" y="81493"/>
-                    <a:pt x="21046" y="81493"/>
-                  </a:cubicBezTo>
-                  <a:close/>
-                  <a:moveTo>
-                    <a:pt x="33684" y="81407"/>
-                  </a:moveTo>
-                  <a:cubicBezTo>
-                    <a:pt x="33624" y="81407"/>
-                    <a:pt x="33563" y="81420"/>
-                    <a:pt x="33508" y="81446"/>
-                  </a:cubicBezTo>
-                  <a:cubicBezTo>
-                    <a:pt x="33483" y="81458"/>
-                    <a:pt x="33460" y="81476"/>
-                    <a:pt x="33441" y="81496"/>
-                  </a:cubicBezTo>
-                  <a:lnTo>
-                    <a:pt x="32861" y="82093"/>
-                  </a:lnTo>
-                  <a:cubicBezTo>
-                    <a:pt x="32755" y="82198"/>
-                    <a:pt x="32695" y="82342"/>
-                    <a:pt x="32696" y="82490"/>
-                  </a:cubicBezTo>
-                  <a:cubicBezTo>
-                    <a:pt x="32696" y="82668"/>
-                    <a:pt x="32777" y="82796"/>
-                    <a:pt x="32861" y="82904"/>
-                  </a:cubicBezTo>
-                  <a:lnTo>
-                    <a:pt x="33442" y="83485"/>
-                  </a:lnTo>
-                  <a:cubicBezTo>
-                    <a:pt x="33505" y="83551"/>
-                    <a:pt x="33593" y="83587"/>
-                    <a:pt x="33683" y="83587"/>
-                  </a:cubicBezTo>
-                  <a:lnTo>
-                    <a:pt x="33683" y="83587"/>
-                  </a:lnTo>
-                  <a:cubicBezTo>
-                    <a:pt x="33987" y="83585"/>
-                    <a:pt x="34139" y="83219"/>
-                    <a:pt x="33924" y="83004"/>
-                  </a:cubicBezTo>
-                  <a:lnTo>
-                    <a:pt x="33411" y="82490"/>
-                  </a:lnTo>
-                  <a:lnTo>
-                    <a:pt x="33925" y="81975"/>
-                  </a:lnTo>
-                  <a:cubicBezTo>
-                    <a:pt x="34060" y="81842"/>
-                    <a:pt x="34060" y="81626"/>
-                    <a:pt x="33925" y="81493"/>
-                  </a:cubicBezTo>
-                  <a:cubicBezTo>
-                    <a:pt x="33906" y="81475"/>
-                    <a:pt x="33883" y="81458"/>
-                    <a:pt x="33859" y="81446"/>
-                  </a:cubicBezTo>
-                  <a:cubicBezTo>
-                    <a:pt x="33804" y="81420"/>
-                    <a:pt x="33744" y="81407"/>
-                    <a:pt x="33684" y="81407"/>
-                  </a:cubicBezTo>
-                  <a:close/>
-                  <a:moveTo>
-                    <a:pt x="33683" y="83587"/>
-                  </a:moveTo>
-                  <a:cubicBezTo>
-                    <a:pt x="33683" y="83587"/>
-                    <a:pt x="33683" y="83587"/>
-                    <a:pt x="33683" y="83587"/>
-                  </a:cubicBezTo>
-                  <a:lnTo>
-                    <a:pt x="33684" y="83587"/>
-                  </a:lnTo>
-                  <a:cubicBezTo>
-                    <a:pt x="33684" y="83587"/>
-                    <a:pt x="33684" y="83587"/>
-                    <a:pt x="33683" y="83587"/>
-                  </a:cubicBezTo>
-                  <a:close/>
-                  <a:moveTo>
-                    <a:pt x="36715" y="501"/>
-                  </a:moveTo>
-                  <a:cubicBezTo>
-                    <a:pt x="40106" y="501"/>
-                    <a:pt x="42867" y="3262"/>
-                    <a:pt x="42867" y="6654"/>
-                  </a:cubicBezTo>
-                  <a:lnTo>
-                    <a:pt x="42867" y="79324"/>
-                  </a:lnTo>
-                  <a:cubicBezTo>
-                    <a:pt x="42867" y="82717"/>
-                    <a:pt x="40106" y="85476"/>
-                    <a:pt x="36715" y="85476"/>
-                  </a:cubicBezTo>
-                  <a:lnTo>
-                    <a:pt x="6656" y="85476"/>
-                  </a:lnTo>
-                  <a:cubicBezTo>
-                    <a:pt x="3262" y="85476"/>
-                    <a:pt x="503" y="82717"/>
-                    <a:pt x="503" y="79324"/>
-                  </a:cubicBezTo>
-                  <a:lnTo>
-                    <a:pt x="503" y="6654"/>
-                  </a:lnTo>
-                  <a:cubicBezTo>
-                    <a:pt x="503" y="3262"/>
-                    <a:pt x="3262" y="501"/>
-                    <a:pt x="6656" y="501"/>
-                  </a:cubicBezTo>
-                  <a:close/>
-                  <a:moveTo>
-                    <a:pt x="6656" y="0"/>
-                  </a:moveTo>
-                  <a:cubicBezTo>
-                    <a:pt x="2986" y="0"/>
-                    <a:pt x="1" y="2985"/>
-                    <a:pt x="1" y="6655"/>
-                  </a:cubicBezTo>
-                  <a:lnTo>
-                    <a:pt x="1" y="79324"/>
-                  </a:lnTo>
-                  <a:cubicBezTo>
-                    <a:pt x="1" y="82995"/>
-                    <a:pt x="2986" y="85980"/>
-                    <a:pt x="6656" y="85980"/>
-                  </a:cubicBezTo>
-                  <a:lnTo>
-                    <a:pt x="36715" y="85980"/>
-                  </a:lnTo>
-                  <a:cubicBezTo>
-                    <a:pt x="40383" y="85980"/>
-                    <a:pt x="43370" y="82993"/>
-                    <a:pt x="43370" y="79324"/>
-                  </a:cubicBezTo>
-                  <a:lnTo>
-                    <a:pt x="43370" y="6655"/>
-                  </a:lnTo>
-                  <a:cubicBezTo>
-                    <a:pt x="43370" y="2985"/>
-                    <a:pt x="40384" y="0"/>
-                    <a:pt x="36715" y="0"/>
-                  </a:cubicBezTo>
-                  <a:close/>
-                </a:path>
-              </a:pathLst>
-            </a:custGeom>
-            <a:solidFill>
-              <a:schemeClr val="tx1"/>
-            </a:solidFill>
-            <a:ln>
-              <a:noFill/>
-            </a:ln>
-          </p:spPr>
-          <p:txBody>
-            <a:bodyPr spcFirstLastPara="1" wrap="square" lIns="91425" tIns="91425" rIns="91425" bIns="91425" anchor="ctr" anchorCtr="0">
-              <a:noAutofit/>
-            </a:bodyPr>
-            <a:lstStyle/>
-            <a:p>
-              <a:pPr marL="0" lvl="0" indent="0" algn="l" rtl="0">
-                <a:spcBef>
-                  <a:spcPts val="0"/>
-                </a:spcBef>
-                <a:spcAft>
-                  <a:spcPts val="0"/>
-                </a:spcAft>
-                <a:buNone/>
-              </a:pPr>
-              <a:endParaRPr/>
-            </a:p>
-          </p:txBody>
-        </p:sp>
-        <p:sp>
-          <p:nvSpPr>
-            <p:cNvPr id="3" name="Rectangle: Rounded Corners 2">
-              <a:extLst>
-                <a:ext uri="{FF2B5EF4-FFF2-40B4-BE49-F238E27FC236}">
-                  <a16:creationId xmlns:a16="http://schemas.microsoft.com/office/drawing/2014/main" id="{50C2A60F-2E3A-C7C7-E3BC-80B65456AD8E}"/>
-                </a:ext>
-              </a:extLst>
-            </p:cNvPr>
-            <p:cNvSpPr/>
-            <p:nvPr/>
-          </p:nvSpPr>
-          <p:spPr>
-            <a:xfrm>
-              <a:off x="3903834" y="5452532"/>
-              <a:ext cx="1866971" cy="311149"/>
-            </a:xfrm>
-            <a:prstGeom prst="roundRect">
-              <a:avLst>
-                <a:gd name="adj" fmla="val 50000"/>
-              </a:avLst>
-            </a:prstGeom>
-            <a:solidFill>
-              <a:srgbClr val="EDF2FA"/>
-            </a:solidFill>
-            <a:ln>
-              <a:solidFill>
-                <a:srgbClr val="FF0000"/>
-              </a:solidFill>
-            </a:ln>
-          </p:spPr>
-          <p:style>
-            <a:lnRef idx="2">
-              <a:schemeClr val="accent4"/>
-            </a:lnRef>
-            <a:fillRef idx="1">
-              <a:schemeClr val="lt1"/>
-            </a:fillRef>
-            <a:effectRef idx="0">
-              <a:schemeClr val="accent4"/>
-            </a:effectRef>
-            <a:fontRef idx="minor">
-              <a:schemeClr val="dk1"/>
-            </a:fontRef>
-          </p:style>
-          <p:txBody>
-            <a:bodyPr rtlCol="0" anchor="ctr"/>
-            <a:lstStyle/>
-            <a:p>
-              <a:r>
-                <a:rPr lang="de-DE" sz="1600" dirty="0">
-                  <a:solidFill>
-                    <a:schemeClr val="bg1">
-                      <a:lumMod val="75000"/>
-                    </a:schemeClr>
-                  </a:solidFill>
-                  <a:latin typeface="Arial Rounded MT Bold" panose="020F0704030504030204" pitchFamily="34" charset="0"/>
-                </a:rPr>
-                <a:t>Chat </a:t>
-              </a:r>
-              <a:r>
-                <a:rPr lang="de-DE" sz="1600" dirty="0" err="1">
-                  <a:solidFill>
-                    <a:schemeClr val="bg1">
-                      <a:lumMod val="75000"/>
-                    </a:schemeClr>
-                  </a:solidFill>
-                  <a:latin typeface="Arial Rounded MT Bold" panose="020F0704030504030204" pitchFamily="34" charset="0"/>
-                </a:rPr>
-                <a:t>with</a:t>
-              </a:r>
-              <a:r>
-                <a:rPr lang="de-DE" sz="1600" dirty="0">
-                  <a:solidFill>
-                    <a:schemeClr val="bg1">
-                      <a:lumMod val="75000"/>
-                    </a:schemeClr>
-                  </a:solidFill>
-                  <a:latin typeface="Arial Rounded MT Bold" panose="020F0704030504030204" pitchFamily="34" charset="0"/>
-                </a:rPr>
-                <a:t> Vera </a:t>
-              </a:r>
-              <a:endParaRPr lang="LID4096" sz="1600" dirty="0">
-                <a:solidFill>
-                  <a:schemeClr val="bg1">
-                    <a:lumMod val="75000"/>
-                  </a:schemeClr>
-                </a:solidFill>
-                <a:latin typeface="Arial Rounded MT Bold" panose="020F0704030504030204" pitchFamily="34" charset="0"/>
-              </a:endParaRPr>
-            </a:p>
-          </p:txBody>
-        </p:sp>
-        <p:sp>
-          <p:nvSpPr>
-            <p:cNvPr id="4" name="Oval 3">
-              <a:extLst>
-                <a:ext uri="{FF2B5EF4-FFF2-40B4-BE49-F238E27FC236}">
-                  <a16:creationId xmlns:a16="http://schemas.microsoft.com/office/drawing/2014/main" id="{B0C0B6F3-741E-32DB-1B31-5E513D50CF85}"/>
-                </a:ext>
-              </a:extLst>
-            </p:cNvPr>
-            <p:cNvSpPr/>
-            <p:nvPr/>
-          </p:nvSpPr>
-          <p:spPr>
-            <a:xfrm>
-              <a:off x="5973557" y="5452532"/>
-              <a:ext cx="311149" cy="311149"/>
-            </a:xfrm>
-            <a:prstGeom prst="ellipse">
-              <a:avLst/>
-            </a:prstGeom>
-            <a:solidFill>
-              <a:srgbClr val="EDF2FA"/>
-            </a:solidFill>
-            <a:ln>
-              <a:solidFill>
-                <a:srgbClr val="00B0F0"/>
-              </a:solidFill>
-            </a:ln>
-          </p:spPr>
-          <p:style>
-            <a:lnRef idx="2">
-              <a:schemeClr val="accent1">
-                <a:shade val="15000"/>
-              </a:schemeClr>
-            </a:lnRef>
-            <a:fillRef idx="1">
-              <a:schemeClr val="accent1"/>
-            </a:fillRef>
-            <a:effectRef idx="0">
-              <a:schemeClr val="accent1"/>
-            </a:effectRef>
-            <a:fontRef idx="minor">
-              <a:schemeClr val="lt1"/>
-            </a:fontRef>
-          </p:style>
-          <p:txBody>
-            <a:bodyPr rtlCol="0" anchor="ctr"/>
-            <a:lstStyle/>
-            <a:p>
-              <a:pPr algn="ctr"/>
-              <a:r>
-                <a:rPr lang="de-DE" sz="2400" dirty="0">
-                  <a:solidFill>
-                    <a:schemeClr val="tx1"/>
-                  </a:solidFill>
-                </a:rPr>
-                <a:t>+</a:t>
-              </a:r>
-              <a:endParaRPr lang="LID4096" sz="2400" dirty="0">
-                <a:solidFill>
-                  <a:schemeClr val="tx1"/>
-                </a:solidFill>
-              </a:endParaRPr>
-            </a:p>
-          </p:txBody>
-        </p:sp>
-        <p:grpSp>
-          <p:nvGrpSpPr>
-            <p:cNvPr id="10" name="Group 9">
-              <a:extLst>
-                <a:ext uri="{FF2B5EF4-FFF2-40B4-BE49-F238E27FC236}">
-                  <a16:creationId xmlns:a16="http://schemas.microsoft.com/office/drawing/2014/main" id="{30803921-41CC-4F59-5880-5BD51484969B}"/>
+                  <a16:creationId xmlns:a16="http://schemas.microsoft.com/office/drawing/2014/main" id="{C9D448E7-7C38-C93F-956B-0677F77F6957}"/>
                 </a:ext>
               </a:extLst>
             </p:cNvPr>
@@ -10749,191 +10393,659 @@
           </p:nvGrpSpPr>
           <p:grpSpPr>
             <a:xfrm>
-              <a:off x="3814233" y="855133"/>
-              <a:ext cx="330200" cy="211666"/>
-              <a:chOff x="3814233" y="855133"/>
-              <a:chExt cx="330200" cy="211666"/>
+              <a:off x="3598549" y="235962"/>
+              <a:ext cx="2965880" cy="6145587"/>
+              <a:chOff x="3598549" y="235962"/>
+              <a:chExt cx="2965880" cy="6145587"/>
             </a:xfrm>
           </p:grpSpPr>
-          <p:cxnSp>
-            <p:nvCxnSpPr>
-              <p:cNvPr id="6" name="Straight Connector 5">
+          <p:sp>
+            <p:nvSpPr>
+              <p:cNvPr id="33" name="Rectangle 32">
                 <a:extLst>
                   <a:ext uri="{FF2B5EF4-FFF2-40B4-BE49-F238E27FC236}">
-                    <a16:creationId xmlns:a16="http://schemas.microsoft.com/office/drawing/2014/main" id="{8F3F191B-217C-C353-78EF-3F3401A9F436}"/>
+                    <a16:creationId xmlns:a16="http://schemas.microsoft.com/office/drawing/2014/main" id="{2FF8CDB0-23D4-090F-7723-A0DB4F70AE2C}"/>
                   </a:ext>
                 </a:extLst>
               </p:cNvPr>
-              <p:cNvCxnSpPr/>
+              <p:cNvSpPr/>
               <p:nvPr/>
-            </p:nvCxnSpPr>
+            </p:nvSpPr>
             <p:spPr>
               <a:xfrm>
-                <a:off x="3814233" y="855133"/>
-                <a:ext cx="330200" cy="0"/>
+                <a:off x="3704385" y="724987"/>
+                <a:ext cx="2755681" cy="5137651"/>
               </a:xfrm>
-              <a:prstGeom prst="line">
+              <a:prstGeom prst="rect">
                 <a:avLst/>
               </a:prstGeom>
-              <a:ln w="38100"/>
+              <a:solidFill>
+                <a:schemeClr val="bg1"/>
+              </a:solidFill>
+              <a:ln>
+                <a:noFill/>
+              </a:ln>
             </p:spPr>
             <p:style>
               <a:lnRef idx="2">
-                <a:schemeClr val="dk1"/>
+                <a:schemeClr val="accent1">
+                  <a:shade val="15000"/>
+                </a:schemeClr>
               </a:lnRef>
-              <a:fillRef idx="0">
-                <a:schemeClr val="dk1"/>
+              <a:fillRef idx="1">
+                <a:schemeClr val="accent1"/>
               </a:fillRef>
-              <a:effectRef idx="1">
-                <a:schemeClr val="dk1"/>
+              <a:effectRef idx="0">
+                <a:schemeClr val="accent1"/>
               </a:effectRef>
               <a:fontRef idx="minor">
-                <a:schemeClr val="tx1"/>
+                <a:schemeClr val="lt1"/>
               </a:fontRef>
             </p:style>
-          </p:cxnSp>
-          <p:cxnSp>
-            <p:nvCxnSpPr>
-              <p:cNvPr id="8" name="Straight Connector 7">
+            <p:txBody>
+              <a:bodyPr rtlCol="0" anchor="ctr"/>
+              <a:lstStyle/>
+              <a:p>
+                <a:pPr algn="ctr"/>
+                <a:endParaRPr lang="LID4096"/>
+              </a:p>
+            </p:txBody>
+          </p:sp>
+          <p:sp>
+            <p:nvSpPr>
+              <p:cNvPr id="2" name="Google Shape;2144;p66">
                 <a:extLst>
                   <a:ext uri="{FF2B5EF4-FFF2-40B4-BE49-F238E27FC236}">
-                    <a16:creationId xmlns:a16="http://schemas.microsoft.com/office/drawing/2014/main" id="{7A621B64-B387-FECF-AD06-E3EE98FB582B}"/>
+                    <a16:creationId xmlns:a16="http://schemas.microsoft.com/office/drawing/2014/main" id="{C2190F8B-4D19-7413-A85D-AD41B03404AD}"/>
                   </a:ext>
                 </a:extLst>
               </p:cNvPr>
-              <p:cNvCxnSpPr/>
+              <p:cNvSpPr/>
               <p:nvPr/>
-            </p:nvCxnSpPr>
+            </p:nvSpPr>
             <p:spPr>
               <a:xfrm>
-                <a:off x="3814233" y="960966"/>
-                <a:ext cx="330200" cy="0"/>
+                <a:off x="3598549" y="235962"/>
+                <a:ext cx="2965880" cy="6145587"/>
               </a:xfrm>
-              <a:prstGeom prst="line">
+              <a:custGeom>
                 <a:avLst/>
+                <a:gdLst/>
+                <a:ahLst/>
+                <a:cxnLst/>
+                <a:rect l="l" t="t" r="r" b="b"/>
+                <a:pathLst>
+                  <a:path w="43370" h="85981" extrusionOk="0">
+                    <a:moveTo>
+                      <a:pt x="25827" y="3794"/>
+                    </a:moveTo>
+                    <a:lnTo>
+                      <a:pt x="25827" y="4045"/>
+                    </a:lnTo>
+                    <a:lnTo>
+                      <a:pt x="25845" y="4047"/>
+                    </a:lnTo>
+                    <a:cubicBezTo>
+                      <a:pt x="25856" y="4066"/>
+                      <a:pt x="25857" y="4090"/>
+                      <a:pt x="25850" y="4111"/>
+                    </a:cubicBezTo>
+                    <a:lnTo>
+                      <a:pt x="17205" y="4129"/>
+                    </a:lnTo>
+                    <a:lnTo>
+                      <a:pt x="17193" y="4382"/>
+                    </a:lnTo>
+                    <a:lnTo>
+                      <a:pt x="17156" y="4111"/>
+                    </a:lnTo>
+                    <a:cubicBezTo>
+                      <a:pt x="17147" y="4092"/>
+                      <a:pt x="17148" y="4068"/>
+                      <a:pt x="17159" y="4048"/>
+                    </a:cubicBezTo>
+                    <a:lnTo>
+                      <a:pt x="17226" y="4048"/>
+                    </a:lnTo>
+                    <a:lnTo>
+                      <a:pt x="25807" y="4047"/>
+                    </a:lnTo>
+                    <a:lnTo>
+                      <a:pt x="25827" y="3794"/>
+                    </a:lnTo>
+                    <a:close/>
+                    <a:moveTo>
+                      <a:pt x="17178" y="3543"/>
+                    </a:moveTo>
+                    <a:cubicBezTo>
+                      <a:pt x="16876" y="3543"/>
+                      <a:pt x="16647" y="3775"/>
+                      <a:pt x="16647" y="4083"/>
+                    </a:cubicBezTo>
+                    <a:cubicBezTo>
+                      <a:pt x="16647" y="4395"/>
+                      <a:pt x="16881" y="4631"/>
+                      <a:pt x="17223" y="4631"/>
+                    </a:cubicBezTo>
+                    <a:lnTo>
+                      <a:pt x="17227" y="4631"/>
+                    </a:lnTo>
+                    <a:lnTo>
+                      <a:pt x="25757" y="4630"/>
+                    </a:lnTo>
+                    <a:cubicBezTo>
+                      <a:pt x="25765" y="4631"/>
+                      <a:pt x="25805" y="4633"/>
+                      <a:pt x="25812" y="4633"/>
+                    </a:cubicBezTo>
+                    <a:cubicBezTo>
+                      <a:pt x="26122" y="4633"/>
+                      <a:pt x="26357" y="4397"/>
+                      <a:pt x="26357" y="4083"/>
+                    </a:cubicBezTo>
+                    <a:cubicBezTo>
+                      <a:pt x="26357" y="3775"/>
+                      <a:pt x="26129" y="3543"/>
+                      <a:pt x="25827" y="3543"/>
+                    </a:cubicBezTo>
+                    <a:lnTo>
+                      <a:pt x="17256" y="3549"/>
+                    </a:lnTo>
+                    <a:cubicBezTo>
+                      <a:pt x="17245" y="3547"/>
+                      <a:pt x="17187" y="3543"/>
+                      <a:pt x="17178" y="3543"/>
+                    </a:cubicBezTo>
+                    <a:close/>
+                    <a:moveTo>
+                      <a:pt x="41722" y="7196"/>
+                    </a:moveTo>
+                    <a:lnTo>
+                      <a:pt x="41722" y="78527"/>
+                    </a:lnTo>
+                    <a:lnTo>
+                      <a:pt x="1739" y="78527"/>
+                    </a:lnTo>
+                    <a:lnTo>
+                      <a:pt x="1739" y="7196"/>
+                    </a:lnTo>
+                    <a:close/>
+                    <a:moveTo>
+                      <a:pt x="1488" y="6694"/>
+                    </a:moveTo>
+                    <a:cubicBezTo>
+                      <a:pt x="1349" y="6694"/>
+                      <a:pt x="1237" y="6806"/>
+                      <a:pt x="1237" y="6945"/>
+                    </a:cubicBezTo>
+                    <a:lnTo>
+                      <a:pt x="1237" y="78778"/>
+                    </a:lnTo>
+                    <a:cubicBezTo>
+                      <a:pt x="1237" y="78917"/>
+                      <a:pt x="1349" y="79029"/>
+                      <a:pt x="1488" y="79029"/>
+                    </a:cubicBezTo>
+                    <a:lnTo>
+                      <a:pt x="41972" y="79029"/>
+                    </a:lnTo>
+                    <a:cubicBezTo>
+                      <a:pt x="42111" y="79029"/>
+                      <a:pt x="42223" y="78917"/>
+                      <a:pt x="42223" y="78778"/>
+                    </a:cubicBezTo>
+                    <a:lnTo>
+                      <a:pt x="42223" y="6945"/>
+                    </a:lnTo>
+                    <a:cubicBezTo>
+                      <a:pt x="42223" y="6806"/>
+                      <a:pt x="42111" y="6694"/>
+                      <a:pt x="41972" y="6694"/>
+                    </a:cubicBezTo>
+                    <a:close/>
+                    <a:moveTo>
+                      <a:pt x="7894" y="81457"/>
+                    </a:moveTo>
+                    <a:cubicBezTo>
+                      <a:pt x="7754" y="81457"/>
+                      <a:pt x="7642" y="81569"/>
+                      <a:pt x="7642" y="81708"/>
+                    </a:cubicBezTo>
+                    <a:lnTo>
+                      <a:pt x="7642" y="81926"/>
+                    </a:lnTo>
+                    <a:cubicBezTo>
+                      <a:pt x="7642" y="82065"/>
+                      <a:pt x="7754" y="82177"/>
+                      <a:pt x="7894" y="82177"/>
+                    </a:cubicBezTo>
+                    <a:lnTo>
+                      <a:pt x="9495" y="82177"/>
+                    </a:lnTo>
+                    <a:cubicBezTo>
+                      <a:pt x="9625" y="82177"/>
+                      <a:pt x="9734" y="82077"/>
+                      <a:pt x="9744" y="81947"/>
+                    </a:cubicBezTo>
+                    <a:lnTo>
+                      <a:pt x="9764" y="81729"/>
+                    </a:lnTo>
+                    <a:cubicBezTo>
+                      <a:pt x="9776" y="81582"/>
+                      <a:pt x="9660" y="81457"/>
+                      <a:pt x="9512" y="81457"/>
+                    </a:cubicBezTo>
+                    <a:close/>
+                    <a:moveTo>
+                      <a:pt x="22144" y="81995"/>
+                    </a:moveTo>
+                    <a:lnTo>
+                      <a:pt x="22144" y="82911"/>
+                    </a:lnTo>
+                    <a:lnTo>
+                      <a:pt x="21208" y="82911"/>
+                    </a:lnTo>
+                    <a:lnTo>
+                      <a:pt x="21208" y="81995"/>
+                    </a:lnTo>
+                    <a:close/>
+                    <a:moveTo>
+                      <a:pt x="33797" y="83129"/>
+                    </a:moveTo>
+                    <a:cubicBezTo>
+                      <a:pt x="33798" y="83130"/>
+                      <a:pt x="33798" y="83130"/>
+                      <a:pt x="33798" y="83131"/>
+                    </a:cubicBezTo>
+                    <a:lnTo>
+                      <a:pt x="33797" y="83129"/>
+                    </a:lnTo>
+                    <a:close/>
+                    <a:moveTo>
+                      <a:pt x="21046" y="81493"/>
+                    </a:moveTo>
+                    <a:cubicBezTo>
+                      <a:pt x="20857" y="81493"/>
+                      <a:pt x="20705" y="81646"/>
+                      <a:pt x="20706" y="81835"/>
+                    </a:cubicBezTo>
+                    <a:lnTo>
+                      <a:pt x="20706" y="83091"/>
+                    </a:lnTo>
+                    <a:cubicBezTo>
+                      <a:pt x="20706" y="83268"/>
+                      <a:pt x="20860" y="83413"/>
+                      <a:pt x="21048" y="83413"/>
+                    </a:cubicBezTo>
+                    <a:lnTo>
+                      <a:pt x="22304" y="83413"/>
+                    </a:lnTo>
+                    <a:lnTo>
+                      <a:pt x="22304" y="83415"/>
+                    </a:lnTo>
+                    <a:cubicBezTo>
+                      <a:pt x="22492" y="83415"/>
+                      <a:pt x="22645" y="83268"/>
+                      <a:pt x="22646" y="83091"/>
+                    </a:cubicBezTo>
+                    <a:lnTo>
+                      <a:pt x="22646" y="81835"/>
+                    </a:lnTo>
+                    <a:cubicBezTo>
+                      <a:pt x="22646" y="81647"/>
+                      <a:pt x="22500" y="81493"/>
+                      <a:pt x="22322" y="81493"/>
+                    </a:cubicBezTo>
+                    <a:lnTo>
+                      <a:pt x="21048" y="81493"/>
+                    </a:lnTo>
+                    <a:cubicBezTo>
+                      <a:pt x="21047" y="81493"/>
+                      <a:pt x="21047" y="81493"/>
+                      <a:pt x="21046" y="81493"/>
+                    </a:cubicBezTo>
+                    <a:close/>
+                    <a:moveTo>
+                      <a:pt x="33684" y="81407"/>
+                    </a:moveTo>
+                    <a:cubicBezTo>
+                      <a:pt x="33624" y="81407"/>
+                      <a:pt x="33563" y="81420"/>
+                      <a:pt x="33508" y="81446"/>
+                    </a:cubicBezTo>
+                    <a:cubicBezTo>
+                      <a:pt x="33483" y="81458"/>
+                      <a:pt x="33460" y="81476"/>
+                      <a:pt x="33441" y="81496"/>
+                    </a:cubicBezTo>
+                    <a:lnTo>
+                      <a:pt x="32861" y="82093"/>
+                    </a:lnTo>
+                    <a:cubicBezTo>
+                      <a:pt x="32755" y="82198"/>
+                      <a:pt x="32695" y="82342"/>
+                      <a:pt x="32696" y="82490"/>
+                    </a:cubicBezTo>
+                    <a:cubicBezTo>
+                      <a:pt x="32696" y="82668"/>
+                      <a:pt x="32777" y="82796"/>
+                      <a:pt x="32861" y="82904"/>
+                    </a:cubicBezTo>
+                    <a:lnTo>
+                      <a:pt x="33442" y="83485"/>
+                    </a:lnTo>
+                    <a:cubicBezTo>
+                      <a:pt x="33505" y="83551"/>
+                      <a:pt x="33593" y="83587"/>
+                      <a:pt x="33683" y="83587"/>
+                    </a:cubicBezTo>
+                    <a:lnTo>
+                      <a:pt x="33683" y="83587"/>
+                    </a:lnTo>
+                    <a:cubicBezTo>
+                      <a:pt x="33987" y="83585"/>
+                      <a:pt x="34139" y="83219"/>
+                      <a:pt x="33924" y="83004"/>
+                    </a:cubicBezTo>
+                    <a:lnTo>
+                      <a:pt x="33411" y="82490"/>
+                    </a:lnTo>
+                    <a:lnTo>
+                      <a:pt x="33925" y="81975"/>
+                    </a:lnTo>
+                    <a:cubicBezTo>
+                      <a:pt x="34060" y="81842"/>
+                      <a:pt x="34060" y="81626"/>
+                      <a:pt x="33925" y="81493"/>
+                    </a:cubicBezTo>
+                    <a:cubicBezTo>
+                      <a:pt x="33906" y="81475"/>
+                      <a:pt x="33883" y="81458"/>
+                      <a:pt x="33859" y="81446"/>
+                    </a:cubicBezTo>
+                    <a:cubicBezTo>
+                      <a:pt x="33804" y="81420"/>
+                      <a:pt x="33744" y="81407"/>
+                      <a:pt x="33684" y="81407"/>
+                    </a:cubicBezTo>
+                    <a:close/>
+                    <a:moveTo>
+                      <a:pt x="33683" y="83587"/>
+                    </a:moveTo>
+                    <a:cubicBezTo>
+                      <a:pt x="33683" y="83587"/>
+                      <a:pt x="33683" y="83587"/>
+                      <a:pt x="33683" y="83587"/>
+                    </a:cubicBezTo>
+                    <a:lnTo>
+                      <a:pt x="33684" y="83587"/>
+                    </a:lnTo>
+                    <a:cubicBezTo>
+                      <a:pt x="33684" y="83587"/>
+                      <a:pt x="33684" y="83587"/>
+                      <a:pt x="33683" y="83587"/>
+                    </a:cubicBezTo>
+                    <a:close/>
+                    <a:moveTo>
+                      <a:pt x="36715" y="501"/>
+                    </a:moveTo>
+                    <a:cubicBezTo>
+                      <a:pt x="40106" y="501"/>
+                      <a:pt x="42867" y="3262"/>
+                      <a:pt x="42867" y="6654"/>
+                    </a:cubicBezTo>
+                    <a:lnTo>
+                      <a:pt x="42867" y="79324"/>
+                    </a:lnTo>
+                    <a:cubicBezTo>
+                      <a:pt x="42867" y="82717"/>
+                      <a:pt x="40106" y="85476"/>
+                      <a:pt x="36715" y="85476"/>
+                    </a:cubicBezTo>
+                    <a:lnTo>
+                      <a:pt x="6656" y="85476"/>
+                    </a:lnTo>
+                    <a:cubicBezTo>
+                      <a:pt x="3262" y="85476"/>
+                      <a:pt x="503" y="82717"/>
+                      <a:pt x="503" y="79324"/>
+                    </a:cubicBezTo>
+                    <a:lnTo>
+                      <a:pt x="503" y="6654"/>
+                    </a:lnTo>
+                    <a:cubicBezTo>
+                      <a:pt x="503" y="3262"/>
+                      <a:pt x="3262" y="501"/>
+                      <a:pt x="6656" y="501"/>
+                    </a:cubicBezTo>
+                    <a:close/>
+                    <a:moveTo>
+                      <a:pt x="6656" y="0"/>
+                    </a:moveTo>
+                    <a:cubicBezTo>
+                      <a:pt x="2986" y="0"/>
+                      <a:pt x="1" y="2985"/>
+                      <a:pt x="1" y="6655"/>
+                    </a:cubicBezTo>
+                    <a:lnTo>
+                      <a:pt x="1" y="79324"/>
+                    </a:lnTo>
+                    <a:cubicBezTo>
+                      <a:pt x="1" y="82995"/>
+                      <a:pt x="2986" y="85980"/>
+                      <a:pt x="6656" y="85980"/>
+                    </a:cubicBezTo>
+                    <a:lnTo>
+                      <a:pt x="36715" y="85980"/>
+                    </a:lnTo>
+                    <a:cubicBezTo>
+                      <a:pt x="40383" y="85980"/>
+                      <a:pt x="43370" y="82993"/>
+                      <a:pt x="43370" y="79324"/>
+                    </a:cubicBezTo>
+                    <a:lnTo>
+                      <a:pt x="43370" y="6655"/>
+                    </a:lnTo>
+                    <a:cubicBezTo>
+                      <a:pt x="43370" y="2985"/>
+                      <a:pt x="40384" y="0"/>
+                      <a:pt x="36715" y="0"/>
+                    </a:cubicBezTo>
+                    <a:close/>
+                  </a:path>
+                </a:pathLst>
+              </a:custGeom>
+              <a:solidFill>
+                <a:schemeClr val="tx1"/>
+              </a:solidFill>
+              <a:ln>
+                <a:noFill/>
+              </a:ln>
+            </p:spPr>
+            <p:txBody>
+              <a:bodyPr spcFirstLastPara="1" wrap="square" lIns="91425" tIns="91425" rIns="91425" bIns="91425" anchor="ctr" anchorCtr="0">
+                <a:noAutofit/>
+              </a:bodyPr>
+              <a:lstStyle/>
+              <a:p>
+                <a:pPr marL="0" lvl="0" indent="0" algn="l" rtl="0">
+                  <a:spcBef>
+                    <a:spcPts val="0"/>
+                  </a:spcBef>
+                  <a:spcAft>
+                    <a:spcPts val="0"/>
+                  </a:spcAft>
+                  <a:buNone/>
+                </a:pPr>
+                <a:endParaRPr/>
+              </a:p>
+            </p:txBody>
+          </p:sp>
+          <p:sp>
+            <p:nvSpPr>
+              <p:cNvPr id="3" name="Rectangle: Rounded Corners 2">
+                <a:extLst>
+                  <a:ext uri="{FF2B5EF4-FFF2-40B4-BE49-F238E27FC236}">
+                    <a16:creationId xmlns:a16="http://schemas.microsoft.com/office/drawing/2014/main" id="{50C2A60F-2E3A-C7C7-E3BC-80B65456AD8E}"/>
+                  </a:ext>
+                </a:extLst>
+              </p:cNvPr>
+              <p:cNvSpPr/>
+              <p:nvPr/>
+            </p:nvSpPr>
+            <p:spPr>
+              <a:xfrm>
+                <a:off x="3903834" y="5452532"/>
+                <a:ext cx="1866971" cy="311149"/>
+              </a:xfrm>
+              <a:prstGeom prst="roundRect">
+                <a:avLst>
+                  <a:gd name="adj" fmla="val 50000"/>
+                </a:avLst>
               </a:prstGeom>
-              <a:ln w="38100"/>
+              <a:solidFill>
+                <a:srgbClr val="EDF2FA"/>
+              </a:solidFill>
+              <a:ln>
+                <a:solidFill>
+                  <a:srgbClr val="FF0000"/>
+                </a:solidFill>
+              </a:ln>
             </p:spPr>
             <p:style>
               <a:lnRef idx="2">
-                <a:schemeClr val="dk1"/>
+                <a:schemeClr val="accent4"/>
               </a:lnRef>
-              <a:fillRef idx="0">
-                <a:schemeClr val="dk1"/>
+              <a:fillRef idx="1">
+                <a:schemeClr val="lt1"/>
               </a:fillRef>
-              <a:effectRef idx="1">
-                <a:schemeClr val="dk1"/>
+              <a:effectRef idx="0">
+                <a:schemeClr val="accent4"/>
               </a:effectRef>
               <a:fontRef idx="minor">
-                <a:schemeClr val="tx1"/>
+                <a:schemeClr val="dk1"/>
               </a:fontRef>
             </p:style>
-          </p:cxnSp>
-          <p:cxnSp>
-            <p:nvCxnSpPr>
-              <p:cNvPr id="9" name="Straight Connector 8">
+            <p:txBody>
+              <a:bodyPr rtlCol="0" anchor="ctr"/>
+              <a:lstStyle/>
+              <a:p>
+                <a:r>
+                  <a:rPr lang="de-DE" sz="1600" dirty="0">
+                    <a:solidFill>
+                      <a:schemeClr val="bg1">
+                        <a:lumMod val="75000"/>
+                      </a:schemeClr>
+                    </a:solidFill>
+                    <a:latin typeface="Arial Rounded MT Bold" panose="020F0704030504030204" pitchFamily="34" charset="0"/>
+                  </a:rPr>
+                  <a:t>Chat </a:t>
+                </a:r>
+                <a:r>
+                  <a:rPr lang="de-DE" sz="1600" dirty="0" err="1">
+                    <a:solidFill>
+                      <a:schemeClr val="bg1">
+                        <a:lumMod val="75000"/>
+                      </a:schemeClr>
+                    </a:solidFill>
+                    <a:latin typeface="Arial Rounded MT Bold" panose="020F0704030504030204" pitchFamily="34" charset="0"/>
+                  </a:rPr>
+                  <a:t>with</a:t>
+                </a:r>
+                <a:r>
+                  <a:rPr lang="de-DE" sz="1600" dirty="0">
+                    <a:solidFill>
+                      <a:schemeClr val="bg1">
+                        <a:lumMod val="75000"/>
+                      </a:schemeClr>
+                    </a:solidFill>
+                    <a:latin typeface="Arial Rounded MT Bold" panose="020F0704030504030204" pitchFamily="34" charset="0"/>
+                  </a:rPr>
+                  <a:t> Vera </a:t>
+                </a:r>
+                <a:endParaRPr lang="LID4096" sz="1600" dirty="0">
+                  <a:solidFill>
+                    <a:schemeClr val="bg1">
+                      <a:lumMod val="75000"/>
+                    </a:schemeClr>
+                  </a:solidFill>
+                  <a:latin typeface="Arial Rounded MT Bold" panose="020F0704030504030204" pitchFamily="34" charset="0"/>
+                </a:endParaRPr>
+              </a:p>
+            </p:txBody>
+          </p:sp>
+          <p:sp>
+            <p:nvSpPr>
+              <p:cNvPr id="4" name="Oval 3">
                 <a:extLst>
                   <a:ext uri="{FF2B5EF4-FFF2-40B4-BE49-F238E27FC236}">
-                    <a16:creationId xmlns:a16="http://schemas.microsoft.com/office/drawing/2014/main" id="{36BA4ACD-5C7E-EE40-CFBF-6546AA1D39C4}"/>
+                    <a16:creationId xmlns:a16="http://schemas.microsoft.com/office/drawing/2014/main" id="{B0C0B6F3-741E-32DB-1B31-5E513D50CF85}"/>
                   </a:ext>
                 </a:extLst>
               </p:cNvPr>
-              <p:cNvCxnSpPr/>
+              <p:cNvSpPr/>
               <p:nvPr/>
-            </p:nvCxnSpPr>
+            </p:nvSpPr>
             <p:spPr>
               <a:xfrm>
-                <a:off x="3814233" y="1066799"/>
-                <a:ext cx="330200" cy="0"/>
+                <a:off x="5973557" y="5452532"/>
+                <a:ext cx="311149" cy="311149"/>
               </a:xfrm>
-              <a:prstGeom prst="line">
+              <a:prstGeom prst="ellipse">
                 <a:avLst/>
               </a:prstGeom>
-              <a:ln w="38100"/>
+              <a:solidFill>
+                <a:srgbClr val="EDF2FA"/>
+              </a:solidFill>
+              <a:ln>
+                <a:solidFill>
+                  <a:srgbClr val="00B0F0"/>
+                </a:solidFill>
+              </a:ln>
             </p:spPr>
             <p:style>
               <a:lnRef idx="2">
-                <a:schemeClr val="dk1"/>
+                <a:schemeClr val="accent1">
+                  <a:shade val="15000"/>
+                </a:schemeClr>
               </a:lnRef>
-              <a:fillRef idx="0">
-                <a:schemeClr val="dk1"/>
+              <a:fillRef idx="1">
+                <a:schemeClr val="accent1"/>
               </a:fillRef>
-              <a:effectRef idx="1">
-                <a:schemeClr val="dk1"/>
+              <a:effectRef idx="0">
+                <a:schemeClr val="accent1"/>
               </a:effectRef>
               <a:fontRef idx="minor">
-                <a:schemeClr val="tx1"/>
+                <a:schemeClr val="lt1"/>
               </a:fontRef>
             </p:style>
-          </p:cxnSp>
-        </p:grpSp>
-        <p:sp>
-          <p:nvSpPr>
-            <p:cNvPr id="11" name="TextBox 10">
-              <a:extLst>
-                <a:ext uri="{FF2B5EF4-FFF2-40B4-BE49-F238E27FC236}">
-                  <a16:creationId xmlns:a16="http://schemas.microsoft.com/office/drawing/2014/main" id="{7B1E50D5-3B4B-5334-0C42-FA3501C2EA70}"/>
-                </a:ext>
-              </a:extLst>
-            </p:cNvPr>
-            <p:cNvSpPr txBox="1"/>
-            <p:nvPr/>
-          </p:nvSpPr>
-          <p:spPr>
-            <a:xfrm>
-              <a:off x="3704385" y="724987"/>
-              <a:ext cx="2755681" cy="461665"/>
-            </a:xfrm>
-            <a:prstGeom prst="rect">
-              <a:avLst/>
-            </a:prstGeom>
-            <a:noFill/>
-          </p:spPr>
-          <p:txBody>
-            <a:bodyPr wrap="square" rtlCol="0">
-              <a:spAutoFit/>
-            </a:bodyPr>
-            <a:lstStyle/>
-            <a:p>
-              <a:pPr algn="ctr"/>
-              <a:r>
-                <a:rPr lang="de-DE" sz="2400" dirty="0">
-                  <a:latin typeface="Comic Sans MS" panose="030F0702030302020204" pitchFamily="66" charset="0"/>
-                </a:rPr>
-                <a:t>Vera</a:t>
-              </a:r>
-              <a:endParaRPr lang="LID4096" sz="2400" dirty="0">
-                <a:latin typeface="Comic Sans MS" panose="030F0702030302020204" pitchFamily="66" charset="0"/>
-              </a:endParaRPr>
-            </a:p>
-          </p:txBody>
-        </p:sp>
-        <p:grpSp>
-          <p:nvGrpSpPr>
-            <p:cNvPr id="12" name="Group 11">
-              <a:extLst>
-                <a:ext uri="{FF2B5EF4-FFF2-40B4-BE49-F238E27FC236}">
-                  <a16:creationId xmlns:a16="http://schemas.microsoft.com/office/drawing/2014/main" id="{99B3FCC9-F831-13B7-625D-70605460801E}"/>
-                </a:ext>
-              </a:extLst>
-            </p:cNvPr>
-            <p:cNvGrpSpPr/>
-            <p:nvPr/>
-          </p:nvGrpSpPr>
-          <p:grpSpPr>
-            <a:xfrm>
-              <a:off x="3903834" y="4523494"/>
-              <a:ext cx="2380872" cy="807699"/>
-              <a:chOff x="2906702" y="2753011"/>
-              <a:chExt cx="3443079" cy="2640255"/>
-            </a:xfrm>
-          </p:grpSpPr>
+            <p:txBody>
+              <a:bodyPr rtlCol="0" anchor="ctr"/>
+              <a:lstStyle/>
+              <a:p>
+                <a:pPr algn="ctr"/>
+                <a:r>
+                  <a:rPr lang="de-DE" sz="2400" dirty="0">
+                    <a:solidFill>
+                      <a:schemeClr val="tx1"/>
+                    </a:solidFill>
+                  </a:rPr>
+                  <a:t>+</a:t>
+                </a:r>
+                <a:endParaRPr lang="LID4096" sz="2400" dirty="0">
+                  <a:solidFill>
+                    <a:schemeClr val="tx1"/>
+                  </a:solidFill>
+                </a:endParaRPr>
+              </a:p>
+            </p:txBody>
+          </p:sp>
           <p:grpSp>
             <p:nvGrpSpPr>
-              <p:cNvPr id="13" name="Group 12">
+              <p:cNvPr id="10" name="Group 9">
                 <a:extLst>
                   <a:ext uri="{FF2B5EF4-FFF2-40B4-BE49-F238E27FC236}">
-                    <a16:creationId xmlns:a16="http://schemas.microsoft.com/office/drawing/2014/main" id="{3F1CF853-4782-E5F8-488B-DACFC48DEA23}"/>
+                    <a16:creationId xmlns:a16="http://schemas.microsoft.com/office/drawing/2014/main" id="{30803921-41CC-4F59-5880-5BD51484969B}"/>
                   </a:ext>
                 </a:extLst>
               </p:cNvPr>
@@ -10942,18 +11054,521 @@
             </p:nvGrpSpPr>
             <p:grpSpPr>
               <a:xfrm>
-                <a:off x="2906702" y="2753011"/>
-                <a:ext cx="3443079" cy="2640255"/>
-                <a:chOff x="3560710" y="1350405"/>
+                <a:off x="3814233" y="855133"/>
+                <a:ext cx="330200" cy="211666"/>
+                <a:chOff x="3814233" y="855133"/>
+                <a:chExt cx="330200" cy="211666"/>
+              </a:xfrm>
+            </p:grpSpPr>
+            <p:cxnSp>
+              <p:nvCxnSpPr>
+                <p:cNvPr id="6" name="Straight Connector 5">
+                  <a:extLst>
+                    <a:ext uri="{FF2B5EF4-FFF2-40B4-BE49-F238E27FC236}">
+                      <a16:creationId xmlns:a16="http://schemas.microsoft.com/office/drawing/2014/main" id="{8F3F191B-217C-C353-78EF-3F3401A9F436}"/>
+                    </a:ext>
+                  </a:extLst>
+                </p:cNvPr>
+                <p:cNvCxnSpPr/>
+                <p:nvPr/>
+              </p:nvCxnSpPr>
+              <p:spPr>
+                <a:xfrm>
+                  <a:off x="3814233" y="855133"/>
+                  <a:ext cx="330200" cy="0"/>
+                </a:xfrm>
+                <a:prstGeom prst="line">
+                  <a:avLst/>
+                </a:prstGeom>
+                <a:ln w="38100"/>
+              </p:spPr>
+              <p:style>
+                <a:lnRef idx="2">
+                  <a:schemeClr val="dk1"/>
+                </a:lnRef>
+                <a:fillRef idx="0">
+                  <a:schemeClr val="dk1"/>
+                </a:fillRef>
+                <a:effectRef idx="1">
+                  <a:schemeClr val="dk1"/>
+                </a:effectRef>
+                <a:fontRef idx="minor">
+                  <a:schemeClr val="tx1"/>
+                </a:fontRef>
+              </p:style>
+            </p:cxnSp>
+            <p:cxnSp>
+              <p:nvCxnSpPr>
+                <p:cNvPr id="8" name="Straight Connector 7">
+                  <a:extLst>
+                    <a:ext uri="{FF2B5EF4-FFF2-40B4-BE49-F238E27FC236}">
+                      <a16:creationId xmlns:a16="http://schemas.microsoft.com/office/drawing/2014/main" id="{7A621B64-B387-FECF-AD06-E3EE98FB582B}"/>
+                    </a:ext>
+                  </a:extLst>
+                </p:cNvPr>
+                <p:cNvCxnSpPr/>
+                <p:nvPr/>
+              </p:nvCxnSpPr>
+              <p:spPr>
+                <a:xfrm>
+                  <a:off x="3814233" y="960966"/>
+                  <a:ext cx="330200" cy="0"/>
+                </a:xfrm>
+                <a:prstGeom prst="line">
+                  <a:avLst/>
+                </a:prstGeom>
+                <a:ln w="38100"/>
+              </p:spPr>
+              <p:style>
+                <a:lnRef idx="2">
+                  <a:schemeClr val="dk1"/>
+                </a:lnRef>
+                <a:fillRef idx="0">
+                  <a:schemeClr val="dk1"/>
+                </a:fillRef>
+                <a:effectRef idx="1">
+                  <a:schemeClr val="dk1"/>
+                </a:effectRef>
+                <a:fontRef idx="minor">
+                  <a:schemeClr val="tx1"/>
+                </a:fontRef>
+              </p:style>
+            </p:cxnSp>
+            <p:cxnSp>
+              <p:nvCxnSpPr>
+                <p:cNvPr id="9" name="Straight Connector 8">
+                  <a:extLst>
+                    <a:ext uri="{FF2B5EF4-FFF2-40B4-BE49-F238E27FC236}">
+                      <a16:creationId xmlns:a16="http://schemas.microsoft.com/office/drawing/2014/main" id="{36BA4ACD-5C7E-EE40-CFBF-6546AA1D39C4}"/>
+                    </a:ext>
+                  </a:extLst>
+                </p:cNvPr>
+                <p:cNvCxnSpPr/>
+                <p:nvPr/>
+              </p:nvCxnSpPr>
+              <p:spPr>
+                <a:xfrm>
+                  <a:off x="3814233" y="1066799"/>
+                  <a:ext cx="330200" cy="0"/>
+                </a:xfrm>
+                <a:prstGeom prst="line">
+                  <a:avLst/>
+                </a:prstGeom>
+                <a:ln w="38100"/>
+              </p:spPr>
+              <p:style>
+                <a:lnRef idx="2">
+                  <a:schemeClr val="dk1"/>
+                </a:lnRef>
+                <a:fillRef idx="0">
+                  <a:schemeClr val="dk1"/>
+                </a:fillRef>
+                <a:effectRef idx="1">
+                  <a:schemeClr val="dk1"/>
+                </a:effectRef>
+                <a:fontRef idx="minor">
+                  <a:schemeClr val="tx1"/>
+                </a:fontRef>
+              </p:style>
+            </p:cxnSp>
+          </p:grpSp>
+          <p:sp>
+            <p:nvSpPr>
+              <p:cNvPr id="11" name="TextBox 10">
+                <a:extLst>
+                  <a:ext uri="{FF2B5EF4-FFF2-40B4-BE49-F238E27FC236}">
+                    <a16:creationId xmlns:a16="http://schemas.microsoft.com/office/drawing/2014/main" id="{7B1E50D5-3B4B-5334-0C42-FA3501C2EA70}"/>
+                  </a:ext>
+                </a:extLst>
+              </p:cNvPr>
+              <p:cNvSpPr txBox="1"/>
+              <p:nvPr/>
+            </p:nvSpPr>
+            <p:spPr>
+              <a:xfrm>
+                <a:off x="3704385" y="724987"/>
+                <a:ext cx="2755681" cy="461665"/>
+              </a:xfrm>
+              <a:prstGeom prst="rect">
+                <a:avLst/>
+              </a:prstGeom>
+              <a:noFill/>
+            </p:spPr>
+            <p:txBody>
+              <a:bodyPr wrap="square" rtlCol="0">
+                <a:spAutoFit/>
+              </a:bodyPr>
+              <a:lstStyle/>
+              <a:p>
+                <a:pPr algn="ctr"/>
+                <a:r>
+                  <a:rPr lang="de-DE" sz="2400" dirty="0">
+                    <a:latin typeface="Comic Sans MS" panose="030F0702030302020204" pitchFamily="66" charset="0"/>
+                  </a:rPr>
+                  <a:t>Vera</a:t>
+                </a:r>
+                <a:endParaRPr lang="LID4096" sz="2400" dirty="0">
+                  <a:latin typeface="Comic Sans MS" panose="030F0702030302020204" pitchFamily="66" charset="0"/>
+                </a:endParaRPr>
+              </a:p>
+            </p:txBody>
+          </p:sp>
+          <p:grpSp>
+            <p:nvGrpSpPr>
+              <p:cNvPr id="12" name="Group 11">
+                <a:extLst>
+                  <a:ext uri="{FF2B5EF4-FFF2-40B4-BE49-F238E27FC236}">
+                    <a16:creationId xmlns:a16="http://schemas.microsoft.com/office/drawing/2014/main" id="{99B3FCC9-F831-13B7-625D-70605460801E}"/>
+                  </a:ext>
+                </a:extLst>
+              </p:cNvPr>
+              <p:cNvGrpSpPr/>
+              <p:nvPr/>
+            </p:nvGrpSpPr>
+            <p:grpSpPr>
+              <a:xfrm>
+                <a:off x="3903834" y="4523494"/>
+                <a:ext cx="2380872" cy="807699"/>
+                <a:chOff x="2906702" y="2753011"/>
                 <a:chExt cx="3443079" cy="2640255"/>
               </a:xfrm>
             </p:grpSpPr>
+            <p:grpSp>
+              <p:nvGrpSpPr>
+                <p:cNvPr id="13" name="Group 12">
+                  <a:extLst>
+                    <a:ext uri="{FF2B5EF4-FFF2-40B4-BE49-F238E27FC236}">
+                      <a16:creationId xmlns:a16="http://schemas.microsoft.com/office/drawing/2014/main" id="{3F1CF853-4782-E5F8-488B-DACFC48DEA23}"/>
+                    </a:ext>
+                  </a:extLst>
+                </p:cNvPr>
+                <p:cNvGrpSpPr/>
+                <p:nvPr/>
+              </p:nvGrpSpPr>
+              <p:grpSpPr>
+                <a:xfrm>
+                  <a:off x="2906702" y="2753011"/>
+                  <a:ext cx="3443079" cy="2640255"/>
+                  <a:chOff x="3560710" y="1350405"/>
+                  <a:chExt cx="3443079" cy="2640255"/>
+                </a:xfrm>
+              </p:grpSpPr>
+              <p:sp>
+                <p:nvSpPr>
+                  <p:cNvPr id="15" name="Rectangle: Rounded Corners 14">
+                    <a:extLst>
+                      <a:ext uri="{FF2B5EF4-FFF2-40B4-BE49-F238E27FC236}">
+                        <a16:creationId xmlns:a16="http://schemas.microsoft.com/office/drawing/2014/main" id="{62F7DEB0-D282-B107-511B-5F68C79CA68E}"/>
+                      </a:ext>
+                    </a:extLst>
+                  </p:cNvPr>
+                  <p:cNvSpPr/>
+                  <p:nvPr/>
+                </p:nvSpPr>
+                <p:spPr>
+                  <a:xfrm>
+                    <a:off x="4493276" y="1350405"/>
+                    <a:ext cx="2510513" cy="2640255"/>
+                  </a:xfrm>
+                  <a:prstGeom prst="roundRect">
+                    <a:avLst/>
+                  </a:prstGeom>
+                  <a:solidFill>
+                    <a:srgbClr val="EDF2FA"/>
+                  </a:solidFill>
+                  <a:ln>
+                    <a:solidFill>
+                      <a:srgbClr val="FFC000"/>
+                    </a:solidFill>
+                  </a:ln>
+                </p:spPr>
+                <p:style>
+                  <a:lnRef idx="2">
+                    <a:schemeClr val="accent1">
+                      <a:shade val="15000"/>
+                    </a:schemeClr>
+                  </a:lnRef>
+                  <a:fillRef idx="1">
+                    <a:schemeClr val="accent1"/>
+                  </a:fillRef>
+                  <a:effectRef idx="0">
+                    <a:schemeClr val="accent1"/>
+                  </a:effectRef>
+                  <a:fontRef idx="minor">
+                    <a:schemeClr val="lt1"/>
+                  </a:fontRef>
+                </p:style>
+                <p:txBody>
+                  <a:bodyPr rtlCol="0" anchor="ctr"/>
+                  <a:lstStyle/>
+                  <a:p>
+                    <a:r>
+                      <a:rPr lang="en-US" sz="400" dirty="0">
+                        <a:solidFill>
+                          <a:schemeClr val="tx1"/>
+                        </a:solidFill>
+                      </a:rPr>
+                      <a:t>That’s really concerning, especially since they’re not even trying to hide it. It means they feel like there won’t be consequences, but that’s not okay.</a:t>
+                    </a:r>
+                  </a:p>
+                  <a:p>
+                    <a:endParaRPr lang="en-US" sz="400" dirty="0">
+                      <a:solidFill>
+                        <a:schemeClr val="tx1"/>
+                      </a:solidFill>
+                    </a:endParaRPr>
+                  </a:p>
+                  <a:p>
+                    <a:r>
+                      <a:rPr lang="en-US" sz="400" dirty="0">
+                        <a:solidFill>
+                          <a:schemeClr val="tx1"/>
+                        </a:solidFill>
+                      </a:rPr>
+                      <a:t>Since they’re using personal accounts, there’s a way to document everything. Have you taken screenshots or saved any messages? This kind of evidence could be important if you ever decide to report it.</a:t>
+                    </a:r>
+                  </a:p>
+                  <a:p>
+                    <a:endParaRPr lang="en-US" sz="400" dirty="0">
+                      <a:solidFill>
+                        <a:schemeClr val="tx1"/>
+                      </a:solidFill>
+                    </a:endParaRPr>
+                  </a:p>
+                  <a:p>
+                    <a:r>
+                      <a:rPr lang="en-US" sz="400" dirty="0">
+                        <a:solidFill>
+                          <a:schemeClr val="tx1"/>
+                        </a:solidFill>
+                      </a:rPr>
+                      <a:t>I also want to check in on how you’re feeling emotionally—has this been affecting your sleep, concentration, or motivation at school? I want to make sure you have the support you need</a:t>
+                    </a:r>
+                    <a:r>
+                      <a:rPr lang="en-US" sz="600" dirty="0">
+                        <a:solidFill>
+                          <a:schemeClr val="tx1"/>
+                        </a:solidFill>
+                      </a:rPr>
+                      <a:t>.</a:t>
+                    </a:r>
+                  </a:p>
+                </p:txBody>
+              </p:sp>
+              <p:sp>
+                <p:nvSpPr>
+                  <p:cNvPr id="16" name="Isosceles Triangle 15">
+                    <a:extLst>
+                      <a:ext uri="{FF2B5EF4-FFF2-40B4-BE49-F238E27FC236}">
+                        <a16:creationId xmlns:a16="http://schemas.microsoft.com/office/drawing/2014/main" id="{6F88E22B-DBBD-AE9F-99F6-2E4B02141227}"/>
+                      </a:ext>
+                    </a:extLst>
+                  </p:cNvPr>
+                  <p:cNvSpPr/>
+                  <p:nvPr/>
+                </p:nvSpPr>
+                <p:spPr>
+                  <a:xfrm rot="16200000">
+                    <a:off x="3664865" y="1246251"/>
+                    <a:ext cx="723898" cy="932208"/>
+                  </a:xfrm>
+                  <a:prstGeom prst="triangle">
+                    <a:avLst>
+                      <a:gd name="adj" fmla="val 100000"/>
+                    </a:avLst>
+                  </a:prstGeom>
+                  <a:solidFill>
+                    <a:srgbClr val="EDF2FA"/>
+                  </a:solidFill>
+                  <a:ln>
+                    <a:solidFill>
+                      <a:srgbClr val="FFC000"/>
+                    </a:solidFill>
+                  </a:ln>
+                </p:spPr>
+                <p:style>
+                  <a:lnRef idx="2">
+                    <a:schemeClr val="accent1">
+                      <a:shade val="15000"/>
+                    </a:schemeClr>
+                  </a:lnRef>
+                  <a:fillRef idx="1">
+                    <a:schemeClr val="accent1"/>
+                  </a:fillRef>
+                  <a:effectRef idx="0">
+                    <a:schemeClr val="accent1"/>
+                  </a:effectRef>
+                  <a:fontRef idx="minor">
+                    <a:schemeClr val="lt1"/>
+                  </a:fontRef>
+                </p:style>
+                <p:txBody>
+                  <a:bodyPr rtlCol="0" anchor="ctr"/>
+                  <a:lstStyle/>
+                  <a:p>
+                    <a:pPr algn="ctr"/>
+                    <a:endParaRPr lang="LID4096"/>
+                  </a:p>
+                </p:txBody>
+              </p:sp>
+              <p:sp>
+                <p:nvSpPr>
+                  <p:cNvPr id="17" name="Rectangle 16">
+                    <a:extLst>
+                      <a:ext uri="{FF2B5EF4-FFF2-40B4-BE49-F238E27FC236}">
+                        <a16:creationId xmlns:a16="http://schemas.microsoft.com/office/drawing/2014/main" id="{67D2B55F-44C9-D1A0-DC95-09BA107647B8}"/>
+                      </a:ext>
+                    </a:extLst>
+                  </p:cNvPr>
+                  <p:cNvSpPr/>
+                  <p:nvPr/>
+                </p:nvSpPr>
+                <p:spPr>
+                  <a:xfrm>
+                    <a:off x="4456460" y="1381498"/>
+                    <a:ext cx="213910" cy="601673"/>
+                  </a:xfrm>
+                  <a:prstGeom prst="rect">
+                    <a:avLst/>
+                  </a:prstGeom>
+                  <a:solidFill>
+                    <a:srgbClr val="EDF2FA"/>
+                  </a:solidFill>
+                  <a:ln>
+                    <a:noFill/>
+                  </a:ln>
+                </p:spPr>
+                <p:style>
+                  <a:lnRef idx="2">
+                    <a:schemeClr val="accent1">
+                      <a:shade val="15000"/>
+                    </a:schemeClr>
+                  </a:lnRef>
+                  <a:fillRef idx="1">
+                    <a:schemeClr val="accent1"/>
+                  </a:fillRef>
+                  <a:effectRef idx="0">
+                    <a:schemeClr val="accent1"/>
+                  </a:effectRef>
+                  <a:fontRef idx="minor">
+                    <a:schemeClr val="lt1"/>
+                  </a:fontRef>
+                </p:style>
+                <p:txBody>
+                  <a:bodyPr rtlCol="0" anchor="ctr"/>
+                  <a:lstStyle/>
+                  <a:p>
+                    <a:pPr algn="ctr"/>
+                    <a:endParaRPr lang="LID4096" dirty="0"/>
+                  </a:p>
+                </p:txBody>
+              </p:sp>
+              <p:cxnSp>
+                <p:nvCxnSpPr>
+                  <p:cNvPr id="18" name="Straight Connector 17">
+                    <a:extLst>
+                      <a:ext uri="{FF2B5EF4-FFF2-40B4-BE49-F238E27FC236}">
+                        <a16:creationId xmlns:a16="http://schemas.microsoft.com/office/drawing/2014/main" id="{EEEFE16B-2A1C-CA67-6DB0-73D3EDE82E6A}"/>
+                      </a:ext>
+                    </a:extLst>
+                  </p:cNvPr>
+                  <p:cNvCxnSpPr>
+                    <a:cxnSpLocks/>
+                    <a:stCxn id="16" idx="3"/>
+                  </p:cNvCxnSpPr>
+                  <p:nvPr/>
+                </p:nvCxnSpPr>
+                <p:spPr>
+                  <a:xfrm flipV="1">
+                    <a:off x="4492918" y="1350405"/>
+                    <a:ext cx="556920" cy="1"/>
+                  </a:xfrm>
+                  <a:prstGeom prst="line">
+                    <a:avLst/>
+                  </a:prstGeom>
+                  <a:solidFill>
+                    <a:srgbClr val="EDF2FA"/>
+                  </a:solidFill>
+                  <a:ln>
+                    <a:solidFill>
+                      <a:srgbClr val="FFC000"/>
+                    </a:solidFill>
+                  </a:ln>
+                </p:spPr>
+                <p:style>
+                  <a:lnRef idx="2">
+                    <a:schemeClr val="dk1"/>
+                  </a:lnRef>
+                  <a:fillRef idx="0">
+                    <a:schemeClr val="dk1"/>
+                  </a:fillRef>
+                  <a:effectRef idx="1">
+                    <a:schemeClr val="dk1"/>
+                  </a:effectRef>
+                  <a:fontRef idx="minor">
+                    <a:schemeClr val="tx1"/>
+                  </a:fontRef>
+                </p:style>
+              </p:cxnSp>
+              <p:sp>
+                <p:nvSpPr>
+                  <p:cNvPr id="19" name="Rectangle 18">
+                    <a:extLst>
+                      <a:ext uri="{FF2B5EF4-FFF2-40B4-BE49-F238E27FC236}">
+                        <a16:creationId xmlns:a16="http://schemas.microsoft.com/office/drawing/2014/main" id="{2F780ABC-4FA1-1C36-9CE3-E67E2CB2E702}"/>
+                      </a:ext>
+                    </a:extLst>
+                  </p:cNvPr>
+                  <p:cNvSpPr/>
+                  <p:nvPr/>
+                </p:nvSpPr>
+                <p:spPr>
+                  <a:xfrm rot="2230637">
+                    <a:off x="4357372" y="1887789"/>
+                    <a:ext cx="277812" cy="154772"/>
+                  </a:xfrm>
+                  <a:prstGeom prst="rect">
+                    <a:avLst/>
+                  </a:prstGeom>
+                  <a:solidFill>
+                    <a:srgbClr val="EDF2FA"/>
+                  </a:solidFill>
+                  <a:ln>
+                    <a:noFill/>
+                  </a:ln>
+                </p:spPr>
+                <p:style>
+                  <a:lnRef idx="2">
+                    <a:schemeClr val="accent1">
+                      <a:shade val="15000"/>
+                    </a:schemeClr>
+                  </a:lnRef>
+                  <a:fillRef idx="1">
+                    <a:schemeClr val="accent1"/>
+                  </a:fillRef>
+                  <a:effectRef idx="0">
+                    <a:schemeClr val="accent1"/>
+                  </a:effectRef>
+                  <a:fontRef idx="minor">
+                    <a:schemeClr val="lt1"/>
+                  </a:fontRef>
+                </p:style>
+                <p:txBody>
+                  <a:bodyPr rtlCol="0" anchor="ctr"/>
+                  <a:lstStyle/>
+                  <a:p>
+                    <a:pPr algn="ctr"/>
+                    <a:endParaRPr lang="LID4096"/>
+                  </a:p>
+                </p:txBody>
+              </p:sp>
+            </p:grpSp>
             <p:sp>
               <p:nvSpPr>
-                <p:cNvPr id="15" name="Rectangle: Rounded Corners 14">
+                <p:cNvPr id="14" name="Rectangle 13">
                   <a:extLst>
                     <a:ext uri="{FF2B5EF4-FFF2-40B4-BE49-F238E27FC236}">
-                      <a16:creationId xmlns:a16="http://schemas.microsoft.com/office/drawing/2014/main" id="{62F7DEB0-D282-B107-511B-5F68C79CA68E}"/>
+                      <a16:creationId xmlns:a16="http://schemas.microsoft.com/office/drawing/2014/main" id="{CCB7B2C8-7FBE-1955-5A9B-D4DA0152B5D2}"/>
                     </a:ext>
                   </a:extLst>
                 </p:cNvPr>
@@ -10962,166 +11577,8 @@
               </p:nvSpPr>
               <p:spPr>
                 <a:xfrm>
-                  <a:off x="4493276" y="1350405"/>
-                  <a:ext cx="2510513" cy="2640255"/>
-                </a:xfrm>
-                <a:prstGeom prst="roundRect">
-                  <a:avLst/>
-                </a:prstGeom>
-                <a:solidFill>
-                  <a:srgbClr val="EDF2FA"/>
-                </a:solidFill>
-                <a:ln>
-                  <a:solidFill>
-                    <a:srgbClr val="FFC000"/>
-                  </a:solidFill>
-                </a:ln>
-              </p:spPr>
-              <p:style>
-                <a:lnRef idx="2">
-                  <a:schemeClr val="accent1">
-                    <a:shade val="15000"/>
-                  </a:schemeClr>
-                </a:lnRef>
-                <a:fillRef idx="1">
-                  <a:schemeClr val="accent1"/>
-                </a:fillRef>
-                <a:effectRef idx="0">
-                  <a:schemeClr val="accent1"/>
-                </a:effectRef>
-                <a:fontRef idx="minor">
-                  <a:schemeClr val="lt1"/>
-                </a:fontRef>
-              </p:style>
-              <p:txBody>
-                <a:bodyPr rtlCol="0" anchor="ctr"/>
-                <a:lstStyle/>
-                <a:p>
-                  <a:r>
-                    <a:rPr lang="en-US" sz="400" dirty="0">
-                      <a:solidFill>
-                        <a:schemeClr val="tx1"/>
-                      </a:solidFill>
-                    </a:rPr>
-                    <a:t>That’s really concerning, especially since they’re not even trying to hide it. It means they feel like there won’t be consequences, but that’s not okay.</a:t>
-                  </a:r>
-                </a:p>
-                <a:p>
-                  <a:endParaRPr lang="en-US" sz="400" dirty="0">
-                    <a:solidFill>
-                      <a:schemeClr val="tx1"/>
-                    </a:solidFill>
-                  </a:endParaRPr>
-                </a:p>
-                <a:p>
-                  <a:r>
-                    <a:rPr lang="en-US" sz="400" dirty="0">
-                      <a:solidFill>
-                        <a:schemeClr val="tx1"/>
-                      </a:solidFill>
-                    </a:rPr>
-                    <a:t>Since they’re using personal accounts, there’s a way to document everything. Have you taken screenshots or saved any messages? This kind of evidence could be important if you ever decide to report it.</a:t>
-                  </a:r>
-                </a:p>
-                <a:p>
-                  <a:endParaRPr lang="en-US" sz="400" dirty="0">
-                    <a:solidFill>
-                      <a:schemeClr val="tx1"/>
-                    </a:solidFill>
-                  </a:endParaRPr>
-                </a:p>
-                <a:p>
-                  <a:r>
-                    <a:rPr lang="en-US" sz="400" dirty="0">
-                      <a:solidFill>
-                        <a:schemeClr val="tx1"/>
-                      </a:solidFill>
-                    </a:rPr>
-                    <a:t>I also want to check in on how you’re feeling emotionally—has this been affecting your sleep, concentration, or motivation at school? I want to make sure you have the support you need</a:t>
-                  </a:r>
-                  <a:r>
-                    <a:rPr lang="en-US" sz="600" dirty="0">
-                      <a:solidFill>
-                        <a:schemeClr val="tx1"/>
-                      </a:solidFill>
-                    </a:rPr>
-                    <a:t>.</a:t>
-                  </a:r>
-                </a:p>
-              </p:txBody>
-            </p:sp>
-            <p:sp>
-              <p:nvSpPr>
-                <p:cNvPr id="16" name="Isosceles Triangle 15">
-                  <a:extLst>
-                    <a:ext uri="{FF2B5EF4-FFF2-40B4-BE49-F238E27FC236}">
-                      <a16:creationId xmlns:a16="http://schemas.microsoft.com/office/drawing/2014/main" id="{6F88E22B-DBBD-AE9F-99F6-2E4B02141227}"/>
-                    </a:ext>
-                  </a:extLst>
-                </p:cNvPr>
-                <p:cNvSpPr/>
-                <p:nvPr/>
-              </p:nvSpPr>
-              <p:spPr>
-                <a:xfrm rot="16200000">
-                  <a:off x="3664865" y="1246251"/>
-                  <a:ext cx="723898" cy="932208"/>
-                </a:xfrm>
-                <a:prstGeom prst="triangle">
-                  <a:avLst>
-                    <a:gd name="adj" fmla="val 100000"/>
-                  </a:avLst>
-                </a:prstGeom>
-                <a:solidFill>
-                  <a:srgbClr val="EDF2FA"/>
-                </a:solidFill>
-                <a:ln>
-                  <a:solidFill>
-                    <a:srgbClr val="FFC000"/>
-                  </a:solidFill>
-                </a:ln>
-              </p:spPr>
-              <p:style>
-                <a:lnRef idx="2">
-                  <a:schemeClr val="accent1">
-                    <a:shade val="15000"/>
-                  </a:schemeClr>
-                </a:lnRef>
-                <a:fillRef idx="1">
-                  <a:schemeClr val="accent1"/>
-                </a:fillRef>
-                <a:effectRef idx="0">
-                  <a:schemeClr val="accent1"/>
-                </a:effectRef>
-                <a:fontRef idx="minor">
-                  <a:schemeClr val="lt1"/>
-                </a:fontRef>
-              </p:style>
-              <p:txBody>
-                <a:bodyPr rtlCol="0" anchor="ctr"/>
-                <a:lstStyle/>
-                <a:p>
-                  <a:pPr algn="ctr"/>
-                  <a:endParaRPr lang="LID4096"/>
-                </a:p>
-              </p:txBody>
-            </p:sp>
-            <p:sp>
-              <p:nvSpPr>
-                <p:cNvPr id="17" name="Rectangle 16">
-                  <a:extLst>
-                    <a:ext uri="{FF2B5EF4-FFF2-40B4-BE49-F238E27FC236}">
-                      <a16:creationId xmlns:a16="http://schemas.microsoft.com/office/drawing/2014/main" id="{67D2B55F-44C9-D1A0-DC95-09BA107647B8}"/>
-                    </a:ext>
-                  </a:extLst>
-                </p:cNvPr>
-                <p:cNvSpPr/>
-                <p:nvPr/>
-              </p:nvSpPr>
-              <p:spPr>
-                <a:xfrm>
-                  <a:off x="4456460" y="1381498"/>
-                  <a:ext cx="213910" cy="601673"/>
+                  <a:off x="3802452" y="2784108"/>
+                  <a:ext cx="593377" cy="85036"/>
                 </a:xfrm>
                 <a:prstGeom prst="rect">
                   <a:avLst/>
@@ -11158,112 +11615,13 @@
                 </a:p>
               </p:txBody>
             </p:sp>
-            <p:cxnSp>
-              <p:nvCxnSpPr>
-                <p:cNvPr id="18" name="Straight Connector 17">
-                  <a:extLst>
-                    <a:ext uri="{FF2B5EF4-FFF2-40B4-BE49-F238E27FC236}">
-                      <a16:creationId xmlns:a16="http://schemas.microsoft.com/office/drawing/2014/main" id="{EEEFE16B-2A1C-CA67-6DB0-73D3EDE82E6A}"/>
-                    </a:ext>
-                  </a:extLst>
-                </p:cNvPr>
-                <p:cNvCxnSpPr>
-                  <a:cxnSpLocks/>
-                  <a:stCxn id="16" idx="3"/>
-                </p:cNvCxnSpPr>
-                <p:nvPr/>
-              </p:nvCxnSpPr>
-              <p:spPr>
-                <a:xfrm flipV="1">
-                  <a:off x="4492918" y="1350405"/>
-                  <a:ext cx="556920" cy="1"/>
-                </a:xfrm>
-                <a:prstGeom prst="line">
-                  <a:avLst/>
-                </a:prstGeom>
-                <a:solidFill>
-                  <a:srgbClr val="EDF2FA"/>
-                </a:solidFill>
-                <a:ln>
-                  <a:solidFill>
-                    <a:srgbClr val="FFC000"/>
-                  </a:solidFill>
-                </a:ln>
-              </p:spPr>
-              <p:style>
-                <a:lnRef idx="2">
-                  <a:schemeClr val="dk1"/>
-                </a:lnRef>
-                <a:fillRef idx="0">
-                  <a:schemeClr val="dk1"/>
-                </a:fillRef>
-                <a:effectRef idx="1">
-                  <a:schemeClr val="dk1"/>
-                </a:effectRef>
-                <a:fontRef idx="minor">
-                  <a:schemeClr val="tx1"/>
-                </a:fontRef>
-              </p:style>
-            </p:cxnSp>
-            <p:sp>
-              <p:nvSpPr>
-                <p:cNvPr id="19" name="Rectangle 18">
-                  <a:extLst>
-                    <a:ext uri="{FF2B5EF4-FFF2-40B4-BE49-F238E27FC236}">
-                      <a16:creationId xmlns:a16="http://schemas.microsoft.com/office/drawing/2014/main" id="{2F780ABC-4FA1-1C36-9CE3-E67E2CB2E702}"/>
-                    </a:ext>
-                  </a:extLst>
-                </p:cNvPr>
-                <p:cNvSpPr/>
-                <p:nvPr/>
-              </p:nvSpPr>
-              <p:spPr>
-                <a:xfrm rot="2230637">
-                  <a:off x="4357372" y="1887789"/>
-                  <a:ext cx="277812" cy="154772"/>
-                </a:xfrm>
-                <a:prstGeom prst="rect">
-                  <a:avLst/>
-                </a:prstGeom>
-                <a:solidFill>
-                  <a:srgbClr val="EDF2FA"/>
-                </a:solidFill>
-                <a:ln>
-                  <a:noFill/>
-                </a:ln>
-              </p:spPr>
-              <p:style>
-                <a:lnRef idx="2">
-                  <a:schemeClr val="accent1">
-                    <a:shade val="15000"/>
-                  </a:schemeClr>
-                </a:lnRef>
-                <a:fillRef idx="1">
-                  <a:schemeClr val="accent1"/>
-                </a:fillRef>
-                <a:effectRef idx="0">
-                  <a:schemeClr val="accent1"/>
-                </a:effectRef>
-                <a:fontRef idx="minor">
-                  <a:schemeClr val="lt1"/>
-                </a:fontRef>
-              </p:style>
-              <p:txBody>
-                <a:bodyPr rtlCol="0" anchor="ctr"/>
-                <a:lstStyle/>
-                <a:p>
-                  <a:pPr algn="ctr"/>
-                  <a:endParaRPr lang="LID4096"/>
-                </a:p>
-              </p:txBody>
-            </p:sp>
           </p:grpSp>
           <p:sp>
             <p:nvSpPr>
-              <p:cNvPr id="14" name="Rectangle 13">
+              <p:cNvPr id="23" name="Rectangle: Rounded Corners 22">
                 <a:extLst>
                   <a:ext uri="{FF2B5EF4-FFF2-40B4-BE49-F238E27FC236}">
-                    <a16:creationId xmlns:a16="http://schemas.microsoft.com/office/drawing/2014/main" id="{CCB7B2C8-7FBE-1955-5A9B-D4DA0152B5D2}"/>
+                    <a16:creationId xmlns:a16="http://schemas.microsoft.com/office/drawing/2014/main" id="{D675CA74-960D-3C15-91B4-710FD04B96FC}"/>
                   </a:ext>
                 </a:extLst>
               </p:cNvPr>
@@ -11271,9 +11629,125 @@
               <p:nvPr/>
             </p:nvSpPr>
             <p:spPr>
-              <a:xfrm>
-                <a:off x="3802452" y="2784108"/>
-                <a:ext cx="593377" cy="85036"/>
+              <a:xfrm flipH="1">
+                <a:off x="3903834" y="4179737"/>
+                <a:ext cx="2004458" cy="221454"/>
+              </a:xfrm>
+              <a:prstGeom prst="roundRect">
+                <a:avLst/>
+              </a:prstGeom>
+              <a:solidFill>
+                <a:srgbClr val="EDF2FA"/>
+              </a:solidFill>
+              <a:ln>
+                <a:solidFill>
+                  <a:srgbClr val="00B050"/>
+                </a:solidFill>
+              </a:ln>
+            </p:spPr>
+            <p:style>
+              <a:lnRef idx="2">
+                <a:schemeClr val="accent1">
+                  <a:shade val="15000"/>
+                </a:schemeClr>
+              </a:lnRef>
+              <a:fillRef idx="1">
+                <a:schemeClr val="accent1"/>
+              </a:fillRef>
+              <a:effectRef idx="0">
+                <a:schemeClr val="accent1"/>
+              </a:effectRef>
+              <a:fontRef idx="minor">
+                <a:schemeClr val="lt1"/>
+              </a:fontRef>
+            </p:style>
+            <p:txBody>
+              <a:bodyPr rtlCol="0" anchor="ctr"/>
+              <a:lstStyle/>
+              <a:p>
+                <a:r>
+                  <a:rPr lang="en-US" sz="400" dirty="0">
+                    <a:solidFill>
+                      <a:schemeClr val="tx1"/>
+                    </a:solidFill>
+                  </a:rPr>
+                  <a:t>They are using their personal accounts.</a:t>
+                </a:r>
+              </a:p>
+            </p:txBody>
+          </p:sp>
+          <p:sp>
+            <p:nvSpPr>
+              <p:cNvPr id="24" name="Isosceles Triangle 23">
+                <a:extLst>
+                  <a:ext uri="{FF2B5EF4-FFF2-40B4-BE49-F238E27FC236}">
+                    <a16:creationId xmlns:a16="http://schemas.microsoft.com/office/drawing/2014/main" id="{F1E37BF4-C314-CDC5-6BCA-1DECE3E873EE}"/>
+                  </a:ext>
+                </a:extLst>
+              </p:cNvPr>
+              <p:cNvSpPr/>
+              <p:nvPr/>
+            </p:nvSpPr>
+            <p:spPr>
+              <a:xfrm rot="5400000" flipH="1">
+                <a:off x="5988391" y="4090655"/>
+                <a:ext cx="207232" cy="385398"/>
+              </a:xfrm>
+              <a:prstGeom prst="triangle">
+                <a:avLst>
+                  <a:gd name="adj" fmla="val 100000"/>
+                </a:avLst>
+              </a:prstGeom>
+              <a:solidFill>
+                <a:srgbClr val="EDF2FA"/>
+              </a:solidFill>
+              <a:ln>
+                <a:solidFill>
+                  <a:srgbClr val="00B050"/>
+                </a:solidFill>
+              </a:ln>
+            </p:spPr>
+            <p:style>
+              <a:lnRef idx="2">
+                <a:schemeClr val="accent1">
+                  <a:shade val="15000"/>
+                </a:schemeClr>
+              </a:lnRef>
+              <a:fillRef idx="1">
+                <a:schemeClr val="accent1"/>
+              </a:fillRef>
+              <a:effectRef idx="0">
+                <a:schemeClr val="accent1"/>
+              </a:effectRef>
+              <a:fontRef idx="minor">
+                <a:schemeClr val="lt1"/>
+              </a:fontRef>
+            </p:style>
+            <p:txBody>
+              <a:bodyPr rtlCol="0" anchor="ctr"/>
+              <a:lstStyle/>
+              <a:p>
+                <a:pPr algn="ctr"/>
+                <a:endParaRPr lang="LID4096"/>
+              </a:p>
+            </p:txBody>
+          </p:sp>
+          <p:sp>
+            <p:nvSpPr>
+              <p:cNvPr id="25" name="Rectangle 24">
+                <a:extLst>
+                  <a:ext uri="{FF2B5EF4-FFF2-40B4-BE49-F238E27FC236}">
+                    <a16:creationId xmlns:a16="http://schemas.microsoft.com/office/drawing/2014/main" id="{A60DE958-419D-28D9-BC4C-9D04361E3C0C}"/>
+                  </a:ext>
+                </a:extLst>
+              </p:cNvPr>
+              <p:cNvSpPr/>
+              <p:nvPr/>
+            </p:nvSpPr>
+            <p:spPr>
+              <a:xfrm flipH="1">
+                <a:off x="5817739" y="4182624"/>
+                <a:ext cx="124097" cy="167100"/>
               </a:xfrm>
               <a:prstGeom prst="rect">
                 <a:avLst/>
@@ -11310,352 +11784,163 @@
               </a:p>
             </p:txBody>
           </p:sp>
-        </p:grpSp>
-        <p:sp>
-          <p:nvSpPr>
-            <p:cNvPr id="23" name="Rectangle: Rounded Corners 22">
-              <a:extLst>
-                <a:ext uri="{FF2B5EF4-FFF2-40B4-BE49-F238E27FC236}">
-                  <a16:creationId xmlns:a16="http://schemas.microsoft.com/office/drawing/2014/main" id="{D675CA74-960D-3C15-91B4-710FD04B96FC}"/>
-                </a:ext>
-              </a:extLst>
-            </p:cNvPr>
-            <p:cNvSpPr/>
-            <p:nvPr/>
-          </p:nvSpPr>
-          <p:spPr>
-            <a:xfrm flipH="1">
-              <a:off x="3903834" y="4179737"/>
-              <a:ext cx="2004458" cy="221454"/>
-            </a:xfrm>
-            <a:prstGeom prst="roundRect">
-              <a:avLst/>
-            </a:prstGeom>
-            <a:solidFill>
-              <a:srgbClr val="EDF2FA"/>
-            </a:solidFill>
-            <a:ln>
+          <p:cxnSp>
+            <p:nvCxnSpPr>
+              <p:cNvPr id="26" name="Straight Connector 25">
+                <a:extLst>
+                  <a:ext uri="{FF2B5EF4-FFF2-40B4-BE49-F238E27FC236}">
+                    <a16:creationId xmlns:a16="http://schemas.microsoft.com/office/drawing/2014/main" id="{93F42732-9842-CB25-9C77-2C3BFB67A0F6}"/>
+                  </a:ext>
+                </a:extLst>
+              </p:cNvPr>
+              <p:cNvCxnSpPr>
+                <a:cxnSpLocks/>
+                <a:stCxn id="24" idx="5"/>
+              </p:cNvCxnSpPr>
+              <p:nvPr/>
+            </p:nvCxnSpPr>
+            <p:spPr>
+              <a:xfrm flipH="1" flipV="1">
+                <a:off x="5669063" y="4179737"/>
+                <a:ext cx="422944" cy="1"/>
+              </a:xfrm>
+              <a:prstGeom prst="line">
+                <a:avLst/>
+              </a:prstGeom>
               <a:solidFill>
-                <a:srgbClr val="00B050"/>
+                <a:srgbClr val="EDF2FA"/>
               </a:solidFill>
-            </a:ln>
-          </p:spPr>
-          <p:style>
-            <a:lnRef idx="2">
-              <a:schemeClr val="accent1">
-                <a:shade val="15000"/>
-              </a:schemeClr>
-            </a:lnRef>
-            <a:fillRef idx="1">
-              <a:schemeClr val="accent1"/>
-            </a:fillRef>
-            <a:effectRef idx="0">
-              <a:schemeClr val="accent1"/>
-            </a:effectRef>
-            <a:fontRef idx="minor">
-              <a:schemeClr val="lt1"/>
-            </a:fontRef>
-          </p:style>
-          <p:txBody>
-            <a:bodyPr rtlCol="0" anchor="ctr"/>
-            <a:lstStyle/>
-            <a:p>
-              <a:r>
-                <a:rPr lang="en-US" sz="400" dirty="0">
-                  <a:solidFill>
-                    <a:schemeClr val="tx1"/>
-                  </a:solidFill>
-                </a:rPr>
-                <a:t>They are using their personal accounts.</a:t>
-              </a:r>
-            </a:p>
-          </p:txBody>
-        </p:sp>
-        <p:sp>
-          <p:nvSpPr>
-            <p:cNvPr id="24" name="Isosceles Triangle 23">
-              <a:extLst>
-                <a:ext uri="{FF2B5EF4-FFF2-40B4-BE49-F238E27FC236}">
-                  <a16:creationId xmlns:a16="http://schemas.microsoft.com/office/drawing/2014/main" id="{F1E37BF4-C314-CDC5-6BCA-1DECE3E873EE}"/>
-                </a:ext>
-              </a:extLst>
-            </p:cNvPr>
-            <p:cNvSpPr/>
-            <p:nvPr/>
-          </p:nvSpPr>
-          <p:spPr>
-            <a:xfrm rot="5400000" flipH="1">
-              <a:off x="5988391" y="4090655"/>
-              <a:ext cx="207232" cy="385398"/>
-            </a:xfrm>
-            <a:prstGeom prst="triangle">
-              <a:avLst>
-                <a:gd name="adj" fmla="val 100000"/>
-              </a:avLst>
-            </a:prstGeom>
-            <a:solidFill>
-              <a:srgbClr val="EDF2FA"/>
-            </a:solidFill>
-            <a:ln>
+              <a:ln>
+                <a:solidFill>
+                  <a:srgbClr val="00B050"/>
+                </a:solidFill>
+              </a:ln>
+            </p:spPr>
+            <p:style>
+              <a:lnRef idx="2">
+                <a:schemeClr val="dk1"/>
+              </a:lnRef>
+              <a:fillRef idx="0">
+                <a:schemeClr val="dk1"/>
+              </a:fillRef>
+              <a:effectRef idx="1">
+                <a:schemeClr val="dk1"/>
+              </a:effectRef>
+              <a:fontRef idx="minor">
+                <a:schemeClr val="tx1"/>
+              </a:fontRef>
+            </p:style>
+          </p:cxnSp>
+          <p:sp>
+            <p:nvSpPr>
+              <p:cNvPr id="27" name="Rectangle 26">
+                <a:extLst>
+                  <a:ext uri="{FF2B5EF4-FFF2-40B4-BE49-F238E27FC236}">
+                    <a16:creationId xmlns:a16="http://schemas.microsoft.com/office/drawing/2014/main" id="{7819D9F6-B7C8-EF84-8316-5453F4D95096}"/>
+                  </a:ext>
+                </a:extLst>
+              </p:cNvPr>
+              <p:cNvSpPr/>
+              <p:nvPr/>
+            </p:nvSpPr>
+            <p:spPr>
+              <a:xfrm rot="19369363" flipH="1">
+                <a:off x="5871349" y="4323196"/>
+                <a:ext cx="80977" cy="45719"/>
+              </a:xfrm>
+              <a:prstGeom prst="rect">
+                <a:avLst/>
+              </a:prstGeom>
               <a:solidFill>
-                <a:srgbClr val="00B050"/>
+                <a:srgbClr val="EDF2FA"/>
               </a:solidFill>
-            </a:ln>
-          </p:spPr>
-          <p:style>
-            <a:lnRef idx="2">
-              <a:schemeClr val="accent1">
-                <a:shade val="15000"/>
-              </a:schemeClr>
-            </a:lnRef>
-            <a:fillRef idx="1">
-              <a:schemeClr val="accent1"/>
-            </a:fillRef>
-            <a:effectRef idx="0">
-              <a:schemeClr val="accent1"/>
-            </a:effectRef>
-            <a:fontRef idx="minor">
-              <a:schemeClr val="lt1"/>
-            </a:fontRef>
-          </p:style>
-          <p:txBody>
-            <a:bodyPr rtlCol="0" anchor="ctr"/>
-            <a:lstStyle/>
-            <a:p>
-              <a:pPr algn="ctr"/>
-              <a:endParaRPr lang="LID4096"/>
-            </a:p>
-          </p:txBody>
-        </p:sp>
-        <p:sp>
-          <p:nvSpPr>
-            <p:cNvPr id="25" name="Rectangle 24">
-              <a:extLst>
-                <a:ext uri="{FF2B5EF4-FFF2-40B4-BE49-F238E27FC236}">
-                  <a16:creationId xmlns:a16="http://schemas.microsoft.com/office/drawing/2014/main" id="{A60DE958-419D-28D9-BC4C-9D04361E3C0C}"/>
-                </a:ext>
-              </a:extLst>
-            </p:cNvPr>
-            <p:cNvSpPr/>
-            <p:nvPr/>
-          </p:nvSpPr>
-          <p:spPr>
-            <a:xfrm flipH="1">
-              <a:off x="5817739" y="4182624"/>
-              <a:ext cx="124097" cy="167100"/>
-            </a:xfrm>
-            <a:prstGeom prst="rect">
-              <a:avLst/>
-            </a:prstGeom>
-            <a:solidFill>
-              <a:srgbClr val="EDF2FA"/>
-            </a:solidFill>
-            <a:ln>
-              <a:noFill/>
-            </a:ln>
-          </p:spPr>
-          <p:style>
-            <a:lnRef idx="2">
-              <a:schemeClr val="accent1">
-                <a:shade val="15000"/>
-              </a:schemeClr>
-            </a:lnRef>
-            <a:fillRef idx="1">
-              <a:schemeClr val="accent1"/>
-            </a:fillRef>
-            <a:effectRef idx="0">
-              <a:schemeClr val="accent1"/>
-            </a:effectRef>
-            <a:fontRef idx="minor">
-              <a:schemeClr val="lt1"/>
-            </a:fontRef>
-          </p:style>
-          <p:txBody>
-            <a:bodyPr rtlCol="0" anchor="ctr"/>
-            <a:lstStyle/>
-            <a:p>
-              <a:pPr algn="ctr"/>
-              <a:endParaRPr lang="LID4096" dirty="0"/>
-            </a:p>
-          </p:txBody>
-        </p:sp>
-        <p:cxnSp>
-          <p:nvCxnSpPr>
-            <p:cNvPr id="26" name="Straight Connector 25">
-              <a:extLst>
-                <a:ext uri="{FF2B5EF4-FFF2-40B4-BE49-F238E27FC236}">
-                  <a16:creationId xmlns:a16="http://schemas.microsoft.com/office/drawing/2014/main" id="{93F42732-9842-CB25-9C77-2C3BFB67A0F6}"/>
-                </a:ext>
-              </a:extLst>
-            </p:cNvPr>
-            <p:cNvCxnSpPr>
-              <a:cxnSpLocks/>
-              <a:stCxn id="24" idx="5"/>
-            </p:cNvCxnSpPr>
-            <p:nvPr/>
-          </p:nvCxnSpPr>
-          <p:spPr>
-            <a:xfrm flipH="1" flipV="1">
-              <a:off x="5669063" y="4179737"/>
-              <a:ext cx="422944" cy="1"/>
-            </a:xfrm>
-            <a:prstGeom prst="line">
-              <a:avLst/>
-            </a:prstGeom>
-            <a:solidFill>
-              <a:srgbClr val="EDF2FA"/>
-            </a:solidFill>
-            <a:ln>
+              <a:ln>
+                <a:noFill/>
+              </a:ln>
+            </p:spPr>
+            <p:style>
+              <a:lnRef idx="2">
+                <a:schemeClr val="accent1">
+                  <a:shade val="15000"/>
+                </a:schemeClr>
+              </a:lnRef>
+              <a:fillRef idx="1">
+                <a:schemeClr val="accent1"/>
+              </a:fillRef>
+              <a:effectRef idx="0">
+                <a:schemeClr val="accent1"/>
+              </a:effectRef>
+              <a:fontRef idx="minor">
+                <a:schemeClr val="lt1"/>
+              </a:fontRef>
+            </p:style>
+            <p:txBody>
+              <a:bodyPr rtlCol="0" anchor="ctr"/>
+              <a:lstStyle/>
+              <a:p>
+                <a:pPr algn="ctr"/>
+                <a:endParaRPr lang="LID4096"/>
+              </a:p>
+            </p:txBody>
+          </p:sp>
+          <p:sp>
+            <p:nvSpPr>
+              <p:cNvPr id="22" name="Rectangle 21">
+                <a:extLst>
+                  <a:ext uri="{FF2B5EF4-FFF2-40B4-BE49-F238E27FC236}">
+                    <a16:creationId xmlns:a16="http://schemas.microsoft.com/office/drawing/2014/main" id="{81250EC2-E649-5552-B737-1AE2683BE286}"/>
+                  </a:ext>
+                </a:extLst>
+              </p:cNvPr>
+              <p:cNvSpPr/>
+              <p:nvPr/>
+            </p:nvSpPr>
+            <p:spPr>
+              <a:xfrm flipH="1">
+                <a:off x="5669064" y="4190634"/>
+                <a:ext cx="245317" cy="20664"/>
+              </a:xfrm>
+              <a:prstGeom prst="rect">
+                <a:avLst/>
+              </a:prstGeom>
               <a:solidFill>
-                <a:srgbClr val="00B050"/>
+                <a:srgbClr val="EDF2FA"/>
               </a:solidFill>
-            </a:ln>
-          </p:spPr>
-          <p:style>
-            <a:lnRef idx="2">
-              <a:schemeClr val="dk1"/>
-            </a:lnRef>
-            <a:fillRef idx="0">
-              <a:schemeClr val="dk1"/>
-            </a:fillRef>
-            <a:effectRef idx="1">
-              <a:schemeClr val="dk1"/>
-            </a:effectRef>
-            <a:fontRef idx="minor">
-              <a:schemeClr val="tx1"/>
-            </a:fontRef>
-          </p:style>
-        </p:cxnSp>
-        <p:sp>
-          <p:nvSpPr>
-            <p:cNvPr id="27" name="Rectangle 26">
-              <a:extLst>
-                <a:ext uri="{FF2B5EF4-FFF2-40B4-BE49-F238E27FC236}">
-                  <a16:creationId xmlns:a16="http://schemas.microsoft.com/office/drawing/2014/main" id="{7819D9F6-B7C8-EF84-8316-5453F4D95096}"/>
-                </a:ext>
-              </a:extLst>
-            </p:cNvPr>
-            <p:cNvSpPr/>
-            <p:nvPr/>
-          </p:nvSpPr>
-          <p:spPr>
-            <a:xfrm rot="19369363" flipH="1">
-              <a:off x="5871349" y="4323196"/>
-              <a:ext cx="80977" cy="45719"/>
-            </a:xfrm>
-            <a:prstGeom prst="rect">
-              <a:avLst/>
-            </a:prstGeom>
-            <a:solidFill>
-              <a:srgbClr val="EDF2FA"/>
-            </a:solidFill>
-            <a:ln>
-              <a:noFill/>
-            </a:ln>
-          </p:spPr>
-          <p:style>
-            <a:lnRef idx="2">
-              <a:schemeClr val="accent1">
-                <a:shade val="15000"/>
-              </a:schemeClr>
-            </a:lnRef>
-            <a:fillRef idx="1">
-              <a:schemeClr val="accent1"/>
-            </a:fillRef>
-            <a:effectRef idx="0">
-              <a:schemeClr val="accent1"/>
-            </a:effectRef>
-            <a:fontRef idx="minor">
-              <a:schemeClr val="lt1"/>
-            </a:fontRef>
-          </p:style>
-          <p:txBody>
-            <a:bodyPr rtlCol="0" anchor="ctr"/>
-            <a:lstStyle/>
-            <a:p>
-              <a:pPr algn="ctr"/>
-              <a:endParaRPr lang="LID4096"/>
-            </a:p>
-          </p:txBody>
-        </p:sp>
-        <p:sp>
-          <p:nvSpPr>
-            <p:cNvPr id="22" name="Rectangle 21">
-              <a:extLst>
-                <a:ext uri="{FF2B5EF4-FFF2-40B4-BE49-F238E27FC236}">
-                  <a16:creationId xmlns:a16="http://schemas.microsoft.com/office/drawing/2014/main" id="{81250EC2-E649-5552-B737-1AE2683BE286}"/>
-                </a:ext>
-              </a:extLst>
-            </p:cNvPr>
-            <p:cNvSpPr/>
-            <p:nvPr/>
-          </p:nvSpPr>
-          <p:spPr>
-            <a:xfrm flipH="1">
-              <a:off x="5669064" y="4190634"/>
-              <a:ext cx="245317" cy="20664"/>
-            </a:xfrm>
-            <a:prstGeom prst="rect">
-              <a:avLst/>
-            </a:prstGeom>
-            <a:solidFill>
-              <a:srgbClr val="EDF2FA"/>
-            </a:solidFill>
-            <a:ln>
-              <a:noFill/>
-            </a:ln>
-          </p:spPr>
-          <p:style>
-            <a:lnRef idx="2">
-              <a:schemeClr val="accent1">
-                <a:shade val="15000"/>
-              </a:schemeClr>
-            </a:lnRef>
-            <a:fillRef idx="1">
-              <a:schemeClr val="accent1"/>
-            </a:fillRef>
-            <a:effectRef idx="0">
-              <a:schemeClr val="accent1"/>
-            </a:effectRef>
-            <a:fontRef idx="minor">
-              <a:schemeClr val="lt1"/>
-            </a:fontRef>
-          </p:style>
-          <p:txBody>
-            <a:bodyPr rtlCol="0" anchor="ctr"/>
-            <a:lstStyle/>
-            <a:p>
-              <a:pPr algn="ctr"/>
-              <a:endParaRPr lang="LID4096" dirty="0"/>
-            </a:p>
-          </p:txBody>
-        </p:sp>
-        <p:grpSp>
-          <p:nvGrpSpPr>
-            <p:cNvPr id="5" name="Group 4">
-              <a:extLst>
-                <a:ext uri="{FF2B5EF4-FFF2-40B4-BE49-F238E27FC236}">
-                  <a16:creationId xmlns:a16="http://schemas.microsoft.com/office/drawing/2014/main" id="{284568CB-18C4-E7A8-8B9E-A92D200DD1A6}"/>
-                </a:ext>
-              </a:extLst>
-            </p:cNvPr>
-            <p:cNvGrpSpPr/>
-            <p:nvPr/>
-          </p:nvGrpSpPr>
-          <p:grpSpPr>
-            <a:xfrm>
-              <a:off x="3903834" y="3372609"/>
-              <a:ext cx="2380872" cy="693822"/>
-              <a:chOff x="2906702" y="2753011"/>
-              <a:chExt cx="5758903" cy="2640255"/>
-            </a:xfrm>
-          </p:grpSpPr>
+              <a:ln>
+                <a:noFill/>
+              </a:ln>
+            </p:spPr>
+            <p:style>
+              <a:lnRef idx="2">
+                <a:schemeClr val="accent1">
+                  <a:shade val="15000"/>
+                </a:schemeClr>
+              </a:lnRef>
+              <a:fillRef idx="1">
+                <a:schemeClr val="accent1"/>
+              </a:fillRef>
+              <a:effectRef idx="0">
+                <a:schemeClr val="accent1"/>
+              </a:effectRef>
+              <a:fontRef idx="minor">
+                <a:schemeClr val="lt1"/>
+              </a:fontRef>
+            </p:style>
+            <p:txBody>
+              <a:bodyPr rtlCol="0" anchor="ctr"/>
+              <a:lstStyle/>
+              <a:p>
+                <a:pPr algn="ctr"/>
+                <a:endParaRPr lang="LID4096" dirty="0"/>
+              </a:p>
+            </p:txBody>
+          </p:sp>
           <p:grpSp>
             <p:nvGrpSpPr>
-              <p:cNvPr id="7" name="Group 6">
+              <p:cNvPr id="5" name="Group 4">
                 <a:extLst>
                   <a:ext uri="{FF2B5EF4-FFF2-40B4-BE49-F238E27FC236}">
-                    <a16:creationId xmlns:a16="http://schemas.microsoft.com/office/drawing/2014/main" id="{4C6551D1-4224-01FC-453E-CAB058C16A6E}"/>
+                    <a16:creationId xmlns:a16="http://schemas.microsoft.com/office/drawing/2014/main" id="{284568CB-18C4-E7A8-8B9E-A92D200DD1A6}"/>
                   </a:ext>
                 </a:extLst>
               </p:cNvPr>
@@ -11664,18 +11949,323 @@
             </p:nvGrpSpPr>
             <p:grpSpPr>
               <a:xfrm>
-                <a:off x="2906702" y="2753011"/>
-                <a:ext cx="5758903" cy="2640255"/>
-                <a:chOff x="3560710" y="1350405"/>
+                <a:off x="3903834" y="3372609"/>
+                <a:ext cx="2380872" cy="693822"/>
+                <a:chOff x="2906702" y="2753011"/>
                 <a:chExt cx="5758903" cy="2640255"/>
               </a:xfrm>
             </p:grpSpPr>
+            <p:grpSp>
+              <p:nvGrpSpPr>
+                <p:cNvPr id="7" name="Group 6">
+                  <a:extLst>
+                    <a:ext uri="{FF2B5EF4-FFF2-40B4-BE49-F238E27FC236}">
+                      <a16:creationId xmlns:a16="http://schemas.microsoft.com/office/drawing/2014/main" id="{4C6551D1-4224-01FC-453E-CAB058C16A6E}"/>
+                    </a:ext>
+                  </a:extLst>
+                </p:cNvPr>
+                <p:cNvGrpSpPr/>
+                <p:nvPr/>
+              </p:nvGrpSpPr>
+              <p:grpSpPr>
+                <a:xfrm>
+                  <a:off x="2906702" y="2753011"/>
+                  <a:ext cx="5758903" cy="2640255"/>
+                  <a:chOff x="3560710" y="1350405"/>
+                  <a:chExt cx="5758903" cy="2640255"/>
+                </a:xfrm>
+              </p:grpSpPr>
+              <p:sp>
+                <p:nvSpPr>
+                  <p:cNvPr id="21" name="Rectangle: Rounded Corners 20">
+                    <a:extLst>
+                      <a:ext uri="{FF2B5EF4-FFF2-40B4-BE49-F238E27FC236}">
+                        <a16:creationId xmlns:a16="http://schemas.microsoft.com/office/drawing/2014/main" id="{DD731ECC-000F-A66E-7AEB-D182AE009D22}"/>
+                      </a:ext>
+                    </a:extLst>
+                  </p:cNvPr>
+                  <p:cNvSpPr/>
+                  <p:nvPr/>
+                </p:nvSpPr>
+                <p:spPr>
+                  <a:xfrm>
+                    <a:off x="4493277" y="1350405"/>
+                    <a:ext cx="4826336" cy="2640255"/>
+                  </a:xfrm>
+                  <a:prstGeom prst="roundRect">
+                    <a:avLst/>
+                  </a:prstGeom>
+                  <a:solidFill>
+                    <a:srgbClr val="EDF2FA"/>
+                  </a:solidFill>
+                  <a:ln>
+                    <a:solidFill>
+                      <a:srgbClr val="FFC000"/>
+                    </a:solidFill>
+                  </a:ln>
+                </p:spPr>
+                <p:style>
+                  <a:lnRef idx="2">
+                    <a:schemeClr val="accent1">
+                      <a:shade val="15000"/>
+                    </a:schemeClr>
+                  </a:lnRef>
+                  <a:fillRef idx="1">
+                    <a:schemeClr val="accent1"/>
+                  </a:fillRef>
+                  <a:effectRef idx="0">
+                    <a:schemeClr val="accent1"/>
+                  </a:effectRef>
+                  <a:fontRef idx="minor">
+                    <a:schemeClr val="lt1"/>
+                  </a:fontRef>
+                </p:style>
+                <p:txBody>
+                  <a:bodyPr rtlCol="0" anchor="ctr"/>
+                  <a:lstStyle/>
+                  <a:p>
+                    <a:r>
+                      <a:rPr lang="en-US" sz="400" dirty="0">
+                        <a:solidFill>
+                          <a:schemeClr val="tx1"/>
+                        </a:solidFill>
+                      </a:rPr>
+                      <a:t>That sounds really painful, and I want you to know that your feelings are completely valid. No one deserves to be treated this way. Since this has been happening for so long, it makes sense that it's making you feel insecure and unsafe.</a:t>
+                    </a:r>
+                  </a:p>
+                  <a:p>
+                    <a:endParaRPr lang="en-US" sz="400" dirty="0">
+                      <a:solidFill>
+                        <a:schemeClr val="tx1"/>
+                      </a:solidFill>
+                    </a:endParaRPr>
+                  </a:p>
+                  <a:p>
+                    <a:r>
+                      <a:rPr lang="en-US" sz="400" dirty="0">
+                        <a:solidFill>
+                          <a:schemeClr val="tx1"/>
+                        </a:solidFill>
+                      </a:rPr>
+                      <a:t>I want to support you in figuring out ways to protect yourself and rebuild your confidence. Have you noticed any specific patterns in their behavior? For example, are there certain times or places where the bullying is worse? And with the cyberbullying—do you know if they’re using anonymous accounts or ones you recognize?</a:t>
+                    </a:r>
+                  </a:p>
+                </p:txBody>
+              </p:sp>
+              <p:sp>
+                <p:nvSpPr>
+                  <p:cNvPr id="28" name="Isosceles Triangle 27">
+                    <a:extLst>
+                      <a:ext uri="{FF2B5EF4-FFF2-40B4-BE49-F238E27FC236}">
+                        <a16:creationId xmlns:a16="http://schemas.microsoft.com/office/drawing/2014/main" id="{ECB086DF-4282-E232-5FB0-BA78E6F558B3}"/>
+                      </a:ext>
+                    </a:extLst>
+                  </p:cNvPr>
+                  <p:cNvSpPr/>
+                  <p:nvPr/>
+                </p:nvSpPr>
+                <p:spPr>
+                  <a:xfrm rot="16200000">
+                    <a:off x="3664865" y="1246251"/>
+                    <a:ext cx="723898" cy="932208"/>
+                  </a:xfrm>
+                  <a:prstGeom prst="triangle">
+                    <a:avLst>
+                      <a:gd name="adj" fmla="val 100000"/>
+                    </a:avLst>
+                  </a:prstGeom>
+                  <a:solidFill>
+                    <a:srgbClr val="EDF2FA"/>
+                  </a:solidFill>
+                  <a:ln>
+                    <a:solidFill>
+                      <a:srgbClr val="FFC000"/>
+                    </a:solidFill>
+                  </a:ln>
+                </p:spPr>
+                <p:style>
+                  <a:lnRef idx="2">
+                    <a:schemeClr val="accent1">
+                      <a:shade val="15000"/>
+                    </a:schemeClr>
+                  </a:lnRef>
+                  <a:fillRef idx="1">
+                    <a:schemeClr val="accent1"/>
+                  </a:fillRef>
+                  <a:effectRef idx="0">
+                    <a:schemeClr val="accent1"/>
+                  </a:effectRef>
+                  <a:fontRef idx="minor">
+                    <a:schemeClr val="lt1"/>
+                  </a:fontRef>
+                </p:style>
+                <p:txBody>
+                  <a:bodyPr rtlCol="0" anchor="ctr"/>
+                  <a:lstStyle/>
+                  <a:p>
+                    <a:pPr algn="ctr"/>
+                    <a:endParaRPr lang="LID4096"/>
+                  </a:p>
+                </p:txBody>
+              </p:sp>
+              <p:sp>
+                <p:nvSpPr>
+                  <p:cNvPr id="29" name="Rectangle 28">
+                    <a:extLst>
+                      <a:ext uri="{FF2B5EF4-FFF2-40B4-BE49-F238E27FC236}">
+                        <a16:creationId xmlns:a16="http://schemas.microsoft.com/office/drawing/2014/main" id="{A2542484-276E-4944-0987-FE412E777D3D}"/>
+                      </a:ext>
+                    </a:extLst>
+                  </p:cNvPr>
+                  <p:cNvSpPr/>
+                  <p:nvPr/>
+                </p:nvSpPr>
+                <p:spPr>
+                  <a:xfrm>
+                    <a:off x="4414029" y="1360485"/>
+                    <a:ext cx="216289" cy="565749"/>
+                  </a:xfrm>
+                  <a:prstGeom prst="rect">
+                    <a:avLst/>
+                  </a:prstGeom>
+                  <a:solidFill>
+                    <a:srgbClr val="EDF2FA"/>
+                  </a:solidFill>
+                  <a:ln>
+                    <a:noFill/>
+                  </a:ln>
+                </p:spPr>
+                <p:style>
+                  <a:lnRef idx="2">
+                    <a:schemeClr val="accent1">
+                      <a:shade val="15000"/>
+                    </a:schemeClr>
+                  </a:lnRef>
+                  <a:fillRef idx="1">
+                    <a:schemeClr val="accent1"/>
+                  </a:fillRef>
+                  <a:effectRef idx="0">
+                    <a:schemeClr val="accent1"/>
+                  </a:effectRef>
+                  <a:fontRef idx="minor">
+                    <a:schemeClr val="lt1"/>
+                  </a:fontRef>
+                </p:style>
+                <p:txBody>
+                  <a:bodyPr rtlCol="0" anchor="ctr"/>
+                  <a:lstStyle/>
+                  <a:p>
+                    <a:pPr algn="ctr"/>
+                    <a:endParaRPr lang="LID4096" dirty="0"/>
+                  </a:p>
+                </p:txBody>
+              </p:sp>
+              <p:cxnSp>
+                <p:nvCxnSpPr>
+                  <p:cNvPr id="30" name="Straight Connector 29">
+                    <a:extLst>
+                      <a:ext uri="{FF2B5EF4-FFF2-40B4-BE49-F238E27FC236}">
+                        <a16:creationId xmlns:a16="http://schemas.microsoft.com/office/drawing/2014/main" id="{02689AD7-8E26-21D5-5616-4A2BAEF831B4}"/>
+                      </a:ext>
+                    </a:extLst>
+                  </p:cNvPr>
+                  <p:cNvCxnSpPr>
+                    <a:cxnSpLocks/>
+                    <a:stCxn id="28" idx="5"/>
+                  </p:cNvCxnSpPr>
+                  <p:nvPr/>
+                </p:nvCxnSpPr>
+                <p:spPr>
+                  <a:xfrm flipV="1">
+                    <a:off x="4026814" y="1350405"/>
+                    <a:ext cx="1023023" cy="4"/>
+                  </a:xfrm>
+                  <a:prstGeom prst="line">
+                    <a:avLst/>
+                  </a:prstGeom>
+                  <a:solidFill>
+                    <a:srgbClr val="EDF2FA"/>
+                  </a:solidFill>
+                  <a:ln>
+                    <a:solidFill>
+                      <a:srgbClr val="FFC000"/>
+                    </a:solidFill>
+                  </a:ln>
+                </p:spPr>
+                <p:style>
+                  <a:lnRef idx="2">
+                    <a:schemeClr val="dk1"/>
+                  </a:lnRef>
+                  <a:fillRef idx="0">
+                    <a:schemeClr val="dk1"/>
+                  </a:fillRef>
+                  <a:effectRef idx="1">
+                    <a:schemeClr val="dk1"/>
+                  </a:effectRef>
+                  <a:fontRef idx="minor">
+                    <a:schemeClr val="tx1"/>
+                  </a:fontRef>
+                </p:style>
+              </p:cxnSp>
+              <p:sp>
+                <p:nvSpPr>
+                  <p:cNvPr id="31" name="Rectangle 30">
+                    <a:extLst>
+                      <a:ext uri="{FF2B5EF4-FFF2-40B4-BE49-F238E27FC236}">
+                        <a16:creationId xmlns:a16="http://schemas.microsoft.com/office/drawing/2014/main" id="{CBB85F3C-C9B7-3875-252C-96677423665D}"/>
+                      </a:ext>
+                    </a:extLst>
+                  </p:cNvPr>
+                  <p:cNvSpPr/>
+                  <p:nvPr/>
+                </p:nvSpPr>
+                <p:spPr>
+                  <a:xfrm rot="2230637">
+                    <a:off x="4357372" y="1887789"/>
+                    <a:ext cx="277812" cy="154772"/>
+                  </a:xfrm>
+                  <a:prstGeom prst="rect">
+                    <a:avLst/>
+                  </a:prstGeom>
+                  <a:solidFill>
+                    <a:srgbClr val="EDF2FA"/>
+                  </a:solidFill>
+                  <a:ln>
+                    <a:noFill/>
+                  </a:ln>
+                </p:spPr>
+                <p:style>
+                  <a:lnRef idx="2">
+                    <a:schemeClr val="accent1">
+                      <a:shade val="15000"/>
+                    </a:schemeClr>
+                  </a:lnRef>
+                  <a:fillRef idx="1">
+                    <a:schemeClr val="accent1"/>
+                  </a:fillRef>
+                  <a:effectRef idx="0">
+                    <a:schemeClr val="accent1"/>
+                  </a:effectRef>
+                  <a:fontRef idx="minor">
+                    <a:schemeClr val="lt1"/>
+                  </a:fontRef>
+                </p:style>
+                <p:txBody>
+                  <a:bodyPr rtlCol="0" anchor="ctr"/>
+                  <a:lstStyle/>
+                  <a:p>
+                    <a:pPr algn="ctr"/>
+                    <a:endParaRPr lang="LID4096"/>
+                  </a:p>
+                </p:txBody>
+              </p:sp>
+            </p:grpSp>
             <p:sp>
               <p:nvSpPr>
-                <p:cNvPr id="21" name="Rectangle: Rounded Corners 20">
+                <p:cNvPr id="20" name="Rectangle 19">
                   <a:extLst>
                     <a:ext uri="{FF2B5EF4-FFF2-40B4-BE49-F238E27FC236}">
-                      <a16:creationId xmlns:a16="http://schemas.microsoft.com/office/drawing/2014/main" id="{DD731ECC-000F-A66E-7AEB-D182AE009D22}"/>
+                      <a16:creationId xmlns:a16="http://schemas.microsoft.com/office/drawing/2014/main" id="{8C9CE797-E026-8EC1-7F31-1D6118E42477}"/>
                     </a:ext>
                   </a:extLst>
                 </p:cNvPr>
@@ -11684,141 +12274,8 @@
               </p:nvSpPr>
               <p:spPr>
                 <a:xfrm>
-                  <a:off x="4493277" y="1350405"/>
-                  <a:ext cx="4826336" cy="2640255"/>
-                </a:xfrm>
-                <a:prstGeom prst="roundRect">
-                  <a:avLst/>
-                </a:prstGeom>
-                <a:solidFill>
-                  <a:srgbClr val="EDF2FA"/>
-                </a:solidFill>
-                <a:ln>
-                  <a:solidFill>
-                    <a:srgbClr val="FFC000"/>
-                  </a:solidFill>
-                </a:ln>
-              </p:spPr>
-              <p:style>
-                <a:lnRef idx="2">
-                  <a:schemeClr val="accent1">
-                    <a:shade val="15000"/>
-                  </a:schemeClr>
-                </a:lnRef>
-                <a:fillRef idx="1">
-                  <a:schemeClr val="accent1"/>
-                </a:fillRef>
-                <a:effectRef idx="0">
-                  <a:schemeClr val="accent1"/>
-                </a:effectRef>
-                <a:fontRef idx="minor">
-                  <a:schemeClr val="lt1"/>
-                </a:fontRef>
-              </p:style>
-              <p:txBody>
-                <a:bodyPr rtlCol="0" anchor="ctr"/>
-                <a:lstStyle/>
-                <a:p>
-                  <a:r>
-                    <a:rPr lang="en-US" sz="400" dirty="0">
-                      <a:solidFill>
-                        <a:schemeClr val="tx1"/>
-                      </a:solidFill>
-                    </a:rPr>
-                    <a:t>That sounds really painful, and I want you to know that your feelings are completely valid. No one deserves to be treated this way. Since this has been happening for so long, it makes sense that it's making you feel insecure and unsafe.</a:t>
-                  </a:r>
-                </a:p>
-                <a:p>
-                  <a:endParaRPr lang="en-US" sz="400" dirty="0">
-                    <a:solidFill>
-                      <a:schemeClr val="tx1"/>
-                    </a:solidFill>
-                  </a:endParaRPr>
-                </a:p>
-                <a:p>
-                  <a:r>
-                    <a:rPr lang="en-US" sz="400" dirty="0">
-                      <a:solidFill>
-                        <a:schemeClr val="tx1"/>
-                      </a:solidFill>
-                    </a:rPr>
-                    <a:t>I want to support you in figuring out ways to protect yourself and rebuild your confidence. Have you noticed any specific patterns in their behavior? For example, are there certain times or places where the bullying is worse? And with the cyberbullying—do you know if they’re using anonymous accounts or ones you recognize?</a:t>
-                  </a:r>
-                </a:p>
-              </p:txBody>
-            </p:sp>
-            <p:sp>
-              <p:nvSpPr>
-                <p:cNvPr id="28" name="Isosceles Triangle 27">
-                  <a:extLst>
-                    <a:ext uri="{FF2B5EF4-FFF2-40B4-BE49-F238E27FC236}">
-                      <a16:creationId xmlns:a16="http://schemas.microsoft.com/office/drawing/2014/main" id="{ECB086DF-4282-E232-5FB0-BA78E6F558B3}"/>
-                    </a:ext>
-                  </a:extLst>
-                </p:cNvPr>
-                <p:cNvSpPr/>
-                <p:nvPr/>
-              </p:nvSpPr>
-              <p:spPr>
-                <a:xfrm rot="16200000">
-                  <a:off x="3664865" y="1246251"/>
-                  <a:ext cx="723898" cy="932208"/>
-                </a:xfrm>
-                <a:prstGeom prst="triangle">
-                  <a:avLst>
-                    <a:gd name="adj" fmla="val 100000"/>
-                  </a:avLst>
-                </a:prstGeom>
-                <a:solidFill>
-                  <a:srgbClr val="EDF2FA"/>
-                </a:solidFill>
-                <a:ln>
-                  <a:solidFill>
-                    <a:srgbClr val="FFC000"/>
-                  </a:solidFill>
-                </a:ln>
-              </p:spPr>
-              <p:style>
-                <a:lnRef idx="2">
-                  <a:schemeClr val="accent1">
-                    <a:shade val="15000"/>
-                  </a:schemeClr>
-                </a:lnRef>
-                <a:fillRef idx="1">
-                  <a:schemeClr val="accent1"/>
-                </a:fillRef>
-                <a:effectRef idx="0">
-                  <a:schemeClr val="accent1"/>
-                </a:effectRef>
-                <a:fontRef idx="minor">
-                  <a:schemeClr val="lt1"/>
-                </a:fontRef>
-              </p:style>
-              <p:txBody>
-                <a:bodyPr rtlCol="0" anchor="ctr"/>
-                <a:lstStyle/>
-                <a:p>
-                  <a:pPr algn="ctr"/>
-                  <a:endParaRPr lang="LID4096"/>
-                </a:p>
-              </p:txBody>
-            </p:sp>
-            <p:sp>
-              <p:nvSpPr>
-                <p:cNvPr id="29" name="Rectangle 28">
-                  <a:extLst>
-                    <a:ext uri="{FF2B5EF4-FFF2-40B4-BE49-F238E27FC236}">
-                      <a16:creationId xmlns:a16="http://schemas.microsoft.com/office/drawing/2014/main" id="{A2542484-276E-4944-0987-FE412E777D3D}"/>
-                    </a:ext>
-                  </a:extLst>
-                </p:cNvPr>
-                <p:cNvSpPr/>
-                <p:nvPr/>
-              </p:nvSpPr>
-              <p:spPr>
-                <a:xfrm>
-                  <a:off x="4414029" y="1360485"/>
-                  <a:ext cx="216289" cy="565749"/>
+                  <a:off x="3802452" y="2787511"/>
+                  <a:ext cx="593378" cy="72184"/>
                 </a:xfrm>
                 <a:prstGeom prst="rect">
                   <a:avLst/>
@@ -11855,185 +12312,13 @@
                 </a:p>
               </p:txBody>
             </p:sp>
-            <p:cxnSp>
-              <p:nvCxnSpPr>
-                <p:cNvPr id="30" name="Straight Connector 29">
-                  <a:extLst>
-                    <a:ext uri="{FF2B5EF4-FFF2-40B4-BE49-F238E27FC236}">
-                      <a16:creationId xmlns:a16="http://schemas.microsoft.com/office/drawing/2014/main" id="{02689AD7-8E26-21D5-5616-4A2BAEF831B4}"/>
-                    </a:ext>
-                  </a:extLst>
-                </p:cNvPr>
-                <p:cNvCxnSpPr>
-                  <a:cxnSpLocks/>
-                  <a:stCxn id="28" idx="5"/>
-                </p:cNvCxnSpPr>
-                <p:nvPr/>
-              </p:nvCxnSpPr>
-              <p:spPr>
-                <a:xfrm flipV="1">
-                  <a:off x="4026814" y="1350405"/>
-                  <a:ext cx="1023023" cy="4"/>
-                </a:xfrm>
-                <a:prstGeom prst="line">
-                  <a:avLst/>
-                </a:prstGeom>
-                <a:solidFill>
-                  <a:srgbClr val="EDF2FA"/>
-                </a:solidFill>
-                <a:ln>
-                  <a:solidFill>
-                    <a:srgbClr val="FFC000"/>
-                  </a:solidFill>
-                </a:ln>
-              </p:spPr>
-              <p:style>
-                <a:lnRef idx="2">
-                  <a:schemeClr val="dk1"/>
-                </a:lnRef>
-                <a:fillRef idx="0">
-                  <a:schemeClr val="dk1"/>
-                </a:fillRef>
-                <a:effectRef idx="1">
-                  <a:schemeClr val="dk1"/>
-                </a:effectRef>
-                <a:fontRef idx="minor">
-                  <a:schemeClr val="tx1"/>
-                </a:fontRef>
-              </p:style>
-            </p:cxnSp>
-            <p:sp>
-              <p:nvSpPr>
-                <p:cNvPr id="31" name="Rectangle 30">
-                  <a:extLst>
-                    <a:ext uri="{FF2B5EF4-FFF2-40B4-BE49-F238E27FC236}">
-                      <a16:creationId xmlns:a16="http://schemas.microsoft.com/office/drawing/2014/main" id="{CBB85F3C-C9B7-3875-252C-96677423665D}"/>
-                    </a:ext>
-                  </a:extLst>
-                </p:cNvPr>
-                <p:cNvSpPr/>
-                <p:nvPr/>
-              </p:nvSpPr>
-              <p:spPr>
-                <a:xfrm rot="2230637">
-                  <a:off x="4357372" y="1887789"/>
-                  <a:ext cx="277812" cy="154772"/>
-                </a:xfrm>
-                <a:prstGeom prst="rect">
-                  <a:avLst/>
-                </a:prstGeom>
-                <a:solidFill>
-                  <a:srgbClr val="EDF2FA"/>
-                </a:solidFill>
-                <a:ln>
-                  <a:noFill/>
-                </a:ln>
-              </p:spPr>
-              <p:style>
-                <a:lnRef idx="2">
-                  <a:schemeClr val="accent1">
-                    <a:shade val="15000"/>
-                  </a:schemeClr>
-                </a:lnRef>
-                <a:fillRef idx="1">
-                  <a:schemeClr val="accent1"/>
-                </a:fillRef>
-                <a:effectRef idx="0">
-                  <a:schemeClr val="accent1"/>
-                </a:effectRef>
-                <a:fontRef idx="minor">
-                  <a:schemeClr val="lt1"/>
-                </a:fontRef>
-              </p:style>
-              <p:txBody>
-                <a:bodyPr rtlCol="0" anchor="ctr"/>
-                <a:lstStyle/>
-                <a:p>
-                  <a:pPr algn="ctr"/>
-                  <a:endParaRPr lang="LID4096"/>
-                </a:p>
-              </p:txBody>
-            </p:sp>
           </p:grpSp>
-          <p:sp>
-            <p:nvSpPr>
-              <p:cNvPr id="20" name="Rectangle 19">
+          <p:grpSp>
+            <p:nvGrpSpPr>
+              <p:cNvPr id="41" name="Group 40">
                 <a:extLst>
                   <a:ext uri="{FF2B5EF4-FFF2-40B4-BE49-F238E27FC236}">
-                    <a16:creationId xmlns:a16="http://schemas.microsoft.com/office/drawing/2014/main" id="{8C9CE797-E026-8EC1-7F31-1D6118E42477}"/>
-                  </a:ext>
-                </a:extLst>
-              </p:cNvPr>
-              <p:cNvSpPr/>
-              <p:nvPr/>
-            </p:nvSpPr>
-            <p:spPr>
-              <a:xfrm>
-                <a:off x="3802452" y="2787511"/>
-                <a:ext cx="593378" cy="72184"/>
-              </a:xfrm>
-              <a:prstGeom prst="rect">
-                <a:avLst/>
-              </a:prstGeom>
-              <a:solidFill>
-                <a:srgbClr val="EDF2FA"/>
-              </a:solidFill>
-              <a:ln>
-                <a:noFill/>
-              </a:ln>
-            </p:spPr>
-            <p:style>
-              <a:lnRef idx="2">
-                <a:schemeClr val="accent1">
-                  <a:shade val="15000"/>
-                </a:schemeClr>
-              </a:lnRef>
-              <a:fillRef idx="1">
-                <a:schemeClr val="accent1"/>
-              </a:fillRef>
-              <a:effectRef idx="0">
-                <a:schemeClr val="accent1"/>
-              </a:effectRef>
-              <a:fontRef idx="minor">
-                <a:schemeClr val="lt1"/>
-              </a:fontRef>
-            </p:style>
-            <p:txBody>
-              <a:bodyPr rtlCol="0" anchor="ctr"/>
-              <a:lstStyle/>
-              <a:p>
-                <a:pPr algn="ctr"/>
-                <a:endParaRPr lang="LID4096" dirty="0"/>
-              </a:p>
-            </p:txBody>
-          </p:sp>
-        </p:grpSp>
-        <p:grpSp>
-          <p:nvGrpSpPr>
-            <p:cNvPr id="41" name="Group 40">
-              <a:extLst>
-                <a:ext uri="{FF2B5EF4-FFF2-40B4-BE49-F238E27FC236}">
-                  <a16:creationId xmlns:a16="http://schemas.microsoft.com/office/drawing/2014/main" id="{58095738-E867-A507-55FE-374B56D2C567}"/>
-                </a:ext>
-              </a:extLst>
-            </p:cNvPr>
-            <p:cNvGrpSpPr/>
-            <p:nvPr/>
-          </p:nvGrpSpPr>
-          <p:grpSpPr>
-            <a:xfrm flipH="1">
-              <a:off x="3903834" y="3019172"/>
-              <a:ext cx="2380872" cy="242429"/>
-              <a:chOff x="2906702" y="2753011"/>
-              <a:chExt cx="5758905" cy="1018695"/>
-            </a:xfrm>
-          </p:grpSpPr>
-          <p:grpSp>
-            <p:nvGrpSpPr>
-              <p:cNvPr id="42" name="Group 41">
-                <a:extLst>
-                  <a:ext uri="{FF2B5EF4-FFF2-40B4-BE49-F238E27FC236}">
-                    <a16:creationId xmlns:a16="http://schemas.microsoft.com/office/drawing/2014/main" id="{AF07EA6E-76B4-3D31-35E7-1BD7AC06DB97}"/>
+                    <a16:creationId xmlns:a16="http://schemas.microsoft.com/office/drawing/2014/main" id="{58095738-E867-A507-55FE-374B56D2C567}"/>
                   </a:ext>
                 </a:extLst>
               </p:cNvPr>
@@ -12041,19 +12326,323 @@
               <p:nvPr/>
             </p:nvGrpSpPr>
             <p:grpSpPr>
-              <a:xfrm>
-                <a:off x="2906702" y="2753011"/>
-                <a:ext cx="5758905" cy="1018695"/>
-                <a:chOff x="3560710" y="1350405"/>
+              <a:xfrm flipH="1">
+                <a:off x="3903834" y="3019172"/>
+                <a:ext cx="2380872" cy="242429"/>
+                <a:chOff x="2906702" y="2753011"/>
                 <a:chExt cx="5758905" cy="1018695"/>
               </a:xfrm>
             </p:grpSpPr>
+            <p:grpSp>
+              <p:nvGrpSpPr>
+                <p:cNvPr id="42" name="Group 41">
+                  <a:extLst>
+                    <a:ext uri="{FF2B5EF4-FFF2-40B4-BE49-F238E27FC236}">
+                      <a16:creationId xmlns:a16="http://schemas.microsoft.com/office/drawing/2014/main" id="{AF07EA6E-76B4-3D31-35E7-1BD7AC06DB97}"/>
+                    </a:ext>
+                  </a:extLst>
+                </p:cNvPr>
+                <p:cNvGrpSpPr/>
+                <p:nvPr/>
+              </p:nvGrpSpPr>
+              <p:grpSpPr>
+                <a:xfrm>
+                  <a:off x="2906702" y="2753011"/>
+                  <a:ext cx="5758905" cy="1018695"/>
+                  <a:chOff x="3560710" y="1350405"/>
+                  <a:chExt cx="5758905" cy="1018695"/>
+                </a:xfrm>
+              </p:grpSpPr>
+              <p:sp>
+                <p:nvSpPr>
+                  <p:cNvPr id="44" name="Rectangle: Rounded Corners 43">
+                    <a:extLst>
+                      <a:ext uri="{FF2B5EF4-FFF2-40B4-BE49-F238E27FC236}">
+                        <a16:creationId xmlns:a16="http://schemas.microsoft.com/office/drawing/2014/main" id="{AD2F24E9-D45C-D17A-C1AD-F96D56C7FC4C}"/>
+                      </a:ext>
+                    </a:extLst>
+                  </p:cNvPr>
+                  <p:cNvSpPr/>
+                  <p:nvPr/>
+                </p:nvSpPr>
+                <p:spPr>
+                  <a:xfrm>
+                    <a:off x="4493279" y="1350405"/>
+                    <a:ext cx="4826336" cy="1018695"/>
+                  </a:xfrm>
+                  <a:prstGeom prst="roundRect">
+                    <a:avLst/>
+                  </a:prstGeom>
+                  <a:solidFill>
+                    <a:srgbClr val="EDF2FA"/>
+                  </a:solidFill>
+                  <a:ln>
+                    <a:solidFill>
+                      <a:srgbClr val="00B050"/>
+                    </a:solidFill>
+                  </a:ln>
+                </p:spPr>
+                <p:style>
+                  <a:lnRef idx="2">
+                    <a:schemeClr val="accent1">
+                      <a:shade val="15000"/>
+                    </a:schemeClr>
+                  </a:lnRef>
+                  <a:fillRef idx="1">
+                    <a:schemeClr val="accent1"/>
+                  </a:fillRef>
+                  <a:effectRef idx="0">
+                    <a:schemeClr val="accent1"/>
+                  </a:effectRef>
+                  <a:fontRef idx="minor">
+                    <a:schemeClr val="lt1"/>
+                  </a:fontRef>
+                </p:style>
+                <p:txBody>
+                  <a:bodyPr rtlCol="0" anchor="ctr"/>
+                  <a:lstStyle/>
+                  <a:p>
+                    <a:r>
+                      <a:rPr lang="en-US" sz="400" dirty="0">
+                        <a:solidFill>
+                          <a:schemeClr val="tx1"/>
+                        </a:solidFill>
+                      </a:rPr>
+                      <a:t>I'm a high school student. It has been going on by the same group of students since middle school. It generates from getting made fun of in the hallways to </a:t>
+                    </a:r>
+                    <a:r>
+                      <a:rPr lang="en-US" sz="400" dirty="0" err="1">
+                        <a:solidFill>
+                          <a:schemeClr val="tx1"/>
+                        </a:solidFill>
+                      </a:rPr>
+                      <a:t>cyberbulling</a:t>
+                    </a:r>
+                    <a:r>
+                      <a:rPr lang="en-US" sz="400" dirty="0">
+                        <a:solidFill>
+                          <a:schemeClr val="tx1"/>
+                        </a:solidFill>
+                      </a:rPr>
+                      <a:t>. It makes me feel very insecure and unsafe.</a:t>
+                    </a:r>
+                  </a:p>
+                </p:txBody>
+              </p:sp>
+              <p:sp>
+                <p:nvSpPr>
+                  <p:cNvPr id="45" name="Isosceles Triangle 44">
+                    <a:extLst>
+                      <a:ext uri="{FF2B5EF4-FFF2-40B4-BE49-F238E27FC236}">
+                        <a16:creationId xmlns:a16="http://schemas.microsoft.com/office/drawing/2014/main" id="{4A6AE225-6358-2711-5509-9B199DF945AA}"/>
+                      </a:ext>
+                    </a:extLst>
+                  </p:cNvPr>
+                  <p:cNvSpPr/>
+                  <p:nvPr/>
+                </p:nvSpPr>
+                <p:spPr>
+                  <a:xfrm rot="16200000">
+                    <a:off x="3664865" y="1246251"/>
+                    <a:ext cx="723898" cy="932208"/>
+                  </a:xfrm>
+                  <a:prstGeom prst="triangle">
+                    <a:avLst>
+                      <a:gd name="adj" fmla="val 100000"/>
+                    </a:avLst>
+                  </a:prstGeom>
+                  <a:solidFill>
+                    <a:srgbClr val="EDF2FA"/>
+                  </a:solidFill>
+                  <a:ln>
+                    <a:solidFill>
+                      <a:srgbClr val="00B050"/>
+                    </a:solidFill>
+                  </a:ln>
+                </p:spPr>
+                <p:style>
+                  <a:lnRef idx="2">
+                    <a:schemeClr val="accent1">
+                      <a:shade val="15000"/>
+                    </a:schemeClr>
+                  </a:lnRef>
+                  <a:fillRef idx="1">
+                    <a:schemeClr val="accent1"/>
+                  </a:fillRef>
+                  <a:effectRef idx="0">
+                    <a:schemeClr val="accent1"/>
+                  </a:effectRef>
+                  <a:fontRef idx="minor">
+                    <a:schemeClr val="lt1"/>
+                  </a:fontRef>
+                </p:style>
+                <p:txBody>
+                  <a:bodyPr rtlCol="0" anchor="ctr"/>
+                  <a:lstStyle/>
+                  <a:p>
+                    <a:pPr algn="ctr"/>
+                    <a:endParaRPr lang="LID4096"/>
+                  </a:p>
+                </p:txBody>
+              </p:sp>
+              <p:sp>
+                <p:nvSpPr>
+                  <p:cNvPr id="46" name="Rectangle 45">
+                    <a:extLst>
+                      <a:ext uri="{FF2B5EF4-FFF2-40B4-BE49-F238E27FC236}">
+                        <a16:creationId xmlns:a16="http://schemas.microsoft.com/office/drawing/2014/main" id="{1307F78F-65F7-755D-00DA-FC0965983285}"/>
+                      </a:ext>
+                    </a:extLst>
+                  </p:cNvPr>
+                  <p:cNvSpPr/>
+                  <p:nvPr/>
+                </p:nvSpPr>
+                <p:spPr>
+                  <a:xfrm>
+                    <a:off x="4426943" y="1360486"/>
+                    <a:ext cx="275189" cy="532095"/>
+                  </a:xfrm>
+                  <a:prstGeom prst="rect">
+                    <a:avLst/>
+                  </a:prstGeom>
+                  <a:solidFill>
+                    <a:srgbClr val="EDF2FA"/>
+                  </a:solidFill>
+                  <a:ln>
+                    <a:noFill/>
+                  </a:ln>
+                </p:spPr>
+                <p:style>
+                  <a:lnRef idx="2">
+                    <a:schemeClr val="accent1">
+                      <a:shade val="15000"/>
+                    </a:schemeClr>
+                  </a:lnRef>
+                  <a:fillRef idx="1">
+                    <a:schemeClr val="accent1"/>
+                  </a:fillRef>
+                  <a:effectRef idx="0">
+                    <a:schemeClr val="accent1"/>
+                  </a:effectRef>
+                  <a:fontRef idx="minor">
+                    <a:schemeClr val="lt1"/>
+                  </a:fontRef>
+                </p:style>
+                <p:txBody>
+                  <a:bodyPr rtlCol="0" anchor="ctr"/>
+                  <a:lstStyle/>
+                  <a:p>
+                    <a:pPr algn="ctr"/>
+                    <a:endParaRPr lang="LID4096" dirty="0"/>
+                  </a:p>
+                </p:txBody>
+              </p:sp>
+              <p:cxnSp>
+                <p:nvCxnSpPr>
+                  <p:cNvPr id="47" name="Straight Connector 46">
+                    <a:extLst>
+                      <a:ext uri="{FF2B5EF4-FFF2-40B4-BE49-F238E27FC236}">
+                        <a16:creationId xmlns:a16="http://schemas.microsoft.com/office/drawing/2014/main" id="{00005B6F-EB20-5F79-1547-DA02CDD57C6D}"/>
+                      </a:ext>
+                    </a:extLst>
+                  </p:cNvPr>
+                  <p:cNvCxnSpPr>
+                    <a:cxnSpLocks/>
+                    <a:stCxn id="45" idx="5"/>
+                  </p:cNvCxnSpPr>
+                  <p:nvPr/>
+                </p:nvCxnSpPr>
+                <p:spPr>
+                  <a:xfrm flipV="1">
+                    <a:off x="4026812" y="1350405"/>
+                    <a:ext cx="1023026" cy="4"/>
+                  </a:xfrm>
+                  <a:prstGeom prst="line">
+                    <a:avLst/>
+                  </a:prstGeom>
+                  <a:solidFill>
+                    <a:srgbClr val="EDF2FA"/>
+                  </a:solidFill>
+                  <a:ln>
+                    <a:solidFill>
+                      <a:srgbClr val="00B050"/>
+                    </a:solidFill>
+                  </a:ln>
+                </p:spPr>
+                <p:style>
+                  <a:lnRef idx="2">
+                    <a:schemeClr val="dk1"/>
+                  </a:lnRef>
+                  <a:fillRef idx="0">
+                    <a:schemeClr val="dk1"/>
+                  </a:fillRef>
+                  <a:effectRef idx="1">
+                    <a:schemeClr val="dk1"/>
+                  </a:effectRef>
+                  <a:fontRef idx="minor">
+                    <a:schemeClr val="tx1"/>
+                  </a:fontRef>
+                </p:style>
+              </p:cxnSp>
+              <p:sp>
+                <p:nvSpPr>
+                  <p:cNvPr id="48" name="Rectangle 47">
+                    <a:extLst>
+                      <a:ext uri="{FF2B5EF4-FFF2-40B4-BE49-F238E27FC236}">
+                        <a16:creationId xmlns:a16="http://schemas.microsoft.com/office/drawing/2014/main" id="{62FA1A9C-F4E1-3D92-E403-F8E82F6EB036}"/>
+                      </a:ext>
+                    </a:extLst>
+                  </p:cNvPr>
+                  <p:cNvSpPr/>
+                  <p:nvPr/>
+                </p:nvSpPr>
+                <p:spPr>
+                  <a:xfrm rot="2230637">
+                    <a:off x="4357372" y="1887789"/>
+                    <a:ext cx="277812" cy="154772"/>
+                  </a:xfrm>
+                  <a:prstGeom prst="rect">
+                    <a:avLst/>
+                  </a:prstGeom>
+                  <a:solidFill>
+                    <a:srgbClr val="EDF2FA"/>
+                  </a:solidFill>
+                  <a:ln>
+                    <a:noFill/>
+                  </a:ln>
+                </p:spPr>
+                <p:style>
+                  <a:lnRef idx="2">
+                    <a:schemeClr val="accent1">
+                      <a:shade val="15000"/>
+                    </a:schemeClr>
+                  </a:lnRef>
+                  <a:fillRef idx="1">
+                    <a:schemeClr val="accent1"/>
+                  </a:fillRef>
+                  <a:effectRef idx="0">
+                    <a:schemeClr val="accent1"/>
+                  </a:effectRef>
+                  <a:fontRef idx="minor">
+                    <a:schemeClr val="lt1"/>
+                  </a:fontRef>
+                </p:style>
+                <p:txBody>
+                  <a:bodyPr rtlCol="0" anchor="ctr"/>
+                  <a:lstStyle/>
+                  <a:p>
+                    <a:pPr algn="ctr"/>
+                    <a:endParaRPr lang="LID4096"/>
+                  </a:p>
+                </p:txBody>
+              </p:sp>
+            </p:grpSp>
             <p:sp>
               <p:nvSpPr>
-                <p:cNvPr id="44" name="Rectangle: Rounded Corners 43">
+                <p:cNvPr id="43" name="Rectangle 42">
                   <a:extLst>
                     <a:ext uri="{FF2B5EF4-FFF2-40B4-BE49-F238E27FC236}">
-                      <a16:creationId xmlns:a16="http://schemas.microsoft.com/office/drawing/2014/main" id="{AD2F24E9-D45C-D17A-C1AD-F96D56C7FC4C}"/>
+                      <a16:creationId xmlns:a16="http://schemas.microsoft.com/office/drawing/2014/main" id="{2131F886-F50B-01B9-4E61-01FC213214CD}"/>
                     </a:ext>
                   </a:extLst>
                 </p:cNvPr>
@@ -12062,140 +12651,8 @@
               </p:nvSpPr>
               <p:spPr>
                 <a:xfrm>
-                  <a:off x="4493279" y="1350405"/>
-                  <a:ext cx="4826336" cy="1018695"/>
-                </a:xfrm>
-                <a:prstGeom prst="roundRect">
-                  <a:avLst/>
-                </a:prstGeom>
-                <a:solidFill>
-                  <a:srgbClr val="EDF2FA"/>
-                </a:solidFill>
-                <a:ln>
-                  <a:solidFill>
-                    <a:srgbClr val="00B050"/>
-                  </a:solidFill>
-                </a:ln>
-              </p:spPr>
-              <p:style>
-                <a:lnRef idx="2">
-                  <a:schemeClr val="accent1">
-                    <a:shade val="15000"/>
-                  </a:schemeClr>
-                </a:lnRef>
-                <a:fillRef idx="1">
-                  <a:schemeClr val="accent1"/>
-                </a:fillRef>
-                <a:effectRef idx="0">
-                  <a:schemeClr val="accent1"/>
-                </a:effectRef>
-                <a:fontRef idx="minor">
-                  <a:schemeClr val="lt1"/>
-                </a:fontRef>
-              </p:style>
-              <p:txBody>
-                <a:bodyPr rtlCol="0" anchor="ctr"/>
-                <a:lstStyle/>
-                <a:p>
-                  <a:r>
-                    <a:rPr lang="en-US" sz="400" dirty="0">
-                      <a:solidFill>
-                        <a:schemeClr val="tx1"/>
-                      </a:solidFill>
-                    </a:rPr>
-                    <a:t>I'm a high school student. It has been going on by the same group of students since middle school. It generates from getting made fun of in the hallways to </a:t>
-                  </a:r>
-                  <a:r>
-                    <a:rPr lang="en-US" sz="400" dirty="0" err="1">
-                      <a:solidFill>
-                        <a:schemeClr val="tx1"/>
-                      </a:solidFill>
-                    </a:rPr>
-                    <a:t>cyberbulling</a:t>
-                  </a:r>
-                  <a:r>
-                    <a:rPr lang="en-US" sz="400" dirty="0">
-                      <a:solidFill>
-                        <a:schemeClr val="tx1"/>
-                      </a:solidFill>
-                    </a:rPr>
-                    <a:t>. It makes me feel very insecure and unsafe.</a:t>
-                  </a:r>
-                </a:p>
-              </p:txBody>
-            </p:sp>
-            <p:sp>
-              <p:nvSpPr>
-                <p:cNvPr id="45" name="Isosceles Triangle 44">
-                  <a:extLst>
-                    <a:ext uri="{FF2B5EF4-FFF2-40B4-BE49-F238E27FC236}">
-                      <a16:creationId xmlns:a16="http://schemas.microsoft.com/office/drawing/2014/main" id="{4A6AE225-6358-2711-5509-9B199DF945AA}"/>
-                    </a:ext>
-                  </a:extLst>
-                </p:cNvPr>
-                <p:cNvSpPr/>
-                <p:nvPr/>
-              </p:nvSpPr>
-              <p:spPr>
-                <a:xfrm rot="16200000">
-                  <a:off x="3664865" y="1246251"/>
-                  <a:ext cx="723898" cy="932208"/>
-                </a:xfrm>
-                <a:prstGeom prst="triangle">
-                  <a:avLst>
-                    <a:gd name="adj" fmla="val 100000"/>
-                  </a:avLst>
-                </a:prstGeom>
-                <a:solidFill>
-                  <a:srgbClr val="EDF2FA"/>
-                </a:solidFill>
-                <a:ln>
-                  <a:solidFill>
-                    <a:srgbClr val="00B050"/>
-                  </a:solidFill>
-                </a:ln>
-              </p:spPr>
-              <p:style>
-                <a:lnRef idx="2">
-                  <a:schemeClr val="accent1">
-                    <a:shade val="15000"/>
-                  </a:schemeClr>
-                </a:lnRef>
-                <a:fillRef idx="1">
-                  <a:schemeClr val="accent1"/>
-                </a:fillRef>
-                <a:effectRef idx="0">
-                  <a:schemeClr val="accent1"/>
-                </a:effectRef>
-                <a:fontRef idx="minor">
-                  <a:schemeClr val="lt1"/>
-                </a:fontRef>
-              </p:style>
-              <p:txBody>
-                <a:bodyPr rtlCol="0" anchor="ctr"/>
-                <a:lstStyle/>
-                <a:p>
-                  <a:pPr algn="ctr"/>
-                  <a:endParaRPr lang="LID4096"/>
-                </a:p>
-              </p:txBody>
-            </p:sp>
-            <p:sp>
-              <p:nvSpPr>
-                <p:cNvPr id="46" name="Rectangle 45">
-                  <a:extLst>
-                    <a:ext uri="{FF2B5EF4-FFF2-40B4-BE49-F238E27FC236}">
-                      <a16:creationId xmlns:a16="http://schemas.microsoft.com/office/drawing/2014/main" id="{1307F78F-65F7-755D-00DA-FC0965983285}"/>
-                    </a:ext>
-                  </a:extLst>
-                </p:cNvPr>
-                <p:cNvSpPr/>
-                <p:nvPr/>
-              </p:nvSpPr>
-              <p:spPr>
-                <a:xfrm>
-                  <a:off x="4426943" y="1360486"/>
-                  <a:ext cx="275189" cy="532095"/>
+                  <a:off x="3802450" y="2796708"/>
+                  <a:ext cx="593378" cy="72183"/>
                 </a:xfrm>
                 <a:prstGeom prst="rect">
                   <a:avLst/>
@@ -12232,185 +12689,13 @@
                 </a:p>
               </p:txBody>
             </p:sp>
-            <p:cxnSp>
-              <p:nvCxnSpPr>
-                <p:cNvPr id="47" name="Straight Connector 46">
-                  <a:extLst>
-                    <a:ext uri="{FF2B5EF4-FFF2-40B4-BE49-F238E27FC236}">
-                      <a16:creationId xmlns:a16="http://schemas.microsoft.com/office/drawing/2014/main" id="{00005B6F-EB20-5F79-1547-DA02CDD57C6D}"/>
-                    </a:ext>
-                  </a:extLst>
-                </p:cNvPr>
-                <p:cNvCxnSpPr>
-                  <a:cxnSpLocks/>
-                  <a:stCxn id="45" idx="5"/>
-                </p:cNvCxnSpPr>
-                <p:nvPr/>
-              </p:nvCxnSpPr>
-              <p:spPr>
-                <a:xfrm flipV="1">
-                  <a:off x="4026812" y="1350405"/>
-                  <a:ext cx="1023026" cy="4"/>
-                </a:xfrm>
-                <a:prstGeom prst="line">
-                  <a:avLst/>
-                </a:prstGeom>
-                <a:solidFill>
-                  <a:srgbClr val="EDF2FA"/>
-                </a:solidFill>
-                <a:ln>
-                  <a:solidFill>
-                    <a:srgbClr val="00B050"/>
-                  </a:solidFill>
-                </a:ln>
-              </p:spPr>
-              <p:style>
-                <a:lnRef idx="2">
-                  <a:schemeClr val="dk1"/>
-                </a:lnRef>
-                <a:fillRef idx="0">
-                  <a:schemeClr val="dk1"/>
-                </a:fillRef>
-                <a:effectRef idx="1">
-                  <a:schemeClr val="dk1"/>
-                </a:effectRef>
-                <a:fontRef idx="minor">
-                  <a:schemeClr val="tx1"/>
-                </a:fontRef>
-              </p:style>
-            </p:cxnSp>
-            <p:sp>
-              <p:nvSpPr>
-                <p:cNvPr id="48" name="Rectangle 47">
-                  <a:extLst>
-                    <a:ext uri="{FF2B5EF4-FFF2-40B4-BE49-F238E27FC236}">
-                      <a16:creationId xmlns:a16="http://schemas.microsoft.com/office/drawing/2014/main" id="{62FA1A9C-F4E1-3D92-E403-F8E82F6EB036}"/>
-                    </a:ext>
-                  </a:extLst>
-                </p:cNvPr>
-                <p:cNvSpPr/>
-                <p:nvPr/>
-              </p:nvSpPr>
-              <p:spPr>
-                <a:xfrm rot="2230637">
-                  <a:off x="4357372" y="1887789"/>
-                  <a:ext cx="277812" cy="154772"/>
-                </a:xfrm>
-                <a:prstGeom prst="rect">
-                  <a:avLst/>
-                </a:prstGeom>
-                <a:solidFill>
-                  <a:srgbClr val="EDF2FA"/>
-                </a:solidFill>
-                <a:ln>
-                  <a:noFill/>
-                </a:ln>
-              </p:spPr>
-              <p:style>
-                <a:lnRef idx="2">
-                  <a:schemeClr val="accent1">
-                    <a:shade val="15000"/>
-                  </a:schemeClr>
-                </a:lnRef>
-                <a:fillRef idx="1">
-                  <a:schemeClr val="accent1"/>
-                </a:fillRef>
-                <a:effectRef idx="0">
-                  <a:schemeClr val="accent1"/>
-                </a:effectRef>
-                <a:fontRef idx="minor">
-                  <a:schemeClr val="lt1"/>
-                </a:fontRef>
-              </p:style>
-              <p:txBody>
-                <a:bodyPr rtlCol="0" anchor="ctr"/>
-                <a:lstStyle/>
-                <a:p>
-                  <a:pPr algn="ctr"/>
-                  <a:endParaRPr lang="LID4096"/>
-                </a:p>
-              </p:txBody>
-            </p:sp>
           </p:grpSp>
-          <p:sp>
-            <p:nvSpPr>
-              <p:cNvPr id="43" name="Rectangle 42">
+          <p:grpSp>
+            <p:nvGrpSpPr>
+              <p:cNvPr id="50" name="Group 49">
                 <a:extLst>
                   <a:ext uri="{FF2B5EF4-FFF2-40B4-BE49-F238E27FC236}">
-                    <a16:creationId xmlns:a16="http://schemas.microsoft.com/office/drawing/2014/main" id="{2131F886-F50B-01B9-4E61-01FC213214CD}"/>
-                  </a:ext>
-                </a:extLst>
-              </p:cNvPr>
-              <p:cNvSpPr/>
-              <p:nvPr/>
-            </p:nvSpPr>
-            <p:spPr>
-              <a:xfrm>
-                <a:off x="3802450" y="2796708"/>
-                <a:ext cx="593378" cy="72183"/>
-              </a:xfrm>
-              <a:prstGeom prst="rect">
-                <a:avLst/>
-              </a:prstGeom>
-              <a:solidFill>
-                <a:srgbClr val="EDF2FA"/>
-              </a:solidFill>
-              <a:ln>
-                <a:noFill/>
-              </a:ln>
-            </p:spPr>
-            <p:style>
-              <a:lnRef idx="2">
-                <a:schemeClr val="accent1">
-                  <a:shade val="15000"/>
-                </a:schemeClr>
-              </a:lnRef>
-              <a:fillRef idx="1">
-                <a:schemeClr val="accent1"/>
-              </a:fillRef>
-              <a:effectRef idx="0">
-                <a:schemeClr val="accent1"/>
-              </a:effectRef>
-              <a:fontRef idx="minor">
-                <a:schemeClr val="lt1"/>
-              </a:fontRef>
-            </p:style>
-            <p:txBody>
-              <a:bodyPr rtlCol="0" anchor="ctr"/>
-              <a:lstStyle/>
-              <a:p>
-                <a:pPr algn="ctr"/>
-                <a:endParaRPr lang="LID4096" dirty="0"/>
-              </a:p>
-            </p:txBody>
-          </p:sp>
-        </p:grpSp>
-        <p:grpSp>
-          <p:nvGrpSpPr>
-            <p:cNvPr id="50" name="Group 49">
-              <a:extLst>
-                <a:ext uri="{FF2B5EF4-FFF2-40B4-BE49-F238E27FC236}">
-                  <a16:creationId xmlns:a16="http://schemas.microsoft.com/office/drawing/2014/main" id="{E91AFFC7-342A-475D-04FA-8FFA3FA87AE0}"/>
-                </a:ext>
-              </a:extLst>
-            </p:cNvPr>
-            <p:cNvGrpSpPr/>
-            <p:nvPr/>
-          </p:nvGrpSpPr>
-          <p:grpSpPr>
-            <a:xfrm>
-              <a:off x="3903833" y="2597126"/>
-              <a:ext cx="2380873" cy="311150"/>
-              <a:chOff x="2906702" y="2753011"/>
-              <a:chExt cx="5758903" cy="2640255"/>
-            </a:xfrm>
-          </p:grpSpPr>
-          <p:grpSp>
-            <p:nvGrpSpPr>
-              <p:cNvPr id="51" name="Group 50">
-                <a:extLst>
-                  <a:ext uri="{FF2B5EF4-FFF2-40B4-BE49-F238E27FC236}">
-                    <a16:creationId xmlns:a16="http://schemas.microsoft.com/office/drawing/2014/main" id="{386FDB01-9B0E-3F1F-CE11-A733258C76AC}"/>
+                    <a16:creationId xmlns:a16="http://schemas.microsoft.com/office/drawing/2014/main" id="{E91AFFC7-342A-475D-04FA-8FFA3FA87AE0}"/>
                   </a:ext>
                 </a:extLst>
               </p:cNvPr>
@@ -12419,18 +12704,306 @@
             </p:nvGrpSpPr>
             <p:grpSpPr>
               <a:xfrm>
-                <a:off x="2906702" y="2753011"/>
-                <a:ext cx="5758903" cy="2640255"/>
-                <a:chOff x="3560710" y="1350405"/>
+                <a:off x="3903833" y="2597126"/>
+                <a:ext cx="2380873" cy="311150"/>
+                <a:chOff x="2906702" y="2753011"/>
                 <a:chExt cx="5758903" cy="2640255"/>
               </a:xfrm>
             </p:grpSpPr>
+            <p:grpSp>
+              <p:nvGrpSpPr>
+                <p:cNvPr id="51" name="Group 50">
+                  <a:extLst>
+                    <a:ext uri="{FF2B5EF4-FFF2-40B4-BE49-F238E27FC236}">
+                      <a16:creationId xmlns:a16="http://schemas.microsoft.com/office/drawing/2014/main" id="{386FDB01-9B0E-3F1F-CE11-A733258C76AC}"/>
+                    </a:ext>
+                  </a:extLst>
+                </p:cNvPr>
+                <p:cNvGrpSpPr/>
+                <p:nvPr/>
+              </p:nvGrpSpPr>
+              <p:grpSpPr>
+                <a:xfrm>
+                  <a:off x="2906702" y="2753011"/>
+                  <a:ext cx="5758903" cy="2640255"/>
+                  <a:chOff x="3560710" y="1350405"/>
+                  <a:chExt cx="5758903" cy="2640255"/>
+                </a:xfrm>
+              </p:grpSpPr>
+              <p:sp>
+                <p:nvSpPr>
+                  <p:cNvPr id="53" name="Rectangle: Rounded Corners 52">
+                    <a:extLst>
+                      <a:ext uri="{FF2B5EF4-FFF2-40B4-BE49-F238E27FC236}">
+                        <a16:creationId xmlns:a16="http://schemas.microsoft.com/office/drawing/2014/main" id="{255D5B1F-78A8-3066-7E5C-43FC17B46DD9}"/>
+                      </a:ext>
+                    </a:extLst>
+                  </p:cNvPr>
+                  <p:cNvSpPr/>
+                  <p:nvPr/>
+                </p:nvSpPr>
+                <p:spPr>
+                  <a:xfrm>
+                    <a:off x="4493277" y="1350405"/>
+                    <a:ext cx="4826336" cy="2640255"/>
+                  </a:xfrm>
+                  <a:prstGeom prst="roundRect">
+                    <a:avLst/>
+                  </a:prstGeom>
+                  <a:solidFill>
+                    <a:srgbClr val="EDF2FA"/>
+                  </a:solidFill>
+                  <a:ln>
+                    <a:solidFill>
+                      <a:srgbClr val="FFC000"/>
+                    </a:solidFill>
+                  </a:ln>
+                </p:spPr>
+                <p:style>
+                  <a:lnRef idx="2">
+                    <a:schemeClr val="accent1">
+                      <a:shade val="15000"/>
+                    </a:schemeClr>
+                  </a:lnRef>
+                  <a:fillRef idx="1">
+                    <a:schemeClr val="accent1"/>
+                  </a:fillRef>
+                  <a:effectRef idx="0">
+                    <a:schemeClr val="accent1"/>
+                  </a:effectRef>
+                  <a:fontRef idx="minor">
+                    <a:schemeClr val="lt1"/>
+                  </a:fontRef>
+                </p:style>
+                <p:txBody>
+                  <a:bodyPr rtlCol="0" anchor="ctr"/>
+                  <a:lstStyle/>
+                  <a:p>
+                    <a:r>
+                      <a:rPr lang="en-US" sz="400" dirty="0">
+                        <a:solidFill>
+                          <a:schemeClr val="tx1"/>
+                        </a:solidFill>
+                      </a:rPr>
+                      <a:t>I'm really sorry you're going through this. That sounds incredibly tough, and I'm really glad you’re sharing this with me. You don’t have to go through it alone. Can you tell me more about what’s been happening? When did it start, and how does it make you feel?</a:t>
+                    </a:r>
+                  </a:p>
+                </p:txBody>
+              </p:sp>
+              <p:sp>
+                <p:nvSpPr>
+                  <p:cNvPr id="54" name="Isosceles Triangle 53">
+                    <a:extLst>
+                      <a:ext uri="{FF2B5EF4-FFF2-40B4-BE49-F238E27FC236}">
+                        <a16:creationId xmlns:a16="http://schemas.microsoft.com/office/drawing/2014/main" id="{C0A71819-8E0A-2F4D-A2AA-490F7D53A35E}"/>
+                      </a:ext>
+                    </a:extLst>
+                  </p:cNvPr>
+                  <p:cNvSpPr/>
+                  <p:nvPr/>
+                </p:nvSpPr>
+                <p:spPr>
+                  <a:xfrm rot="16200000">
+                    <a:off x="3664865" y="1246251"/>
+                    <a:ext cx="723898" cy="932208"/>
+                  </a:xfrm>
+                  <a:prstGeom prst="triangle">
+                    <a:avLst>
+                      <a:gd name="adj" fmla="val 100000"/>
+                    </a:avLst>
+                  </a:prstGeom>
+                  <a:solidFill>
+                    <a:srgbClr val="EDF2FA"/>
+                  </a:solidFill>
+                  <a:ln>
+                    <a:solidFill>
+                      <a:srgbClr val="FFC000"/>
+                    </a:solidFill>
+                  </a:ln>
+                </p:spPr>
+                <p:style>
+                  <a:lnRef idx="2">
+                    <a:schemeClr val="accent1">
+                      <a:shade val="15000"/>
+                    </a:schemeClr>
+                  </a:lnRef>
+                  <a:fillRef idx="1">
+                    <a:schemeClr val="accent1"/>
+                  </a:fillRef>
+                  <a:effectRef idx="0">
+                    <a:schemeClr val="accent1"/>
+                  </a:effectRef>
+                  <a:fontRef idx="minor">
+                    <a:schemeClr val="lt1"/>
+                  </a:fontRef>
+                </p:style>
+                <p:txBody>
+                  <a:bodyPr rtlCol="0" anchor="ctr"/>
+                  <a:lstStyle/>
+                  <a:p>
+                    <a:pPr algn="ctr"/>
+                    <a:endParaRPr lang="LID4096"/>
+                  </a:p>
+                </p:txBody>
+              </p:sp>
+              <p:sp>
+                <p:nvSpPr>
+                  <p:cNvPr id="55" name="Rectangle 54">
+                    <a:extLst>
+                      <a:ext uri="{FF2B5EF4-FFF2-40B4-BE49-F238E27FC236}">
+                        <a16:creationId xmlns:a16="http://schemas.microsoft.com/office/drawing/2014/main" id="{14F75822-58E0-E1C9-B577-AC91B9744866}"/>
+                      </a:ext>
+                    </a:extLst>
+                  </p:cNvPr>
+                  <p:cNvSpPr/>
+                  <p:nvPr/>
+                </p:nvSpPr>
+                <p:spPr>
+                  <a:xfrm>
+                    <a:off x="4405224" y="1360494"/>
+                    <a:ext cx="248016" cy="566040"/>
+                  </a:xfrm>
+                  <a:prstGeom prst="rect">
+                    <a:avLst/>
+                  </a:prstGeom>
+                  <a:solidFill>
+                    <a:srgbClr val="EDF2FA"/>
+                  </a:solidFill>
+                  <a:ln>
+                    <a:noFill/>
+                  </a:ln>
+                </p:spPr>
+                <p:style>
+                  <a:lnRef idx="2">
+                    <a:schemeClr val="accent1">
+                      <a:shade val="15000"/>
+                    </a:schemeClr>
+                  </a:lnRef>
+                  <a:fillRef idx="1">
+                    <a:schemeClr val="accent1"/>
+                  </a:fillRef>
+                  <a:effectRef idx="0">
+                    <a:schemeClr val="accent1"/>
+                  </a:effectRef>
+                  <a:fontRef idx="minor">
+                    <a:schemeClr val="lt1"/>
+                  </a:fontRef>
+                </p:style>
+                <p:txBody>
+                  <a:bodyPr rtlCol="0" anchor="ctr"/>
+                  <a:lstStyle/>
+                  <a:p>
+                    <a:pPr algn="ctr"/>
+                    <a:endParaRPr lang="LID4096" dirty="0"/>
+                  </a:p>
+                </p:txBody>
+              </p:sp>
+              <p:cxnSp>
+                <p:nvCxnSpPr>
+                  <p:cNvPr id="56" name="Straight Connector 55">
+                    <a:extLst>
+                      <a:ext uri="{FF2B5EF4-FFF2-40B4-BE49-F238E27FC236}">
+                        <a16:creationId xmlns:a16="http://schemas.microsoft.com/office/drawing/2014/main" id="{9199483E-D9D8-D029-212E-EC98CF2DD69B}"/>
+                      </a:ext>
+                    </a:extLst>
+                  </p:cNvPr>
+                  <p:cNvCxnSpPr>
+                    <a:cxnSpLocks/>
+                    <a:stCxn id="54" idx="5"/>
+                  </p:cNvCxnSpPr>
+                  <p:nvPr/>
+                </p:nvCxnSpPr>
+                <p:spPr>
+                  <a:xfrm>
+                    <a:off x="4026814" y="1350405"/>
+                    <a:ext cx="1023025" cy="0"/>
+                  </a:xfrm>
+                  <a:prstGeom prst="line">
+                    <a:avLst/>
+                  </a:prstGeom>
+                  <a:solidFill>
+                    <a:srgbClr val="EDF2FA"/>
+                  </a:solidFill>
+                  <a:ln>
+                    <a:solidFill>
+                      <a:srgbClr val="FFC000"/>
+                    </a:solidFill>
+                  </a:ln>
+                </p:spPr>
+                <p:style>
+                  <a:lnRef idx="2">
+                    <a:schemeClr val="dk1"/>
+                  </a:lnRef>
+                  <a:fillRef idx="0">
+                    <a:schemeClr val="dk1"/>
+                  </a:fillRef>
+                  <a:effectRef idx="1">
+                    <a:schemeClr val="dk1"/>
+                  </a:effectRef>
+                  <a:fontRef idx="minor">
+                    <a:schemeClr val="tx1"/>
+                  </a:fontRef>
+                </p:style>
+              </p:cxnSp>
+              <p:sp>
+                <p:nvSpPr>
+                  <p:cNvPr id="57" name="Rectangle 56">
+                    <a:extLst>
+                      <a:ext uri="{FF2B5EF4-FFF2-40B4-BE49-F238E27FC236}">
+                        <a16:creationId xmlns:a16="http://schemas.microsoft.com/office/drawing/2014/main" id="{EED32FAF-BFC8-DC61-BB95-89B077DC0203}"/>
+                      </a:ext>
+                    </a:extLst>
+                  </p:cNvPr>
+                  <p:cNvSpPr/>
+                  <p:nvPr/>
+                </p:nvSpPr>
+                <p:spPr>
+                  <a:xfrm rot="2230637">
+                    <a:off x="4357372" y="1887789"/>
+                    <a:ext cx="277812" cy="154772"/>
+                  </a:xfrm>
+                  <a:prstGeom prst="rect">
+                    <a:avLst/>
+                  </a:prstGeom>
+                  <a:solidFill>
+                    <a:srgbClr val="EDF2FA"/>
+                  </a:solidFill>
+                  <a:ln>
+                    <a:noFill/>
+                  </a:ln>
+                </p:spPr>
+                <p:style>
+                  <a:lnRef idx="2">
+                    <a:schemeClr val="accent1">
+                      <a:shade val="15000"/>
+                    </a:schemeClr>
+                  </a:lnRef>
+                  <a:fillRef idx="1">
+                    <a:schemeClr val="accent1"/>
+                  </a:fillRef>
+                  <a:effectRef idx="0">
+                    <a:schemeClr val="accent1"/>
+                  </a:effectRef>
+                  <a:fontRef idx="minor">
+                    <a:schemeClr val="lt1"/>
+                  </a:fontRef>
+                </p:style>
+                <p:txBody>
+                  <a:bodyPr rtlCol="0" anchor="ctr"/>
+                  <a:lstStyle/>
+                  <a:p>
+                    <a:pPr algn="ctr"/>
+                    <a:endParaRPr lang="LID4096"/>
+                  </a:p>
+                </p:txBody>
+              </p:sp>
+            </p:grpSp>
             <p:sp>
               <p:nvSpPr>
-                <p:cNvPr id="53" name="Rectangle: Rounded Corners 52">
+                <p:cNvPr id="52" name="Rectangle 51">
                   <a:extLst>
                     <a:ext uri="{FF2B5EF4-FFF2-40B4-BE49-F238E27FC236}">
-                      <a16:creationId xmlns:a16="http://schemas.microsoft.com/office/drawing/2014/main" id="{255D5B1F-78A8-3066-7E5C-43FC17B46DD9}"/>
+                      <a16:creationId xmlns:a16="http://schemas.microsoft.com/office/drawing/2014/main" id="{EE939D7C-9537-8553-6321-EF2F0A84C06D}"/>
                     </a:ext>
                   </a:extLst>
                 </p:cNvPr>
@@ -12439,124 +13012,8 @@
               </p:nvSpPr>
               <p:spPr>
                 <a:xfrm>
-                  <a:off x="4493277" y="1350405"/>
-                  <a:ext cx="4826336" cy="2640255"/>
-                </a:xfrm>
-                <a:prstGeom prst="roundRect">
-                  <a:avLst/>
-                </a:prstGeom>
-                <a:solidFill>
-                  <a:srgbClr val="EDF2FA"/>
-                </a:solidFill>
-                <a:ln>
-                  <a:solidFill>
-                    <a:srgbClr val="FFC000"/>
-                  </a:solidFill>
-                </a:ln>
-              </p:spPr>
-              <p:style>
-                <a:lnRef idx="2">
-                  <a:schemeClr val="accent1">
-                    <a:shade val="15000"/>
-                  </a:schemeClr>
-                </a:lnRef>
-                <a:fillRef idx="1">
-                  <a:schemeClr val="accent1"/>
-                </a:fillRef>
-                <a:effectRef idx="0">
-                  <a:schemeClr val="accent1"/>
-                </a:effectRef>
-                <a:fontRef idx="minor">
-                  <a:schemeClr val="lt1"/>
-                </a:fontRef>
-              </p:style>
-              <p:txBody>
-                <a:bodyPr rtlCol="0" anchor="ctr"/>
-                <a:lstStyle/>
-                <a:p>
-                  <a:r>
-                    <a:rPr lang="en-US" sz="400" dirty="0">
-                      <a:solidFill>
-                        <a:schemeClr val="tx1"/>
-                      </a:solidFill>
-                    </a:rPr>
-                    <a:t>I'm really sorry you're going through this. That sounds incredibly tough, and I'm really glad you’re sharing this with me. You don’t have to go through it alone. Can you tell me more about what’s been happening? When did it start, and how does it make you feel?</a:t>
-                  </a:r>
-                </a:p>
-              </p:txBody>
-            </p:sp>
-            <p:sp>
-              <p:nvSpPr>
-                <p:cNvPr id="54" name="Isosceles Triangle 53">
-                  <a:extLst>
-                    <a:ext uri="{FF2B5EF4-FFF2-40B4-BE49-F238E27FC236}">
-                      <a16:creationId xmlns:a16="http://schemas.microsoft.com/office/drawing/2014/main" id="{C0A71819-8E0A-2F4D-A2AA-490F7D53A35E}"/>
-                    </a:ext>
-                  </a:extLst>
-                </p:cNvPr>
-                <p:cNvSpPr/>
-                <p:nvPr/>
-              </p:nvSpPr>
-              <p:spPr>
-                <a:xfrm rot="16200000">
-                  <a:off x="3664865" y="1246251"/>
-                  <a:ext cx="723898" cy="932208"/>
-                </a:xfrm>
-                <a:prstGeom prst="triangle">
-                  <a:avLst>
-                    <a:gd name="adj" fmla="val 100000"/>
-                  </a:avLst>
-                </a:prstGeom>
-                <a:solidFill>
-                  <a:srgbClr val="EDF2FA"/>
-                </a:solidFill>
-                <a:ln>
-                  <a:solidFill>
-                    <a:srgbClr val="FFC000"/>
-                  </a:solidFill>
-                </a:ln>
-              </p:spPr>
-              <p:style>
-                <a:lnRef idx="2">
-                  <a:schemeClr val="accent1">
-                    <a:shade val="15000"/>
-                  </a:schemeClr>
-                </a:lnRef>
-                <a:fillRef idx="1">
-                  <a:schemeClr val="accent1"/>
-                </a:fillRef>
-                <a:effectRef idx="0">
-                  <a:schemeClr val="accent1"/>
-                </a:effectRef>
-                <a:fontRef idx="minor">
-                  <a:schemeClr val="lt1"/>
-                </a:fontRef>
-              </p:style>
-              <p:txBody>
-                <a:bodyPr rtlCol="0" anchor="ctr"/>
-                <a:lstStyle/>
-                <a:p>
-                  <a:pPr algn="ctr"/>
-                  <a:endParaRPr lang="LID4096"/>
-                </a:p>
-              </p:txBody>
-            </p:sp>
-            <p:sp>
-              <p:nvSpPr>
-                <p:cNvPr id="55" name="Rectangle 54">
-                  <a:extLst>
-                    <a:ext uri="{FF2B5EF4-FFF2-40B4-BE49-F238E27FC236}">
-                      <a16:creationId xmlns:a16="http://schemas.microsoft.com/office/drawing/2014/main" id="{14F75822-58E0-E1C9-B577-AC91B9744866}"/>
-                    </a:ext>
-                  </a:extLst>
-                </p:cNvPr>
-                <p:cNvSpPr/>
-                <p:nvPr/>
-              </p:nvSpPr>
-              <p:spPr>
-                <a:xfrm>
-                  <a:off x="4405224" y="1360494"/>
-                  <a:ext cx="248016" cy="566040"/>
+                  <a:off x="3802451" y="2830721"/>
+                  <a:ext cx="593378" cy="72186"/>
                 </a:xfrm>
                 <a:prstGeom prst="rect">
                   <a:avLst/>
@@ -12593,185 +13050,13 @@
                 </a:p>
               </p:txBody>
             </p:sp>
-            <p:cxnSp>
-              <p:nvCxnSpPr>
-                <p:cNvPr id="56" name="Straight Connector 55">
-                  <a:extLst>
-                    <a:ext uri="{FF2B5EF4-FFF2-40B4-BE49-F238E27FC236}">
-                      <a16:creationId xmlns:a16="http://schemas.microsoft.com/office/drawing/2014/main" id="{9199483E-D9D8-D029-212E-EC98CF2DD69B}"/>
-                    </a:ext>
-                  </a:extLst>
-                </p:cNvPr>
-                <p:cNvCxnSpPr>
-                  <a:cxnSpLocks/>
-                  <a:stCxn id="54" idx="5"/>
-                </p:cNvCxnSpPr>
-                <p:nvPr/>
-              </p:nvCxnSpPr>
-              <p:spPr>
-                <a:xfrm>
-                  <a:off x="4026814" y="1350405"/>
-                  <a:ext cx="1023025" cy="0"/>
-                </a:xfrm>
-                <a:prstGeom prst="line">
-                  <a:avLst/>
-                </a:prstGeom>
-                <a:solidFill>
-                  <a:srgbClr val="EDF2FA"/>
-                </a:solidFill>
-                <a:ln>
-                  <a:solidFill>
-                    <a:srgbClr val="FFC000"/>
-                  </a:solidFill>
-                </a:ln>
-              </p:spPr>
-              <p:style>
-                <a:lnRef idx="2">
-                  <a:schemeClr val="dk1"/>
-                </a:lnRef>
-                <a:fillRef idx="0">
-                  <a:schemeClr val="dk1"/>
-                </a:fillRef>
-                <a:effectRef idx="1">
-                  <a:schemeClr val="dk1"/>
-                </a:effectRef>
-                <a:fontRef idx="minor">
-                  <a:schemeClr val="tx1"/>
-                </a:fontRef>
-              </p:style>
-            </p:cxnSp>
-            <p:sp>
-              <p:nvSpPr>
-                <p:cNvPr id="57" name="Rectangle 56">
-                  <a:extLst>
-                    <a:ext uri="{FF2B5EF4-FFF2-40B4-BE49-F238E27FC236}">
-                      <a16:creationId xmlns:a16="http://schemas.microsoft.com/office/drawing/2014/main" id="{EED32FAF-BFC8-DC61-BB95-89B077DC0203}"/>
-                    </a:ext>
-                  </a:extLst>
-                </p:cNvPr>
-                <p:cNvSpPr/>
-                <p:nvPr/>
-              </p:nvSpPr>
-              <p:spPr>
-                <a:xfrm rot="2230637">
-                  <a:off x="4357372" y="1887789"/>
-                  <a:ext cx="277812" cy="154772"/>
-                </a:xfrm>
-                <a:prstGeom prst="rect">
-                  <a:avLst/>
-                </a:prstGeom>
-                <a:solidFill>
-                  <a:srgbClr val="EDF2FA"/>
-                </a:solidFill>
-                <a:ln>
-                  <a:noFill/>
-                </a:ln>
-              </p:spPr>
-              <p:style>
-                <a:lnRef idx="2">
-                  <a:schemeClr val="accent1">
-                    <a:shade val="15000"/>
-                  </a:schemeClr>
-                </a:lnRef>
-                <a:fillRef idx="1">
-                  <a:schemeClr val="accent1"/>
-                </a:fillRef>
-                <a:effectRef idx="0">
-                  <a:schemeClr val="accent1"/>
-                </a:effectRef>
-                <a:fontRef idx="minor">
-                  <a:schemeClr val="lt1"/>
-                </a:fontRef>
-              </p:style>
-              <p:txBody>
-                <a:bodyPr rtlCol="0" anchor="ctr"/>
-                <a:lstStyle/>
-                <a:p>
-                  <a:pPr algn="ctr"/>
-                  <a:endParaRPr lang="LID4096"/>
-                </a:p>
-              </p:txBody>
-            </p:sp>
           </p:grpSp>
-          <p:sp>
-            <p:nvSpPr>
-              <p:cNvPr id="52" name="Rectangle 51">
+          <p:grpSp>
+            <p:nvGrpSpPr>
+              <p:cNvPr id="59" name="Group 58">
                 <a:extLst>
                   <a:ext uri="{FF2B5EF4-FFF2-40B4-BE49-F238E27FC236}">
-                    <a16:creationId xmlns:a16="http://schemas.microsoft.com/office/drawing/2014/main" id="{EE939D7C-9537-8553-6321-EF2F0A84C06D}"/>
-                  </a:ext>
-                </a:extLst>
-              </p:cNvPr>
-              <p:cNvSpPr/>
-              <p:nvPr/>
-            </p:nvSpPr>
-            <p:spPr>
-              <a:xfrm>
-                <a:off x="3802451" y="2830721"/>
-                <a:ext cx="593378" cy="72186"/>
-              </a:xfrm>
-              <a:prstGeom prst="rect">
-                <a:avLst/>
-              </a:prstGeom>
-              <a:solidFill>
-                <a:srgbClr val="EDF2FA"/>
-              </a:solidFill>
-              <a:ln>
-                <a:noFill/>
-              </a:ln>
-            </p:spPr>
-            <p:style>
-              <a:lnRef idx="2">
-                <a:schemeClr val="accent1">
-                  <a:shade val="15000"/>
-                </a:schemeClr>
-              </a:lnRef>
-              <a:fillRef idx="1">
-                <a:schemeClr val="accent1"/>
-              </a:fillRef>
-              <a:effectRef idx="0">
-                <a:schemeClr val="accent1"/>
-              </a:effectRef>
-              <a:fontRef idx="minor">
-                <a:schemeClr val="lt1"/>
-              </a:fontRef>
-            </p:style>
-            <p:txBody>
-              <a:bodyPr rtlCol="0" anchor="ctr"/>
-              <a:lstStyle/>
-              <a:p>
-                <a:pPr algn="ctr"/>
-                <a:endParaRPr lang="LID4096" dirty="0"/>
-              </a:p>
-            </p:txBody>
-          </p:sp>
-        </p:grpSp>
-        <p:grpSp>
-          <p:nvGrpSpPr>
-            <p:cNvPr id="59" name="Group 58">
-              <a:extLst>
-                <a:ext uri="{FF2B5EF4-FFF2-40B4-BE49-F238E27FC236}">
-                  <a16:creationId xmlns:a16="http://schemas.microsoft.com/office/drawing/2014/main" id="{DB294883-8965-8099-03B1-CA264539A657}"/>
-                </a:ext>
-              </a:extLst>
-            </p:cNvPr>
-            <p:cNvGrpSpPr/>
-            <p:nvPr/>
-          </p:nvGrpSpPr>
-          <p:grpSpPr>
-            <a:xfrm flipH="1">
-              <a:off x="3903833" y="2300317"/>
-              <a:ext cx="2380873" cy="190231"/>
-              <a:chOff x="2906702" y="2753011"/>
-              <a:chExt cx="5758905" cy="1018695"/>
-            </a:xfrm>
-          </p:grpSpPr>
-          <p:grpSp>
-            <p:nvGrpSpPr>
-              <p:cNvPr id="60" name="Group 59">
-                <a:extLst>
-                  <a:ext uri="{FF2B5EF4-FFF2-40B4-BE49-F238E27FC236}">
-                    <a16:creationId xmlns:a16="http://schemas.microsoft.com/office/drawing/2014/main" id="{E82B51ED-939B-E978-5454-BB4B7B8010F6}"/>
+                    <a16:creationId xmlns:a16="http://schemas.microsoft.com/office/drawing/2014/main" id="{DB294883-8965-8099-03B1-CA264539A657}"/>
                   </a:ext>
                 </a:extLst>
               </p:cNvPr>
@@ -12779,19 +13064,307 @@
               <p:nvPr/>
             </p:nvGrpSpPr>
             <p:grpSpPr>
-              <a:xfrm>
-                <a:off x="2906702" y="2753011"/>
-                <a:ext cx="5758905" cy="1018695"/>
-                <a:chOff x="3560710" y="1350405"/>
+              <a:xfrm flipH="1">
+                <a:off x="3903833" y="2300317"/>
+                <a:ext cx="2380873" cy="190231"/>
+                <a:chOff x="2906702" y="2753011"/>
                 <a:chExt cx="5758905" cy="1018695"/>
               </a:xfrm>
             </p:grpSpPr>
+            <p:grpSp>
+              <p:nvGrpSpPr>
+                <p:cNvPr id="60" name="Group 59">
+                  <a:extLst>
+                    <a:ext uri="{FF2B5EF4-FFF2-40B4-BE49-F238E27FC236}">
+                      <a16:creationId xmlns:a16="http://schemas.microsoft.com/office/drawing/2014/main" id="{E82B51ED-939B-E978-5454-BB4B7B8010F6}"/>
+                    </a:ext>
+                  </a:extLst>
+                </p:cNvPr>
+                <p:cNvGrpSpPr/>
+                <p:nvPr/>
+              </p:nvGrpSpPr>
+              <p:grpSpPr>
+                <a:xfrm>
+                  <a:off x="2906702" y="2753011"/>
+                  <a:ext cx="5758905" cy="1018695"/>
+                  <a:chOff x="3560710" y="1350405"/>
+                  <a:chExt cx="5758905" cy="1018695"/>
+                </a:xfrm>
+              </p:grpSpPr>
+              <p:sp>
+                <p:nvSpPr>
+                  <p:cNvPr id="62" name="Rectangle: Rounded Corners 61">
+                    <a:extLst>
+                      <a:ext uri="{FF2B5EF4-FFF2-40B4-BE49-F238E27FC236}">
+                        <a16:creationId xmlns:a16="http://schemas.microsoft.com/office/drawing/2014/main" id="{8A5553C6-58D2-2916-18DD-4DF6B696DC6A}"/>
+                      </a:ext>
+                    </a:extLst>
+                  </p:cNvPr>
+                  <p:cNvSpPr/>
+                  <p:nvPr/>
+                </p:nvSpPr>
+                <p:spPr>
+                  <a:xfrm>
+                    <a:off x="4493279" y="1350405"/>
+                    <a:ext cx="4826336" cy="1018695"/>
+                  </a:xfrm>
+                  <a:prstGeom prst="roundRect">
+                    <a:avLst/>
+                  </a:prstGeom>
+                  <a:solidFill>
+                    <a:srgbClr val="EDF2FA"/>
+                  </a:solidFill>
+                  <a:ln>
+                    <a:solidFill>
+                      <a:srgbClr val="00B050"/>
+                    </a:solidFill>
+                  </a:ln>
+                </p:spPr>
+                <p:style>
+                  <a:lnRef idx="2">
+                    <a:schemeClr val="accent1">
+                      <a:shade val="15000"/>
+                    </a:schemeClr>
+                  </a:lnRef>
+                  <a:fillRef idx="1">
+                    <a:schemeClr val="accent1"/>
+                  </a:fillRef>
+                  <a:effectRef idx="0">
+                    <a:schemeClr val="accent1"/>
+                  </a:effectRef>
+                  <a:fontRef idx="minor">
+                    <a:schemeClr val="lt1"/>
+                  </a:fontRef>
+                </p:style>
+                <p:txBody>
+                  <a:bodyPr rtlCol="0" anchor="ctr"/>
+                  <a:lstStyle/>
+                  <a:p>
+                    <a:r>
+                      <a:rPr lang="en-US" sz="400" dirty="0">
+                        <a:solidFill>
+                          <a:schemeClr val="tx1"/>
+                        </a:solidFill>
+                      </a:rPr>
+                      <a:t>Hi, I'm currently being bullied at school. I cannot let my parents nor friends know about this. What can you do to help?</a:t>
+                    </a:r>
+                  </a:p>
+                </p:txBody>
+              </p:sp>
+              <p:sp>
+                <p:nvSpPr>
+                  <p:cNvPr id="63" name="Isosceles Triangle 62">
+                    <a:extLst>
+                      <a:ext uri="{FF2B5EF4-FFF2-40B4-BE49-F238E27FC236}">
+                        <a16:creationId xmlns:a16="http://schemas.microsoft.com/office/drawing/2014/main" id="{907B0B57-2FF0-FF3D-7BA9-517872D19375}"/>
+                      </a:ext>
+                    </a:extLst>
+                  </p:cNvPr>
+                  <p:cNvSpPr/>
+                  <p:nvPr/>
+                </p:nvSpPr>
+                <p:spPr>
+                  <a:xfrm rot="16200000">
+                    <a:off x="3664865" y="1246251"/>
+                    <a:ext cx="723898" cy="932208"/>
+                  </a:xfrm>
+                  <a:prstGeom prst="triangle">
+                    <a:avLst>
+                      <a:gd name="adj" fmla="val 100000"/>
+                    </a:avLst>
+                  </a:prstGeom>
+                  <a:solidFill>
+                    <a:srgbClr val="EDF2FA"/>
+                  </a:solidFill>
+                  <a:ln>
+                    <a:solidFill>
+                      <a:srgbClr val="00B050"/>
+                    </a:solidFill>
+                  </a:ln>
+                </p:spPr>
+                <p:style>
+                  <a:lnRef idx="2">
+                    <a:schemeClr val="accent1">
+                      <a:shade val="15000"/>
+                    </a:schemeClr>
+                  </a:lnRef>
+                  <a:fillRef idx="1">
+                    <a:schemeClr val="accent1"/>
+                  </a:fillRef>
+                  <a:effectRef idx="0">
+                    <a:schemeClr val="accent1"/>
+                  </a:effectRef>
+                  <a:fontRef idx="minor">
+                    <a:schemeClr val="lt1"/>
+                  </a:fontRef>
+                </p:style>
+                <p:txBody>
+                  <a:bodyPr rtlCol="0" anchor="ctr"/>
+                  <a:lstStyle/>
+                  <a:p>
+                    <a:pPr algn="ctr"/>
+                    <a:endParaRPr lang="LID4096"/>
+                  </a:p>
+                </p:txBody>
+              </p:sp>
+              <p:sp>
+                <p:nvSpPr>
+                  <p:cNvPr id="64" name="Rectangle 63">
+                    <a:extLst>
+                      <a:ext uri="{FF2B5EF4-FFF2-40B4-BE49-F238E27FC236}">
+                        <a16:creationId xmlns:a16="http://schemas.microsoft.com/office/drawing/2014/main" id="{08DCBDE4-224C-B7CB-D215-830672C1E5CD}"/>
+                      </a:ext>
+                    </a:extLst>
+                  </p:cNvPr>
+                  <p:cNvSpPr/>
+                  <p:nvPr/>
+                </p:nvSpPr>
+                <p:spPr>
+                  <a:xfrm>
+                    <a:off x="4438534" y="1360489"/>
+                    <a:ext cx="263598" cy="560646"/>
+                  </a:xfrm>
+                  <a:prstGeom prst="rect">
+                    <a:avLst/>
+                  </a:prstGeom>
+                  <a:solidFill>
+                    <a:srgbClr val="EDF2FA"/>
+                  </a:solidFill>
+                  <a:ln>
+                    <a:noFill/>
+                  </a:ln>
+                </p:spPr>
+                <p:style>
+                  <a:lnRef idx="2">
+                    <a:schemeClr val="accent1">
+                      <a:shade val="15000"/>
+                    </a:schemeClr>
+                  </a:lnRef>
+                  <a:fillRef idx="1">
+                    <a:schemeClr val="accent1"/>
+                  </a:fillRef>
+                  <a:effectRef idx="0">
+                    <a:schemeClr val="accent1"/>
+                  </a:effectRef>
+                  <a:fontRef idx="minor">
+                    <a:schemeClr val="lt1"/>
+                  </a:fontRef>
+                </p:style>
+                <p:txBody>
+                  <a:bodyPr rtlCol="0" anchor="ctr"/>
+                  <a:lstStyle/>
+                  <a:p>
+                    <a:pPr algn="ctr"/>
+                    <a:endParaRPr lang="LID4096" dirty="0"/>
+                  </a:p>
+                </p:txBody>
+              </p:sp>
+              <p:cxnSp>
+                <p:nvCxnSpPr>
+                  <p:cNvPr id="65" name="Straight Connector 64">
+                    <a:extLst>
+                      <a:ext uri="{FF2B5EF4-FFF2-40B4-BE49-F238E27FC236}">
+                        <a16:creationId xmlns:a16="http://schemas.microsoft.com/office/drawing/2014/main" id="{89B5D5FE-15D5-6514-61CE-43A3EEB49491}"/>
+                      </a:ext>
+                    </a:extLst>
+                  </p:cNvPr>
+                  <p:cNvCxnSpPr>
+                    <a:cxnSpLocks/>
+                    <a:stCxn id="63" idx="5"/>
+                  </p:cNvCxnSpPr>
+                  <p:nvPr/>
+                </p:nvCxnSpPr>
+                <p:spPr>
+                  <a:xfrm flipV="1">
+                    <a:off x="4026812" y="1350405"/>
+                    <a:ext cx="1023026" cy="5"/>
+                  </a:xfrm>
+                  <a:prstGeom prst="line">
+                    <a:avLst/>
+                  </a:prstGeom>
+                  <a:solidFill>
+                    <a:srgbClr val="EDF2FA"/>
+                  </a:solidFill>
+                  <a:ln>
+                    <a:solidFill>
+                      <a:srgbClr val="00B050"/>
+                    </a:solidFill>
+                  </a:ln>
+                </p:spPr>
+                <p:style>
+                  <a:lnRef idx="2">
+                    <a:schemeClr val="dk1"/>
+                  </a:lnRef>
+                  <a:fillRef idx="0">
+                    <a:schemeClr val="dk1"/>
+                  </a:fillRef>
+                  <a:effectRef idx="1">
+                    <a:schemeClr val="dk1"/>
+                  </a:effectRef>
+                  <a:fontRef idx="minor">
+                    <a:schemeClr val="tx1"/>
+                  </a:fontRef>
+                </p:style>
+              </p:cxnSp>
+              <p:sp>
+                <p:nvSpPr>
+                  <p:cNvPr id="66" name="Rectangle 65">
+                    <a:extLst>
+                      <a:ext uri="{FF2B5EF4-FFF2-40B4-BE49-F238E27FC236}">
+                        <a16:creationId xmlns:a16="http://schemas.microsoft.com/office/drawing/2014/main" id="{5DA56F00-7E7D-FA90-2AED-7424FE2C87EC}"/>
+                      </a:ext>
+                    </a:extLst>
+                  </p:cNvPr>
+                  <p:cNvSpPr/>
+                  <p:nvPr/>
+                </p:nvSpPr>
+                <p:spPr>
+                  <a:xfrm rot="2230637">
+                    <a:off x="4357372" y="1887789"/>
+                    <a:ext cx="277812" cy="154772"/>
+                  </a:xfrm>
+                  <a:prstGeom prst="rect">
+                    <a:avLst/>
+                  </a:prstGeom>
+                  <a:solidFill>
+                    <a:srgbClr val="EDF2FA"/>
+                  </a:solidFill>
+                  <a:ln>
+                    <a:noFill/>
+                  </a:ln>
+                </p:spPr>
+                <p:style>
+                  <a:lnRef idx="2">
+                    <a:schemeClr val="accent1">
+                      <a:shade val="15000"/>
+                    </a:schemeClr>
+                  </a:lnRef>
+                  <a:fillRef idx="1">
+                    <a:schemeClr val="accent1"/>
+                  </a:fillRef>
+                  <a:effectRef idx="0">
+                    <a:schemeClr val="accent1"/>
+                  </a:effectRef>
+                  <a:fontRef idx="minor">
+                    <a:schemeClr val="lt1"/>
+                  </a:fontRef>
+                </p:style>
+                <p:txBody>
+                  <a:bodyPr rtlCol="0" anchor="ctr"/>
+                  <a:lstStyle/>
+                  <a:p>
+                    <a:pPr algn="ctr"/>
+                    <a:endParaRPr lang="LID4096"/>
+                  </a:p>
+                </p:txBody>
+              </p:sp>
+            </p:grpSp>
             <p:sp>
               <p:nvSpPr>
-                <p:cNvPr id="62" name="Rectangle: Rounded Corners 61">
+                <p:cNvPr id="61" name="Rectangle 60">
                   <a:extLst>
                     <a:ext uri="{FF2B5EF4-FFF2-40B4-BE49-F238E27FC236}">
-                      <a16:creationId xmlns:a16="http://schemas.microsoft.com/office/drawing/2014/main" id="{8A5553C6-58D2-2916-18DD-4DF6B696DC6A}"/>
+                      <a16:creationId xmlns:a16="http://schemas.microsoft.com/office/drawing/2014/main" id="{D5279ED6-EC85-A8AD-6363-B2BCE2699946}"/>
                     </a:ext>
                   </a:extLst>
                 </p:cNvPr>
@@ -12800,124 +13373,8 @@
               </p:nvSpPr>
               <p:spPr>
                 <a:xfrm>
-                  <a:off x="4493279" y="1350405"/>
-                  <a:ext cx="4826336" cy="1018695"/>
-                </a:xfrm>
-                <a:prstGeom prst="roundRect">
-                  <a:avLst/>
-                </a:prstGeom>
-                <a:solidFill>
-                  <a:srgbClr val="EDF2FA"/>
-                </a:solidFill>
-                <a:ln>
-                  <a:solidFill>
-                    <a:srgbClr val="00B050"/>
-                  </a:solidFill>
-                </a:ln>
-              </p:spPr>
-              <p:style>
-                <a:lnRef idx="2">
-                  <a:schemeClr val="accent1">
-                    <a:shade val="15000"/>
-                  </a:schemeClr>
-                </a:lnRef>
-                <a:fillRef idx="1">
-                  <a:schemeClr val="accent1"/>
-                </a:fillRef>
-                <a:effectRef idx="0">
-                  <a:schemeClr val="accent1"/>
-                </a:effectRef>
-                <a:fontRef idx="minor">
-                  <a:schemeClr val="lt1"/>
-                </a:fontRef>
-              </p:style>
-              <p:txBody>
-                <a:bodyPr rtlCol="0" anchor="ctr"/>
-                <a:lstStyle/>
-                <a:p>
-                  <a:r>
-                    <a:rPr lang="en-US" sz="400" dirty="0">
-                      <a:solidFill>
-                        <a:schemeClr val="tx1"/>
-                      </a:solidFill>
-                    </a:rPr>
-                    <a:t>Hi, I'm currently being bullied at school. I cannot let my parents nor friends know about this. What can you do to help?</a:t>
-                  </a:r>
-                </a:p>
-              </p:txBody>
-            </p:sp>
-            <p:sp>
-              <p:nvSpPr>
-                <p:cNvPr id="63" name="Isosceles Triangle 62">
-                  <a:extLst>
-                    <a:ext uri="{FF2B5EF4-FFF2-40B4-BE49-F238E27FC236}">
-                      <a16:creationId xmlns:a16="http://schemas.microsoft.com/office/drawing/2014/main" id="{907B0B57-2FF0-FF3D-7BA9-517872D19375}"/>
-                    </a:ext>
-                  </a:extLst>
-                </p:cNvPr>
-                <p:cNvSpPr/>
-                <p:nvPr/>
-              </p:nvSpPr>
-              <p:spPr>
-                <a:xfrm rot="16200000">
-                  <a:off x="3664865" y="1246251"/>
-                  <a:ext cx="723898" cy="932208"/>
-                </a:xfrm>
-                <a:prstGeom prst="triangle">
-                  <a:avLst>
-                    <a:gd name="adj" fmla="val 100000"/>
-                  </a:avLst>
-                </a:prstGeom>
-                <a:solidFill>
-                  <a:srgbClr val="EDF2FA"/>
-                </a:solidFill>
-                <a:ln>
-                  <a:solidFill>
-                    <a:srgbClr val="00B050"/>
-                  </a:solidFill>
-                </a:ln>
-              </p:spPr>
-              <p:style>
-                <a:lnRef idx="2">
-                  <a:schemeClr val="accent1">
-                    <a:shade val="15000"/>
-                  </a:schemeClr>
-                </a:lnRef>
-                <a:fillRef idx="1">
-                  <a:schemeClr val="accent1"/>
-                </a:fillRef>
-                <a:effectRef idx="0">
-                  <a:schemeClr val="accent1"/>
-                </a:effectRef>
-                <a:fontRef idx="minor">
-                  <a:schemeClr val="lt1"/>
-                </a:fontRef>
-              </p:style>
-              <p:txBody>
-                <a:bodyPr rtlCol="0" anchor="ctr"/>
-                <a:lstStyle/>
-                <a:p>
-                  <a:pPr algn="ctr"/>
-                  <a:endParaRPr lang="LID4096"/>
-                </a:p>
-              </p:txBody>
-            </p:sp>
-            <p:sp>
-              <p:nvSpPr>
-                <p:cNvPr id="64" name="Rectangle 63">
-                  <a:extLst>
-                    <a:ext uri="{FF2B5EF4-FFF2-40B4-BE49-F238E27FC236}">
-                      <a16:creationId xmlns:a16="http://schemas.microsoft.com/office/drawing/2014/main" id="{08DCBDE4-224C-B7CB-D215-830672C1E5CD}"/>
-                    </a:ext>
-                  </a:extLst>
-                </p:cNvPr>
-                <p:cNvSpPr/>
-                <p:nvPr/>
-              </p:nvSpPr>
-              <p:spPr>
-                <a:xfrm>
-                  <a:off x="4438534" y="1360489"/>
-                  <a:ext cx="263598" cy="560646"/>
+                  <a:off x="3802452" y="2805860"/>
+                  <a:ext cx="593378" cy="72186"/>
                 </a:xfrm>
                 <a:prstGeom prst="rect">
                   <a:avLst/>
@@ -12954,35 +13411,52 @@
                 </a:p>
               </p:txBody>
             </p:sp>
+          </p:grpSp>
+          <p:grpSp>
+            <p:nvGrpSpPr>
+              <p:cNvPr id="71" name="Group 70">
+                <a:extLst>
+                  <a:ext uri="{FF2B5EF4-FFF2-40B4-BE49-F238E27FC236}">
+                    <a16:creationId xmlns:a16="http://schemas.microsoft.com/office/drawing/2014/main" id="{FE26C2A5-D7F6-3535-28A2-76B27F00B715}"/>
+                  </a:ext>
+                </a:extLst>
+              </p:cNvPr>
+              <p:cNvGrpSpPr/>
+              <p:nvPr/>
+            </p:nvGrpSpPr>
+            <p:grpSpPr>
+              <a:xfrm>
+                <a:off x="3886644" y="2108238"/>
+                <a:ext cx="2457450" cy="123817"/>
+                <a:chOff x="3877119" y="2108238"/>
+                <a:chExt cx="2457450" cy="123817"/>
+              </a:xfrm>
+            </p:grpSpPr>
             <p:cxnSp>
               <p:nvCxnSpPr>
-                <p:cNvPr id="65" name="Straight Connector 64">
+                <p:cNvPr id="69" name="Straight Connector 68">
                   <a:extLst>
                     <a:ext uri="{FF2B5EF4-FFF2-40B4-BE49-F238E27FC236}">
-                      <a16:creationId xmlns:a16="http://schemas.microsoft.com/office/drawing/2014/main" id="{89B5D5FE-15D5-6514-61CE-43A3EEB49491}"/>
+                      <a16:creationId xmlns:a16="http://schemas.microsoft.com/office/drawing/2014/main" id="{61737BD9-21E2-4EB3-A31D-7D2BE8B81787}"/>
                     </a:ext>
                   </a:extLst>
                 </p:cNvPr>
-                <p:cNvCxnSpPr>
-                  <a:cxnSpLocks/>
-                  <a:stCxn id="63" idx="5"/>
-                </p:cNvCxnSpPr>
+                <p:cNvCxnSpPr/>
                 <p:nvPr/>
               </p:nvCxnSpPr>
               <p:spPr>
-                <a:xfrm flipV="1">
-                  <a:off x="4026812" y="1350405"/>
-                  <a:ext cx="1023026" cy="5"/>
+                <a:xfrm>
+                  <a:off x="3877119" y="2170147"/>
+                  <a:ext cx="2457450" cy="0"/>
                 </a:xfrm>
                 <a:prstGeom prst="line">
                   <a:avLst/>
                 </a:prstGeom>
-                <a:solidFill>
-                  <a:srgbClr val="EDF2FA"/>
-                </a:solidFill>
                 <a:ln>
                   <a:solidFill>
-                    <a:srgbClr val="00B050"/>
+                    <a:schemeClr val="bg1">
+                      <a:lumMod val="75000"/>
+                    </a:schemeClr>
                   </a:solidFill>
                 </a:ln>
               </p:spPr>
@@ -13003,10 +13477,10 @@
             </p:cxnSp>
             <p:sp>
               <p:nvSpPr>
-                <p:cNvPr id="66" name="Rectangle 65">
+                <p:cNvPr id="70" name="Rectangle: Rounded Corners 69">
                   <a:extLst>
                     <a:ext uri="{FF2B5EF4-FFF2-40B4-BE49-F238E27FC236}">
-                      <a16:creationId xmlns:a16="http://schemas.microsoft.com/office/drawing/2014/main" id="{5DA56F00-7E7D-FA90-2AED-7424FE2C87EC}"/>
+                      <a16:creationId xmlns:a16="http://schemas.microsoft.com/office/drawing/2014/main" id="{DEE9EC81-B73F-D71E-153C-B9B905AEF4E9}"/>
                     </a:ext>
                   </a:extLst>
                 </p:cNvPr>
@@ -13014,15 +13488,15 @@
                 <p:nvPr/>
               </p:nvSpPr>
               <p:spPr>
-                <a:xfrm rot="2230637">
-                  <a:off x="4357372" y="1887789"/>
-                  <a:ext cx="277812" cy="154772"/>
+                <a:xfrm>
+                  <a:off x="4846844" y="2108238"/>
+                  <a:ext cx="408225" cy="123817"/>
                 </a:xfrm>
-                <a:prstGeom prst="rect">
+                <a:prstGeom prst="roundRect">
                   <a:avLst/>
                 </a:prstGeom>
                 <a:solidFill>
-                  <a:srgbClr val="EDF2FA"/>
+                  <a:schemeClr val="bg1"/>
                 </a:solidFill>
                 <a:ln>
                   <a:noFill/>
@@ -13049,196 +13523,86 @@
                 <a:lstStyle/>
                 <a:p>
                   <a:pPr algn="ctr"/>
-                  <a:endParaRPr lang="LID4096"/>
-                </a:p>
-              </p:txBody>
-            </p:sp>
-          </p:grpSp>
-          <p:sp>
-            <p:nvSpPr>
-              <p:cNvPr id="61" name="Rectangle 60">
-                <a:extLst>
-                  <a:ext uri="{FF2B5EF4-FFF2-40B4-BE49-F238E27FC236}">
-                    <a16:creationId xmlns:a16="http://schemas.microsoft.com/office/drawing/2014/main" id="{D5279ED6-EC85-A8AD-6363-B2BCE2699946}"/>
-                  </a:ext>
-                </a:extLst>
-              </p:cNvPr>
-              <p:cNvSpPr/>
-              <p:nvPr/>
-            </p:nvSpPr>
-            <p:spPr>
-              <a:xfrm>
-                <a:off x="3802452" y="2805860"/>
-                <a:ext cx="593378" cy="72186"/>
-              </a:xfrm>
-              <a:prstGeom prst="rect">
-                <a:avLst/>
-              </a:prstGeom>
-              <a:solidFill>
-                <a:srgbClr val="EDF2FA"/>
-              </a:solidFill>
-              <a:ln>
-                <a:noFill/>
-              </a:ln>
-            </p:spPr>
-            <p:style>
-              <a:lnRef idx="2">
-                <a:schemeClr val="accent1">
-                  <a:shade val="15000"/>
-                </a:schemeClr>
-              </a:lnRef>
-              <a:fillRef idx="1">
-                <a:schemeClr val="accent1"/>
-              </a:fillRef>
-              <a:effectRef idx="0">
-                <a:schemeClr val="accent1"/>
-              </a:effectRef>
-              <a:fontRef idx="minor">
-                <a:schemeClr val="lt1"/>
-              </a:fontRef>
-            </p:style>
-            <p:txBody>
-              <a:bodyPr rtlCol="0" anchor="ctr"/>
-              <a:lstStyle/>
-              <a:p>
-                <a:pPr algn="ctr"/>
-                <a:endParaRPr lang="LID4096" dirty="0"/>
-              </a:p>
-            </p:txBody>
-          </p:sp>
-        </p:grpSp>
-        <p:grpSp>
-          <p:nvGrpSpPr>
-            <p:cNvPr id="71" name="Group 70">
-              <a:extLst>
-                <a:ext uri="{FF2B5EF4-FFF2-40B4-BE49-F238E27FC236}">
-                  <a16:creationId xmlns:a16="http://schemas.microsoft.com/office/drawing/2014/main" id="{FE26C2A5-D7F6-3535-28A2-76B27F00B715}"/>
-                </a:ext>
-              </a:extLst>
-            </p:cNvPr>
-            <p:cNvGrpSpPr/>
-            <p:nvPr/>
-          </p:nvGrpSpPr>
-          <p:grpSpPr>
-            <a:xfrm>
-              <a:off x="3886644" y="2108238"/>
-              <a:ext cx="2457450" cy="123817"/>
-              <a:chOff x="3877119" y="2108238"/>
-              <a:chExt cx="2457450" cy="123817"/>
-            </a:xfrm>
-          </p:grpSpPr>
-          <p:cxnSp>
-            <p:nvCxnSpPr>
-              <p:cNvPr id="69" name="Straight Connector 68">
-                <a:extLst>
-                  <a:ext uri="{FF2B5EF4-FFF2-40B4-BE49-F238E27FC236}">
-                    <a16:creationId xmlns:a16="http://schemas.microsoft.com/office/drawing/2014/main" id="{61737BD9-21E2-4EB3-A31D-7D2BE8B81787}"/>
-                  </a:ext>
-                </a:extLst>
-              </p:cNvPr>
-              <p:cNvCxnSpPr/>
-              <p:nvPr/>
-            </p:nvCxnSpPr>
-            <p:spPr>
-              <a:xfrm>
-                <a:off x="3877119" y="2170147"/>
-                <a:ext cx="2457450" cy="0"/>
-              </a:xfrm>
-              <a:prstGeom prst="line">
-                <a:avLst/>
-              </a:prstGeom>
-              <a:ln>
-                <a:solidFill>
-                  <a:schemeClr val="bg1">
-                    <a:lumMod val="75000"/>
-                  </a:schemeClr>
-                </a:solidFill>
-              </a:ln>
-            </p:spPr>
-            <p:style>
-              <a:lnRef idx="2">
-                <a:schemeClr val="dk1"/>
-              </a:lnRef>
-              <a:fillRef idx="0">
-                <a:schemeClr val="dk1"/>
-              </a:fillRef>
-              <a:effectRef idx="1">
-                <a:schemeClr val="dk1"/>
-              </a:effectRef>
-              <a:fontRef idx="minor">
-                <a:schemeClr val="tx1"/>
-              </a:fontRef>
-            </p:style>
-          </p:cxnSp>
-          <p:sp>
-            <p:nvSpPr>
-              <p:cNvPr id="70" name="Rectangle: Rounded Corners 69">
-                <a:extLst>
-                  <a:ext uri="{FF2B5EF4-FFF2-40B4-BE49-F238E27FC236}">
-                    <a16:creationId xmlns:a16="http://schemas.microsoft.com/office/drawing/2014/main" id="{DEE9EC81-B73F-D71E-153C-B9B905AEF4E9}"/>
-                  </a:ext>
-                </a:extLst>
-              </p:cNvPr>
-              <p:cNvSpPr/>
-              <p:nvPr/>
-            </p:nvSpPr>
-            <p:spPr>
-              <a:xfrm>
-                <a:off x="4846844" y="2108238"/>
-                <a:ext cx="408225" cy="123817"/>
-              </a:xfrm>
-              <a:prstGeom prst="roundRect">
-                <a:avLst/>
-              </a:prstGeom>
-              <a:solidFill>
-                <a:schemeClr val="bg1"/>
-              </a:solidFill>
-              <a:ln>
-                <a:noFill/>
-              </a:ln>
-            </p:spPr>
-            <p:style>
-              <a:lnRef idx="2">
-                <a:schemeClr val="accent1">
-                  <a:shade val="15000"/>
-                </a:schemeClr>
-              </a:lnRef>
-              <a:fillRef idx="1">
-                <a:schemeClr val="accent1"/>
-              </a:fillRef>
-              <a:effectRef idx="0">
-                <a:schemeClr val="accent1"/>
-              </a:effectRef>
-              <a:fontRef idx="minor">
-                <a:schemeClr val="lt1"/>
-              </a:fontRef>
-            </p:style>
-            <p:txBody>
-              <a:bodyPr rtlCol="0" anchor="ctr"/>
-              <a:lstStyle/>
-              <a:p>
-                <a:pPr algn="ctr"/>
-                <a:r>
-                  <a:rPr lang="de-DE" sz="600" dirty="0">
+                  <a:r>
+                    <a:rPr lang="de-DE" sz="600" dirty="0">
+                      <a:solidFill>
+                        <a:schemeClr val="bg1">
+                          <a:lumMod val="75000"/>
+                        </a:schemeClr>
+                      </a:solidFill>
+                    </a:rPr>
+                    <a:t>START</a:t>
+                  </a:r>
+                  <a:endParaRPr lang="LID4096" sz="600" dirty="0">
                     <a:solidFill>
                       <a:schemeClr val="bg1">
                         <a:lumMod val="75000"/>
                       </a:schemeClr>
                     </a:solidFill>
-                  </a:rPr>
-                  <a:t>START</a:t>
-                </a:r>
-                <a:endParaRPr lang="LID4096" sz="600" dirty="0">
-                  <a:solidFill>
-                    <a:schemeClr val="bg1">
-                      <a:lumMod val="75000"/>
-                    </a:schemeClr>
-                  </a:solidFill>
-                </a:endParaRPr>
-              </a:p>
-            </p:txBody>
-          </p:sp>
+                  </a:endParaRPr>
+                </a:p>
+              </p:txBody>
+            </p:sp>
+          </p:grpSp>
         </p:grpSp>
+        <p:pic>
+          <p:nvPicPr>
+            <p:cNvPr id="35" name="Picture 34" descr="A logo with blue and white stripes&#10;&#10;Description automatically generated">
+              <a:extLst>
+                <a:ext uri="{FF2B5EF4-FFF2-40B4-BE49-F238E27FC236}">
+                  <a16:creationId xmlns:a16="http://schemas.microsoft.com/office/drawing/2014/main" id="{301C6093-C638-DFBC-ECF9-FDC8353E2B4D}"/>
+                </a:ext>
+              </a:extLst>
+            </p:cNvPr>
+            <p:cNvPicPr>
+              <a:picLocks noChangeAspect="1"/>
+            </p:cNvPicPr>
+            <p:nvPr/>
+          </p:nvPicPr>
+          <p:blipFill>
+            <a:blip r:embed="rId2">
+              <a:extLst>
+                <a:ext uri="{BEBA8EAE-BF5A-486C-A8C5-ECC9F3942E4B}">
+                  <a14:imgProps xmlns:a14="http://schemas.microsoft.com/office/drawing/2010/main">
+                    <a14:imgLayer r:embed="rId3">
+                      <a14:imgEffect>
+                        <a14:backgroundRemoval t="10000" b="90000" l="10000" r="90000">
+                          <a14:backgroundMark x1="23002" y1="48033" x2="47587" y2="83359"/>
+                          <a14:backgroundMark x1="47587" y1="83359" x2="55732" y2="81165"/>
+                          <a14:backgroundMark x1="55732" y1="81165" x2="79713" y2="47352"/>
+                          <a14:backgroundMark x1="79713" y1="47352" x2="79713" y2="47352"/>
+                          <a14:backgroundMark x1="78658" y1="41150" x2="78658" y2="41150"/>
+                          <a14:backgroundMark x1="78205" y1="40696" x2="78205" y2="40696"/>
+                          <a14:backgroundMark x1="78130" y1="38200" x2="78130" y2="43116"/>
+                          <a14:backgroundMark x1="78582" y1="33964" x2="78281" y2="29123"/>
+                          <a14:backgroundMark x1="53017" y1="28139" x2="53243" y2="27912"/>
+                          <a14:backgroundMark x1="77979" y1="39713" x2="78281" y2="42890"/>
+                          <a14:backgroundMark x1="78130" y1="40696" x2="78205" y2="43192"/>
+                          <a14:backgroundMark x1="77903" y1="40847" x2="78205" y2="42814"/>
+                          <a14:backgroundMark x1="69683" y1="56505" x2="71719" y2="53707"/>
+                        </a14:backgroundRemoval>
+                      </a14:imgEffect>
+                    </a14:imgLayer>
+                  </a14:imgProps>
+                </a:ext>
+                <a:ext uri="{28A0092B-C50C-407E-A947-70E740481C1C}">
+                  <a14:useLocalDpi xmlns:a14="http://schemas.microsoft.com/office/drawing/2010/main" val="0"/>
+                </a:ext>
+              </a:extLst>
+            </a:blip>
+            <a:srcRect l="20932" t="21634" r="21535" b="19823"/>
+            <a:stretch/>
+          </p:blipFill>
+          <p:spPr>
+            <a:xfrm>
+              <a:off x="6020039" y="785343"/>
+              <a:ext cx="359469" cy="364686"/>
+            </a:xfrm>
+            <a:prstGeom prst="rect">
+              <a:avLst/>
+            </a:prstGeom>
+          </p:spPr>
+        </p:pic>
       </p:grpSp>
     </p:spTree>
     <p:extLst>
@@ -13254,36 +13618,6 @@
 </file>
 
 <file path=ppt/slides/slide5.xml><?xml version="1.0" encoding="utf-8"?>
-<p:sld xmlns:a="http://schemas.openxmlformats.org/drawingml/2006/main" xmlns:r="http://schemas.openxmlformats.org/officeDocument/2006/relationships" xmlns:p="http://schemas.openxmlformats.org/presentationml/2006/main">
-  <p:cSld>
-    <p:spTree>
-      <p:nvGrpSpPr>
-        <p:cNvPr id="1" name=""/>
-        <p:cNvGrpSpPr/>
-        <p:nvPr/>
-      </p:nvGrpSpPr>
-      <p:grpSpPr>
-        <a:xfrm>
-          <a:off x="0" y="0"/>
-          <a:ext cx="0" cy="0"/>
-          <a:chOff x="0" y="0"/>
-          <a:chExt cx="0" cy="0"/>
-        </a:xfrm>
-      </p:grpSpPr>
-    </p:spTree>
-    <p:extLst>
-      <p:ext uri="{BB962C8B-B14F-4D97-AF65-F5344CB8AC3E}">
-        <p14:creationId xmlns:p14="http://schemas.microsoft.com/office/powerpoint/2010/main" val="921971386"/>
-      </p:ext>
-    </p:extLst>
-  </p:cSld>
-  <p:clrMapOvr>
-    <a:masterClrMapping/>
-  </p:clrMapOvr>
-</p:sld>
-</file>
-
-<file path=ppt/slides/slide6.xml><?xml version="1.0" encoding="utf-8"?>
 <p:sld xmlns:a="http://schemas.openxmlformats.org/drawingml/2006/main" xmlns:r="http://schemas.openxmlformats.org/officeDocument/2006/relationships" xmlns:p="http://schemas.openxmlformats.org/presentationml/2006/main">
   <p:cSld>
     <p:spTree>
@@ -13836,6 +14170,189 @@
           </a:p>
         </p:txBody>
       </p:sp>
+      <p:grpSp>
+        <p:nvGrpSpPr>
+          <p:cNvPr id="4" name="Group 3">
+            <a:extLst>
+              <a:ext uri="{FF2B5EF4-FFF2-40B4-BE49-F238E27FC236}">
+                <a16:creationId xmlns:a16="http://schemas.microsoft.com/office/drawing/2014/main" id="{720D1505-F17E-6B11-407C-3E08A86F6162}"/>
+              </a:ext>
+            </a:extLst>
+          </p:cNvPr>
+          <p:cNvGrpSpPr/>
+          <p:nvPr/>
+        </p:nvGrpSpPr>
+        <p:grpSpPr>
+          <a:xfrm>
+            <a:off x="461663" y="4419310"/>
+            <a:ext cx="484750" cy="484750"/>
+            <a:chOff x="1134763" y="3022310"/>
+            <a:chExt cx="484750" cy="484750"/>
+          </a:xfrm>
+        </p:grpSpPr>
+        <p:sp>
+          <p:nvSpPr>
+            <p:cNvPr id="3" name="Oval 2">
+              <a:extLst>
+                <a:ext uri="{FF2B5EF4-FFF2-40B4-BE49-F238E27FC236}">
+                  <a16:creationId xmlns:a16="http://schemas.microsoft.com/office/drawing/2014/main" id="{5914575C-91E8-E93D-E98F-141D7314F4F0}"/>
+                </a:ext>
+              </a:extLst>
+            </p:cNvPr>
+            <p:cNvSpPr/>
+            <p:nvPr/>
+          </p:nvSpPr>
+          <p:spPr>
+            <a:xfrm>
+              <a:off x="1134763" y="3022310"/>
+              <a:ext cx="484750" cy="484750"/>
+            </a:xfrm>
+            <a:prstGeom prst="ellipse">
+              <a:avLst/>
+            </a:prstGeom>
+          </p:spPr>
+          <p:style>
+            <a:lnRef idx="2">
+              <a:schemeClr val="accent1">
+                <a:shade val="15000"/>
+              </a:schemeClr>
+            </a:lnRef>
+            <a:fillRef idx="1">
+              <a:schemeClr val="accent1"/>
+            </a:fillRef>
+            <a:effectRef idx="0">
+              <a:schemeClr val="accent1"/>
+            </a:effectRef>
+            <a:fontRef idx="minor">
+              <a:schemeClr val="lt1"/>
+            </a:fontRef>
+          </p:style>
+          <p:txBody>
+            <a:bodyPr rtlCol="0" anchor="ctr"/>
+            <a:lstStyle/>
+            <a:p>
+              <a:pPr algn="ctr"/>
+              <a:endParaRPr lang="LID4096" dirty="0"/>
+            </a:p>
+          </p:txBody>
+        </p:sp>
+        <p:pic>
+          <p:nvPicPr>
+            <p:cNvPr id="5" name="Picture 4" descr="A logo with blue and white stripes&#10;&#10;Description automatically generated">
+              <a:extLst>
+                <a:ext uri="{FF2B5EF4-FFF2-40B4-BE49-F238E27FC236}">
+                  <a16:creationId xmlns:a16="http://schemas.microsoft.com/office/drawing/2014/main" id="{DFD284B9-A352-3DDD-27A2-0238108EEAD6}"/>
+                </a:ext>
+              </a:extLst>
+            </p:cNvPr>
+            <p:cNvPicPr>
+              <a:picLocks noChangeAspect="1"/>
+            </p:cNvPicPr>
+            <p:nvPr/>
+          </p:nvPicPr>
+          <p:blipFill>
+            <a:blip r:embed="rId2">
+              <a:extLst>
+                <a:ext uri="{BEBA8EAE-BF5A-486C-A8C5-ECC9F3942E4B}">
+                  <a14:imgProps xmlns:a14="http://schemas.microsoft.com/office/drawing/2010/main">
+                    <a14:imgLayer r:embed="rId3">
+                      <a14:imgEffect>
+                        <a14:backgroundRemoval t="10000" b="90000" l="10000" r="90000">
+                          <a14:backgroundMark x1="23002" y1="48033" x2="47587" y2="83359"/>
+                          <a14:backgroundMark x1="47587" y1="83359" x2="55732" y2="81165"/>
+                          <a14:backgroundMark x1="55732" y1="81165" x2="79713" y2="47352"/>
+                          <a14:backgroundMark x1="79713" y1="47352" x2="79713" y2="47352"/>
+                          <a14:backgroundMark x1="78658" y1="41150" x2="78658" y2="41150"/>
+                          <a14:backgroundMark x1="78205" y1="40696" x2="78205" y2="40696"/>
+                          <a14:backgroundMark x1="78130" y1="38200" x2="78130" y2="43116"/>
+                          <a14:backgroundMark x1="78582" y1="33964" x2="78281" y2="29123"/>
+                          <a14:backgroundMark x1="53017" y1="28139" x2="53243" y2="27912"/>
+                          <a14:backgroundMark x1="77979" y1="39713" x2="78281" y2="42890"/>
+                          <a14:backgroundMark x1="78130" y1="40696" x2="78205" y2="43192"/>
+                          <a14:backgroundMark x1="77903" y1="40847" x2="78205" y2="42814"/>
+                          <a14:backgroundMark x1="69683" y1="56505" x2="71719" y2="53707"/>
+                        </a14:backgroundRemoval>
+                      </a14:imgEffect>
+                    </a14:imgLayer>
+                  </a14:imgProps>
+                </a:ext>
+                <a:ext uri="{28A0092B-C50C-407E-A947-70E740481C1C}">
+                  <a14:useLocalDpi xmlns:a14="http://schemas.microsoft.com/office/drawing/2010/main" val="0"/>
+                </a:ext>
+              </a:extLst>
+            </a:blip>
+            <a:srcRect l="20932" t="21634" r="21535" b="19823"/>
+            <a:stretch/>
+          </p:blipFill>
+          <p:spPr>
+            <a:xfrm>
+              <a:off x="1197403" y="3111992"/>
+              <a:ext cx="359469" cy="364686"/>
+            </a:xfrm>
+            <a:prstGeom prst="rect">
+              <a:avLst/>
+            </a:prstGeom>
+          </p:spPr>
+        </p:pic>
+      </p:grpSp>
+      <p:pic>
+        <p:nvPicPr>
+          <p:cNvPr id="6" name="Picture 5" descr="A logo with blue and white stripes&#10;&#10;Description automatically generated">
+            <a:extLst>
+              <a:ext uri="{FF2B5EF4-FFF2-40B4-BE49-F238E27FC236}">
+                <a16:creationId xmlns:a16="http://schemas.microsoft.com/office/drawing/2014/main" id="{106B0649-BFD1-3406-4ABF-A9DABF68F766}"/>
+              </a:ext>
+            </a:extLst>
+          </p:cNvPr>
+          <p:cNvPicPr>
+            <a:picLocks noChangeAspect="1"/>
+          </p:cNvPicPr>
+          <p:nvPr/>
+        </p:nvPicPr>
+        <p:blipFill>
+          <a:blip r:embed="rId2">
+            <a:extLst>
+              <a:ext uri="{BEBA8EAE-BF5A-486C-A8C5-ECC9F3942E4B}">
+                <a14:imgProps xmlns:a14="http://schemas.microsoft.com/office/drawing/2010/main">
+                  <a14:imgLayer r:embed="rId3">
+                    <a14:imgEffect>
+                      <a14:backgroundRemoval t="10000" b="90000" l="10000" r="90000">
+                        <a14:backgroundMark x1="23002" y1="48033" x2="47587" y2="83359"/>
+                        <a14:backgroundMark x1="47587" y1="83359" x2="55732" y2="81165"/>
+                        <a14:backgroundMark x1="55732" y1="81165" x2="79713" y2="47352"/>
+                        <a14:backgroundMark x1="79713" y1="47352" x2="79713" y2="47352"/>
+                        <a14:backgroundMark x1="78658" y1="41150" x2="78658" y2="41150"/>
+                        <a14:backgroundMark x1="78205" y1="40696" x2="78205" y2="40696"/>
+                        <a14:backgroundMark x1="78130" y1="38200" x2="78130" y2="43116"/>
+                        <a14:backgroundMark x1="78582" y1="33964" x2="78281" y2="29123"/>
+                        <a14:backgroundMark x1="53017" y1="28139" x2="53243" y2="27912"/>
+                        <a14:backgroundMark x1="77979" y1="39713" x2="78281" y2="42890"/>
+                        <a14:backgroundMark x1="78130" y1="40696" x2="78205" y2="43192"/>
+                        <a14:backgroundMark x1="77903" y1="40847" x2="78205" y2="42814"/>
+                        <a14:backgroundMark x1="69683" y1="56505" x2="71719" y2="53707"/>
+                      </a14:backgroundRemoval>
+                    </a14:imgEffect>
+                  </a14:imgLayer>
+                </a14:imgProps>
+              </a:ext>
+              <a:ext uri="{28A0092B-C50C-407E-A947-70E740481C1C}">
+                <a14:useLocalDpi xmlns:a14="http://schemas.microsoft.com/office/drawing/2010/main" val="0"/>
+              </a:ext>
+            </a:extLst>
+          </a:blip>
+          <a:srcRect l="20932" t="21634" r="21535" b="19823"/>
+          <a:stretch/>
+        </p:blipFill>
+        <p:spPr>
+          <a:xfrm>
+            <a:off x="1174622" y="4508992"/>
+            <a:ext cx="359469" cy="364686"/>
+          </a:xfrm>
+          <a:prstGeom prst="rect">
+            <a:avLst/>
+          </a:prstGeom>
+        </p:spPr>
+      </p:pic>
     </p:spTree>
     <p:extLst>
       <p:ext uri="{BB962C8B-B14F-4D97-AF65-F5344CB8AC3E}">

--- a/My Files/UI design.pptx
+++ b/My Files/UI design.pptx
@@ -201,7 +201,7 @@
           <a:p>
             <a:fld id="{0D16328B-18A6-457A-8B4F-454F616B03EC}" type="datetimeFigureOut">
               <a:rPr lang="LID4096" smtClean="0"/>
-              <a:t>02/01/2025</a:t>
+              <a:t>02/02/2025</a:t>
             </a:fld>
             <a:endParaRPr lang="LID4096"/>
           </a:p>
@@ -702,7 +702,7 @@
           <a:p>
             <a:fld id="{6DC12648-C207-4DAE-A714-2E3BEEF7B709}" type="datetimeFigureOut">
               <a:rPr lang="LID4096" smtClean="0"/>
-              <a:t>02/01/2025</a:t>
+              <a:t>02/02/2025</a:t>
             </a:fld>
             <a:endParaRPr lang="LID4096"/>
           </a:p>
@@ -902,7 +902,7 @@
           <a:p>
             <a:fld id="{6DC12648-C207-4DAE-A714-2E3BEEF7B709}" type="datetimeFigureOut">
               <a:rPr lang="LID4096" smtClean="0"/>
-              <a:t>02/01/2025</a:t>
+              <a:t>02/02/2025</a:t>
             </a:fld>
             <a:endParaRPr lang="LID4096"/>
           </a:p>
@@ -1112,7 +1112,7 @@
           <a:p>
             <a:fld id="{6DC12648-C207-4DAE-A714-2E3BEEF7B709}" type="datetimeFigureOut">
               <a:rPr lang="LID4096" smtClean="0"/>
-              <a:t>02/01/2025</a:t>
+              <a:t>02/02/2025</a:t>
             </a:fld>
             <a:endParaRPr lang="LID4096"/>
           </a:p>
@@ -1312,7 +1312,7 @@
           <a:p>
             <a:fld id="{6DC12648-C207-4DAE-A714-2E3BEEF7B709}" type="datetimeFigureOut">
               <a:rPr lang="LID4096" smtClean="0"/>
-              <a:t>02/01/2025</a:t>
+              <a:t>02/02/2025</a:t>
             </a:fld>
             <a:endParaRPr lang="LID4096"/>
           </a:p>
@@ -1588,7 +1588,7 @@
           <a:p>
             <a:fld id="{6DC12648-C207-4DAE-A714-2E3BEEF7B709}" type="datetimeFigureOut">
               <a:rPr lang="LID4096" smtClean="0"/>
-              <a:t>02/01/2025</a:t>
+              <a:t>02/02/2025</a:t>
             </a:fld>
             <a:endParaRPr lang="LID4096"/>
           </a:p>
@@ -1856,7 +1856,7 @@
           <a:p>
             <a:fld id="{6DC12648-C207-4DAE-A714-2E3BEEF7B709}" type="datetimeFigureOut">
               <a:rPr lang="LID4096" smtClean="0"/>
-              <a:t>02/01/2025</a:t>
+              <a:t>02/02/2025</a:t>
             </a:fld>
             <a:endParaRPr lang="LID4096"/>
           </a:p>
@@ -2271,7 +2271,7 @@
           <a:p>
             <a:fld id="{6DC12648-C207-4DAE-A714-2E3BEEF7B709}" type="datetimeFigureOut">
               <a:rPr lang="LID4096" smtClean="0"/>
-              <a:t>02/01/2025</a:t>
+              <a:t>02/02/2025</a:t>
             </a:fld>
             <a:endParaRPr lang="LID4096"/>
           </a:p>
@@ -2413,7 +2413,7 @@
           <a:p>
             <a:fld id="{6DC12648-C207-4DAE-A714-2E3BEEF7B709}" type="datetimeFigureOut">
               <a:rPr lang="LID4096" smtClean="0"/>
-              <a:t>02/01/2025</a:t>
+              <a:t>02/02/2025</a:t>
             </a:fld>
             <a:endParaRPr lang="LID4096"/>
           </a:p>
@@ -2526,7 +2526,7 @@
           <a:p>
             <a:fld id="{6DC12648-C207-4DAE-A714-2E3BEEF7B709}" type="datetimeFigureOut">
               <a:rPr lang="LID4096" smtClean="0"/>
-              <a:t>02/01/2025</a:t>
+              <a:t>02/02/2025</a:t>
             </a:fld>
             <a:endParaRPr lang="LID4096"/>
           </a:p>
@@ -2839,7 +2839,7 @@
           <a:p>
             <a:fld id="{6DC12648-C207-4DAE-A714-2E3BEEF7B709}" type="datetimeFigureOut">
               <a:rPr lang="LID4096" smtClean="0"/>
-              <a:t>02/01/2025</a:t>
+              <a:t>02/02/2025</a:t>
             </a:fld>
             <a:endParaRPr lang="LID4096"/>
           </a:p>
@@ -3128,7 +3128,7 @@
           <a:p>
             <a:fld id="{6DC12648-C207-4DAE-A714-2E3BEEF7B709}" type="datetimeFigureOut">
               <a:rPr lang="LID4096" smtClean="0"/>
-              <a:t>02/01/2025</a:t>
+              <a:t>02/02/2025</a:t>
             </a:fld>
             <a:endParaRPr lang="LID4096"/>
           </a:p>
@@ -3371,7 +3371,7 @@
           <a:p>
             <a:fld id="{6DC12648-C207-4DAE-A714-2E3BEEF7B709}" type="datetimeFigureOut">
               <a:rPr lang="LID4096" smtClean="0"/>
-              <a:t>02/01/2025</a:t>
+              <a:t>02/02/2025</a:t>
             </a:fld>
             <a:endParaRPr lang="LID4096"/>
           </a:p>
@@ -3790,10 +3790,10 @@
       </p:grpSpPr>
       <p:grpSp>
         <p:nvGrpSpPr>
-          <p:cNvPr id="9" name="Group 8">
+          <p:cNvPr id="10" name="Group 9">
             <a:extLst>
               <a:ext uri="{FF2B5EF4-FFF2-40B4-BE49-F238E27FC236}">
-                <a16:creationId xmlns:a16="http://schemas.microsoft.com/office/drawing/2014/main" id="{FEACFE4A-3AA9-3F10-5F27-10480B025570}"/>
+                <a16:creationId xmlns:a16="http://schemas.microsoft.com/office/drawing/2014/main" id="{F9A61696-66C5-D594-9D20-48D640171714}"/>
               </a:ext>
             </a:extLst>
           </p:cNvPr>
@@ -3802,768 +3802,18 @@
         </p:nvGrpSpPr>
         <p:grpSpPr>
           <a:xfrm>
-            <a:off x="-1543720" y="-61783"/>
+            <a:off x="-1808180" y="-887283"/>
             <a:ext cx="15808360" cy="8830398"/>
-            <a:chOff x="0" y="0"/>
-            <a:chExt cx="12196819" cy="6858000"/>
+            <a:chOff x="-1543720" y="-61783"/>
+            <a:chExt cx="15808360" cy="8830398"/>
           </a:xfrm>
         </p:grpSpPr>
-        <p:pic>
-          <p:nvPicPr>
-            <p:cNvPr id="5" name="Picture 4">
+        <p:grpSp>
+          <p:nvGrpSpPr>
+            <p:cNvPr id="9" name="Group 8">
               <a:extLst>
                 <a:ext uri="{FF2B5EF4-FFF2-40B4-BE49-F238E27FC236}">
-                  <a16:creationId xmlns:a16="http://schemas.microsoft.com/office/drawing/2014/main" id="{C3DA04AE-5606-D3DA-45D8-1CEB5276D228}"/>
-                </a:ext>
-              </a:extLst>
-            </p:cNvPr>
-            <p:cNvPicPr>
-              <a:picLocks noChangeAspect="1"/>
-            </p:cNvPicPr>
-            <p:nvPr/>
-          </p:nvPicPr>
-          <p:blipFill>
-            <a:blip r:embed="rId2"/>
-            <a:srcRect l="40033"/>
-            <a:stretch/>
-          </p:blipFill>
-          <p:spPr>
-            <a:xfrm>
-              <a:off x="4819" y="0"/>
-              <a:ext cx="12192000" cy="6858000"/>
-            </a:xfrm>
-            <a:prstGeom prst="rect">
-              <a:avLst/>
-            </a:prstGeom>
-          </p:spPr>
-        </p:pic>
-        <p:sp>
-          <p:nvSpPr>
-            <p:cNvPr id="6" name="Rectangle 5">
-              <a:extLst>
-                <a:ext uri="{FF2B5EF4-FFF2-40B4-BE49-F238E27FC236}">
-                  <a16:creationId xmlns:a16="http://schemas.microsoft.com/office/drawing/2014/main" id="{0BB0EEE1-800C-08E3-0A16-2F0E732AEF4F}"/>
-                </a:ext>
-              </a:extLst>
-            </p:cNvPr>
-            <p:cNvSpPr/>
-            <p:nvPr/>
-          </p:nvSpPr>
-          <p:spPr>
-            <a:xfrm>
-              <a:off x="0" y="1150570"/>
-              <a:ext cx="12192000" cy="5316842"/>
-            </a:xfrm>
-            <a:prstGeom prst="rect">
-              <a:avLst/>
-            </a:prstGeom>
-            <a:solidFill>
-              <a:schemeClr val="bg1"/>
-            </a:solidFill>
-            <a:ln>
-              <a:noFill/>
-            </a:ln>
-          </p:spPr>
-          <p:style>
-            <a:lnRef idx="2">
-              <a:schemeClr val="accent1">
-                <a:shade val="15000"/>
-              </a:schemeClr>
-            </a:lnRef>
-            <a:fillRef idx="1">
-              <a:schemeClr val="accent1"/>
-            </a:fillRef>
-            <a:effectRef idx="0">
-              <a:schemeClr val="accent1"/>
-            </a:effectRef>
-            <a:fontRef idx="minor">
-              <a:schemeClr val="lt1"/>
-            </a:fontRef>
-          </p:style>
-          <p:txBody>
-            <a:bodyPr rtlCol="0" anchor="ctr"/>
-            <a:lstStyle/>
-            <a:p>
-              <a:pPr algn="ctr"/>
-              <a:endParaRPr lang="LID4096"/>
-            </a:p>
-          </p:txBody>
-        </p:sp>
-        <p:sp>
-          <p:nvSpPr>
-            <p:cNvPr id="7" name="Rectangle 6">
-              <a:extLst>
-                <a:ext uri="{FF2B5EF4-FFF2-40B4-BE49-F238E27FC236}">
-                  <a16:creationId xmlns:a16="http://schemas.microsoft.com/office/drawing/2014/main" id="{EB33D6DA-D6FD-0560-7E4A-86D67511FBC3}"/>
-                </a:ext>
-              </a:extLst>
-            </p:cNvPr>
-            <p:cNvSpPr/>
-            <p:nvPr/>
-          </p:nvSpPr>
-          <p:spPr>
-            <a:xfrm>
-              <a:off x="1447295" y="496562"/>
-              <a:ext cx="6231243" cy="205891"/>
-            </a:xfrm>
-            <a:prstGeom prst="rect">
-              <a:avLst/>
-            </a:prstGeom>
-            <a:solidFill>
-              <a:srgbClr val="EDF2FA"/>
-            </a:solidFill>
-            <a:ln>
-              <a:noFill/>
-            </a:ln>
-          </p:spPr>
-          <p:style>
-            <a:lnRef idx="2">
-              <a:schemeClr val="accent1">
-                <a:shade val="15000"/>
-              </a:schemeClr>
-            </a:lnRef>
-            <a:fillRef idx="1">
-              <a:schemeClr val="accent1"/>
-            </a:fillRef>
-            <a:effectRef idx="0">
-              <a:schemeClr val="accent1"/>
-            </a:effectRef>
-            <a:fontRef idx="minor">
-              <a:schemeClr val="lt1"/>
-            </a:fontRef>
-          </p:style>
-          <p:txBody>
-            <a:bodyPr rtlCol="0" anchor="ctr"/>
-            <a:lstStyle/>
-            <a:p>
-              <a:pPr algn="ctr"/>
-              <a:endParaRPr lang="LID4096"/>
-            </a:p>
-          </p:txBody>
-        </p:sp>
-        <p:sp>
-          <p:nvSpPr>
-            <p:cNvPr id="8" name="Rectangle 7">
-              <a:extLst>
-                <a:ext uri="{FF2B5EF4-FFF2-40B4-BE49-F238E27FC236}">
-                  <a16:creationId xmlns:a16="http://schemas.microsoft.com/office/drawing/2014/main" id="{F20909A7-E573-294C-BEC8-974F2C198FDD}"/>
-                </a:ext>
-              </a:extLst>
-            </p:cNvPr>
-            <p:cNvSpPr/>
-            <p:nvPr/>
-          </p:nvSpPr>
-          <p:spPr>
-            <a:xfrm>
-              <a:off x="472339" y="102946"/>
-              <a:ext cx="1435184" cy="205891"/>
-            </a:xfrm>
-            <a:prstGeom prst="rect">
-              <a:avLst/>
-            </a:prstGeom>
-            <a:solidFill>
-              <a:srgbClr val="FFFFFF"/>
-            </a:solidFill>
-            <a:ln>
-              <a:noFill/>
-            </a:ln>
-          </p:spPr>
-          <p:style>
-            <a:lnRef idx="2">
-              <a:schemeClr val="accent1">
-                <a:shade val="15000"/>
-              </a:schemeClr>
-            </a:lnRef>
-            <a:fillRef idx="1">
-              <a:schemeClr val="accent1"/>
-            </a:fillRef>
-            <a:effectRef idx="0">
-              <a:schemeClr val="accent1"/>
-            </a:effectRef>
-            <a:fontRef idx="minor">
-              <a:schemeClr val="lt1"/>
-            </a:fontRef>
-          </p:style>
-          <p:txBody>
-            <a:bodyPr rtlCol="0" anchor="ctr"/>
-            <a:lstStyle/>
-            <a:p>
-              <a:pPr algn="ctr"/>
-              <a:endParaRPr lang="LID4096"/>
-            </a:p>
-          </p:txBody>
-        </p:sp>
-      </p:grpSp>
-      <p:grpSp>
-        <p:nvGrpSpPr>
-          <p:cNvPr id="2" name="Group 1">
-            <a:extLst>
-              <a:ext uri="{FF2B5EF4-FFF2-40B4-BE49-F238E27FC236}">
-                <a16:creationId xmlns:a16="http://schemas.microsoft.com/office/drawing/2014/main" id="{D2E4C01D-2969-CDA7-D661-2F7DEEE756C1}"/>
-              </a:ext>
-            </a:extLst>
-          </p:cNvPr>
-          <p:cNvGrpSpPr/>
-          <p:nvPr/>
-        </p:nvGrpSpPr>
-        <p:grpSpPr>
-          <a:xfrm>
-            <a:off x="-1541810" y="1407350"/>
-            <a:ext cx="15800201" cy="6866099"/>
-            <a:chOff x="0" y="-8099"/>
-            <a:chExt cx="15800201" cy="6866099"/>
-          </a:xfrm>
-        </p:grpSpPr>
-        <p:sp>
-          <p:nvSpPr>
-            <p:cNvPr id="3" name="Rectangle 2">
-              <a:extLst>
-                <a:ext uri="{FF2B5EF4-FFF2-40B4-BE49-F238E27FC236}">
-                  <a16:creationId xmlns:a16="http://schemas.microsoft.com/office/drawing/2014/main" id="{AB5D9953-BB64-958F-26D8-65B4706B5397}"/>
-                </a:ext>
-              </a:extLst>
-            </p:cNvPr>
-            <p:cNvSpPr/>
-            <p:nvPr/>
-          </p:nvSpPr>
-          <p:spPr>
-            <a:xfrm>
-              <a:off x="0" y="0"/>
-              <a:ext cx="12192000" cy="6858000"/>
-            </a:xfrm>
-            <a:prstGeom prst="rect">
-              <a:avLst/>
-            </a:prstGeom>
-            <a:solidFill>
-              <a:schemeClr val="bg1"/>
-            </a:solidFill>
-            <a:ln>
-              <a:noFill/>
-            </a:ln>
-          </p:spPr>
-          <p:style>
-            <a:lnRef idx="2">
-              <a:schemeClr val="accent1">
-                <a:shade val="15000"/>
-              </a:schemeClr>
-            </a:lnRef>
-            <a:fillRef idx="1">
-              <a:schemeClr val="accent1"/>
-            </a:fillRef>
-            <a:effectRef idx="0">
-              <a:schemeClr val="accent1"/>
-            </a:effectRef>
-            <a:fontRef idx="minor">
-              <a:schemeClr val="lt1"/>
-            </a:fontRef>
-          </p:style>
-          <p:txBody>
-            <a:bodyPr rtlCol="0" anchor="ctr"/>
-            <a:lstStyle/>
-            <a:p>
-              <a:pPr algn="ctr"/>
-              <a:endParaRPr lang="LID4096"/>
-            </a:p>
-          </p:txBody>
-        </p:sp>
-        <p:sp>
-          <p:nvSpPr>
-            <p:cNvPr id="4" name="Rectangle: Rounded Corners 3">
-              <a:extLst>
-                <a:ext uri="{FF2B5EF4-FFF2-40B4-BE49-F238E27FC236}">
-                  <a16:creationId xmlns:a16="http://schemas.microsoft.com/office/drawing/2014/main" id="{C1CAB2C0-829A-098D-0D0E-6D21DDF46D49}"/>
-                </a:ext>
-              </a:extLst>
-            </p:cNvPr>
-            <p:cNvSpPr/>
-            <p:nvPr/>
-          </p:nvSpPr>
-          <p:spPr>
-            <a:xfrm>
-              <a:off x="5257570" y="5791627"/>
-              <a:ext cx="7632700" cy="723900"/>
-            </a:xfrm>
-            <a:prstGeom prst="roundRect">
-              <a:avLst>
-                <a:gd name="adj" fmla="val 50000"/>
-              </a:avLst>
-            </a:prstGeom>
-            <a:solidFill>
-              <a:srgbClr val="EDF2FA"/>
-            </a:solidFill>
-            <a:ln>
-              <a:solidFill>
-                <a:srgbClr val="FF0000"/>
-              </a:solidFill>
-            </a:ln>
-          </p:spPr>
-          <p:style>
-            <a:lnRef idx="2">
-              <a:schemeClr val="accent4"/>
-            </a:lnRef>
-            <a:fillRef idx="1">
-              <a:schemeClr val="lt1"/>
-            </a:fillRef>
-            <a:effectRef idx="0">
-              <a:schemeClr val="accent4"/>
-            </a:effectRef>
-            <a:fontRef idx="minor">
-              <a:schemeClr val="dk1"/>
-            </a:fontRef>
-          </p:style>
-          <p:txBody>
-            <a:bodyPr rtlCol="0" anchor="ctr"/>
-            <a:lstStyle/>
-            <a:p>
-              <a:r>
-                <a:rPr lang="de-DE" sz="3200" dirty="0">
-                  <a:solidFill>
-                    <a:schemeClr val="bg1">
-                      <a:lumMod val="75000"/>
-                    </a:schemeClr>
-                  </a:solidFill>
-                  <a:latin typeface="Arial Rounded MT Bold" panose="020F0704030504030204" pitchFamily="34" charset="0"/>
-                </a:rPr>
-                <a:t>Type </a:t>
-              </a:r>
-              <a:r>
-                <a:rPr lang="de-DE" sz="3200" dirty="0" err="1">
-                  <a:solidFill>
-                    <a:schemeClr val="bg1">
-                      <a:lumMod val="75000"/>
-                    </a:schemeClr>
-                  </a:solidFill>
-                  <a:latin typeface="Arial Rounded MT Bold" panose="020F0704030504030204" pitchFamily="34" charset="0"/>
-                </a:rPr>
-                <a:t>something</a:t>
-              </a:r>
-              <a:r>
-                <a:rPr lang="de-DE" sz="3200" dirty="0">
-                  <a:solidFill>
-                    <a:schemeClr val="bg1">
-                      <a:lumMod val="75000"/>
-                    </a:schemeClr>
-                  </a:solidFill>
-                  <a:latin typeface="Arial Rounded MT Bold" panose="020F0704030504030204" pitchFamily="34" charset="0"/>
-                </a:rPr>
-                <a:t> </a:t>
-              </a:r>
-              <a:r>
-                <a:rPr lang="de-DE" sz="3200" dirty="0" err="1">
-                  <a:solidFill>
-                    <a:schemeClr val="bg1">
-                      <a:lumMod val="75000"/>
-                    </a:schemeClr>
-                  </a:solidFill>
-                  <a:latin typeface="Arial Rounded MT Bold" panose="020F0704030504030204" pitchFamily="34" charset="0"/>
-                </a:rPr>
-                <a:t>to</a:t>
-              </a:r>
-              <a:r>
-                <a:rPr lang="de-DE" sz="3200" dirty="0">
-                  <a:solidFill>
-                    <a:schemeClr val="bg1">
-                      <a:lumMod val="75000"/>
-                    </a:schemeClr>
-                  </a:solidFill>
-                  <a:latin typeface="Arial Rounded MT Bold" panose="020F0704030504030204" pitchFamily="34" charset="0"/>
-                </a:rPr>
-                <a:t> </a:t>
-              </a:r>
-              <a:r>
-                <a:rPr lang="de-DE" sz="3200" dirty="0" err="1">
-                  <a:solidFill>
-                    <a:schemeClr val="bg1">
-                      <a:lumMod val="75000"/>
-                    </a:schemeClr>
-                  </a:solidFill>
-                  <a:latin typeface="Arial Rounded MT Bold" panose="020F0704030504030204" pitchFamily="34" charset="0"/>
-                </a:rPr>
-                <a:t>begin</a:t>
-              </a:r>
-              <a:r>
-                <a:rPr lang="de-DE" sz="3200" dirty="0">
-                  <a:solidFill>
-                    <a:schemeClr val="bg1">
-                      <a:lumMod val="75000"/>
-                    </a:schemeClr>
-                  </a:solidFill>
-                  <a:latin typeface="Arial Rounded MT Bold" panose="020F0704030504030204" pitchFamily="34" charset="0"/>
-                </a:rPr>
-                <a:t> </a:t>
-              </a:r>
-              <a:r>
-                <a:rPr lang="de-DE" sz="3200" dirty="0" err="1">
-                  <a:solidFill>
-                    <a:schemeClr val="bg1">
-                      <a:lumMod val="75000"/>
-                    </a:schemeClr>
-                  </a:solidFill>
-                  <a:latin typeface="Arial Rounded MT Bold" panose="020F0704030504030204" pitchFamily="34" charset="0"/>
-                </a:rPr>
-                <a:t>talking</a:t>
-              </a:r>
-              <a:r>
-                <a:rPr lang="de-DE" sz="3200" dirty="0">
-                  <a:solidFill>
-                    <a:schemeClr val="bg1">
-                      <a:lumMod val="75000"/>
-                    </a:schemeClr>
-                  </a:solidFill>
-                  <a:latin typeface="Arial Rounded MT Bold" panose="020F0704030504030204" pitchFamily="34" charset="0"/>
-                </a:rPr>
-                <a:t>!</a:t>
-              </a:r>
-              <a:endParaRPr lang="LID4096" sz="3200" dirty="0">
-                <a:solidFill>
-                  <a:schemeClr val="bg1">
-                    <a:lumMod val="75000"/>
-                  </a:schemeClr>
-                </a:solidFill>
-                <a:latin typeface="Arial Rounded MT Bold" panose="020F0704030504030204" pitchFamily="34" charset="0"/>
-              </a:endParaRPr>
-            </a:p>
-          </p:txBody>
-        </p:sp>
-        <p:sp>
-          <p:nvSpPr>
-            <p:cNvPr id="38" name="TextBox 37">
-              <a:extLst>
-                <a:ext uri="{FF2B5EF4-FFF2-40B4-BE49-F238E27FC236}">
-                  <a16:creationId xmlns:a16="http://schemas.microsoft.com/office/drawing/2014/main" id="{502A3ACE-4F96-E6BF-F120-F2F63FED05A8}"/>
-                </a:ext>
-              </a:extLst>
-            </p:cNvPr>
-            <p:cNvSpPr txBox="1"/>
-            <p:nvPr/>
-          </p:nvSpPr>
-          <p:spPr>
-            <a:xfrm>
-              <a:off x="2070272" y="1233209"/>
-              <a:ext cx="13723683" cy="1015663"/>
-            </a:xfrm>
-            <a:prstGeom prst="rect">
-              <a:avLst/>
-            </a:prstGeom>
-            <a:noFill/>
-          </p:spPr>
-          <p:txBody>
-            <a:bodyPr wrap="square" rtlCol="0">
-              <a:spAutoFit/>
-            </a:bodyPr>
-            <a:lstStyle/>
-            <a:p>
-              <a:pPr algn="ctr"/>
-              <a:r>
-                <a:rPr lang="de-DE" sz="6000" dirty="0">
-                  <a:latin typeface="Comic Sans MS" panose="030F0702030302020204" pitchFamily="66" charset="0"/>
-                </a:rPr>
-                <a:t>Hello!</a:t>
-              </a:r>
-              <a:endParaRPr lang="LID4096" sz="6000" dirty="0">
-                <a:latin typeface="Comic Sans MS" panose="030F0702030302020204" pitchFamily="66" charset="0"/>
-              </a:endParaRPr>
-            </a:p>
-          </p:txBody>
-        </p:sp>
-        <p:sp>
-          <p:nvSpPr>
-            <p:cNvPr id="39" name="TextBox 38">
-              <a:extLst>
-                <a:ext uri="{FF2B5EF4-FFF2-40B4-BE49-F238E27FC236}">
-                  <a16:creationId xmlns:a16="http://schemas.microsoft.com/office/drawing/2014/main" id="{F3699046-57F7-8E6C-E733-29C6779030E7}"/>
-                </a:ext>
-              </a:extLst>
-            </p:cNvPr>
-            <p:cNvSpPr txBox="1"/>
-            <p:nvPr/>
-          </p:nvSpPr>
-          <p:spPr>
-            <a:xfrm>
-              <a:off x="2076518" y="2103159"/>
-              <a:ext cx="13723683" cy="646331"/>
-            </a:xfrm>
-            <a:prstGeom prst="rect">
-              <a:avLst/>
-            </a:prstGeom>
-            <a:noFill/>
-          </p:spPr>
-          <p:txBody>
-            <a:bodyPr wrap="square" rtlCol="0">
-              <a:spAutoFit/>
-            </a:bodyPr>
-            <a:lstStyle/>
-            <a:p>
-              <a:pPr algn="ctr"/>
-              <a:r>
-                <a:rPr lang="de-DE" sz="3600" dirty="0" err="1">
-                  <a:latin typeface="Comic Sans MS" panose="030F0702030302020204" pitchFamily="66" charset="0"/>
-                </a:rPr>
-                <a:t>I‘m</a:t>
-              </a:r>
-              <a:r>
-                <a:rPr lang="de-DE" sz="3600" dirty="0">
-                  <a:latin typeface="Comic Sans MS" panose="030F0702030302020204" pitchFamily="66" charset="0"/>
-                </a:rPr>
-                <a:t> Vera, </a:t>
-              </a:r>
-              <a:r>
-                <a:rPr lang="de-DE" sz="3600" dirty="0" err="1">
-                  <a:latin typeface="Comic Sans MS" panose="030F0702030302020204" pitchFamily="66" charset="0"/>
-                </a:rPr>
-                <a:t>here</a:t>
-              </a:r>
-              <a:r>
-                <a:rPr lang="de-DE" sz="3600" dirty="0">
-                  <a:latin typeface="Comic Sans MS" panose="030F0702030302020204" pitchFamily="66" charset="0"/>
-                </a:rPr>
-                <a:t> </a:t>
-              </a:r>
-              <a:r>
-                <a:rPr lang="de-DE" sz="3600" dirty="0" err="1">
-                  <a:latin typeface="Comic Sans MS" panose="030F0702030302020204" pitchFamily="66" charset="0"/>
-                </a:rPr>
-                <a:t>to</a:t>
-              </a:r>
-              <a:r>
-                <a:rPr lang="de-DE" sz="3600" dirty="0">
-                  <a:latin typeface="Comic Sans MS" panose="030F0702030302020204" pitchFamily="66" charset="0"/>
-                </a:rPr>
-                <a:t> </a:t>
-              </a:r>
-              <a:r>
-                <a:rPr lang="de-DE" sz="3600" dirty="0" err="1">
-                  <a:latin typeface="Comic Sans MS" panose="030F0702030302020204" pitchFamily="66" charset="0"/>
-                </a:rPr>
-                <a:t>help</a:t>
-              </a:r>
-              <a:r>
-                <a:rPr lang="de-DE" sz="3600" dirty="0">
-                  <a:latin typeface="Comic Sans MS" panose="030F0702030302020204" pitchFamily="66" charset="0"/>
-                </a:rPr>
-                <a:t>!</a:t>
-              </a:r>
-              <a:endParaRPr lang="LID4096" sz="3600" dirty="0">
-                <a:latin typeface="Comic Sans MS" panose="030F0702030302020204" pitchFamily="66" charset="0"/>
-              </a:endParaRPr>
-            </a:p>
-          </p:txBody>
-        </p:sp>
-        <p:sp>
-          <p:nvSpPr>
-            <p:cNvPr id="40" name="Rectangle 39">
-              <a:extLst>
-                <a:ext uri="{FF2B5EF4-FFF2-40B4-BE49-F238E27FC236}">
-                  <a16:creationId xmlns:a16="http://schemas.microsoft.com/office/drawing/2014/main" id="{9617A156-9BED-E20D-F2EA-DF9DD5AD80FD}"/>
-                </a:ext>
-              </a:extLst>
-            </p:cNvPr>
-            <p:cNvSpPr/>
-            <p:nvPr/>
-          </p:nvSpPr>
-          <p:spPr>
-            <a:xfrm>
-              <a:off x="0" y="0"/>
-              <a:ext cx="2063750" cy="6858000"/>
-            </a:xfrm>
-            <a:prstGeom prst="rect">
-              <a:avLst/>
-            </a:prstGeom>
-            <a:solidFill>
-              <a:schemeClr val="bg1"/>
-            </a:solidFill>
-            <a:ln>
-              <a:noFill/>
-            </a:ln>
-          </p:spPr>
-          <p:style>
-            <a:lnRef idx="2">
-              <a:schemeClr val="accent1">
-                <a:shade val="15000"/>
-              </a:schemeClr>
-            </a:lnRef>
-            <a:fillRef idx="1">
-              <a:schemeClr val="accent1"/>
-            </a:fillRef>
-            <a:effectRef idx="0">
-              <a:schemeClr val="accent1"/>
-            </a:effectRef>
-            <a:fontRef idx="minor">
-              <a:schemeClr val="lt1"/>
-            </a:fontRef>
-          </p:style>
-          <p:txBody>
-            <a:bodyPr rtlCol="0" anchor="ctr"/>
-            <a:lstStyle/>
-            <a:p>
-              <a:pPr algn="ctr"/>
-              <a:endParaRPr lang="LID4096"/>
-            </a:p>
-          </p:txBody>
-        </p:sp>
-        <p:cxnSp>
-          <p:nvCxnSpPr>
-            <p:cNvPr id="41" name="Straight Connector 40">
-              <a:extLst>
-                <a:ext uri="{FF2B5EF4-FFF2-40B4-BE49-F238E27FC236}">
-                  <a16:creationId xmlns:a16="http://schemas.microsoft.com/office/drawing/2014/main" id="{24532868-C4BD-05AF-1D67-9D3E647876CB}"/>
-                </a:ext>
-              </a:extLst>
-            </p:cNvPr>
-            <p:cNvCxnSpPr/>
-            <p:nvPr/>
-          </p:nvCxnSpPr>
-          <p:spPr>
-            <a:xfrm flipV="1">
-              <a:off x="2063750" y="0"/>
-              <a:ext cx="0" cy="6858000"/>
-            </a:xfrm>
-            <a:prstGeom prst="line">
-              <a:avLst/>
-            </a:prstGeom>
-            <a:ln w="38100">
-              <a:solidFill>
-                <a:srgbClr val="FF0000"/>
-              </a:solidFill>
-            </a:ln>
-          </p:spPr>
-          <p:style>
-            <a:lnRef idx="2">
-              <a:schemeClr val="dk1"/>
-            </a:lnRef>
-            <a:fillRef idx="0">
-              <a:schemeClr val="dk1"/>
-            </a:fillRef>
-            <a:effectRef idx="1">
-              <a:schemeClr val="dk1"/>
-            </a:effectRef>
-            <a:fontRef idx="minor">
-              <a:schemeClr val="tx1"/>
-            </a:fontRef>
-          </p:style>
-        </p:cxnSp>
-        <p:sp>
-          <p:nvSpPr>
-            <p:cNvPr id="42" name="TextBox 41">
-              <a:extLst>
-                <a:ext uri="{FF2B5EF4-FFF2-40B4-BE49-F238E27FC236}">
-                  <a16:creationId xmlns:a16="http://schemas.microsoft.com/office/drawing/2014/main" id="{42EAEAED-9DDE-1AD9-F778-19A13A5DA64D}"/>
-                </a:ext>
-              </a:extLst>
-            </p:cNvPr>
-            <p:cNvSpPr txBox="1"/>
-            <p:nvPr/>
-          </p:nvSpPr>
-          <p:spPr>
-            <a:xfrm>
-              <a:off x="0" y="1548199"/>
-              <a:ext cx="2063749" cy="338554"/>
-            </a:xfrm>
-            <a:prstGeom prst="rect">
-              <a:avLst/>
-            </a:prstGeom>
-            <a:noFill/>
-          </p:spPr>
-          <p:txBody>
-            <a:bodyPr wrap="square" rtlCol="0">
-              <a:spAutoFit/>
-            </a:bodyPr>
-            <a:lstStyle/>
-            <a:p>
-              <a:r>
-                <a:rPr lang="de-DE" sz="1600" dirty="0" err="1">
-                  <a:latin typeface="Arial Rounded MT Bold" panose="020F0704030504030204" pitchFamily="34" charset="0"/>
-                </a:rPr>
-                <a:t>Previous</a:t>
-              </a:r>
-              <a:r>
-                <a:rPr lang="de-DE" sz="1600" dirty="0">
-                  <a:latin typeface="Arial Rounded MT Bold" panose="020F0704030504030204" pitchFamily="34" charset="0"/>
-                </a:rPr>
-                <a:t> </a:t>
-              </a:r>
-              <a:r>
-                <a:rPr lang="de-DE" sz="1600" dirty="0" err="1">
-                  <a:latin typeface="Arial Rounded MT Bold" panose="020F0704030504030204" pitchFamily="34" charset="0"/>
-                </a:rPr>
-                <a:t>Convo</a:t>
-              </a:r>
-              <a:r>
-                <a:rPr lang="de-DE" sz="1600" dirty="0">
-                  <a:latin typeface="Arial Rounded MT Bold" panose="020F0704030504030204" pitchFamily="34" charset="0"/>
-                </a:rPr>
-                <a:t> 1</a:t>
-              </a:r>
-              <a:endParaRPr lang="LID4096" sz="1600" dirty="0">
-                <a:latin typeface="Arial Rounded MT Bold" panose="020F0704030504030204" pitchFamily="34" charset="0"/>
-              </a:endParaRPr>
-            </a:p>
-          </p:txBody>
-        </p:sp>
-        <p:sp>
-          <p:nvSpPr>
-            <p:cNvPr id="43" name="TextBox 42">
-              <a:extLst>
-                <a:ext uri="{FF2B5EF4-FFF2-40B4-BE49-F238E27FC236}">
-                  <a16:creationId xmlns:a16="http://schemas.microsoft.com/office/drawing/2014/main" id="{C56B0183-9D64-3875-E673-A3FE4D2FE6D0}"/>
-                </a:ext>
-              </a:extLst>
-            </p:cNvPr>
-            <p:cNvSpPr txBox="1"/>
-            <p:nvPr/>
-          </p:nvSpPr>
-          <p:spPr>
-            <a:xfrm>
-              <a:off x="0" y="1910318"/>
-              <a:ext cx="2063749" cy="338554"/>
-            </a:xfrm>
-            <a:prstGeom prst="rect">
-              <a:avLst/>
-            </a:prstGeom>
-            <a:noFill/>
-          </p:spPr>
-          <p:txBody>
-            <a:bodyPr wrap="square" rtlCol="0">
-              <a:spAutoFit/>
-            </a:bodyPr>
-            <a:lstStyle/>
-            <a:p>
-              <a:r>
-                <a:rPr lang="de-DE" sz="1600" dirty="0" err="1">
-                  <a:latin typeface="Arial Rounded MT Bold" panose="020F0704030504030204" pitchFamily="34" charset="0"/>
-                </a:rPr>
-                <a:t>Previous</a:t>
-              </a:r>
-              <a:r>
-                <a:rPr lang="de-DE" sz="1600" dirty="0">
-                  <a:latin typeface="Arial Rounded MT Bold" panose="020F0704030504030204" pitchFamily="34" charset="0"/>
-                </a:rPr>
-                <a:t> </a:t>
-              </a:r>
-              <a:r>
-                <a:rPr lang="de-DE" sz="1600" dirty="0" err="1">
-                  <a:latin typeface="Arial Rounded MT Bold" panose="020F0704030504030204" pitchFamily="34" charset="0"/>
-                </a:rPr>
-                <a:t>Convo</a:t>
-              </a:r>
-              <a:r>
-                <a:rPr lang="de-DE" sz="1600" dirty="0">
-                  <a:latin typeface="Arial Rounded MT Bold" panose="020F0704030504030204" pitchFamily="34" charset="0"/>
-                </a:rPr>
-                <a:t> 2</a:t>
-              </a:r>
-              <a:endParaRPr lang="LID4096" sz="1600" dirty="0">
-                <a:latin typeface="Arial Rounded MT Bold" panose="020F0704030504030204" pitchFamily="34" charset="0"/>
-              </a:endParaRPr>
-            </a:p>
-          </p:txBody>
-        </p:sp>
-        <p:grpSp>
-          <p:nvGrpSpPr>
-            <p:cNvPr id="44" name="Group 43">
-              <a:extLst>
-                <a:ext uri="{FF2B5EF4-FFF2-40B4-BE49-F238E27FC236}">
-                  <a16:creationId xmlns:a16="http://schemas.microsoft.com/office/drawing/2014/main" id="{88BD0A05-CE5C-001F-AF65-0B08DDAD522C}"/>
+                  <a16:creationId xmlns:a16="http://schemas.microsoft.com/office/drawing/2014/main" id="{FEACFE4A-3AA9-3F10-5F27-10480B025570}"/>
                 </a:ext>
               </a:extLst>
             </p:cNvPr>
@@ -4572,18 +3822,768 @@
           </p:nvGrpSpPr>
           <p:grpSpPr>
             <a:xfrm>
-              <a:off x="368300" y="68350"/>
-              <a:ext cx="1327149" cy="1015663"/>
-              <a:chOff x="368300" y="68350"/>
-              <a:chExt cx="1327149" cy="1015663"/>
+              <a:off x="-1543720" y="-61783"/>
+              <a:ext cx="15808360" cy="8830398"/>
+              <a:chOff x="0" y="0"/>
+              <a:chExt cx="12196819" cy="6858000"/>
             </a:xfrm>
           </p:grpSpPr>
+          <p:pic>
+            <p:nvPicPr>
+              <p:cNvPr id="5" name="Picture 4">
+                <a:extLst>
+                  <a:ext uri="{FF2B5EF4-FFF2-40B4-BE49-F238E27FC236}">
+                    <a16:creationId xmlns:a16="http://schemas.microsoft.com/office/drawing/2014/main" id="{C3DA04AE-5606-D3DA-45D8-1CEB5276D228}"/>
+                  </a:ext>
+                </a:extLst>
+              </p:cNvPr>
+              <p:cNvPicPr>
+                <a:picLocks noChangeAspect="1"/>
+              </p:cNvPicPr>
+              <p:nvPr/>
+            </p:nvPicPr>
+            <p:blipFill>
+              <a:blip r:embed="rId2"/>
+              <a:srcRect l="40033"/>
+              <a:stretch/>
+            </p:blipFill>
+            <p:spPr>
+              <a:xfrm>
+                <a:off x="4819" y="0"/>
+                <a:ext cx="12192000" cy="6858000"/>
+              </a:xfrm>
+              <a:prstGeom prst="rect">
+                <a:avLst/>
+              </a:prstGeom>
+            </p:spPr>
+          </p:pic>
+          <p:sp>
+            <p:nvSpPr>
+              <p:cNvPr id="6" name="Rectangle 5">
+                <a:extLst>
+                  <a:ext uri="{FF2B5EF4-FFF2-40B4-BE49-F238E27FC236}">
+                    <a16:creationId xmlns:a16="http://schemas.microsoft.com/office/drawing/2014/main" id="{0BB0EEE1-800C-08E3-0A16-2F0E732AEF4F}"/>
+                  </a:ext>
+                </a:extLst>
+              </p:cNvPr>
+              <p:cNvSpPr/>
+              <p:nvPr/>
+            </p:nvSpPr>
+            <p:spPr>
+              <a:xfrm>
+                <a:off x="0" y="1150570"/>
+                <a:ext cx="12192000" cy="5316842"/>
+              </a:xfrm>
+              <a:prstGeom prst="rect">
+                <a:avLst/>
+              </a:prstGeom>
+              <a:solidFill>
+                <a:schemeClr val="bg1"/>
+              </a:solidFill>
+              <a:ln>
+                <a:noFill/>
+              </a:ln>
+            </p:spPr>
+            <p:style>
+              <a:lnRef idx="2">
+                <a:schemeClr val="accent1">
+                  <a:shade val="15000"/>
+                </a:schemeClr>
+              </a:lnRef>
+              <a:fillRef idx="1">
+                <a:schemeClr val="accent1"/>
+              </a:fillRef>
+              <a:effectRef idx="0">
+                <a:schemeClr val="accent1"/>
+              </a:effectRef>
+              <a:fontRef idx="minor">
+                <a:schemeClr val="lt1"/>
+              </a:fontRef>
+            </p:style>
+            <p:txBody>
+              <a:bodyPr rtlCol="0" anchor="ctr"/>
+              <a:lstStyle/>
+              <a:p>
+                <a:pPr algn="ctr"/>
+                <a:endParaRPr lang="LID4096"/>
+              </a:p>
+            </p:txBody>
+          </p:sp>
+          <p:sp>
+            <p:nvSpPr>
+              <p:cNvPr id="7" name="Rectangle 6">
+                <a:extLst>
+                  <a:ext uri="{FF2B5EF4-FFF2-40B4-BE49-F238E27FC236}">
+                    <a16:creationId xmlns:a16="http://schemas.microsoft.com/office/drawing/2014/main" id="{EB33D6DA-D6FD-0560-7E4A-86D67511FBC3}"/>
+                  </a:ext>
+                </a:extLst>
+              </p:cNvPr>
+              <p:cNvSpPr/>
+              <p:nvPr/>
+            </p:nvSpPr>
+            <p:spPr>
+              <a:xfrm>
+                <a:off x="1447295" y="496562"/>
+                <a:ext cx="6231243" cy="205891"/>
+              </a:xfrm>
+              <a:prstGeom prst="rect">
+                <a:avLst/>
+              </a:prstGeom>
+              <a:solidFill>
+                <a:srgbClr val="EDF2FA"/>
+              </a:solidFill>
+              <a:ln>
+                <a:noFill/>
+              </a:ln>
+            </p:spPr>
+            <p:style>
+              <a:lnRef idx="2">
+                <a:schemeClr val="accent1">
+                  <a:shade val="15000"/>
+                </a:schemeClr>
+              </a:lnRef>
+              <a:fillRef idx="1">
+                <a:schemeClr val="accent1"/>
+              </a:fillRef>
+              <a:effectRef idx="0">
+                <a:schemeClr val="accent1"/>
+              </a:effectRef>
+              <a:fontRef idx="minor">
+                <a:schemeClr val="lt1"/>
+              </a:fontRef>
+            </p:style>
+            <p:txBody>
+              <a:bodyPr rtlCol="0" anchor="ctr"/>
+              <a:lstStyle/>
+              <a:p>
+                <a:pPr algn="ctr"/>
+                <a:endParaRPr lang="LID4096"/>
+              </a:p>
+            </p:txBody>
+          </p:sp>
+          <p:sp>
+            <p:nvSpPr>
+              <p:cNvPr id="8" name="Rectangle 7">
+                <a:extLst>
+                  <a:ext uri="{FF2B5EF4-FFF2-40B4-BE49-F238E27FC236}">
+                    <a16:creationId xmlns:a16="http://schemas.microsoft.com/office/drawing/2014/main" id="{F20909A7-E573-294C-BEC8-974F2C198FDD}"/>
+                  </a:ext>
+                </a:extLst>
+              </p:cNvPr>
+              <p:cNvSpPr/>
+              <p:nvPr/>
+            </p:nvSpPr>
+            <p:spPr>
+              <a:xfrm>
+                <a:off x="472339" y="102946"/>
+                <a:ext cx="1435184" cy="205891"/>
+              </a:xfrm>
+              <a:prstGeom prst="rect">
+                <a:avLst/>
+              </a:prstGeom>
+              <a:solidFill>
+                <a:srgbClr val="FFFFFF"/>
+              </a:solidFill>
+              <a:ln>
+                <a:noFill/>
+              </a:ln>
+            </p:spPr>
+            <p:style>
+              <a:lnRef idx="2">
+                <a:schemeClr val="accent1">
+                  <a:shade val="15000"/>
+                </a:schemeClr>
+              </a:lnRef>
+              <a:fillRef idx="1">
+                <a:schemeClr val="accent1"/>
+              </a:fillRef>
+              <a:effectRef idx="0">
+                <a:schemeClr val="accent1"/>
+              </a:effectRef>
+              <a:fontRef idx="minor">
+                <a:schemeClr val="lt1"/>
+              </a:fontRef>
+            </p:style>
+            <p:txBody>
+              <a:bodyPr rtlCol="0" anchor="ctr"/>
+              <a:lstStyle/>
+              <a:p>
+                <a:pPr algn="ctr"/>
+                <a:endParaRPr lang="LID4096"/>
+              </a:p>
+            </p:txBody>
+          </p:sp>
+        </p:grpSp>
+        <p:grpSp>
+          <p:nvGrpSpPr>
+            <p:cNvPr id="2" name="Group 1">
+              <a:extLst>
+                <a:ext uri="{FF2B5EF4-FFF2-40B4-BE49-F238E27FC236}">
+                  <a16:creationId xmlns:a16="http://schemas.microsoft.com/office/drawing/2014/main" id="{D2E4C01D-2969-CDA7-D661-2F7DEEE756C1}"/>
+                </a:ext>
+              </a:extLst>
+            </p:cNvPr>
+            <p:cNvGrpSpPr/>
+            <p:nvPr/>
+          </p:nvGrpSpPr>
+          <p:grpSpPr>
+            <a:xfrm>
+              <a:off x="-1541810" y="1407350"/>
+              <a:ext cx="15800201" cy="6866099"/>
+              <a:chOff x="0" y="-8099"/>
+              <a:chExt cx="15800201" cy="6866099"/>
+            </a:xfrm>
+          </p:grpSpPr>
+          <p:sp>
+            <p:nvSpPr>
+              <p:cNvPr id="3" name="Rectangle 2">
+                <a:extLst>
+                  <a:ext uri="{FF2B5EF4-FFF2-40B4-BE49-F238E27FC236}">
+                    <a16:creationId xmlns:a16="http://schemas.microsoft.com/office/drawing/2014/main" id="{AB5D9953-BB64-958F-26D8-65B4706B5397}"/>
+                  </a:ext>
+                </a:extLst>
+              </p:cNvPr>
+              <p:cNvSpPr/>
+              <p:nvPr/>
+            </p:nvSpPr>
+            <p:spPr>
+              <a:xfrm>
+                <a:off x="0" y="0"/>
+                <a:ext cx="12192000" cy="6858000"/>
+              </a:xfrm>
+              <a:prstGeom prst="rect">
+                <a:avLst/>
+              </a:prstGeom>
+              <a:solidFill>
+                <a:schemeClr val="bg1"/>
+              </a:solidFill>
+              <a:ln>
+                <a:noFill/>
+              </a:ln>
+            </p:spPr>
+            <p:style>
+              <a:lnRef idx="2">
+                <a:schemeClr val="accent1">
+                  <a:shade val="15000"/>
+                </a:schemeClr>
+              </a:lnRef>
+              <a:fillRef idx="1">
+                <a:schemeClr val="accent1"/>
+              </a:fillRef>
+              <a:effectRef idx="0">
+                <a:schemeClr val="accent1"/>
+              </a:effectRef>
+              <a:fontRef idx="minor">
+                <a:schemeClr val="lt1"/>
+              </a:fontRef>
+            </p:style>
+            <p:txBody>
+              <a:bodyPr rtlCol="0" anchor="ctr"/>
+              <a:lstStyle/>
+              <a:p>
+                <a:pPr algn="ctr"/>
+                <a:endParaRPr lang="LID4096"/>
+              </a:p>
+            </p:txBody>
+          </p:sp>
+          <p:sp>
+            <p:nvSpPr>
+              <p:cNvPr id="4" name="Rectangle: Rounded Corners 3">
+                <a:extLst>
+                  <a:ext uri="{FF2B5EF4-FFF2-40B4-BE49-F238E27FC236}">
+                    <a16:creationId xmlns:a16="http://schemas.microsoft.com/office/drawing/2014/main" id="{C1CAB2C0-829A-098D-0D0E-6D21DDF46D49}"/>
+                  </a:ext>
+                </a:extLst>
+              </p:cNvPr>
+              <p:cNvSpPr/>
+              <p:nvPr/>
+            </p:nvSpPr>
+            <p:spPr>
+              <a:xfrm>
+                <a:off x="5257570" y="5791627"/>
+                <a:ext cx="7632700" cy="723900"/>
+              </a:xfrm>
+              <a:prstGeom prst="roundRect">
+                <a:avLst>
+                  <a:gd name="adj" fmla="val 50000"/>
+                </a:avLst>
+              </a:prstGeom>
+              <a:solidFill>
+                <a:srgbClr val="EDF2FA"/>
+              </a:solidFill>
+              <a:ln>
+                <a:solidFill>
+                  <a:srgbClr val="FF0000"/>
+                </a:solidFill>
+              </a:ln>
+            </p:spPr>
+            <p:style>
+              <a:lnRef idx="2">
+                <a:schemeClr val="accent4"/>
+              </a:lnRef>
+              <a:fillRef idx="1">
+                <a:schemeClr val="lt1"/>
+              </a:fillRef>
+              <a:effectRef idx="0">
+                <a:schemeClr val="accent4"/>
+              </a:effectRef>
+              <a:fontRef idx="minor">
+                <a:schemeClr val="dk1"/>
+              </a:fontRef>
+            </p:style>
+            <p:txBody>
+              <a:bodyPr rtlCol="0" anchor="ctr"/>
+              <a:lstStyle/>
+              <a:p>
+                <a:r>
+                  <a:rPr lang="de-DE" sz="3200" dirty="0">
+                    <a:solidFill>
+                      <a:schemeClr val="bg1">
+                        <a:lumMod val="75000"/>
+                      </a:schemeClr>
+                    </a:solidFill>
+                    <a:latin typeface="Arial Rounded MT Bold" panose="020F0704030504030204" pitchFamily="34" charset="0"/>
+                  </a:rPr>
+                  <a:t>Type </a:t>
+                </a:r>
+                <a:r>
+                  <a:rPr lang="de-DE" sz="3200" dirty="0" err="1">
+                    <a:solidFill>
+                      <a:schemeClr val="bg1">
+                        <a:lumMod val="75000"/>
+                      </a:schemeClr>
+                    </a:solidFill>
+                    <a:latin typeface="Arial Rounded MT Bold" panose="020F0704030504030204" pitchFamily="34" charset="0"/>
+                  </a:rPr>
+                  <a:t>something</a:t>
+                </a:r>
+                <a:r>
+                  <a:rPr lang="de-DE" sz="3200" dirty="0">
+                    <a:solidFill>
+                      <a:schemeClr val="bg1">
+                        <a:lumMod val="75000"/>
+                      </a:schemeClr>
+                    </a:solidFill>
+                    <a:latin typeface="Arial Rounded MT Bold" panose="020F0704030504030204" pitchFamily="34" charset="0"/>
+                  </a:rPr>
+                  <a:t> </a:t>
+                </a:r>
+                <a:r>
+                  <a:rPr lang="de-DE" sz="3200" dirty="0" err="1">
+                    <a:solidFill>
+                      <a:schemeClr val="bg1">
+                        <a:lumMod val="75000"/>
+                      </a:schemeClr>
+                    </a:solidFill>
+                    <a:latin typeface="Arial Rounded MT Bold" panose="020F0704030504030204" pitchFamily="34" charset="0"/>
+                  </a:rPr>
+                  <a:t>to</a:t>
+                </a:r>
+                <a:r>
+                  <a:rPr lang="de-DE" sz="3200" dirty="0">
+                    <a:solidFill>
+                      <a:schemeClr val="bg1">
+                        <a:lumMod val="75000"/>
+                      </a:schemeClr>
+                    </a:solidFill>
+                    <a:latin typeface="Arial Rounded MT Bold" panose="020F0704030504030204" pitchFamily="34" charset="0"/>
+                  </a:rPr>
+                  <a:t> </a:t>
+                </a:r>
+                <a:r>
+                  <a:rPr lang="de-DE" sz="3200" dirty="0" err="1">
+                    <a:solidFill>
+                      <a:schemeClr val="bg1">
+                        <a:lumMod val="75000"/>
+                      </a:schemeClr>
+                    </a:solidFill>
+                    <a:latin typeface="Arial Rounded MT Bold" panose="020F0704030504030204" pitchFamily="34" charset="0"/>
+                  </a:rPr>
+                  <a:t>begin</a:t>
+                </a:r>
+                <a:r>
+                  <a:rPr lang="de-DE" sz="3200" dirty="0">
+                    <a:solidFill>
+                      <a:schemeClr val="bg1">
+                        <a:lumMod val="75000"/>
+                      </a:schemeClr>
+                    </a:solidFill>
+                    <a:latin typeface="Arial Rounded MT Bold" panose="020F0704030504030204" pitchFamily="34" charset="0"/>
+                  </a:rPr>
+                  <a:t> </a:t>
+                </a:r>
+                <a:r>
+                  <a:rPr lang="de-DE" sz="3200" dirty="0" err="1">
+                    <a:solidFill>
+                      <a:schemeClr val="bg1">
+                        <a:lumMod val="75000"/>
+                      </a:schemeClr>
+                    </a:solidFill>
+                    <a:latin typeface="Arial Rounded MT Bold" panose="020F0704030504030204" pitchFamily="34" charset="0"/>
+                  </a:rPr>
+                  <a:t>talking</a:t>
+                </a:r>
+                <a:r>
+                  <a:rPr lang="de-DE" sz="3200" dirty="0">
+                    <a:solidFill>
+                      <a:schemeClr val="bg1">
+                        <a:lumMod val="75000"/>
+                      </a:schemeClr>
+                    </a:solidFill>
+                    <a:latin typeface="Arial Rounded MT Bold" panose="020F0704030504030204" pitchFamily="34" charset="0"/>
+                  </a:rPr>
+                  <a:t>!</a:t>
+                </a:r>
+                <a:endParaRPr lang="LID4096" sz="3200" dirty="0">
+                  <a:solidFill>
+                    <a:schemeClr val="bg1">
+                      <a:lumMod val="75000"/>
+                    </a:schemeClr>
+                  </a:solidFill>
+                  <a:latin typeface="Arial Rounded MT Bold" panose="020F0704030504030204" pitchFamily="34" charset="0"/>
+                </a:endParaRPr>
+              </a:p>
+            </p:txBody>
+          </p:sp>
+          <p:sp>
+            <p:nvSpPr>
+              <p:cNvPr id="38" name="TextBox 37">
+                <a:extLst>
+                  <a:ext uri="{FF2B5EF4-FFF2-40B4-BE49-F238E27FC236}">
+                    <a16:creationId xmlns:a16="http://schemas.microsoft.com/office/drawing/2014/main" id="{502A3ACE-4F96-E6BF-F120-F2F63FED05A8}"/>
+                  </a:ext>
+                </a:extLst>
+              </p:cNvPr>
+              <p:cNvSpPr txBox="1"/>
+              <p:nvPr/>
+            </p:nvSpPr>
+            <p:spPr>
+              <a:xfrm>
+                <a:off x="2070272" y="1233209"/>
+                <a:ext cx="13723683" cy="1015663"/>
+              </a:xfrm>
+              <a:prstGeom prst="rect">
+                <a:avLst/>
+              </a:prstGeom>
+              <a:noFill/>
+            </p:spPr>
+            <p:txBody>
+              <a:bodyPr wrap="square" rtlCol="0">
+                <a:spAutoFit/>
+              </a:bodyPr>
+              <a:lstStyle/>
+              <a:p>
+                <a:pPr algn="ctr"/>
+                <a:r>
+                  <a:rPr lang="de-DE" sz="6000" dirty="0">
+                    <a:latin typeface="Comic Sans MS" panose="030F0702030302020204" pitchFamily="66" charset="0"/>
+                  </a:rPr>
+                  <a:t>Hello!</a:t>
+                </a:r>
+                <a:endParaRPr lang="LID4096" sz="6000" dirty="0">
+                  <a:latin typeface="Comic Sans MS" panose="030F0702030302020204" pitchFamily="66" charset="0"/>
+                </a:endParaRPr>
+              </a:p>
+            </p:txBody>
+          </p:sp>
+          <p:sp>
+            <p:nvSpPr>
+              <p:cNvPr id="39" name="TextBox 38">
+                <a:extLst>
+                  <a:ext uri="{FF2B5EF4-FFF2-40B4-BE49-F238E27FC236}">
+                    <a16:creationId xmlns:a16="http://schemas.microsoft.com/office/drawing/2014/main" id="{F3699046-57F7-8E6C-E733-29C6779030E7}"/>
+                  </a:ext>
+                </a:extLst>
+              </p:cNvPr>
+              <p:cNvSpPr txBox="1"/>
+              <p:nvPr/>
+            </p:nvSpPr>
+            <p:spPr>
+              <a:xfrm>
+                <a:off x="2076518" y="2103159"/>
+                <a:ext cx="13723683" cy="646331"/>
+              </a:xfrm>
+              <a:prstGeom prst="rect">
+                <a:avLst/>
+              </a:prstGeom>
+              <a:noFill/>
+            </p:spPr>
+            <p:txBody>
+              <a:bodyPr wrap="square" rtlCol="0">
+                <a:spAutoFit/>
+              </a:bodyPr>
+              <a:lstStyle/>
+              <a:p>
+                <a:pPr algn="ctr"/>
+                <a:r>
+                  <a:rPr lang="de-DE" sz="3600" dirty="0" err="1">
+                    <a:latin typeface="Comic Sans MS" panose="030F0702030302020204" pitchFamily="66" charset="0"/>
+                  </a:rPr>
+                  <a:t>I‘m</a:t>
+                </a:r>
+                <a:r>
+                  <a:rPr lang="de-DE" sz="3600" dirty="0">
+                    <a:latin typeface="Comic Sans MS" panose="030F0702030302020204" pitchFamily="66" charset="0"/>
+                  </a:rPr>
+                  <a:t> Vera, </a:t>
+                </a:r>
+                <a:r>
+                  <a:rPr lang="de-DE" sz="3600" dirty="0" err="1">
+                    <a:latin typeface="Comic Sans MS" panose="030F0702030302020204" pitchFamily="66" charset="0"/>
+                  </a:rPr>
+                  <a:t>here</a:t>
+                </a:r>
+                <a:r>
+                  <a:rPr lang="de-DE" sz="3600" dirty="0">
+                    <a:latin typeface="Comic Sans MS" panose="030F0702030302020204" pitchFamily="66" charset="0"/>
+                  </a:rPr>
+                  <a:t> </a:t>
+                </a:r>
+                <a:r>
+                  <a:rPr lang="de-DE" sz="3600" dirty="0" err="1">
+                    <a:latin typeface="Comic Sans MS" panose="030F0702030302020204" pitchFamily="66" charset="0"/>
+                  </a:rPr>
+                  <a:t>to</a:t>
+                </a:r>
+                <a:r>
+                  <a:rPr lang="de-DE" sz="3600" dirty="0">
+                    <a:latin typeface="Comic Sans MS" panose="030F0702030302020204" pitchFamily="66" charset="0"/>
+                  </a:rPr>
+                  <a:t> </a:t>
+                </a:r>
+                <a:r>
+                  <a:rPr lang="de-DE" sz="3600" dirty="0" err="1">
+                    <a:latin typeface="Comic Sans MS" panose="030F0702030302020204" pitchFamily="66" charset="0"/>
+                  </a:rPr>
+                  <a:t>help</a:t>
+                </a:r>
+                <a:r>
+                  <a:rPr lang="de-DE" sz="3600" dirty="0">
+                    <a:latin typeface="Comic Sans MS" panose="030F0702030302020204" pitchFamily="66" charset="0"/>
+                  </a:rPr>
+                  <a:t>!</a:t>
+                </a:r>
+                <a:endParaRPr lang="LID4096" sz="3600" dirty="0">
+                  <a:latin typeface="Comic Sans MS" panose="030F0702030302020204" pitchFamily="66" charset="0"/>
+                </a:endParaRPr>
+              </a:p>
+            </p:txBody>
+          </p:sp>
+          <p:sp>
+            <p:nvSpPr>
+              <p:cNvPr id="40" name="Rectangle 39">
+                <a:extLst>
+                  <a:ext uri="{FF2B5EF4-FFF2-40B4-BE49-F238E27FC236}">
+                    <a16:creationId xmlns:a16="http://schemas.microsoft.com/office/drawing/2014/main" id="{9617A156-9BED-E20D-F2EA-DF9DD5AD80FD}"/>
+                  </a:ext>
+                </a:extLst>
+              </p:cNvPr>
+              <p:cNvSpPr/>
+              <p:nvPr/>
+            </p:nvSpPr>
+            <p:spPr>
+              <a:xfrm>
+                <a:off x="0" y="0"/>
+                <a:ext cx="2063750" cy="6858000"/>
+              </a:xfrm>
+              <a:prstGeom prst="rect">
+                <a:avLst/>
+              </a:prstGeom>
+              <a:solidFill>
+                <a:schemeClr val="bg1"/>
+              </a:solidFill>
+              <a:ln>
+                <a:noFill/>
+              </a:ln>
+            </p:spPr>
+            <p:style>
+              <a:lnRef idx="2">
+                <a:schemeClr val="accent1">
+                  <a:shade val="15000"/>
+                </a:schemeClr>
+              </a:lnRef>
+              <a:fillRef idx="1">
+                <a:schemeClr val="accent1"/>
+              </a:fillRef>
+              <a:effectRef idx="0">
+                <a:schemeClr val="accent1"/>
+              </a:effectRef>
+              <a:fontRef idx="minor">
+                <a:schemeClr val="lt1"/>
+              </a:fontRef>
+            </p:style>
+            <p:txBody>
+              <a:bodyPr rtlCol="0" anchor="ctr"/>
+              <a:lstStyle/>
+              <a:p>
+                <a:pPr algn="ctr"/>
+                <a:endParaRPr lang="LID4096"/>
+              </a:p>
+            </p:txBody>
+          </p:sp>
+          <p:cxnSp>
+            <p:nvCxnSpPr>
+              <p:cNvPr id="41" name="Straight Connector 40">
+                <a:extLst>
+                  <a:ext uri="{FF2B5EF4-FFF2-40B4-BE49-F238E27FC236}">
+                    <a16:creationId xmlns:a16="http://schemas.microsoft.com/office/drawing/2014/main" id="{24532868-C4BD-05AF-1D67-9D3E647876CB}"/>
+                  </a:ext>
+                </a:extLst>
+              </p:cNvPr>
+              <p:cNvCxnSpPr/>
+              <p:nvPr/>
+            </p:nvCxnSpPr>
+            <p:spPr>
+              <a:xfrm flipV="1">
+                <a:off x="2063750" y="0"/>
+                <a:ext cx="0" cy="6858000"/>
+              </a:xfrm>
+              <a:prstGeom prst="line">
+                <a:avLst/>
+              </a:prstGeom>
+              <a:ln w="38100">
+                <a:solidFill>
+                  <a:srgbClr val="FF0000"/>
+                </a:solidFill>
+              </a:ln>
+            </p:spPr>
+            <p:style>
+              <a:lnRef idx="2">
+                <a:schemeClr val="dk1"/>
+              </a:lnRef>
+              <a:fillRef idx="0">
+                <a:schemeClr val="dk1"/>
+              </a:fillRef>
+              <a:effectRef idx="1">
+                <a:schemeClr val="dk1"/>
+              </a:effectRef>
+              <a:fontRef idx="minor">
+                <a:schemeClr val="tx1"/>
+              </a:fontRef>
+            </p:style>
+          </p:cxnSp>
+          <p:sp>
+            <p:nvSpPr>
+              <p:cNvPr id="42" name="TextBox 41">
+                <a:extLst>
+                  <a:ext uri="{FF2B5EF4-FFF2-40B4-BE49-F238E27FC236}">
+                    <a16:creationId xmlns:a16="http://schemas.microsoft.com/office/drawing/2014/main" id="{42EAEAED-9DDE-1AD9-F778-19A13A5DA64D}"/>
+                  </a:ext>
+                </a:extLst>
+              </p:cNvPr>
+              <p:cNvSpPr txBox="1"/>
+              <p:nvPr/>
+            </p:nvSpPr>
+            <p:spPr>
+              <a:xfrm>
+                <a:off x="0" y="1548199"/>
+                <a:ext cx="2063749" cy="338554"/>
+              </a:xfrm>
+              <a:prstGeom prst="rect">
+                <a:avLst/>
+              </a:prstGeom>
+              <a:noFill/>
+            </p:spPr>
+            <p:txBody>
+              <a:bodyPr wrap="square" rtlCol="0">
+                <a:spAutoFit/>
+              </a:bodyPr>
+              <a:lstStyle/>
+              <a:p>
+                <a:r>
+                  <a:rPr lang="de-DE" sz="1600" dirty="0" err="1">
+                    <a:latin typeface="Arial Rounded MT Bold" panose="020F0704030504030204" pitchFamily="34" charset="0"/>
+                  </a:rPr>
+                  <a:t>Previous</a:t>
+                </a:r>
+                <a:r>
+                  <a:rPr lang="de-DE" sz="1600" dirty="0">
+                    <a:latin typeface="Arial Rounded MT Bold" panose="020F0704030504030204" pitchFamily="34" charset="0"/>
+                  </a:rPr>
+                  <a:t> </a:t>
+                </a:r>
+                <a:r>
+                  <a:rPr lang="de-DE" sz="1600" dirty="0" err="1">
+                    <a:latin typeface="Arial Rounded MT Bold" panose="020F0704030504030204" pitchFamily="34" charset="0"/>
+                  </a:rPr>
+                  <a:t>Convo</a:t>
+                </a:r>
+                <a:r>
+                  <a:rPr lang="de-DE" sz="1600" dirty="0">
+                    <a:latin typeface="Arial Rounded MT Bold" panose="020F0704030504030204" pitchFamily="34" charset="0"/>
+                  </a:rPr>
+                  <a:t> 1</a:t>
+                </a:r>
+                <a:endParaRPr lang="LID4096" sz="1600" dirty="0">
+                  <a:latin typeface="Arial Rounded MT Bold" panose="020F0704030504030204" pitchFamily="34" charset="0"/>
+                </a:endParaRPr>
+              </a:p>
+            </p:txBody>
+          </p:sp>
+          <p:sp>
+            <p:nvSpPr>
+              <p:cNvPr id="43" name="TextBox 42">
+                <a:extLst>
+                  <a:ext uri="{FF2B5EF4-FFF2-40B4-BE49-F238E27FC236}">
+                    <a16:creationId xmlns:a16="http://schemas.microsoft.com/office/drawing/2014/main" id="{C56B0183-9D64-3875-E673-A3FE4D2FE6D0}"/>
+                  </a:ext>
+                </a:extLst>
+              </p:cNvPr>
+              <p:cNvSpPr txBox="1"/>
+              <p:nvPr/>
+            </p:nvSpPr>
+            <p:spPr>
+              <a:xfrm>
+                <a:off x="0" y="1910318"/>
+                <a:ext cx="2063749" cy="338554"/>
+              </a:xfrm>
+              <a:prstGeom prst="rect">
+                <a:avLst/>
+              </a:prstGeom>
+              <a:noFill/>
+            </p:spPr>
+            <p:txBody>
+              <a:bodyPr wrap="square" rtlCol="0">
+                <a:spAutoFit/>
+              </a:bodyPr>
+              <a:lstStyle/>
+              <a:p>
+                <a:r>
+                  <a:rPr lang="de-DE" sz="1600" dirty="0" err="1">
+                    <a:latin typeface="Arial Rounded MT Bold" panose="020F0704030504030204" pitchFamily="34" charset="0"/>
+                  </a:rPr>
+                  <a:t>Previous</a:t>
+                </a:r>
+                <a:r>
+                  <a:rPr lang="de-DE" sz="1600" dirty="0">
+                    <a:latin typeface="Arial Rounded MT Bold" panose="020F0704030504030204" pitchFamily="34" charset="0"/>
+                  </a:rPr>
+                  <a:t> </a:t>
+                </a:r>
+                <a:r>
+                  <a:rPr lang="de-DE" sz="1600" dirty="0" err="1">
+                    <a:latin typeface="Arial Rounded MT Bold" panose="020F0704030504030204" pitchFamily="34" charset="0"/>
+                  </a:rPr>
+                  <a:t>Convo</a:t>
+                </a:r>
+                <a:r>
+                  <a:rPr lang="de-DE" sz="1600" dirty="0">
+                    <a:latin typeface="Arial Rounded MT Bold" panose="020F0704030504030204" pitchFamily="34" charset="0"/>
+                  </a:rPr>
+                  <a:t> 2</a:t>
+                </a:r>
+                <a:endParaRPr lang="LID4096" sz="1600" dirty="0">
+                  <a:latin typeface="Arial Rounded MT Bold" panose="020F0704030504030204" pitchFamily="34" charset="0"/>
+                </a:endParaRPr>
+              </a:p>
+            </p:txBody>
+          </p:sp>
           <p:grpSp>
             <p:nvGrpSpPr>
-              <p:cNvPr id="48" name="Group 47">
+              <p:cNvPr id="44" name="Group 43">
                 <a:extLst>
                   <a:ext uri="{FF2B5EF4-FFF2-40B4-BE49-F238E27FC236}">
-                    <a16:creationId xmlns:a16="http://schemas.microsoft.com/office/drawing/2014/main" id="{513B7C39-8983-988A-A996-0D90D9A97DD7}"/>
+                    <a16:creationId xmlns:a16="http://schemas.microsoft.com/office/drawing/2014/main" id="{88BD0A05-CE5C-001F-AF65-0B08DDAD522C}"/>
                   </a:ext>
                 </a:extLst>
               </p:cNvPr>
@@ -4594,22 +4594,16 @@
               <a:xfrm>
                 <a:off x="368300" y="68350"/>
                 <a:ext cx="1327149" cy="1015663"/>
-                <a:chOff x="6536129" y="2914289"/>
-                <a:chExt cx="2239570" cy="1706313"/>
+                <a:chOff x="368300" y="68350"/>
+                <a:chExt cx="1327149" cy="1015663"/>
               </a:xfrm>
-              <a:solidFill>
-                <a:schemeClr val="tx1">
-                  <a:lumMod val="50000"/>
-                  <a:lumOff val="50000"/>
-                </a:schemeClr>
-              </a:solidFill>
             </p:grpSpPr>
             <p:grpSp>
               <p:nvGrpSpPr>
-                <p:cNvPr id="50" name="Group 49">
+                <p:cNvPr id="48" name="Group 47">
                   <a:extLst>
                     <a:ext uri="{FF2B5EF4-FFF2-40B4-BE49-F238E27FC236}">
-                      <a16:creationId xmlns:a16="http://schemas.microsoft.com/office/drawing/2014/main" id="{ADA991B7-D364-4997-BD3C-820392497238}"/>
+                      <a16:creationId xmlns:a16="http://schemas.microsoft.com/office/drawing/2014/main" id="{513B7C39-8983-988A-A996-0D90D9A97DD7}"/>
                     </a:ext>
                   </a:extLst>
                 </p:cNvPr>
@@ -4618,206 +4612,24 @@
               </p:nvGrpSpPr>
               <p:grpSpPr>
                 <a:xfrm>
-                  <a:off x="6536129" y="2914289"/>
-                  <a:ext cx="2239570" cy="639955"/>
-                  <a:chOff x="4207018" y="2854688"/>
-                  <a:chExt cx="2239570" cy="639955"/>
+                  <a:off x="368300" y="68350"/>
+                  <a:ext cx="1327149" cy="1015663"/>
+                  <a:chOff x="6536129" y="2914289"/>
+                  <a:chExt cx="2239570" cy="1706313"/>
                 </a:xfrm>
-                <a:grpFill/>
-              </p:grpSpPr>
-              <p:sp>
-                <p:nvSpPr>
-                  <p:cNvPr id="61" name="Rectangle: Rounded Corners 60">
-                    <a:extLst>
-                      <a:ext uri="{FF2B5EF4-FFF2-40B4-BE49-F238E27FC236}">
-                        <a16:creationId xmlns:a16="http://schemas.microsoft.com/office/drawing/2014/main" id="{AF11B1D4-07E9-1489-F9C6-2DE7B7156A5F}"/>
-                      </a:ext>
-                    </a:extLst>
-                  </p:cNvPr>
-                  <p:cNvSpPr/>
-                  <p:nvPr/>
-                </p:nvSpPr>
-                <p:spPr>
-                  <a:xfrm rot="19231271">
-                    <a:off x="4207018" y="3260291"/>
-                    <a:ext cx="1344304" cy="206131"/>
-                  </a:xfrm>
-                  <a:prstGeom prst="roundRect">
-                    <a:avLst/>
-                  </a:prstGeom>
-                  <a:grpFill/>
-                  <a:ln>
-                    <a:solidFill>
-                      <a:schemeClr val="tx1">
-                        <a:lumMod val="50000"/>
-                        <a:lumOff val="50000"/>
-                      </a:schemeClr>
-                    </a:solidFill>
-                  </a:ln>
-                </p:spPr>
-                <p:style>
-                  <a:lnRef idx="2">
-                    <a:schemeClr val="dk1">
-                      <a:shade val="15000"/>
-                    </a:schemeClr>
-                  </a:lnRef>
-                  <a:fillRef idx="1">
-                    <a:schemeClr val="dk1"/>
-                  </a:fillRef>
-                  <a:effectRef idx="0">
-                    <a:schemeClr val="dk1"/>
-                  </a:effectRef>
-                  <a:fontRef idx="minor">
-                    <a:schemeClr val="lt1"/>
-                  </a:fontRef>
-                </p:style>
-                <p:txBody>
-                  <a:bodyPr rtlCol="0" anchor="ctr"/>
-                  <a:lstStyle/>
-                  <a:p>
-                    <a:pPr algn="ctr"/>
-                    <a:endParaRPr lang="LID4096"/>
-                  </a:p>
-                </p:txBody>
-              </p:sp>
-              <p:sp>
-                <p:nvSpPr>
-                  <p:cNvPr id="62" name="Rectangle: Rounded Corners 61">
-                    <a:extLst>
-                      <a:ext uri="{FF2B5EF4-FFF2-40B4-BE49-F238E27FC236}">
-                        <a16:creationId xmlns:a16="http://schemas.microsoft.com/office/drawing/2014/main" id="{B7007A12-129B-5DB9-E4C2-498BCCB4FE66}"/>
-                      </a:ext>
-                    </a:extLst>
-                  </p:cNvPr>
-                  <p:cNvSpPr/>
-                  <p:nvPr/>
-                </p:nvSpPr>
-                <p:spPr>
-                  <a:xfrm rot="2378676">
-                    <a:off x="5102284" y="3260291"/>
-                    <a:ext cx="1344304" cy="206131"/>
-                  </a:xfrm>
-                  <a:prstGeom prst="roundRect">
-                    <a:avLst/>
-                  </a:prstGeom>
-                  <a:grpFill/>
-                  <a:ln>
-                    <a:solidFill>
-                      <a:schemeClr val="tx1">
-                        <a:lumMod val="50000"/>
-                        <a:lumOff val="50000"/>
-                      </a:schemeClr>
-                    </a:solidFill>
-                  </a:ln>
-                </p:spPr>
-                <p:style>
-                  <a:lnRef idx="2">
-                    <a:schemeClr val="dk1">
-                      <a:shade val="15000"/>
-                    </a:schemeClr>
-                  </a:lnRef>
-                  <a:fillRef idx="1">
-                    <a:schemeClr val="dk1"/>
-                  </a:fillRef>
-                  <a:effectRef idx="0">
-                    <a:schemeClr val="dk1"/>
-                  </a:effectRef>
-                  <a:fontRef idx="minor">
-                    <a:schemeClr val="lt1"/>
-                  </a:fontRef>
-                </p:style>
-                <p:txBody>
-                  <a:bodyPr rtlCol="0" anchor="ctr"/>
-                  <a:lstStyle/>
-                  <a:p>
-                    <a:pPr algn="ctr"/>
-                    <a:endParaRPr lang="LID4096"/>
-                  </a:p>
-                </p:txBody>
-              </p:sp>
-              <p:sp>
-                <p:nvSpPr>
-                  <p:cNvPr id="63" name="Rectangle: Rounded Corners 62">
-                    <a:extLst>
-                      <a:ext uri="{FF2B5EF4-FFF2-40B4-BE49-F238E27FC236}">
-                        <a16:creationId xmlns:a16="http://schemas.microsoft.com/office/drawing/2014/main" id="{A5E24289-E5D9-B8D4-E79E-FAF630DAA67D}"/>
-                      </a:ext>
-                    </a:extLst>
-                  </p:cNvPr>
-                  <p:cNvSpPr/>
-                  <p:nvPr/>
-                </p:nvSpPr>
-                <p:spPr>
-                  <a:xfrm>
-                    <a:off x="5774436" y="2854688"/>
-                    <a:ext cx="267589" cy="639955"/>
-                  </a:xfrm>
-                  <a:prstGeom prst="roundRect">
-                    <a:avLst/>
-                  </a:prstGeom>
-                  <a:grpFill/>
-                  <a:ln>
-                    <a:solidFill>
-                      <a:schemeClr val="tx1">
-                        <a:lumMod val="50000"/>
-                        <a:lumOff val="50000"/>
-                      </a:schemeClr>
-                    </a:solidFill>
-                  </a:ln>
-                </p:spPr>
-                <p:style>
-                  <a:lnRef idx="2">
-                    <a:schemeClr val="dk1">
-                      <a:shade val="15000"/>
-                    </a:schemeClr>
-                  </a:lnRef>
-                  <a:fillRef idx="1">
-                    <a:schemeClr val="dk1"/>
-                  </a:fillRef>
-                  <a:effectRef idx="0">
-                    <a:schemeClr val="dk1"/>
-                  </a:effectRef>
-                  <a:fontRef idx="minor">
-                    <a:schemeClr val="lt1"/>
-                  </a:fontRef>
-                </p:style>
-                <p:txBody>
-                  <a:bodyPr rtlCol="0" anchor="ctr"/>
-                  <a:lstStyle/>
-                  <a:p>
-                    <a:pPr algn="ctr"/>
-                    <a:endParaRPr lang="LID4096"/>
-                  </a:p>
-                </p:txBody>
-              </p:sp>
-            </p:grpSp>
-            <p:grpSp>
-              <p:nvGrpSpPr>
-                <p:cNvPr id="51" name="Group 50">
-                  <a:extLst>
-                    <a:ext uri="{FF2B5EF4-FFF2-40B4-BE49-F238E27FC236}">
-                      <a16:creationId xmlns:a16="http://schemas.microsoft.com/office/drawing/2014/main" id="{740BF06B-3553-E31F-DBCF-AFEFA35ADAAF}"/>
-                    </a:ext>
-                  </a:extLst>
-                </p:cNvPr>
-                <p:cNvGrpSpPr/>
-                <p:nvPr/>
-              </p:nvGrpSpPr>
-              <p:grpSpPr>
-                <a:xfrm>
-                  <a:off x="6846026" y="3554244"/>
-                  <a:ext cx="1627770" cy="1066358"/>
-                  <a:chOff x="6861901" y="3588550"/>
-                  <a:chExt cx="1627770" cy="1066358"/>
-                </a:xfrm>
-                <a:grpFill/>
+                <a:solidFill>
+                  <a:schemeClr val="tx1">
+                    <a:lumMod val="50000"/>
+                    <a:lumOff val="50000"/>
+                  </a:schemeClr>
+                </a:solidFill>
               </p:grpSpPr>
               <p:grpSp>
                 <p:nvGrpSpPr>
-                  <p:cNvPr id="52" name="Group 51">
+                  <p:cNvPr id="50" name="Group 49">
                     <a:extLst>
                       <a:ext uri="{FF2B5EF4-FFF2-40B4-BE49-F238E27FC236}">
-                        <a16:creationId xmlns:a16="http://schemas.microsoft.com/office/drawing/2014/main" id="{2762784C-0DB8-81E2-4771-B4B7DB2B20A8}"/>
+                        <a16:creationId xmlns:a16="http://schemas.microsoft.com/office/drawing/2014/main" id="{ADA991B7-D364-4997-BD3C-820392497238}"/>
                       </a:ext>
                     </a:extLst>
                   </p:cNvPr>
@@ -4826,19 +4638,19 @@
                 </p:nvGrpSpPr>
                 <p:grpSpPr>
                   <a:xfrm>
-                    <a:off x="6921741" y="3871242"/>
-                    <a:ext cx="1501534" cy="783666"/>
-                    <a:chOff x="6664566" y="4802236"/>
-                    <a:chExt cx="1501534" cy="783666"/>
+                    <a:off x="6536129" y="2914289"/>
+                    <a:ext cx="2239570" cy="639955"/>
+                    <a:chOff x="4207018" y="2854688"/>
+                    <a:chExt cx="2239570" cy="639955"/>
                   </a:xfrm>
                   <a:grpFill/>
                 </p:grpSpPr>
                 <p:sp>
                   <p:nvSpPr>
-                    <p:cNvPr id="56" name="Rectangle: Rounded Corners 55">
+                    <p:cNvPr id="61" name="Rectangle: Rounded Corners 60">
                       <a:extLst>
                         <a:ext uri="{FF2B5EF4-FFF2-40B4-BE49-F238E27FC236}">
-                          <a16:creationId xmlns:a16="http://schemas.microsoft.com/office/drawing/2014/main" id="{F71C560D-9591-E868-3953-82A96E120F92}"/>
+                          <a16:creationId xmlns:a16="http://schemas.microsoft.com/office/drawing/2014/main" id="{AF11B1D4-07E9-1489-F9C6-2DE7B7156A5F}"/>
                         </a:ext>
                       </a:extLst>
                     </p:cNvPr>
@@ -4846,9 +4658,9 @@
                     <p:nvPr/>
                   </p:nvSpPr>
                   <p:spPr>
-                    <a:xfrm>
-                      <a:off x="6664566" y="4896925"/>
-                      <a:ext cx="579317" cy="688976"/>
+                    <a:xfrm rot="19231271">
+                      <a:off x="4207018" y="3260291"/>
+                      <a:ext cx="1344304" cy="206131"/>
                     </a:xfrm>
                     <a:prstGeom prst="roundRect">
                       <a:avLst/>
@@ -4890,10 +4702,10 @@
                 </p:sp>
                 <p:sp>
                   <p:nvSpPr>
-                    <p:cNvPr id="57" name="Rectangle: Rounded Corners 56">
+                    <p:cNvPr id="62" name="Rectangle: Rounded Corners 61">
                       <a:extLst>
                         <a:ext uri="{FF2B5EF4-FFF2-40B4-BE49-F238E27FC236}">
-                          <a16:creationId xmlns:a16="http://schemas.microsoft.com/office/drawing/2014/main" id="{07834760-E6ED-1A79-ABCC-F3D47E845C94}"/>
+                          <a16:creationId xmlns:a16="http://schemas.microsoft.com/office/drawing/2014/main" id="{B7007A12-129B-5DB9-E4C2-498BCCB4FE66}"/>
                         </a:ext>
                       </a:extLst>
                     </p:cNvPr>
@@ -4901,9 +4713,9 @@
                     <p:nvPr/>
                   </p:nvSpPr>
                   <p:spPr>
-                    <a:xfrm>
-                      <a:off x="7586783" y="4896926"/>
-                      <a:ext cx="579317" cy="688976"/>
+                    <a:xfrm rot="2378676">
+                      <a:off x="5102284" y="3260291"/>
+                      <a:ext cx="1344304" cy="206131"/>
                     </a:xfrm>
                     <a:prstGeom prst="roundRect">
                       <a:avLst/>
@@ -4945,10 +4757,10 @@
                 </p:sp>
                 <p:sp>
                   <p:nvSpPr>
-                    <p:cNvPr id="58" name="Rectangle: Rounded Corners 57">
+                    <p:cNvPr id="63" name="Rectangle: Rounded Corners 62">
                       <a:extLst>
                         <a:ext uri="{FF2B5EF4-FFF2-40B4-BE49-F238E27FC236}">
-                          <a16:creationId xmlns:a16="http://schemas.microsoft.com/office/drawing/2014/main" id="{EADEE4A7-7721-1126-9192-05E0EC9F81F5}"/>
+                          <a16:creationId xmlns:a16="http://schemas.microsoft.com/office/drawing/2014/main" id="{A5E24289-E5D9-B8D4-E79E-FAF630DAA67D}"/>
                         </a:ext>
                       </a:extLst>
                     </p:cNvPr>
@@ -4957,8 +4769,441 @@
                   </p:nvSpPr>
                   <p:spPr>
                     <a:xfrm>
-                      <a:off x="6664566" y="4895617"/>
-                      <a:ext cx="1501534" cy="162054"/>
+                      <a:off x="5774436" y="2854688"/>
+                      <a:ext cx="267589" cy="639955"/>
+                    </a:xfrm>
+                    <a:prstGeom prst="roundRect">
+                      <a:avLst/>
+                    </a:prstGeom>
+                    <a:grpFill/>
+                    <a:ln>
+                      <a:solidFill>
+                        <a:schemeClr val="tx1">
+                          <a:lumMod val="50000"/>
+                          <a:lumOff val="50000"/>
+                        </a:schemeClr>
+                      </a:solidFill>
+                    </a:ln>
+                  </p:spPr>
+                  <p:style>
+                    <a:lnRef idx="2">
+                      <a:schemeClr val="dk1">
+                        <a:shade val="15000"/>
+                      </a:schemeClr>
+                    </a:lnRef>
+                    <a:fillRef idx="1">
+                      <a:schemeClr val="dk1"/>
+                    </a:fillRef>
+                    <a:effectRef idx="0">
+                      <a:schemeClr val="dk1"/>
+                    </a:effectRef>
+                    <a:fontRef idx="minor">
+                      <a:schemeClr val="lt1"/>
+                    </a:fontRef>
+                  </p:style>
+                  <p:txBody>
+                    <a:bodyPr rtlCol="0" anchor="ctr"/>
+                    <a:lstStyle/>
+                    <a:p>
+                      <a:pPr algn="ctr"/>
+                      <a:endParaRPr lang="LID4096"/>
+                    </a:p>
+                  </p:txBody>
+                </p:sp>
+              </p:grpSp>
+              <p:grpSp>
+                <p:nvGrpSpPr>
+                  <p:cNvPr id="51" name="Group 50">
+                    <a:extLst>
+                      <a:ext uri="{FF2B5EF4-FFF2-40B4-BE49-F238E27FC236}">
+                        <a16:creationId xmlns:a16="http://schemas.microsoft.com/office/drawing/2014/main" id="{740BF06B-3553-E31F-DBCF-AFEFA35ADAAF}"/>
+                      </a:ext>
+                    </a:extLst>
+                  </p:cNvPr>
+                  <p:cNvGrpSpPr/>
+                  <p:nvPr/>
+                </p:nvGrpSpPr>
+                <p:grpSpPr>
+                  <a:xfrm>
+                    <a:off x="6846026" y="3554244"/>
+                    <a:ext cx="1627770" cy="1066358"/>
+                    <a:chOff x="6861901" y="3588550"/>
+                    <a:chExt cx="1627770" cy="1066358"/>
+                  </a:xfrm>
+                  <a:grpFill/>
+                </p:grpSpPr>
+                <p:grpSp>
+                  <p:nvGrpSpPr>
+                    <p:cNvPr id="52" name="Group 51">
+                      <a:extLst>
+                        <a:ext uri="{FF2B5EF4-FFF2-40B4-BE49-F238E27FC236}">
+                          <a16:creationId xmlns:a16="http://schemas.microsoft.com/office/drawing/2014/main" id="{2762784C-0DB8-81E2-4771-B4B7DB2B20A8}"/>
+                        </a:ext>
+                      </a:extLst>
+                    </p:cNvPr>
+                    <p:cNvGrpSpPr/>
+                    <p:nvPr/>
+                  </p:nvGrpSpPr>
+                  <p:grpSpPr>
+                    <a:xfrm>
+                      <a:off x="6921741" y="3871242"/>
+                      <a:ext cx="1501534" cy="783666"/>
+                      <a:chOff x="6664566" y="4802236"/>
+                      <a:chExt cx="1501534" cy="783666"/>
+                    </a:xfrm>
+                    <a:grpFill/>
+                  </p:grpSpPr>
+                  <p:sp>
+                    <p:nvSpPr>
+                      <p:cNvPr id="56" name="Rectangle: Rounded Corners 55">
+                        <a:extLst>
+                          <a:ext uri="{FF2B5EF4-FFF2-40B4-BE49-F238E27FC236}">
+                            <a16:creationId xmlns:a16="http://schemas.microsoft.com/office/drawing/2014/main" id="{F71C560D-9591-E868-3953-82A96E120F92}"/>
+                          </a:ext>
+                        </a:extLst>
+                      </p:cNvPr>
+                      <p:cNvSpPr/>
+                      <p:nvPr/>
+                    </p:nvSpPr>
+                    <p:spPr>
+                      <a:xfrm>
+                        <a:off x="6664566" y="4896925"/>
+                        <a:ext cx="579317" cy="688976"/>
+                      </a:xfrm>
+                      <a:prstGeom prst="roundRect">
+                        <a:avLst/>
+                      </a:prstGeom>
+                      <a:grpFill/>
+                      <a:ln>
+                        <a:solidFill>
+                          <a:schemeClr val="tx1">
+                            <a:lumMod val="50000"/>
+                            <a:lumOff val="50000"/>
+                          </a:schemeClr>
+                        </a:solidFill>
+                      </a:ln>
+                    </p:spPr>
+                    <p:style>
+                      <a:lnRef idx="2">
+                        <a:schemeClr val="dk1">
+                          <a:shade val="15000"/>
+                        </a:schemeClr>
+                      </a:lnRef>
+                      <a:fillRef idx="1">
+                        <a:schemeClr val="dk1"/>
+                      </a:fillRef>
+                      <a:effectRef idx="0">
+                        <a:schemeClr val="dk1"/>
+                      </a:effectRef>
+                      <a:fontRef idx="minor">
+                        <a:schemeClr val="lt1"/>
+                      </a:fontRef>
+                    </p:style>
+                    <p:txBody>
+                      <a:bodyPr rtlCol="0" anchor="ctr"/>
+                      <a:lstStyle/>
+                      <a:p>
+                        <a:pPr algn="ctr"/>
+                        <a:endParaRPr lang="LID4096"/>
+                      </a:p>
+                    </p:txBody>
+                  </p:sp>
+                  <p:sp>
+                    <p:nvSpPr>
+                      <p:cNvPr id="57" name="Rectangle: Rounded Corners 56">
+                        <a:extLst>
+                          <a:ext uri="{FF2B5EF4-FFF2-40B4-BE49-F238E27FC236}">
+                            <a16:creationId xmlns:a16="http://schemas.microsoft.com/office/drawing/2014/main" id="{07834760-E6ED-1A79-ABCC-F3D47E845C94}"/>
+                          </a:ext>
+                        </a:extLst>
+                      </p:cNvPr>
+                      <p:cNvSpPr/>
+                      <p:nvPr/>
+                    </p:nvSpPr>
+                    <p:spPr>
+                      <a:xfrm>
+                        <a:off x="7586783" y="4896926"/>
+                        <a:ext cx="579317" cy="688976"/>
+                      </a:xfrm>
+                      <a:prstGeom prst="roundRect">
+                        <a:avLst/>
+                      </a:prstGeom>
+                      <a:grpFill/>
+                      <a:ln>
+                        <a:solidFill>
+                          <a:schemeClr val="tx1">
+                            <a:lumMod val="50000"/>
+                            <a:lumOff val="50000"/>
+                          </a:schemeClr>
+                        </a:solidFill>
+                      </a:ln>
+                    </p:spPr>
+                    <p:style>
+                      <a:lnRef idx="2">
+                        <a:schemeClr val="dk1">
+                          <a:shade val="15000"/>
+                        </a:schemeClr>
+                      </a:lnRef>
+                      <a:fillRef idx="1">
+                        <a:schemeClr val="dk1"/>
+                      </a:fillRef>
+                      <a:effectRef idx="0">
+                        <a:schemeClr val="dk1"/>
+                      </a:effectRef>
+                      <a:fontRef idx="minor">
+                        <a:schemeClr val="lt1"/>
+                      </a:fontRef>
+                    </p:style>
+                    <p:txBody>
+                      <a:bodyPr rtlCol="0" anchor="ctr"/>
+                      <a:lstStyle/>
+                      <a:p>
+                        <a:pPr algn="ctr"/>
+                        <a:endParaRPr lang="LID4096"/>
+                      </a:p>
+                    </p:txBody>
+                  </p:sp>
+                  <p:sp>
+                    <p:nvSpPr>
+                      <p:cNvPr id="58" name="Rectangle: Rounded Corners 57">
+                        <a:extLst>
+                          <a:ext uri="{FF2B5EF4-FFF2-40B4-BE49-F238E27FC236}">
+                            <a16:creationId xmlns:a16="http://schemas.microsoft.com/office/drawing/2014/main" id="{EADEE4A7-7721-1126-9192-05E0EC9F81F5}"/>
+                          </a:ext>
+                        </a:extLst>
+                      </p:cNvPr>
+                      <p:cNvSpPr/>
+                      <p:nvPr/>
+                    </p:nvSpPr>
+                    <p:spPr>
+                      <a:xfrm>
+                        <a:off x="6664566" y="4895617"/>
+                        <a:ext cx="1501534" cy="162054"/>
+                      </a:xfrm>
+                      <a:prstGeom prst="roundRect">
+                        <a:avLst/>
+                      </a:prstGeom>
+                      <a:grpFill/>
+                      <a:ln>
+                        <a:solidFill>
+                          <a:schemeClr val="tx1">
+                            <a:lumMod val="50000"/>
+                            <a:lumOff val="50000"/>
+                          </a:schemeClr>
+                        </a:solidFill>
+                      </a:ln>
+                    </p:spPr>
+                    <p:style>
+                      <a:lnRef idx="2">
+                        <a:schemeClr val="dk1">
+                          <a:shade val="15000"/>
+                        </a:schemeClr>
+                      </a:lnRef>
+                      <a:fillRef idx="1">
+                        <a:schemeClr val="dk1"/>
+                      </a:fillRef>
+                      <a:effectRef idx="0">
+                        <a:schemeClr val="dk1"/>
+                      </a:effectRef>
+                      <a:fontRef idx="minor">
+                        <a:schemeClr val="lt1"/>
+                      </a:fontRef>
+                    </p:style>
+                    <p:txBody>
+                      <a:bodyPr rtlCol="0" anchor="ctr"/>
+                      <a:lstStyle/>
+                      <a:p>
+                        <a:pPr algn="ctr"/>
+                        <a:endParaRPr lang="LID4096"/>
+                      </a:p>
+                    </p:txBody>
+                  </p:sp>
+                  <p:sp>
+                    <p:nvSpPr>
+                      <p:cNvPr id="59" name="Plaque 58">
+                        <a:extLst>
+                          <a:ext uri="{FF2B5EF4-FFF2-40B4-BE49-F238E27FC236}">
+                            <a16:creationId xmlns:a16="http://schemas.microsoft.com/office/drawing/2014/main" id="{3198BFAC-2514-E3C3-E2CC-576FE905370A}"/>
+                          </a:ext>
+                        </a:extLst>
+                      </p:cNvPr>
+                      <p:cNvSpPr/>
+                      <p:nvPr/>
+                    </p:nvSpPr>
+                    <p:spPr>
+                      <a:xfrm>
+                        <a:off x="7028253" y="4802236"/>
+                        <a:ext cx="344850" cy="384175"/>
+                      </a:xfrm>
+                      <a:prstGeom prst="plaque">
+                        <a:avLst>
+                          <a:gd name="adj" fmla="val 37843"/>
+                        </a:avLst>
+                      </a:prstGeom>
+                      <a:grpFill/>
+                      <a:ln>
+                        <a:solidFill>
+                          <a:schemeClr val="tx1">
+                            <a:lumMod val="50000"/>
+                            <a:lumOff val="50000"/>
+                          </a:schemeClr>
+                        </a:solidFill>
+                      </a:ln>
+                    </p:spPr>
+                    <p:style>
+                      <a:lnRef idx="2">
+                        <a:schemeClr val="accent1">
+                          <a:shade val="15000"/>
+                        </a:schemeClr>
+                      </a:lnRef>
+                      <a:fillRef idx="1">
+                        <a:schemeClr val="accent1"/>
+                      </a:fillRef>
+                      <a:effectRef idx="0">
+                        <a:schemeClr val="accent1"/>
+                      </a:effectRef>
+                      <a:fontRef idx="minor">
+                        <a:schemeClr val="lt1"/>
+                      </a:fontRef>
+                    </p:style>
+                    <p:txBody>
+                      <a:bodyPr rtlCol="0" anchor="ctr"/>
+                      <a:lstStyle/>
+                      <a:p>
+                        <a:pPr algn="ctr"/>
+                        <a:endParaRPr lang="LID4096"/>
+                      </a:p>
+                    </p:txBody>
+                  </p:sp>
+                  <p:sp>
+                    <p:nvSpPr>
+                      <p:cNvPr id="60" name="Plaque 59">
+                        <a:extLst>
+                          <a:ext uri="{FF2B5EF4-FFF2-40B4-BE49-F238E27FC236}">
+                            <a16:creationId xmlns:a16="http://schemas.microsoft.com/office/drawing/2014/main" id="{3B1D135C-4583-55A3-7D03-9EEF97A996B6}"/>
+                          </a:ext>
+                        </a:extLst>
+                      </p:cNvPr>
+                      <p:cNvSpPr/>
+                      <p:nvPr/>
+                    </p:nvSpPr>
+                    <p:spPr>
+                      <a:xfrm>
+                        <a:off x="7458169" y="4802401"/>
+                        <a:ext cx="344850" cy="384176"/>
+                      </a:xfrm>
+                      <a:prstGeom prst="plaque">
+                        <a:avLst>
+                          <a:gd name="adj" fmla="val 37843"/>
+                        </a:avLst>
+                      </a:prstGeom>
+                      <a:grpFill/>
+                      <a:ln>
+                        <a:solidFill>
+                          <a:schemeClr val="tx1">
+                            <a:lumMod val="50000"/>
+                            <a:lumOff val="50000"/>
+                          </a:schemeClr>
+                        </a:solidFill>
+                      </a:ln>
+                    </p:spPr>
+                    <p:style>
+                      <a:lnRef idx="2">
+                        <a:schemeClr val="accent1">
+                          <a:shade val="15000"/>
+                        </a:schemeClr>
+                      </a:lnRef>
+                      <a:fillRef idx="1">
+                        <a:schemeClr val="accent1"/>
+                      </a:fillRef>
+                      <a:effectRef idx="0">
+                        <a:schemeClr val="accent1"/>
+                      </a:effectRef>
+                      <a:fontRef idx="minor">
+                        <a:schemeClr val="lt1"/>
+                      </a:fontRef>
+                    </p:style>
+                    <p:txBody>
+                      <a:bodyPr rtlCol="0" anchor="ctr"/>
+                      <a:lstStyle/>
+                      <a:p>
+                        <a:pPr algn="ctr"/>
+                        <a:endParaRPr lang="LID4096"/>
+                      </a:p>
+                    </p:txBody>
+                  </p:sp>
+                </p:grpSp>
+                <p:sp>
+                  <p:nvSpPr>
+                    <p:cNvPr id="53" name="Rectangle: Rounded Corners 52">
+                      <a:extLst>
+                        <a:ext uri="{FF2B5EF4-FFF2-40B4-BE49-F238E27FC236}">
+                          <a16:creationId xmlns:a16="http://schemas.microsoft.com/office/drawing/2014/main" id="{8CAF68DD-B053-47EF-9FD8-C4C3DD0870E4}"/>
+                        </a:ext>
+                      </a:extLst>
+                    </p:cNvPr>
+                    <p:cNvSpPr/>
+                    <p:nvPr/>
+                  </p:nvSpPr>
+                  <p:spPr>
+                    <a:xfrm rot="19231271">
+                      <a:off x="6861901" y="3633792"/>
+                      <a:ext cx="1002099" cy="206131"/>
+                    </a:xfrm>
+                    <a:prstGeom prst="roundRect">
+                      <a:avLst/>
+                    </a:prstGeom>
+                    <a:grpFill/>
+                    <a:ln>
+                      <a:solidFill>
+                        <a:schemeClr val="tx1">
+                          <a:lumMod val="50000"/>
+                          <a:lumOff val="50000"/>
+                        </a:schemeClr>
+                      </a:solidFill>
+                    </a:ln>
+                  </p:spPr>
+                  <p:style>
+                    <a:lnRef idx="2">
+                      <a:schemeClr val="dk1">
+                        <a:shade val="15000"/>
+                      </a:schemeClr>
+                    </a:lnRef>
+                    <a:fillRef idx="1">
+                      <a:schemeClr val="dk1"/>
+                    </a:fillRef>
+                    <a:effectRef idx="0">
+                      <a:schemeClr val="dk1"/>
+                    </a:effectRef>
+                    <a:fontRef idx="minor">
+                      <a:schemeClr val="lt1"/>
+                    </a:fontRef>
+                  </p:style>
+                  <p:txBody>
+                    <a:bodyPr rtlCol="0" anchor="ctr"/>
+                    <a:lstStyle/>
+                    <a:p>
+                      <a:pPr algn="ctr"/>
+                      <a:endParaRPr lang="LID4096" dirty="0"/>
+                    </a:p>
+                  </p:txBody>
+                </p:sp>
+                <p:sp>
+                  <p:nvSpPr>
+                    <p:cNvPr id="54" name="Rectangle: Rounded Corners 53">
+                      <a:extLst>
+                        <a:ext uri="{FF2B5EF4-FFF2-40B4-BE49-F238E27FC236}">
+                          <a16:creationId xmlns:a16="http://schemas.microsoft.com/office/drawing/2014/main" id="{3156607D-7DF0-684B-B340-9495651589D6}"/>
+                        </a:ext>
+                      </a:extLst>
+                    </p:cNvPr>
+                    <p:cNvSpPr/>
+                    <p:nvPr/>
+                  </p:nvSpPr>
+                  <p:spPr>
+                    <a:xfrm rot="2378676">
+                      <a:off x="7496983" y="3631155"/>
+                      <a:ext cx="992688" cy="206131"/>
                     </a:xfrm>
                     <a:prstGeom prst="roundRect">
                       <a:avLst/>
@@ -5000,10 +5245,10 @@
                 </p:sp>
                 <p:sp>
                   <p:nvSpPr>
-                    <p:cNvPr id="59" name="Plaque 58">
+                    <p:cNvPr id="55" name="Isosceles Triangle 54">
                       <a:extLst>
                         <a:ext uri="{FF2B5EF4-FFF2-40B4-BE49-F238E27FC236}">
-                          <a16:creationId xmlns:a16="http://schemas.microsoft.com/office/drawing/2014/main" id="{3198BFAC-2514-E3C3-E2CC-576FE905370A}"/>
+                          <a16:creationId xmlns:a16="http://schemas.microsoft.com/office/drawing/2014/main" id="{F2A38FE6-28A0-A364-1034-0FB074FEA9CA}"/>
                         </a:ext>
                       </a:extLst>
                     </p:cNvPr>
@@ -5012,12 +5257,12 @@
                   </p:nvSpPr>
                   <p:spPr>
                     <a:xfrm>
-                      <a:off x="7028253" y="4802236"/>
-                      <a:ext cx="344850" cy="384175"/>
+                      <a:off x="7231064" y="3588550"/>
+                      <a:ext cx="923484" cy="384175"/>
                     </a:xfrm>
-                    <a:prstGeom prst="plaque">
+                    <a:prstGeom prst="triangle">
                       <a:avLst>
-                        <a:gd name="adj" fmla="val 37843"/>
+                        <a:gd name="adj" fmla="val 47688"/>
                       </a:avLst>
                     </a:prstGeom>
                     <a:grpFill/>
@@ -5032,72 +5277,15 @@
                   </p:spPr>
                   <p:style>
                     <a:lnRef idx="2">
-                      <a:schemeClr val="accent1">
+                      <a:schemeClr val="dk1">
                         <a:shade val="15000"/>
                       </a:schemeClr>
                     </a:lnRef>
                     <a:fillRef idx="1">
-                      <a:schemeClr val="accent1"/>
+                      <a:schemeClr val="dk1"/>
                     </a:fillRef>
                     <a:effectRef idx="0">
-                      <a:schemeClr val="accent1"/>
-                    </a:effectRef>
-                    <a:fontRef idx="minor">
-                      <a:schemeClr val="lt1"/>
-                    </a:fontRef>
-                  </p:style>
-                  <p:txBody>
-                    <a:bodyPr rtlCol="0" anchor="ctr"/>
-                    <a:lstStyle/>
-                    <a:p>
-                      <a:pPr algn="ctr"/>
-                      <a:endParaRPr lang="LID4096"/>
-                    </a:p>
-                  </p:txBody>
-                </p:sp>
-                <p:sp>
-                  <p:nvSpPr>
-                    <p:cNvPr id="60" name="Plaque 59">
-                      <a:extLst>
-                        <a:ext uri="{FF2B5EF4-FFF2-40B4-BE49-F238E27FC236}">
-                          <a16:creationId xmlns:a16="http://schemas.microsoft.com/office/drawing/2014/main" id="{3B1D135C-4583-55A3-7D03-9EEF97A996B6}"/>
-                        </a:ext>
-                      </a:extLst>
-                    </p:cNvPr>
-                    <p:cNvSpPr/>
-                    <p:nvPr/>
-                  </p:nvSpPr>
-                  <p:spPr>
-                    <a:xfrm>
-                      <a:off x="7458169" y="4802401"/>
-                      <a:ext cx="344850" cy="384176"/>
-                    </a:xfrm>
-                    <a:prstGeom prst="plaque">
-                      <a:avLst>
-                        <a:gd name="adj" fmla="val 37843"/>
-                      </a:avLst>
-                    </a:prstGeom>
-                    <a:grpFill/>
-                    <a:ln>
-                      <a:solidFill>
-                        <a:schemeClr val="tx1">
-                          <a:lumMod val="50000"/>
-                          <a:lumOff val="50000"/>
-                        </a:schemeClr>
-                      </a:solidFill>
-                    </a:ln>
-                  </p:spPr>
-                  <p:style>
-                    <a:lnRef idx="2">
-                      <a:schemeClr val="accent1">
-                        <a:shade val="15000"/>
-                      </a:schemeClr>
-                    </a:lnRef>
-                    <a:fillRef idx="1">
-                      <a:schemeClr val="accent1"/>
-                    </a:fillRef>
-                    <a:effectRef idx="0">
-                      <a:schemeClr val="accent1"/>
+                      <a:schemeClr val="dk1"/>
                     </a:effectRef>
                     <a:fontRef idx="minor">
                       <a:schemeClr val="lt1"/>
@@ -5113,181 +5301,345 @@
                   </p:txBody>
                 </p:sp>
               </p:grpSp>
-              <p:sp>
-                <p:nvSpPr>
-                  <p:cNvPr id="53" name="Rectangle: Rounded Corners 52">
-                    <a:extLst>
-                      <a:ext uri="{FF2B5EF4-FFF2-40B4-BE49-F238E27FC236}">
-                        <a16:creationId xmlns:a16="http://schemas.microsoft.com/office/drawing/2014/main" id="{8CAF68DD-B053-47EF-9FD8-C4C3DD0870E4}"/>
-                      </a:ext>
-                    </a:extLst>
-                  </p:cNvPr>
-                  <p:cNvSpPr/>
-                  <p:nvPr/>
-                </p:nvSpPr>
-                <p:spPr>
-                  <a:xfrm rot="19231271">
-                    <a:off x="6861901" y="3633792"/>
-                    <a:ext cx="1002099" cy="206131"/>
-                  </a:xfrm>
-                  <a:prstGeom prst="roundRect">
-                    <a:avLst/>
-                  </a:prstGeom>
-                  <a:grpFill/>
-                  <a:ln>
-                    <a:solidFill>
-                      <a:schemeClr val="tx1">
-                        <a:lumMod val="50000"/>
-                        <a:lumOff val="50000"/>
-                      </a:schemeClr>
-                    </a:solidFill>
-                  </a:ln>
-                </p:spPr>
-                <p:style>
-                  <a:lnRef idx="2">
-                    <a:schemeClr val="dk1">
-                      <a:shade val="15000"/>
+            </p:grpSp>
+            <p:sp>
+              <p:nvSpPr>
+                <p:cNvPr id="49" name="Plaque 48">
+                  <a:extLst>
+                    <a:ext uri="{FF2B5EF4-FFF2-40B4-BE49-F238E27FC236}">
+                      <a16:creationId xmlns:a16="http://schemas.microsoft.com/office/drawing/2014/main" id="{5E0B99BB-9922-F5E3-48CC-99A20C1620C9}"/>
+                    </a:ext>
+                  </a:extLst>
+                </p:cNvPr>
+                <p:cNvSpPr/>
+                <p:nvPr/>
+              </p:nvSpPr>
+              <p:spPr>
+                <a:xfrm rot="2622955">
+                  <a:off x="995139" y="191207"/>
+                  <a:ext cx="69797" cy="68383"/>
+                </a:xfrm>
+                <a:prstGeom prst="plaque">
+                  <a:avLst>
+                    <a:gd name="adj" fmla="val 50000"/>
+                  </a:avLst>
+                </a:prstGeom>
+                <a:solidFill>
+                  <a:schemeClr val="tx1">
+                    <a:lumMod val="50000"/>
+                    <a:lumOff val="50000"/>
+                  </a:schemeClr>
+                </a:solidFill>
+                <a:ln>
+                  <a:solidFill>
+                    <a:schemeClr val="tx1">
+                      <a:lumMod val="50000"/>
+                      <a:lumOff val="50000"/>
                     </a:schemeClr>
-                  </a:lnRef>
-                  <a:fillRef idx="1">
-                    <a:schemeClr val="dk1"/>
-                  </a:fillRef>
-                  <a:effectRef idx="0">
-                    <a:schemeClr val="dk1"/>
-                  </a:effectRef>
-                  <a:fontRef idx="minor">
-                    <a:schemeClr val="lt1"/>
-                  </a:fontRef>
-                </p:style>
-                <p:txBody>
-                  <a:bodyPr rtlCol="0" anchor="ctr"/>
-                  <a:lstStyle/>
-                  <a:p>
-                    <a:pPr algn="ctr"/>
-                    <a:endParaRPr lang="LID4096" dirty="0"/>
-                  </a:p>
-                </p:txBody>
-              </p:sp>
-              <p:sp>
-                <p:nvSpPr>
-                  <p:cNvPr id="54" name="Rectangle: Rounded Corners 53">
-                    <a:extLst>
-                      <a:ext uri="{FF2B5EF4-FFF2-40B4-BE49-F238E27FC236}">
-                        <a16:creationId xmlns:a16="http://schemas.microsoft.com/office/drawing/2014/main" id="{3156607D-7DF0-684B-B340-9495651589D6}"/>
-                      </a:ext>
-                    </a:extLst>
-                  </p:cNvPr>
-                  <p:cNvSpPr/>
-                  <p:nvPr/>
-                </p:nvSpPr>
-                <p:spPr>
-                  <a:xfrm rot="2378676">
-                    <a:off x="7496983" y="3631155"/>
-                    <a:ext cx="992688" cy="206131"/>
-                  </a:xfrm>
-                  <a:prstGeom prst="roundRect">
-                    <a:avLst/>
-                  </a:prstGeom>
-                  <a:grpFill/>
-                  <a:ln>
-                    <a:solidFill>
-                      <a:schemeClr val="tx1">
-                        <a:lumMod val="50000"/>
-                        <a:lumOff val="50000"/>
-                      </a:schemeClr>
-                    </a:solidFill>
-                  </a:ln>
-                </p:spPr>
-                <p:style>
-                  <a:lnRef idx="2">
-                    <a:schemeClr val="dk1">
-                      <a:shade val="15000"/>
-                    </a:schemeClr>
-                  </a:lnRef>
-                  <a:fillRef idx="1">
-                    <a:schemeClr val="dk1"/>
-                  </a:fillRef>
-                  <a:effectRef idx="0">
-                    <a:schemeClr val="dk1"/>
-                  </a:effectRef>
-                  <a:fontRef idx="minor">
-                    <a:schemeClr val="lt1"/>
-                  </a:fontRef>
-                </p:style>
-                <p:txBody>
-                  <a:bodyPr rtlCol="0" anchor="ctr"/>
-                  <a:lstStyle/>
-                  <a:p>
-                    <a:pPr algn="ctr"/>
-                    <a:endParaRPr lang="LID4096"/>
-                  </a:p>
-                </p:txBody>
-              </p:sp>
-              <p:sp>
-                <p:nvSpPr>
-                  <p:cNvPr id="55" name="Isosceles Triangle 54">
-                    <a:extLst>
-                      <a:ext uri="{FF2B5EF4-FFF2-40B4-BE49-F238E27FC236}">
-                        <a16:creationId xmlns:a16="http://schemas.microsoft.com/office/drawing/2014/main" id="{F2A38FE6-28A0-A364-1034-0FB074FEA9CA}"/>
-                      </a:ext>
-                    </a:extLst>
-                  </p:cNvPr>
-                  <p:cNvSpPr/>
-                  <p:nvPr/>
-                </p:nvSpPr>
-                <p:spPr>
-                  <a:xfrm>
-                    <a:off x="7231064" y="3588550"/>
-                    <a:ext cx="923484" cy="384175"/>
-                  </a:xfrm>
-                  <a:prstGeom prst="triangle">
-                    <a:avLst>
-                      <a:gd name="adj" fmla="val 47688"/>
-                    </a:avLst>
-                  </a:prstGeom>
-                  <a:grpFill/>
-                  <a:ln>
-                    <a:solidFill>
-                      <a:schemeClr val="tx1">
-                        <a:lumMod val="50000"/>
-                        <a:lumOff val="50000"/>
-                      </a:schemeClr>
-                    </a:solidFill>
-                  </a:ln>
-                </p:spPr>
-                <p:style>
-                  <a:lnRef idx="2">
-                    <a:schemeClr val="dk1">
-                      <a:shade val="15000"/>
-                    </a:schemeClr>
-                  </a:lnRef>
-                  <a:fillRef idx="1">
-                    <a:schemeClr val="dk1"/>
-                  </a:fillRef>
-                  <a:effectRef idx="0">
-                    <a:schemeClr val="dk1"/>
-                  </a:effectRef>
-                  <a:fontRef idx="minor">
-                    <a:schemeClr val="lt1"/>
-                  </a:fontRef>
-                </p:style>
-                <p:txBody>
-                  <a:bodyPr rtlCol="0" anchor="ctr"/>
-                  <a:lstStyle/>
-                  <a:p>
-                    <a:pPr algn="ctr"/>
-                    <a:endParaRPr lang="LID4096"/>
-                  </a:p>
-                </p:txBody>
-              </p:sp>
-            </p:grpSp>
+                  </a:solidFill>
+                </a:ln>
+              </p:spPr>
+              <p:style>
+                <a:lnRef idx="2">
+                  <a:schemeClr val="accent1">
+                    <a:shade val="15000"/>
+                  </a:schemeClr>
+                </a:lnRef>
+                <a:fillRef idx="1">
+                  <a:schemeClr val="accent1"/>
+                </a:fillRef>
+                <a:effectRef idx="0">
+                  <a:schemeClr val="accent1"/>
+                </a:effectRef>
+                <a:fontRef idx="minor">
+                  <a:schemeClr val="lt1"/>
+                </a:fontRef>
+              </p:style>
+              <p:txBody>
+                <a:bodyPr rtlCol="0" anchor="ctr"/>
+                <a:lstStyle/>
+                <a:p>
+                  <a:pPr algn="ctr"/>
+                  <a:endParaRPr lang="LID4096"/>
+                </a:p>
+              </p:txBody>
+            </p:sp>
           </p:grpSp>
           <p:sp>
             <p:nvSpPr>
-              <p:cNvPr id="49" name="Plaque 48">
+              <p:cNvPr id="45" name="TextBox 44">
                 <a:extLst>
                   <a:ext uri="{FF2B5EF4-FFF2-40B4-BE49-F238E27FC236}">
-                    <a16:creationId xmlns:a16="http://schemas.microsoft.com/office/drawing/2014/main" id="{5E0B99BB-9922-F5E3-48CC-99A20C1620C9}"/>
+                    <a16:creationId xmlns:a16="http://schemas.microsoft.com/office/drawing/2014/main" id="{29C4EA67-0FD8-2F44-F42E-516E33F45DB9}"/>
+                  </a:ext>
+                </a:extLst>
+              </p:cNvPr>
+              <p:cNvSpPr txBox="1"/>
+              <p:nvPr/>
+            </p:nvSpPr>
+            <p:spPr>
+              <a:xfrm>
+                <a:off x="4980609" y="-8099"/>
+                <a:ext cx="7874332" cy="369332"/>
+              </a:xfrm>
+              <a:prstGeom prst="rect">
+                <a:avLst/>
+              </a:prstGeom>
+              <a:noFill/>
+            </p:spPr>
+            <p:txBody>
+              <a:bodyPr wrap="square" rtlCol="0">
+                <a:spAutoFit/>
+              </a:bodyPr>
+              <a:lstStyle/>
+              <a:p>
+                <a:pPr algn="ctr"/>
+                <a:r>
+                  <a:rPr lang="de-DE" dirty="0">
+                    <a:solidFill>
+                      <a:schemeClr val="bg1">
+                        <a:lumMod val="50000"/>
+                      </a:schemeClr>
+                    </a:solidFill>
+                  </a:rPr>
+                  <a:t>This </a:t>
+                </a:r>
+                <a:r>
+                  <a:rPr lang="de-DE" dirty="0" err="1">
+                    <a:solidFill>
+                      <a:schemeClr val="bg1">
+                        <a:lumMod val="50000"/>
+                      </a:schemeClr>
+                    </a:solidFill>
+                  </a:rPr>
+                  <a:t>model</a:t>
+                </a:r>
+                <a:r>
+                  <a:rPr lang="de-DE" dirty="0">
+                    <a:solidFill>
+                      <a:schemeClr val="bg1">
+                        <a:lumMod val="50000"/>
+                      </a:schemeClr>
+                    </a:solidFill>
+                  </a:rPr>
+                  <a:t> </a:t>
+                </a:r>
+                <a:r>
+                  <a:rPr lang="de-DE" dirty="0" err="1">
+                    <a:solidFill>
+                      <a:schemeClr val="bg1">
+                        <a:lumMod val="50000"/>
+                      </a:schemeClr>
+                    </a:solidFill>
+                  </a:rPr>
+                  <a:t>can</a:t>
+                </a:r>
+                <a:r>
+                  <a:rPr lang="de-DE" dirty="0">
+                    <a:solidFill>
+                      <a:schemeClr val="bg1">
+                        <a:lumMod val="50000"/>
+                      </a:schemeClr>
+                    </a:solidFill>
+                  </a:rPr>
+                  <a:t> </a:t>
+                </a:r>
+                <a:r>
+                  <a:rPr lang="de-DE" dirty="0" err="1">
+                    <a:solidFill>
+                      <a:schemeClr val="bg1">
+                        <a:lumMod val="50000"/>
+                      </a:schemeClr>
+                    </a:solidFill>
+                  </a:rPr>
+                  <a:t>make</a:t>
+                </a:r>
+                <a:r>
+                  <a:rPr lang="de-DE" dirty="0">
+                    <a:solidFill>
+                      <a:schemeClr val="bg1">
+                        <a:lumMod val="50000"/>
+                      </a:schemeClr>
+                    </a:solidFill>
+                  </a:rPr>
+                  <a:t> </a:t>
+                </a:r>
+                <a:r>
+                  <a:rPr lang="de-DE" dirty="0" err="1">
+                    <a:solidFill>
+                      <a:schemeClr val="bg1">
+                        <a:lumMod val="50000"/>
+                      </a:schemeClr>
+                    </a:solidFill>
+                  </a:rPr>
+                  <a:t>mistakes</a:t>
+                </a:r>
+                <a:r>
+                  <a:rPr lang="de-DE" dirty="0">
+                    <a:solidFill>
+                      <a:schemeClr val="bg1">
+                        <a:lumMod val="50000"/>
+                      </a:schemeClr>
+                    </a:solidFill>
+                  </a:rPr>
+                  <a:t>. </a:t>
+                </a:r>
+                <a:r>
+                  <a:rPr lang="de-DE" dirty="0" err="1">
+                    <a:solidFill>
+                      <a:schemeClr val="bg1">
+                        <a:lumMod val="50000"/>
+                      </a:schemeClr>
+                    </a:solidFill>
+                  </a:rPr>
+                  <a:t>Make</a:t>
+                </a:r>
+                <a:r>
+                  <a:rPr lang="de-DE" dirty="0">
+                    <a:solidFill>
+                      <a:schemeClr val="bg1">
+                        <a:lumMod val="50000"/>
+                      </a:schemeClr>
+                    </a:solidFill>
+                  </a:rPr>
+                  <a:t> </a:t>
+                </a:r>
+                <a:r>
+                  <a:rPr lang="de-DE" dirty="0" err="1">
+                    <a:solidFill>
+                      <a:schemeClr val="bg1">
+                        <a:lumMod val="50000"/>
+                      </a:schemeClr>
+                    </a:solidFill>
+                  </a:rPr>
+                  <a:t>sure</a:t>
+                </a:r>
+                <a:r>
+                  <a:rPr lang="de-DE" dirty="0">
+                    <a:solidFill>
+                      <a:schemeClr val="bg1">
+                        <a:lumMod val="50000"/>
+                      </a:schemeClr>
+                    </a:solidFill>
+                  </a:rPr>
+                  <a:t> </a:t>
+                </a:r>
+                <a:r>
+                  <a:rPr lang="de-DE" dirty="0" err="1">
+                    <a:solidFill>
+                      <a:schemeClr val="bg1">
+                        <a:lumMod val="50000"/>
+                      </a:schemeClr>
+                    </a:solidFill>
+                  </a:rPr>
+                  <a:t>everything</a:t>
+                </a:r>
+                <a:r>
+                  <a:rPr lang="de-DE" dirty="0">
+                    <a:solidFill>
+                      <a:schemeClr val="bg1">
+                        <a:lumMod val="50000"/>
+                      </a:schemeClr>
+                    </a:solidFill>
+                  </a:rPr>
+                  <a:t> </a:t>
+                </a:r>
+                <a:r>
+                  <a:rPr lang="de-DE" dirty="0" err="1">
+                    <a:solidFill>
+                      <a:schemeClr val="bg1">
+                        <a:lumMod val="50000"/>
+                      </a:schemeClr>
+                    </a:solidFill>
+                  </a:rPr>
+                  <a:t>is</a:t>
+                </a:r>
+                <a:r>
+                  <a:rPr lang="de-DE" dirty="0">
+                    <a:solidFill>
+                      <a:schemeClr val="bg1">
+                        <a:lumMod val="50000"/>
+                      </a:schemeClr>
+                    </a:solidFill>
+                  </a:rPr>
+                  <a:t> </a:t>
+                </a:r>
+                <a:r>
+                  <a:rPr lang="de-DE" dirty="0" err="1">
+                    <a:solidFill>
+                      <a:schemeClr val="bg1">
+                        <a:lumMod val="50000"/>
+                      </a:schemeClr>
+                    </a:solidFill>
+                  </a:rPr>
+                  <a:t>true</a:t>
+                </a:r>
+                <a:r>
+                  <a:rPr lang="de-DE" dirty="0">
+                    <a:solidFill>
+                      <a:schemeClr val="bg1">
+                        <a:lumMod val="50000"/>
+                      </a:schemeClr>
+                    </a:solidFill>
+                  </a:rPr>
+                  <a:t> </a:t>
+                </a:r>
+                <a:r>
+                  <a:rPr lang="de-DE" dirty="0" err="1">
+                    <a:solidFill>
+                      <a:schemeClr val="bg1">
+                        <a:lumMod val="50000"/>
+                      </a:schemeClr>
+                    </a:solidFill>
+                  </a:rPr>
+                  <a:t>before</a:t>
+                </a:r>
+                <a:r>
+                  <a:rPr lang="de-DE" dirty="0">
+                    <a:solidFill>
+                      <a:schemeClr val="bg1">
+                        <a:lumMod val="50000"/>
+                      </a:schemeClr>
+                    </a:solidFill>
+                  </a:rPr>
+                  <a:t> </a:t>
+                </a:r>
+                <a:r>
+                  <a:rPr lang="de-DE" dirty="0" err="1">
+                    <a:solidFill>
+                      <a:schemeClr val="bg1">
+                        <a:lumMod val="50000"/>
+                      </a:schemeClr>
+                    </a:solidFill>
+                  </a:rPr>
+                  <a:t>believing</a:t>
+                </a:r>
+                <a:r>
+                  <a:rPr lang="de-DE" dirty="0">
+                    <a:solidFill>
+                      <a:schemeClr val="bg1">
+                        <a:lumMod val="50000"/>
+                      </a:schemeClr>
+                    </a:solidFill>
+                  </a:rPr>
+                  <a:t> it.</a:t>
+                </a:r>
+                <a:endParaRPr lang="LID4096" dirty="0">
+                  <a:solidFill>
+                    <a:schemeClr val="bg1">
+                      <a:lumMod val="50000"/>
+                    </a:schemeClr>
+                  </a:solidFill>
+                </a:endParaRPr>
+              </a:p>
+            </p:txBody>
+          </p:sp>
+          <p:sp>
+            <p:nvSpPr>
+              <p:cNvPr id="46" name="Oval 45">
+                <a:extLst>
+                  <a:ext uri="{FF2B5EF4-FFF2-40B4-BE49-F238E27FC236}">
+                    <a16:creationId xmlns:a16="http://schemas.microsoft.com/office/drawing/2014/main" id="{838A2481-5030-EE5C-8659-C1344692AFA7}"/>
                   </a:ext>
                 </a:extLst>
               </p:cNvPr>
@@ -5295,27 +5647,19 @@
               <p:nvPr/>
             </p:nvSpPr>
             <p:spPr>
-              <a:xfrm rot="2622955">
-                <a:off x="995139" y="191207"/>
-                <a:ext cx="69797" cy="68383"/>
+              <a:xfrm>
+                <a:off x="13106169" y="5791626"/>
+                <a:ext cx="723899" cy="723900"/>
               </a:xfrm>
-              <a:prstGeom prst="plaque">
-                <a:avLst>
-                  <a:gd name="adj" fmla="val 50000"/>
-                </a:avLst>
+              <a:prstGeom prst="ellipse">
+                <a:avLst/>
               </a:prstGeom>
               <a:solidFill>
-                <a:schemeClr val="tx1">
-                  <a:lumMod val="50000"/>
-                  <a:lumOff val="50000"/>
-                </a:schemeClr>
+                <a:srgbClr val="EDF2FA"/>
               </a:solidFill>
               <a:ln>
                 <a:solidFill>
-                  <a:schemeClr val="tx1">
-                    <a:lumMod val="50000"/>
-                    <a:lumOff val="50000"/>
-                  </a:schemeClr>
+                  <a:srgbClr val="00B0F0"/>
                 </a:solidFill>
               </a:ln>
             </p:spPr>
@@ -5340,17 +5684,123 @@
               <a:lstStyle/>
               <a:p>
                 <a:pPr algn="ctr"/>
-                <a:endParaRPr lang="LID4096"/>
+                <a:r>
+                  <a:rPr lang="de-DE" sz="6000" dirty="0">
+                    <a:solidFill>
+                      <a:schemeClr val="tx1"/>
+                    </a:solidFill>
+                  </a:rPr>
+                  <a:t>+</a:t>
+                </a:r>
+                <a:endParaRPr lang="LID4096" sz="6000" dirty="0">
+                  <a:solidFill>
+                    <a:schemeClr val="tx1"/>
+                  </a:solidFill>
+                </a:endParaRPr>
               </a:p>
             </p:txBody>
           </p:sp>
+          <p:pic>
+            <p:nvPicPr>
+              <p:cNvPr id="47" name="Picture 46" descr="A logo with blue and white stripes&#10;&#10;Description automatically generated">
+                <a:extLst>
+                  <a:ext uri="{FF2B5EF4-FFF2-40B4-BE49-F238E27FC236}">
+                    <a16:creationId xmlns:a16="http://schemas.microsoft.com/office/drawing/2014/main" id="{FB18B3CB-38C6-40DA-8DEE-4304DCABBE60}"/>
+                  </a:ext>
+                </a:extLst>
+              </p:cNvPr>
+              <p:cNvPicPr>
+                <a:picLocks noChangeAspect="1"/>
+              </p:cNvPicPr>
+              <p:nvPr/>
+            </p:nvPicPr>
+            <p:blipFill>
+              <a:blip r:embed="rId3">
+                <a:extLst>
+                  <a:ext uri="{28A0092B-C50C-407E-A947-70E740481C1C}">
+                    <a14:useLocalDpi xmlns:a14="http://schemas.microsoft.com/office/drawing/2010/main" val="0"/>
+                  </a:ext>
+                </a:extLst>
+              </a:blip>
+              <a:stretch>
+                <a:fillRect/>
+              </a:stretch>
+            </p:blipFill>
+            <p:spPr>
+              <a:xfrm>
+                <a:off x="7898962" y="3366867"/>
+                <a:ext cx="2088527" cy="2082227"/>
+              </a:xfrm>
+              <a:prstGeom prst="rect">
+                <a:avLst/>
+              </a:prstGeom>
+            </p:spPr>
+          </p:pic>
         </p:grpSp>
+        <p:pic>
+          <p:nvPicPr>
+            <p:cNvPr id="64" name="Picture 63" descr="A logo with blue and white stripes&#10;&#10;Description automatically generated">
+              <a:extLst>
+                <a:ext uri="{FF2B5EF4-FFF2-40B4-BE49-F238E27FC236}">
+                  <a16:creationId xmlns:a16="http://schemas.microsoft.com/office/drawing/2014/main" id="{AAC0CA36-491C-5F6B-7AA6-62CF7C92CE96}"/>
+                </a:ext>
+              </a:extLst>
+            </p:cNvPr>
+            <p:cNvPicPr>
+              <a:picLocks noChangeAspect="1"/>
+            </p:cNvPicPr>
+            <p:nvPr/>
+          </p:nvPicPr>
+          <p:blipFill>
+            <a:blip r:embed="rId4">
+              <a:extLst>
+                <a:ext uri="{BEBA8EAE-BF5A-486C-A8C5-ECC9F3942E4B}">
+                  <a14:imgProps xmlns:a14="http://schemas.microsoft.com/office/drawing/2010/main">
+                    <a14:imgLayer r:embed="rId5">
+                      <a14:imgEffect>
+                        <a14:backgroundRemoval t="10000" b="90000" l="10000" r="90000">
+                          <a14:backgroundMark x1="23002" y1="48033" x2="47587" y2="83359"/>
+                          <a14:backgroundMark x1="47587" y1="83359" x2="55732" y2="81165"/>
+                          <a14:backgroundMark x1="55732" y1="81165" x2="79713" y2="47352"/>
+                          <a14:backgroundMark x1="79713" y1="47352" x2="79713" y2="47352"/>
+                          <a14:backgroundMark x1="78658" y1="41150" x2="78658" y2="41150"/>
+                          <a14:backgroundMark x1="78205" y1="40696" x2="78205" y2="40696"/>
+                          <a14:backgroundMark x1="78130" y1="38200" x2="78130" y2="43116"/>
+                          <a14:backgroundMark x1="78582" y1="33964" x2="78281" y2="29123"/>
+                          <a14:backgroundMark x1="53017" y1="28139" x2="53243" y2="27912"/>
+                          <a14:backgroundMark x1="77979" y1="39713" x2="78281" y2="42890"/>
+                          <a14:backgroundMark x1="78130" y1="40696" x2="78205" y2="43192"/>
+                          <a14:backgroundMark x1="77903" y1="40847" x2="78205" y2="42814"/>
+                          <a14:backgroundMark x1="69683" y1="56505" x2="71719" y2="53707"/>
+                        </a14:backgroundRemoval>
+                      </a14:imgEffect>
+                    </a14:imgLayer>
+                  </a14:imgProps>
+                </a:ext>
+                <a:ext uri="{28A0092B-C50C-407E-A947-70E740481C1C}">
+                  <a14:useLocalDpi xmlns:a14="http://schemas.microsoft.com/office/drawing/2010/main" val="0"/>
+                </a:ext>
+              </a:extLst>
+            </a:blip>
+            <a:srcRect l="20932" t="21634" r="21535" b="19823"/>
+            <a:stretch/>
+          </p:blipFill>
+          <p:spPr>
+            <a:xfrm>
+              <a:off x="-902713" y="100541"/>
+              <a:ext cx="202625" cy="205566"/>
+            </a:xfrm>
+            <a:prstGeom prst="rect">
+              <a:avLst/>
+            </a:prstGeom>
+          </p:spPr>
+        </p:pic>
         <p:sp>
           <p:nvSpPr>
-            <p:cNvPr id="45" name="TextBox 44">
+            <p:cNvPr id="65" name="TextBox 64">
               <a:extLst>
                 <a:ext uri="{FF2B5EF4-FFF2-40B4-BE49-F238E27FC236}">
-                  <a16:creationId xmlns:a16="http://schemas.microsoft.com/office/drawing/2014/main" id="{29C4EA67-0FD8-2F44-F42E-516E33F45DB9}"/>
+                  <a16:creationId xmlns:a16="http://schemas.microsoft.com/office/drawing/2014/main" id="{4861EBB7-A0B7-9180-0786-E76AF18BC29E}"/>
                 </a:ext>
               </a:extLst>
             </p:cNvPr>
@@ -5359,8 +5809,8 @@
           </p:nvSpPr>
           <p:spPr>
             <a:xfrm>
-              <a:off x="4980609" y="-8099"/>
-              <a:ext cx="7874332" cy="369332"/>
+              <a:off x="-700088" y="18658"/>
+              <a:ext cx="657943" cy="369332"/>
             </a:xfrm>
             <a:prstGeom prst="rect">
               <a:avLst/>
@@ -5373,480 +5823,51 @@
             </a:bodyPr>
             <a:lstStyle/>
             <a:p>
-              <a:pPr algn="ctr"/>
               <a:r>
-                <a:rPr lang="de-DE" dirty="0">
-                  <a:solidFill>
-                    <a:schemeClr val="bg1">
-                      <a:lumMod val="50000"/>
-                    </a:schemeClr>
-                  </a:solidFill>
-                </a:rPr>
-                <a:t>This </a:t>
+                <a:rPr lang="de-DE" dirty="0"/>
+                <a:t>Vera</a:t>
               </a:r>
-              <a:r>
-                <a:rPr lang="de-DE" dirty="0" err="1">
-                  <a:solidFill>
-                    <a:schemeClr val="bg1">
-                      <a:lumMod val="50000"/>
-                    </a:schemeClr>
-                  </a:solidFill>
-                </a:rPr>
-                <a:t>model</a:t>
-              </a:r>
-              <a:r>
-                <a:rPr lang="de-DE" dirty="0">
-                  <a:solidFill>
-                    <a:schemeClr val="bg1">
-                      <a:lumMod val="50000"/>
-                    </a:schemeClr>
-                  </a:solidFill>
-                </a:rPr>
-                <a:t> </a:t>
-              </a:r>
-              <a:r>
-                <a:rPr lang="de-DE" dirty="0" err="1">
-                  <a:solidFill>
-                    <a:schemeClr val="bg1">
-                      <a:lumMod val="50000"/>
-                    </a:schemeClr>
-                  </a:solidFill>
-                </a:rPr>
-                <a:t>can</a:t>
-              </a:r>
-              <a:r>
-                <a:rPr lang="de-DE" dirty="0">
-                  <a:solidFill>
-                    <a:schemeClr val="bg1">
-                      <a:lumMod val="50000"/>
-                    </a:schemeClr>
-                  </a:solidFill>
-                </a:rPr>
-                <a:t> </a:t>
-              </a:r>
-              <a:r>
-                <a:rPr lang="de-DE" dirty="0" err="1">
-                  <a:solidFill>
-                    <a:schemeClr val="bg1">
-                      <a:lumMod val="50000"/>
-                    </a:schemeClr>
-                  </a:solidFill>
-                </a:rPr>
-                <a:t>make</a:t>
-              </a:r>
-              <a:r>
-                <a:rPr lang="de-DE" dirty="0">
-                  <a:solidFill>
-                    <a:schemeClr val="bg1">
-                      <a:lumMod val="50000"/>
-                    </a:schemeClr>
-                  </a:solidFill>
-                </a:rPr>
-                <a:t> </a:t>
-              </a:r>
-              <a:r>
-                <a:rPr lang="de-DE" dirty="0" err="1">
-                  <a:solidFill>
-                    <a:schemeClr val="bg1">
-                      <a:lumMod val="50000"/>
-                    </a:schemeClr>
-                  </a:solidFill>
-                </a:rPr>
-                <a:t>mistakes</a:t>
-              </a:r>
-              <a:r>
-                <a:rPr lang="de-DE" dirty="0">
-                  <a:solidFill>
-                    <a:schemeClr val="bg1">
-                      <a:lumMod val="50000"/>
-                    </a:schemeClr>
-                  </a:solidFill>
-                </a:rPr>
-                <a:t>. </a:t>
-              </a:r>
-              <a:r>
-                <a:rPr lang="de-DE" dirty="0" err="1">
-                  <a:solidFill>
-                    <a:schemeClr val="bg1">
-                      <a:lumMod val="50000"/>
-                    </a:schemeClr>
-                  </a:solidFill>
-                </a:rPr>
-                <a:t>Make</a:t>
-              </a:r>
-              <a:r>
-                <a:rPr lang="de-DE" dirty="0">
-                  <a:solidFill>
-                    <a:schemeClr val="bg1">
-                      <a:lumMod val="50000"/>
-                    </a:schemeClr>
-                  </a:solidFill>
-                </a:rPr>
-                <a:t> </a:t>
-              </a:r>
-              <a:r>
-                <a:rPr lang="de-DE" dirty="0" err="1">
-                  <a:solidFill>
-                    <a:schemeClr val="bg1">
-                      <a:lumMod val="50000"/>
-                    </a:schemeClr>
-                  </a:solidFill>
-                </a:rPr>
-                <a:t>sure</a:t>
-              </a:r>
-              <a:r>
-                <a:rPr lang="de-DE" dirty="0">
-                  <a:solidFill>
-                    <a:schemeClr val="bg1">
-                      <a:lumMod val="50000"/>
-                    </a:schemeClr>
-                  </a:solidFill>
-                </a:rPr>
-                <a:t> </a:t>
-              </a:r>
-              <a:r>
-                <a:rPr lang="de-DE" dirty="0" err="1">
-                  <a:solidFill>
-                    <a:schemeClr val="bg1">
-                      <a:lumMod val="50000"/>
-                    </a:schemeClr>
-                  </a:solidFill>
-                </a:rPr>
-                <a:t>everything</a:t>
-              </a:r>
-              <a:r>
-                <a:rPr lang="de-DE" dirty="0">
-                  <a:solidFill>
-                    <a:schemeClr val="bg1">
-                      <a:lumMod val="50000"/>
-                    </a:schemeClr>
-                  </a:solidFill>
-                </a:rPr>
-                <a:t> </a:t>
-              </a:r>
-              <a:r>
-                <a:rPr lang="de-DE" dirty="0" err="1">
-                  <a:solidFill>
-                    <a:schemeClr val="bg1">
-                      <a:lumMod val="50000"/>
-                    </a:schemeClr>
-                  </a:solidFill>
-                </a:rPr>
-                <a:t>is</a:t>
-              </a:r>
-              <a:r>
-                <a:rPr lang="de-DE" dirty="0">
-                  <a:solidFill>
-                    <a:schemeClr val="bg1">
-                      <a:lumMod val="50000"/>
-                    </a:schemeClr>
-                  </a:solidFill>
-                </a:rPr>
-                <a:t> </a:t>
-              </a:r>
-              <a:r>
-                <a:rPr lang="de-DE" dirty="0" err="1">
-                  <a:solidFill>
-                    <a:schemeClr val="bg1">
-                      <a:lumMod val="50000"/>
-                    </a:schemeClr>
-                  </a:solidFill>
-                </a:rPr>
-                <a:t>true</a:t>
-              </a:r>
-              <a:r>
-                <a:rPr lang="de-DE" dirty="0">
-                  <a:solidFill>
-                    <a:schemeClr val="bg1">
-                      <a:lumMod val="50000"/>
-                    </a:schemeClr>
-                  </a:solidFill>
-                </a:rPr>
-                <a:t> </a:t>
-              </a:r>
-              <a:r>
-                <a:rPr lang="de-DE" dirty="0" err="1">
-                  <a:solidFill>
-                    <a:schemeClr val="bg1">
-                      <a:lumMod val="50000"/>
-                    </a:schemeClr>
-                  </a:solidFill>
-                </a:rPr>
-                <a:t>before</a:t>
-              </a:r>
-              <a:r>
-                <a:rPr lang="de-DE" dirty="0">
-                  <a:solidFill>
-                    <a:schemeClr val="bg1">
-                      <a:lumMod val="50000"/>
-                    </a:schemeClr>
-                  </a:solidFill>
-                </a:rPr>
-                <a:t> </a:t>
-              </a:r>
-              <a:r>
-                <a:rPr lang="de-DE" dirty="0" err="1">
-                  <a:solidFill>
-                    <a:schemeClr val="bg1">
-                      <a:lumMod val="50000"/>
-                    </a:schemeClr>
-                  </a:solidFill>
-                </a:rPr>
-                <a:t>believing</a:t>
-              </a:r>
-              <a:r>
-                <a:rPr lang="de-DE" dirty="0">
-                  <a:solidFill>
-                    <a:schemeClr val="bg1">
-                      <a:lumMod val="50000"/>
-                    </a:schemeClr>
-                  </a:solidFill>
-                </a:rPr>
-                <a:t> it.</a:t>
-              </a:r>
-              <a:endParaRPr lang="LID4096" dirty="0">
-                <a:solidFill>
-                  <a:schemeClr val="bg1">
-                    <a:lumMod val="50000"/>
-                  </a:schemeClr>
-                </a:solidFill>
-              </a:endParaRPr>
+              <a:endParaRPr lang="LID4096" dirty="0"/>
             </a:p>
           </p:txBody>
         </p:sp>
         <p:sp>
           <p:nvSpPr>
-            <p:cNvPr id="46" name="Oval 45">
+            <p:cNvPr id="66" name="TextBox 65">
               <a:extLst>
                 <a:ext uri="{FF2B5EF4-FFF2-40B4-BE49-F238E27FC236}">
-                  <a16:creationId xmlns:a16="http://schemas.microsoft.com/office/drawing/2014/main" id="{838A2481-5030-EE5C-8659-C1344692AFA7}"/>
+                  <a16:creationId xmlns:a16="http://schemas.microsoft.com/office/drawing/2014/main" id="{B22FA24C-A7BD-F134-8809-71E6A924C68D}"/>
                 </a:ext>
               </a:extLst>
             </p:cNvPr>
-            <p:cNvSpPr/>
+            <p:cNvSpPr txBox="1"/>
             <p:nvPr/>
           </p:nvSpPr>
           <p:spPr>
             <a:xfrm>
-              <a:off x="13106169" y="5791626"/>
-              <a:ext cx="723899" cy="723900"/>
-            </a:xfrm>
-            <a:prstGeom prst="ellipse">
-              <a:avLst/>
-            </a:prstGeom>
-            <a:solidFill>
-              <a:srgbClr val="EDF2FA"/>
-            </a:solidFill>
-            <a:ln>
-              <a:solidFill>
-                <a:srgbClr val="00B0F0"/>
-              </a:solidFill>
-            </a:ln>
-          </p:spPr>
-          <p:style>
-            <a:lnRef idx="2">
-              <a:schemeClr val="accent1">
-                <a:shade val="15000"/>
-              </a:schemeClr>
-            </a:lnRef>
-            <a:fillRef idx="1">
-              <a:schemeClr val="accent1"/>
-            </a:fillRef>
-            <a:effectRef idx="0">
-              <a:schemeClr val="accent1"/>
-            </a:effectRef>
-            <a:fontRef idx="minor">
-              <a:schemeClr val="lt1"/>
-            </a:fontRef>
-          </p:style>
-          <p:txBody>
-            <a:bodyPr rtlCol="0" anchor="ctr"/>
-            <a:lstStyle/>
-            <a:p>
-              <a:pPr algn="ctr"/>
-              <a:r>
-                <a:rPr lang="de-DE" sz="6000" dirty="0">
-                  <a:solidFill>
-                    <a:schemeClr val="tx1"/>
-                  </a:solidFill>
-                </a:rPr>
-                <a:t>+</a:t>
-              </a:r>
-              <a:endParaRPr lang="LID4096" sz="6000" dirty="0">
-                <a:solidFill>
-                  <a:schemeClr val="tx1"/>
-                </a:solidFill>
-              </a:endParaRPr>
-            </a:p>
-          </p:txBody>
-        </p:sp>
-        <p:pic>
-          <p:nvPicPr>
-            <p:cNvPr id="47" name="Picture 46" descr="A logo with blue and white stripes&#10;&#10;Description automatically generated">
-              <a:extLst>
-                <a:ext uri="{FF2B5EF4-FFF2-40B4-BE49-F238E27FC236}">
-                  <a16:creationId xmlns:a16="http://schemas.microsoft.com/office/drawing/2014/main" id="{FB18B3CB-38C6-40DA-8DEE-4304DCABBE60}"/>
-                </a:ext>
-              </a:extLst>
-            </p:cNvPr>
-            <p:cNvPicPr>
-              <a:picLocks noChangeAspect="1"/>
-            </p:cNvPicPr>
-            <p:nvPr/>
-          </p:nvPicPr>
-          <p:blipFill>
-            <a:blip r:embed="rId3">
-              <a:extLst>
-                <a:ext uri="{28A0092B-C50C-407E-A947-70E740481C1C}">
-                  <a14:useLocalDpi xmlns:a14="http://schemas.microsoft.com/office/drawing/2010/main" val="0"/>
-                </a:ext>
-              </a:extLst>
-            </a:blip>
-            <a:stretch>
-              <a:fillRect/>
-            </a:stretch>
-          </p:blipFill>
-          <p:spPr>
-            <a:xfrm>
-              <a:off x="7898962" y="3366867"/>
-              <a:ext cx="2088527" cy="2082227"/>
+              <a:off x="286407" y="522497"/>
+              <a:ext cx="5044189" cy="369332"/>
             </a:xfrm>
             <a:prstGeom prst="rect">
               <a:avLst/>
             </a:prstGeom>
+            <a:noFill/>
           </p:spPr>
-        </p:pic>
+          <p:txBody>
+            <a:bodyPr wrap="square" rtlCol="0">
+              <a:spAutoFit/>
+            </a:bodyPr>
+            <a:lstStyle/>
+            <a:p>
+              <a:r>
+                <a:rPr lang="de-DE" dirty="0"/>
+                <a:t>https://vera-chatbot.com</a:t>
+              </a:r>
+              <a:endParaRPr lang="LID4096" dirty="0"/>
+            </a:p>
+          </p:txBody>
+        </p:sp>
       </p:grpSp>
-      <p:pic>
-        <p:nvPicPr>
-          <p:cNvPr id="64" name="Picture 63" descr="A logo with blue and white stripes&#10;&#10;Description automatically generated">
-            <a:extLst>
-              <a:ext uri="{FF2B5EF4-FFF2-40B4-BE49-F238E27FC236}">
-                <a16:creationId xmlns:a16="http://schemas.microsoft.com/office/drawing/2014/main" id="{AAC0CA36-491C-5F6B-7AA6-62CF7C92CE96}"/>
-              </a:ext>
-            </a:extLst>
-          </p:cNvPr>
-          <p:cNvPicPr>
-            <a:picLocks noChangeAspect="1"/>
-          </p:cNvPicPr>
-          <p:nvPr/>
-        </p:nvPicPr>
-        <p:blipFill>
-          <a:blip r:embed="rId4">
-            <a:extLst>
-              <a:ext uri="{BEBA8EAE-BF5A-486C-A8C5-ECC9F3942E4B}">
-                <a14:imgProps xmlns:a14="http://schemas.microsoft.com/office/drawing/2010/main">
-                  <a14:imgLayer r:embed="rId5">
-                    <a14:imgEffect>
-                      <a14:backgroundRemoval t="10000" b="90000" l="10000" r="90000">
-                        <a14:backgroundMark x1="23002" y1="48033" x2="47587" y2="83359"/>
-                        <a14:backgroundMark x1="47587" y1="83359" x2="55732" y2="81165"/>
-                        <a14:backgroundMark x1="55732" y1="81165" x2="79713" y2="47352"/>
-                        <a14:backgroundMark x1="79713" y1="47352" x2="79713" y2="47352"/>
-                        <a14:backgroundMark x1="78658" y1="41150" x2="78658" y2="41150"/>
-                        <a14:backgroundMark x1="78205" y1="40696" x2="78205" y2="40696"/>
-                        <a14:backgroundMark x1="78130" y1="38200" x2="78130" y2="43116"/>
-                        <a14:backgroundMark x1="78582" y1="33964" x2="78281" y2="29123"/>
-                        <a14:backgroundMark x1="53017" y1="28139" x2="53243" y2="27912"/>
-                        <a14:backgroundMark x1="77979" y1="39713" x2="78281" y2="42890"/>
-                        <a14:backgroundMark x1="78130" y1="40696" x2="78205" y2="43192"/>
-                        <a14:backgroundMark x1="77903" y1="40847" x2="78205" y2="42814"/>
-                        <a14:backgroundMark x1="69683" y1="56505" x2="71719" y2="53707"/>
-                      </a14:backgroundRemoval>
-                    </a14:imgEffect>
-                  </a14:imgLayer>
-                </a14:imgProps>
-              </a:ext>
-              <a:ext uri="{28A0092B-C50C-407E-A947-70E740481C1C}">
-                <a14:useLocalDpi xmlns:a14="http://schemas.microsoft.com/office/drawing/2010/main" val="0"/>
-              </a:ext>
-            </a:extLst>
-          </a:blip>
-          <a:srcRect l="20932" t="21634" r="21535" b="19823"/>
-          <a:stretch/>
-        </p:blipFill>
-        <p:spPr>
-          <a:xfrm>
-            <a:off x="-902713" y="100541"/>
-            <a:ext cx="202625" cy="205566"/>
-          </a:xfrm>
-          <a:prstGeom prst="rect">
-            <a:avLst/>
-          </a:prstGeom>
-        </p:spPr>
-      </p:pic>
-      <p:sp>
-        <p:nvSpPr>
-          <p:cNvPr id="65" name="TextBox 64">
-            <a:extLst>
-              <a:ext uri="{FF2B5EF4-FFF2-40B4-BE49-F238E27FC236}">
-                <a16:creationId xmlns:a16="http://schemas.microsoft.com/office/drawing/2014/main" id="{4861EBB7-A0B7-9180-0786-E76AF18BC29E}"/>
-              </a:ext>
-            </a:extLst>
-          </p:cNvPr>
-          <p:cNvSpPr txBox="1"/>
-          <p:nvPr/>
-        </p:nvSpPr>
-        <p:spPr>
-          <a:xfrm>
-            <a:off x="-700088" y="18658"/>
-            <a:ext cx="657943" cy="369332"/>
-          </a:xfrm>
-          <a:prstGeom prst="rect">
-            <a:avLst/>
-          </a:prstGeom>
-          <a:noFill/>
-        </p:spPr>
-        <p:txBody>
-          <a:bodyPr wrap="square" rtlCol="0">
-            <a:spAutoFit/>
-          </a:bodyPr>
-          <a:lstStyle/>
-          <a:p>
-            <a:r>
-              <a:rPr lang="de-DE" dirty="0"/>
-              <a:t>Vera</a:t>
-            </a:r>
-            <a:endParaRPr lang="LID4096" dirty="0"/>
-          </a:p>
-        </p:txBody>
-      </p:sp>
-      <p:sp>
-        <p:nvSpPr>
-          <p:cNvPr id="66" name="TextBox 65">
-            <a:extLst>
-              <a:ext uri="{FF2B5EF4-FFF2-40B4-BE49-F238E27FC236}">
-                <a16:creationId xmlns:a16="http://schemas.microsoft.com/office/drawing/2014/main" id="{B22FA24C-A7BD-F134-8809-71E6A924C68D}"/>
-              </a:ext>
-            </a:extLst>
-          </p:cNvPr>
-          <p:cNvSpPr txBox="1"/>
-          <p:nvPr/>
-        </p:nvSpPr>
-        <p:spPr>
-          <a:xfrm>
-            <a:off x="286407" y="522497"/>
-            <a:ext cx="5044189" cy="369332"/>
-          </a:xfrm>
-          <a:prstGeom prst="rect">
-            <a:avLst/>
-          </a:prstGeom>
-          <a:noFill/>
-        </p:spPr>
-        <p:txBody>
-          <a:bodyPr wrap="square" rtlCol="0">
-            <a:spAutoFit/>
-          </a:bodyPr>
-          <a:lstStyle/>
-          <a:p>
-            <a:r>
-              <a:rPr lang="de-DE" dirty="0"/>
-              <a:t>https://vera-chatbot.com</a:t>
-            </a:r>
-            <a:endParaRPr lang="LID4096" dirty="0"/>
-          </a:p>
-        </p:txBody>
-      </p:sp>
     </p:spTree>
     <p:extLst>
       <p:ext uri="{BB962C8B-B14F-4D97-AF65-F5344CB8AC3E}">
@@ -17588,7 +17609,7 @@
 </file>
 
 <file path=ppt/slides/slide5.xml><?xml version="1.0" encoding="utf-8"?>
-<p:sld xmlns:a="http://schemas.openxmlformats.org/drawingml/2006/main" xmlns:r="http://schemas.openxmlformats.org/officeDocument/2006/relationships" xmlns:p="http://schemas.openxmlformats.org/presentationml/2006/main">
+<p:sld xmlns:a="http://schemas.openxmlformats.org/drawingml/2006/main" xmlns:r="http://schemas.openxmlformats.org/officeDocument/2006/relationships" xmlns:p="http://schemas.openxmlformats.org/presentationml/2006/main" show="0">
   <p:cSld>
     <p:spTree>
       <p:nvGrpSpPr>
